--- a/qm/double-slit.pptx
+++ b/qm/double-slit.pptx
@@ -198,7 +198,7 @@
           <a:p>
             <a:fld id="{4D8C7975-7758-2A45-89D3-3D92B788EE9F}" type="datetimeFigureOut">
               <a:rPr lang="en-US" smtClean="0"/>
-              <a:t>11/25/25</a:t>
+              <a:t>11/28/25</a:t>
             </a:fld>
             <a:endParaRPr lang="en-US"/>
           </a:p>
@@ -696,7 +696,7 @@
           <a:p>
             <a:fld id="{6F302925-4665-5F46-8E77-D7976938C888}" type="datetimeFigureOut">
               <a:rPr lang="en-US" smtClean="0"/>
-              <a:t>11/25/25</a:t>
+              <a:t>11/28/25</a:t>
             </a:fld>
             <a:endParaRPr lang="en-US"/>
           </a:p>
@@ -894,7 +894,7 @@
           <a:p>
             <a:fld id="{6F302925-4665-5F46-8E77-D7976938C888}" type="datetimeFigureOut">
               <a:rPr lang="en-US" smtClean="0"/>
-              <a:t>11/25/25</a:t>
+              <a:t>11/28/25</a:t>
             </a:fld>
             <a:endParaRPr lang="en-US"/>
           </a:p>
@@ -1102,7 +1102,7 @@
           <a:p>
             <a:fld id="{6F302925-4665-5F46-8E77-D7976938C888}" type="datetimeFigureOut">
               <a:rPr lang="en-US" smtClean="0"/>
-              <a:t>11/25/25</a:t>
+              <a:t>11/28/25</a:t>
             </a:fld>
             <a:endParaRPr lang="en-US"/>
           </a:p>
@@ -1300,7 +1300,7 @@
           <a:p>
             <a:fld id="{6F302925-4665-5F46-8E77-D7976938C888}" type="datetimeFigureOut">
               <a:rPr lang="en-US" smtClean="0"/>
-              <a:t>11/25/25</a:t>
+              <a:t>11/28/25</a:t>
             </a:fld>
             <a:endParaRPr lang="en-US"/>
           </a:p>
@@ -1575,7 +1575,7 @@
           <a:p>
             <a:fld id="{6F302925-4665-5F46-8E77-D7976938C888}" type="datetimeFigureOut">
               <a:rPr lang="en-US" smtClean="0"/>
-              <a:t>11/25/25</a:t>
+              <a:t>11/28/25</a:t>
             </a:fld>
             <a:endParaRPr lang="en-US"/>
           </a:p>
@@ -1840,7 +1840,7 @@
           <a:p>
             <a:fld id="{6F302925-4665-5F46-8E77-D7976938C888}" type="datetimeFigureOut">
               <a:rPr lang="en-US" smtClean="0"/>
-              <a:t>11/25/25</a:t>
+              <a:t>11/28/25</a:t>
             </a:fld>
             <a:endParaRPr lang="en-US"/>
           </a:p>
@@ -2252,7 +2252,7 @@
           <a:p>
             <a:fld id="{6F302925-4665-5F46-8E77-D7976938C888}" type="datetimeFigureOut">
               <a:rPr lang="en-US" smtClean="0"/>
-              <a:t>11/25/25</a:t>
+              <a:t>11/28/25</a:t>
             </a:fld>
             <a:endParaRPr lang="en-US"/>
           </a:p>
@@ -2393,7 +2393,7 @@
           <a:p>
             <a:fld id="{6F302925-4665-5F46-8E77-D7976938C888}" type="datetimeFigureOut">
               <a:rPr lang="en-US" smtClean="0"/>
-              <a:t>11/25/25</a:t>
+              <a:t>11/28/25</a:t>
             </a:fld>
             <a:endParaRPr lang="en-US"/>
           </a:p>
@@ -2506,7 +2506,7 @@
           <a:p>
             <a:fld id="{6F302925-4665-5F46-8E77-D7976938C888}" type="datetimeFigureOut">
               <a:rPr lang="en-US" smtClean="0"/>
-              <a:t>11/25/25</a:t>
+              <a:t>11/28/25</a:t>
             </a:fld>
             <a:endParaRPr lang="en-US"/>
           </a:p>
@@ -2817,7 +2817,7 @@
           <a:p>
             <a:fld id="{6F302925-4665-5F46-8E77-D7976938C888}" type="datetimeFigureOut">
               <a:rPr lang="en-US" smtClean="0"/>
-              <a:t>11/25/25</a:t>
+              <a:t>11/28/25</a:t>
             </a:fld>
             <a:endParaRPr lang="en-US"/>
           </a:p>
@@ -3105,7 +3105,7 @@
           <a:p>
             <a:fld id="{6F302925-4665-5F46-8E77-D7976938C888}" type="datetimeFigureOut">
               <a:rPr lang="en-US" smtClean="0"/>
-              <a:t>11/25/25</a:t>
+              <a:t>11/28/25</a:t>
             </a:fld>
             <a:endParaRPr lang="en-US"/>
           </a:p>
@@ -3346,7 +3346,7 @@
           <a:p>
             <a:fld id="{6F302925-4665-5F46-8E77-D7976938C888}" type="datetimeFigureOut">
               <a:rPr lang="en-US" smtClean="0"/>
-              <a:t>11/25/25</a:t>
+              <a:t>11/28/25</a:t>
             </a:fld>
             <a:endParaRPr lang="en-US"/>
           </a:p>
@@ -3769,12 +3769,1172 @@
           <a:chExt cx="0" cy="0"/>
         </a:xfrm>
       </p:grpSpPr>
+      <p:sp>
+        <p:nvSpPr>
+          <p:cNvPr id="52" name="Rectangle 51">
+            <a:extLst>
+              <a:ext uri="{FF2B5EF4-FFF2-40B4-BE49-F238E27FC236}">
+                <a16:creationId xmlns:a16="http://schemas.microsoft.com/office/drawing/2014/main" id="{9BE6C25C-C16E-45C6-A8E8-BA6195A5A518}"/>
+              </a:ext>
+            </a:extLst>
+          </p:cNvPr>
+          <p:cNvSpPr/>
+          <p:nvPr/>
+        </p:nvSpPr>
+        <p:spPr>
+          <a:xfrm>
+            <a:off x="2759620" y="704277"/>
+            <a:ext cx="324009" cy="2749528"/>
+          </a:xfrm>
+          <a:prstGeom prst="rect">
+            <a:avLst/>
+          </a:prstGeom>
+          <a:solidFill>
+            <a:schemeClr val="tx1">
+              <a:lumMod val="50000"/>
+              <a:lumOff val="50000"/>
+            </a:schemeClr>
+          </a:solidFill>
+        </p:spPr>
+        <p:style>
+          <a:lnRef idx="2">
+            <a:schemeClr val="accent3">
+              <a:shade val="15000"/>
+            </a:schemeClr>
+          </a:lnRef>
+          <a:fillRef idx="1">
+            <a:schemeClr val="accent3"/>
+          </a:fillRef>
+          <a:effectRef idx="0">
+            <a:schemeClr val="accent3"/>
+          </a:effectRef>
+          <a:fontRef idx="minor">
+            <a:schemeClr val="lt1"/>
+          </a:fontRef>
+        </p:style>
+        <p:txBody>
+          <a:bodyPr rtlCol="0" anchor="ctr"/>
+          <a:lstStyle/>
+          <a:p>
+            <a:pPr algn="ctr"/>
+            <a:endParaRPr lang="en-US"/>
+          </a:p>
+        </p:txBody>
+      </p:sp>
+      <p:sp>
+        <p:nvSpPr>
+          <p:cNvPr id="53" name="Rectangle 52">
+            <a:extLst>
+              <a:ext uri="{FF2B5EF4-FFF2-40B4-BE49-F238E27FC236}">
+                <a16:creationId xmlns:a16="http://schemas.microsoft.com/office/drawing/2014/main" id="{6B192779-C53B-9F4C-47CF-17221D6199E8}"/>
+              </a:ext>
+            </a:extLst>
+          </p:cNvPr>
+          <p:cNvSpPr/>
+          <p:nvPr/>
+        </p:nvSpPr>
+        <p:spPr>
+          <a:xfrm>
+            <a:off x="4684727" y="704277"/>
+            <a:ext cx="324009" cy="2749528"/>
+          </a:xfrm>
+          <a:prstGeom prst="rect">
+            <a:avLst/>
+          </a:prstGeom>
+          <a:solidFill>
+            <a:schemeClr val="tx1">
+              <a:lumMod val="50000"/>
+              <a:lumOff val="50000"/>
+            </a:schemeClr>
+          </a:solidFill>
+        </p:spPr>
+        <p:style>
+          <a:lnRef idx="2">
+            <a:schemeClr val="accent3">
+              <a:shade val="15000"/>
+            </a:schemeClr>
+          </a:lnRef>
+          <a:fillRef idx="1">
+            <a:schemeClr val="accent3"/>
+          </a:fillRef>
+          <a:effectRef idx="0">
+            <a:schemeClr val="accent3"/>
+          </a:effectRef>
+          <a:fontRef idx="minor">
+            <a:schemeClr val="lt1"/>
+          </a:fontRef>
+        </p:style>
+        <p:txBody>
+          <a:bodyPr rtlCol="0" anchor="ctr"/>
+          <a:lstStyle/>
+          <a:p>
+            <a:pPr algn="ctr"/>
+            <a:endParaRPr lang="en-US"/>
+          </a:p>
+        </p:txBody>
+      </p:sp>
+      <p:sp>
+        <p:nvSpPr>
+          <p:cNvPr id="54" name="Rectangle 53">
+            <a:extLst>
+              <a:ext uri="{FF2B5EF4-FFF2-40B4-BE49-F238E27FC236}">
+                <a16:creationId xmlns:a16="http://schemas.microsoft.com/office/drawing/2014/main" id="{F3C65449-2460-9B9D-29E2-49A9C916D5FC}"/>
+              </a:ext>
+            </a:extLst>
+          </p:cNvPr>
+          <p:cNvSpPr/>
+          <p:nvPr/>
+        </p:nvSpPr>
+        <p:spPr>
+          <a:xfrm>
+            <a:off x="2407021" y="1399085"/>
+            <a:ext cx="1027733" cy="306805"/>
+          </a:xfrm>
+          <a:prstGeom prst="rect">
+            <a:avLst/>
+          </a:prstGeom>
+          <a:solidFill>
+            <a:schemeClr val="bg1"/>
+          </a:solidFill>
+          <a:ln>
+            <a:noFill/>
+          </a:ln>
+        </p:spPr>
+        <p:style>
+          <a:lnRef idx="2">
+            <a:schemeClr val="accent1">
+              <a:shade val="15000"/>
+            </a:schemeClr>
+          </a:lnRef>
+          <a:fillRef idx="1">
+            <a:schemeClr val="accent1"/>
+          </a:fillRef>
+          <a:effectRef idx="0">
+            <a:schemeClr val="accent1"/>
+          </a:effectRef>
+          <a:fontRef idx="minor">
+            <a:schemeClr val="lt1"/>
+          </a:fontRef>
+        </p:style>
+        <p:txBody>
+          <a:bodyPr rtlCol="0" anchor="ctr"/>
+          <a:lstStyle/>
+          <a:p>
+            <a:pPr algn="ctr"/>
+            <a:endParaRPr lang="en-US"/>
+          </a:p>
+        </p:txBody>
+      </p:sp>
+      <p:sp>
+        <p:nvSpPr>
+          <p:cNvPr id="55" name="Rectangle 54">
+            <a:extLst>
+              <a:ext uri="{FF2B5EF4-FFF2-40B4-BE49-F238E27FC236}">
+                <a16:creationId xmlns:a16="http://schemas.microsoft.com/office/drawing/2014/main" id="{7AEEA9C3-0E04-77EF-CE9E-C01FF116BD6C}"/>
+              </a:ext>
+            </a:extLst>
+          </p:cNvPr>
+          <p:cNvSpPr/>
+          <p:nvPr/>
+        </p:nvSpPr>
+        <p:spPr>
+          <a:xfrm>
+            <a:off x="2407020" y="2400698"/>
+            <a:ext cx="929614" cy="393714"/>
+          </a:xfrm>
+          <a:prstGeom prst="rect">
+            <a:avLst/>
+          </a:prstGeom>
+          <a:solidFill>
+            <a:schemeClr val="bg1"/>
+          </a:solidFill>
+          <a:ln>
+            <a:noFill/>
+          </a:ln>
+        </p:spPr>
+        <p:style>
+          <a:lnRef idx="2">
+            <a:schemeClr val="accent1">
+              <a:shade val="15000"/>
+            </a:schemeClr>
+          </a:lnRef>
+          <a:fillRef idx="1">
+            <a:schemeClr val="accent1"/>
+          </a:fillRef>
+          <a:effectRef idx="0">
+            <a:schemeClr val="accent1"/>
+          </a:effectRef>
+          <a:fontRef idx="minor">
+            <a:schemeClr val="lt1"/>
+          </a:fontRef>
+        </p:style>
+        <p:txBody>
+          <a:bodyPr rtlCol="0" anchor="ctr"/>
+          <a:lstStyle/>
+          <a:p>
+            <a:pPr algn="ctr"/>
+            <a:endParaRPr lang="en-US"/>
+          </a:p>
+        </p:txBody>
+      </p:sp>
+      <p:pic>
+        <p:nvPicPr>
+          <p:cNvPr id="56" name="Graphic 55" descr="Flashlight outline">
+            <a:extLst>
+              <a:ext uri="{FF2B5EF4-FFF2-40B4-BE49-F238E27FC236}">
+                <a16:creationId xmlns:a16="http://schemas.microsoft.com/office/drawing/2014/main" id="{0A6F56D9-D34C-6F32-CAA0-6A8C7AF6E47B}"/>
+              </a:ext>
+            </a:extLst>
+          </p:cNvPr>
+          <p:cNvPicPr>
+            <a:picLocks noChangeAspect="1"/>
+          </p:cNvPicPr>
+          <p:nvPr/>
+        </p:nvPicPr>
+        <p:blipFill>
+          <a:blip r:embed="rId2">
+            <a:extLst>
+              <a:ext uri="{96DAC541-7B7A-43D3-8B79-37D633B846F1}">
+                <asvg:svgBlip xmlns:asvg="http://schemas.microsoft.com/office/drawing/2016/SVG/main" r:embed="rId3"/>
+              </a:ext>
+            </a:extLst>
+          </a:blip>
+          <a:stretch>
+            <a:fillRect/>
+          </a:stretch>
+        </p:blipFill>
+        <p:spPr>
+          <a:xfrm rot="2700000">
+            <a:off x="544626" y="1799365"/>
+            <a:ext cx="677562" cy="657548"/>
+          </a:xfrm>
+          <a:prstGeom prst="rect">
+            <a:avLst/>
+          </a:prstGeom>
+        </p:spPr>
+      </p:pic>
+      <p:pic>
+        <p:nvPicPr>
+          <p:cNvPr id="60" name="Graphic 59" descr="Eye with solid fill">
+            <a:extLst>
+              <a:ext uri="{FF2B5EF4-FFF2-40B4-BE49-F238E27FC236}">
+                <a16:creationId xmlns:a16="http://schemas.microsoft.com/office/drawing/2014/main" id="{DE9E040D-1899-C155-3415-12E1412393C3}"/>
+              </a:ext>
+            </a:extLst>
+          </p:cNvPr>
+          <p:cNvPicPr>
+            <a:picLocks noChangeAspect="1"/>
+          </p:cNvPicPr>
+          <p:nvPr/>
+        </p:nvPicPr>
+        <p:blipFill>
+          <a:blip r:embed="rId4">
+            <a:extLst>
+              <a:ext uri="{96DAC541-7B7A-43D3-8B79-37D633B846F1}">
+                <asvg:svgBlip xmlns:asvg="http://schemas.microsoft.com/office/drawing/2016/SVG/main" r:embed="rId5"/>
+              </a:ext>
+            </a:extLst>
+          </a:blip>
+          <a:stretch>
+            <a:fillRect/>
+          </a:stretch>
+        </p:blipFill>
+        <p:spPr>
+          <a:xfrm>
+            <a:off x="4530115" y="952225"/>
+            <a:ext cx="657548" cy="677562"/>
+          </a:xfrm>
+          <a:prstGeom prst="rect">
+            <a:avLst/>
+          </a:prstGeom>
+        </p:spPr>
+      </p:pic>
+      <p:pic>
+        <p:nvPicPr>
+          <p:cNvPr id="61" name="Graphic 60" descr="Eye with solid fill">
+            <a:extLst>
+              <a:ext uri="{FF2B5EF4-FFF2-40B4-BE49-F238E27FC236}">
+                <a16:creationId xmlns:a16="http://schemas.microsoft.com/office/drawing/2014/main" id="{16237CAE-9E63-206C-BAA2-8A75512A520D}"/>
+              </a:ext>
+            </a:extLst>
+          </p:cNvPr>
+          <p:cNvPicPr>
+            <a:picLocks noChangeAspect="1"/>
+          </p:cNvPicPr>
+          <p:nvPr/>
+        </p:nvPicPr>
+        <p:blipFill>
+          <a:blip r:embed="rId4">
+            <a:extLst>
+              <a:ext uri="{96DAC541-7B7A-43D3-8B79-37D633B846F1}">
+                <asvg:svgBlip xmlns:asvg="http://schemas.microsoft.com/office/drawing/2016/SVG/main" r:embed="rId5"/>
+              </a:ext>
+            </a:extLst>
+          </a:blip>
+          <a:stretch>
+            <a:fillRect/>
+          </a:stretch>
+        </p:blipFill>
+        <p:spPr>
+          <a:xfrm>
+            <a:off x="4517959" y="1705891"/>
+            <a:ext cx="657548" cy="677562"/>
+          </a:xfrm>
+          <a:prstGeom prst="rect">
+            <a:avLst/>
+          </a:prstGeom>
+        </p:spPr>
+      </p:pic>
+      <p:pic>
+        <p:nvPicPr>
+          <p:cNvPr id="62" name="Graphic 61" descr="Eye with solid fill">
+            <a:extLst>
+              <a:ext uri="{FF2B5EF4-FFF2-40B4-BE49-F238E27FC236}">
+                <a16:creationId xmlns:a16="http://schemas.microsoft.com/office/drawing/2014/main" id="{682A65D2-CB51-B673-4FE6-92774DD437DA}"/>
+              </a:ext>
+            </a:extLst>
+          </p:cNvPr>
+          <p:cNvPicPr>
+            <a:picLocks noChangeAspect="1"/>
+          </p:cNvPicPr>
+          <p:nvPr/>
+        </p:nvPicPr>
+        <p:blipFill>
+          <a:blip r:embed="rId4">
+            <a:extLst>
+              <a:ext uri="{96DAC541-7B7A-43D3-8B79-37D633B846F1}">
+                <asvg:svgBlip xmlns:asvg="http://schemas.microsoft.com/office/drawing/2016/SVG/main" r:embed="rId5"/>
+              </a:ext>
+            </a:extLst>
+          </a:blip>
+          <a:stretch>
+            <a:fillRect/>
+          </a:stretch>
+        </p:blipFill>
+        <p:spPr>
+          <a:xfrm>
+            <a:off x="4538332" y="2506200"/>
+            <a:ext cx="657548" cy="677562"/>
+          </a:xfrm>
+          <a:prstGeom prst="rect">
+            <a:avLst/>
+          </a:prstGeom>
+        </p:spPr>
+      </p:pic>
+      <p:sp>
+        <p:nvSpPr>
+          <p:cNvPr id="63" name="TextBox 62">
+            <a:extLst>
+              <a:ext uri="{FF2B5EF4-FFF2-40B4-BE49-F238E27FC236}">
+                <a16:creationId xmlns:a16="http://schemas.microsoft.com/office/drawing/2014/main" id="{BEE44035-6989-59A9-BB98-D79F81C26738}"/>
+              </a:ext>
+            </a:extLst>
+          </p:cNvPr>
+          <p:cNvSpPr txBox="1"/>
+          <p:nvPr/>
+        </p:nvSpPr>
+        <p:spPr>
+          <a:xfrm>
+            <a:off x="2811023" y="1364655"/>
+            <a:ext cx="263077" cy="369332"/>
+          </a:xfrm>
+          <a:prstGeom prst="rect">
+            <a:avLst/>
+          </a:prstGeom>
+          <a:noFill/>
+        </p:spPr>
+        <p:txBody>
+          <a:bodyPr wrap="square" rtlCol="0">
+            <a:spAutoFit/>
+          </a:bodyPr>
+          <a:lstStyle/>
+          <a:p>
+            <a:r>
+              <a:rPr lang="en-US" i="1" dirty="0"/>
+              <a:t>b</a:t>
+            </a:r>
+          </a:p>
+        </p:txBody>
+      </p:sp>
+      <p:sp>
+        <p:nvSpPr>
+          <p:cNvPr id="64" name="TextBox 63">
+            <a:extLst>
+              <a:ext uri="{FF2B5EF4-FFF2-40B4-BE49-F238E27FC236}">
+                <a16:creationId xmlns:a16="http://schemas.microsoft.com/office/drawing/2014/main" id="{F8EE9DC8-45F1-8A43-AB26-932EC6084563}"/>
+              </a:ext>
+            </a:extLst>
+          </p:cNvPr>
+          <p:cNvSpPr txBox="1"/>
+          <p:nvPr/>
+        </p:nvSpPr>
+        <p:spPr>
+          <a:xfrm>
+            <a:off x="2807031" y="2460987"/>
+            <a:ext cx="263077" cy="369332"/>
+          </a:xfrm>
+          <a:prstGeom prst="rect">
+            <a:avLst/>
+          </a:prstGeom>
+          <a:noFill/>
+        </p:spPr>
+        <p:txBody>
+          <a:bodyPr wrap="square" rtlCol="0">
+            <a:spAutoFit/>
+          </a:bodyPr>
+          <a:lstStyle/>
+          <a:p>
+            <a:r>
+              <a:rPr lang="en-US" i="1" dirty="0"/>
+              <a:t>c</a:t>
+            </a:r>
+          </a:p>
+        </p:txBody>
+      </p:sp>
+      <p:sp>
+        <p:nvSpPr>
+          <p:cNvPr id="65" name="TextBox 64">
+            <a:extLst>
+              <a:ext uri="{FF2B5EF4-FFF2-40B4-BE49-F238E27FC236}">
+                <a16:creationId xmlns:a16="http://schemas.microsoft.com/office/drawing/2014/main" id="{5CA96744-42C3-A7AC-B300-B09B3D43CD44}"/>
+              </a:ext>
+            </a:extLst>
+          </p:cNvPr>
+          <p:cNvSpPr txBox="1"/>
+          <p:nvPr/>
+        </p:nvSpPr>
+        <p:spPr>
+          <a:xfrm>
+            <a:off x="5252945" y="1154170"/>
+            <a:ext cx="525671" cy="369332"/>
+          </a:xfrm>
+          <a:prstGeom prst="rect">
+            <a:avLst/>
+          </a:prstGeom>
+          <a:noFill/>
+        </p:spPr>
+        <p:txBody>
+          <a:bodyPr wrap="square" rtlCol="0">
+            <a:spAutoFit/>
+          </a:bodyPr>
+          <a:lstStyle/>
+          <a:p>
+            <a:r>
+              <a:rPr lang="en-US" i="1" dirty="0"/>
+              <a:t>e</a:t>
+            </a:r>
+          </a:p>
+        </p:txBody>
+      </p:sp>
+      <p:sp>
+        <p:nvSpPr>
+          <p:cNvPr id="66" name="TextBox 65">
+            <a:extLst>
+              <a:ext uri="{FF2B5EF4-FFF2-40B4-BE49-F238E27FC236}">
+                <a16:creationId xmlns:a16="http://schemas.microsoft.com/office/drawing/2014/main" id="{2BFCB132-A5BA-24AE-C4F8-FDC5524895D5}"/>
+              </a:ext>
+            </a:extLst>
+          </p:cNvPr>
+          <p:cNvSpPr txBox="1"/>
+          <p:nvPr/>
+        </p:nvSpPr>
+        <p:spPr>
+          <a:xfrm>
+            <a:off x="5275099" y="1942204"/>
+            <a:ext cx="481361" cy="369332"/>
+          </a:xfrm>
+          <a:prstGeom prst="rect">
+            <a:avLst/>
+          </a:prstGeom>
+          <a:noFill/>
+        </p:spPr>
+        <p:txBody>
+          <a:bodyPr wrap="square" rtlCol="0">
+            <a:spAutoFit/>
+          </a:bodyPr>
+          <a:lstStyle/>
+          <a:p>
+            <a:r>
+              <a:rPr lang="en-US" i="1" dirty="0"/>
+              <a:t>f</a:t>
+            </a:r>
+          </a:p>
+        </p:txBody>
+      </p:sp>
+      <p:sp>
+        <p:nvSpPr>
+          <p:cNvPr id="67" name="TextBox 66">
+            <a:extLst>
+              <a:ext uri="{FF2B5EF4-FFF2-40B4-BE49-F238E27FC236}">
+                <a16:creationId xmlns:a16="http://schemas.microsoft.com/office/drawing/2014/main" id="{06E6EDA0-91EB-E4DF-9971-5713D6C2F2CD}"/>
+              </a:ext>
+            </a:extLst>
+          </p:cNvPr>
+          <p:cNvSpPr txBox="1"/>
+          <p:nvPr/>
+        </p:nvSpPr>
+        <p:spPr>
+          <a:xfrm>
+            <a:off x="5275098" y="2730237"/>
+            <a:ext cx="481361" cy="369332"/>
+          </a:xfrm>
+          <a:prstGeom prst="rect">
+            <a:avLst/>
+          </a:prstGeom>
+          <a:noFill/>
+        </p:spPr>
+        <p:txBody>
+          <a:bodyPr wrap="square" rtlCol="0">
+            <a:spAutoFit/>
+          </a:bodyPr>
+          <a:lstStyle/>
+          <a:p>
+            <a:r>
+              <a:rPr lang="en-US" i="1" dirty="0"/>
+              <a:t>g</a:t>
+            </a:r>
+          </a:p>
+        </p:txBody>
+      </p:sp>
+      <p:sp>
+        <p:nvSpPr>
+          <p:cNvPr id="68" name="TextBox 67">
+            <a:extLst>
+              <a:ext uri="{FF2B5EF4-FFF2-40B4-BE49-F238E27FC236}">
+                <a16:creationId xmlns:a16="http://schemas.microsoft.com/office/drawing/2014/main" id="{5EDE4C9F-C7FD-3E21-9FC4-EACA2F3CFD84}"/>
+              </a:ext>
+            </a:extLst>
+          </p:cNvPr>
+          <p:cNvSpPr txBox="1"/>
+          <p:nvPr/>
+        </p:nvSpPr>
+        <p:spPr>
+          <a:xfrm>
+            <a:off x="563830" y="2187698"/>
+            <a:ext cx="263077" cy="273672"/>
+          </a:xfrm>
+          <a:prstGeom prst="rect">
+            <a:avLst/>
+          </a:prstGeom>
+          <a:noFill/>
+        </p:spPr>
+        <p:txBody>
+          <a:bodyPr wrap="square" rtlCol="0">
+            <a:spAutoFit/>
+          </a:bodyPr>
+          <a:lstStyle/>
+          <a:p>
+            <a:r>
+              <a:rPr lang="en-US" i="1" dirty="0"/>
+              <a:t>s</a:t>
+            </a:r>
+          </a:p>
+        </p:txBody>
+      </p:sp>
+      <p:sp>
+        <p:nvSpPr>
+          <p:cNvPr id="6" name="Rectangle 5">
+            <a:extLst>
+              <a:ext uri="{FF2B5EF4-FFF2-40B4-BE49-F238E27FC236}">
+                <a16:creationId xmlns:a16="http://schemas.microsoft.com/office/drawing/2014/main" id="{649686DE-9B88-6812-CAE9-A5C571F836B9}"/>
+              </a:ext>
+            </a:extLst>
+          </p:cNvPr>
+          <p:cNvSpPr/>
+          <p:nvPr/>
+        </p:nvSpPr>
+        <p:spPr>
+          <a:xfrm>
+            <a:off x="7183266" y="1116706"/>
+            <a:ext cx="1029206" cy="392790"/>
+          </a:xfrm>
+          <a:prstGeom prst="rect">
+            <a:avLst/>
+          </a:prstGeom>
+          <a:solidFill>
+            <a:schemeClr val="bg1"/>
+          </a:solidFill>
+          <a:ln>
+            <a:noFill/>
+          </a:ln>
+        </p:spPr>
+        <p:style>
+          <a:lnRef idx="2">
+            <a:schemeClr val="accent1">
+              <a:shade val="15000"/>
+            </a:schemeClr>
+          </a:lnRef>
+          <a:fillRef idx="1">
+            <a:schemeClr val="accent1"/>
+          </a:fillRef>
+          <a:effectRef idx="0">
+            <a:schemeClr val="accent1"/>
+          </a:effectRef>
+          <a:fontRef idx="minor">
+            <a:schemeClr val="lt1"/>
+          </a:fontRef>
+        </p:style>
+        <p:txBody>
+          <a:bodyPr rtlCol="0" anchor="ctr"/>
+          <a:lstStyle/>
+          <a:p>
+            <a:pPr algn="ctr"/>
+            <a:endParaRPr lang="en-US"/>
+          </a:p>
+        </p:txBody>
+      </p:sp>
+      <p:sp>
+        <p:nvSpPr>
+          <p:cNvPr id="7" name="Rectangle 6">
+            <a:extLst>
+              <a:ext uri="{FF2B5EF4-FFF2-40B4-BE49-F238E27FC236}">
+                <a16:creationId xmlns:a16="http://schemas.microsoft.com/office/drawing/2014/main" id="{F851D3B7-D76E-9B75-82DC-10BE6230A282}"/>
+              </a:ext>
+            </a:extLst>
+          </p:cNvPr>
+          <p:cNvSpPr/>
+          <p:nvPr/>
+        </p:nvSpPr>
+        <p:spPr>
+          <a:xfrm>
+            <a:off x="7183265" y="2108500"/>
+            <a:ext cx="1029206" cy="392790"/>
+          </a:xfrm>
+          <a:prstGeom prst="rect">
+            <a:avLst/>
+          </a:prstGeom>
+          <a:solidFill>
+            <a:schemeClr val="bg1"/>
+          </a:solidFill>
+          <a:ln>
+            <a:noFill/>
+          </a:ln>
+        </p:spPr>
+        <p:style>
+          <a:lnRef idx="2">
+            <a:schemeClr val="accent1">
+              <a:shade val="15000"/>
+            </a:schemeClr>
+          </a:lnRef>
+          <a:fillRef idx="1">
+            <a:schemeClr val="accent1"/>
+          </a:fillRef>
+          <a:effectRef idx="0">
+            <a:schemeClr val="accent1"/>
+          </a:effectRef>
+          <a:fontRef idx="minor">
+            <a:schemeClr val="lt1"/>
+          </a:fontRef>
+        </p:style>
+        <p:txBody>
+          <a:bodyPr rtlCol="0" anchor="ctr"/>
+          <a:lstStyle/>
+          <a:p>
+            <a:pPr algn="ctr"/>
+            <a:endParaRPr lang="en-US"/>
+          </a:p>
+        </p:txBody>
+      </p:sp>
+      <p:sp>
+        <p:nvSpPr>
+          <p:cNvPr id="24" name="TextBox 23">
+            <a:extLst>
+              <a:ext uri="{FF2B5EF4-FFF2-40B4-BE49-F238E27FC236}">
+                <a16:creationId xmlns:a16="http://schemas.microsoft.com/office/drawing/2014/main" id="{8E74F926-AEB0-CB45-C34C-2A14A44ED625}"/>
+              </a:ext>
+            </a:extLst>
+          </p:cNvPr>
+          <p:cNvSpPr txBox="1"/>
+          <p:nvPr/>
+        </p:nvSpPr>
+        <p:spPr>
+          <a:xfrm>
+            <a:off x="8618216" y="1225523"/>
+            <a:ext cx="263077" cy="273672"/>
+          </a:xfrm>
+          <a:prstGeom prst="rect">
+            <a:avLst/>
+          </a:prstGeom>
+        </p:spPr>
+        <p:style>
+          <a:lnRef idx="1">
+            <a:schemeClr val="accent1"/>
+          </a:lnRef>
+          <a:fillRef idx="3">
+            <a:schemeClr val="accent1"/>
+          </a:fillRef>
+          <a:effectRef idx="2">
+            <a:schemeClr val="accent1"/>
+          </a:effectRef>
+          <a:fontRef idx="minor">
+            <a:schemeClr val="lt1"/>
+          </a:fontRef>
+        </p:style>
+        <p:txBody>
+          <a:bodyPr wrap="square" rtlCol="0">
+            <a:spAutoFit/>
+          </a:bodyPr>
+          <a:lstStyle/>
+          <a:p>
+            <a:r>
+              <a:rPr lang="en-US" i="1" dirty="0"/>
+              <a:t>a</a:t>
+            </a:r>
+          </a:p>
+        </p:txBody>
+      </p:sp>
+      <p:sp>
+        <p:nvSpPr>
+          <p:cNvPr id="25" name="TextBox 24">
+            <a:extLst>
+              <a:ext uri="{FF2B5EF4-FFF2-40B4-BE49-F238E27FC236}">
+                <a16:creationId xmlns:a16="http://schemas.microsoft.com/office/drawing/2014/main" id="{D4A403C4-E1B6-7B27-49A0-0E470B9A6764}"/>
+              </a:ext>
+            </a:extLst>
+          </p:cNvPr>
+          <p:cNvSpPr txBox="1"/>
+          <p:nvPr/>
+        </p:nvSpPr>
+        <p:spPr>
+          <a:xfrm>
+            <a:off x="8632512" y="2328757"/>
+            <a:ext cx="263077" cy="369332"/>
+          </a:xfrm>
+          <a:prstGeom prst="rect">
+            <a:avLst/>
+          </a:prstGeom>
+        </p:spPr>
+        <p:style>
+          <a:lnRef idx="1">
+            <a:schemeClr val="accent1"/>
+          </a:lnRef>
+          <a:fillRef idx="3">
+            <a:schemeClr val="accent1"/>
+          </a:fillRef>
+          <a:effectRef idx="2">
+            <a:schemeClr val="accent1"/>
+          </a:effectRef>
+          <a:fontRef idx="minor">
+            <a:schemeClr val="lt1"/>
+          </a:fontRef>
+        </p:style>
+        <p:txBody>
+          <a:bodyPr wrap="square" rtlCol="0">
+            <a:spAutoFit/>
+          </a:bodyPr>
+          <a:lstStyle/>
+          <a:p>
+            <a:r>
+              <a:rPr lang="en-US" i="1" dirty="0"/>
+              <a:t>c</a:t>
+            </a:r>
+          </a:p>
+        </p:txBody>
+      </p:sp>
+      <p:sp>
+        <p:nvSpPr>
+          <p:cNvPr id="26" name="TextBox 25">
+            <a:extLst>
+              <a:ext uri="{FF2B5EF4-FFF2-40B4-BE49-F238E27FC236}">
+                <a16:creationId xmlns:a16="http://schemas.microsoft.com/office/drawing/2014/main" id="{63CF1763-F1A9-D83F-4DCE-D1A16BDE7DE9}"/>
+              </a:ext>
+            </a:extLst>
+          </p:cNvPr>
+          <p:cNvSpPr txBox="1"/>
+          <p:nvPr/>
+        </p:nvSpPr>
+        <p:spPr>
+          <a:xfrm>
+            <a:off x="10029190" y="957775"/>
+            <a:ext cx="326607" cy="369332"/>
+          </a:xfrm>
+          <a:prstGeom prst="rect">
+            <a:avLst/>
+          </a:prstGeom>
+        </p:spPr>
+        <p:style>
+          <a:lnRef idx="1">
+            <a:schemeClr val="accent1"/>
+          </a:lnRef>
+          <a:fillRef idx="3">
+            <a:schemeClr val="accent1"/>
+          </a:fillRef>
+          <a:effectRef idx="2">
+            <a:schemeClr val="accent1"/>
+          </a:effectRef>
+          <a:fontRef idx="minor">
+            <a:schemeClr val="lt1"/>
+          </a:fontRef>
+        </p:style>
+        <p:txBody>
+          <a:bodyPr wrap="square" rtlCol="0">
+            <a:spAutoFit/>
+          </a:bodyPr>
+          <a:lstStyle/>
+          <a:p>
+            <a:r>
+              <a:rPr lang="en-US" i="1" dirty="0"/>
+              <a:t>d</a:t>
+            </a:r>
+          </a:p>
+        </p:txBody>
+      </p:sp>
+      <p:sp>
+        <p:nvSpPr>
+          <p:cNvPr id="27" name="TextBox 26">
+            <a:extLst>
+              <a:ext uri="{FF2B5EF4-FFF2-40B4-BE49-F238E27FC236}">
+                <a16:creationId xmlns:a16="http://schemas.microsoft.com/office/drawing/2014/main" id="{555AA57E-229C-67C4-A44C-CF5FE988DE9E}"/>
+              </a:ext>
+            </a:extLst>
+          </p:cNvPr>
+          <p:cNvSpPr txBox="1"/>
+          <p:nvPr/>
+        </p:nvSpPr>
+        <p:spPr>
+          <a:xfrm>
+            <a:off x="10051344" y="1745809"/>
+            <a:ext cx="299077" cy="369332"/>
+          </a:xfrm>
+          <a:prstGeom prst="rect">
+            <a:avLst/>
+          </a:prstGeom>
+        </p:spPr>
+        <p:style>
+          <a:lnRef idx="1">
+            <a:schemeClr val="accent1"/>
+          </a:lnRef>
+          <a:fillRef idx="3">
+            <a:schemeClr val="accent1"/>
+          </a:fillRef>
+          <a:effectRef idx="2">
+            <a:schemeClr val="accent1"/>
+          </a:effectRef>
+          <a:fontRef idx="minor">
+            <a:schemeClr val="lt1"/>
+          </a:fontRef>
+        </p:style>
+        <p:txBody>
+          <a:bodyPr wrap="square" rtlCol="0">
+            <a:spAutoFit/>
+          </a:bodyPr>
+          <a:lstStyle/>
+          <a:p>
+            <a:r>
+              <a:rPr lang="en-US" i="1" dirty="0"/>
+              <a:t>e</a:t>
+            </a:r>
+          </a:p>
+        </p:txBody>
+      </p:sp>
+      <p:sp>
+        <p:nvSpPr>
+          <p:cNvPr id="28" name="TextBox 27">
+            <a:extLst>
+              <a:ext uri="{FF2B5EF4-FFF2-40B4-BE49-F238E27FC236}">
+                <a16:creationId xmlns:a16="http://schemas.microsoft.com/office/drawing/2014/main" id="{28803BFF-D706-FEDF-6A3B-C4D1E4F94AF5}"/>
+              </a:ext>
+            </a:extLst>
+          </p:cNvPr>
+          <p:cNvSpPr txBox="1"/>
+          <p:nvPr/>
+        </p:nvSpPr>
+        <p:spPr>
+          <a:xfrm>
+            <a:off x="10051344" y="2387299"/>
+            <a:ext cx="299077" cy="369332"/>
+          </a:xfrm>
+          <a:prstGeom prst="rect">
+            <a:avLst/>
+          </a:prstGeom>
+        </p:spPr>
+        <p:style>
+          <a:lnRef idx="1">
+            <a:schemeClr val="accent1"/>
+          </a:lnRef>
+          <a:fillRef idx="3">
+            <a:schemeClr val="accent1"/>
+          </a:fillRef>
+          <a:effectRef idx="2">
+            <a:schemeClr val="accent1"/>
+          </a:effectRef>
+          <a:fontRef idx="minor">
+            <a:schemeClr val="lt1"/>
+          </a:fontRef>
+        </p:style>
+        <p:txBody>
+          <a:bodyPr wrap="square" rtlCol="0">
+            <a:spAutoFit/>
+          </a:bodyPr>
+          <a:lstStyle/>
+          <a:p>
+            <a:r>
+              <a:rPr lang="en-US" i="1" dirty="0"/>
+              <a:t>f</a:t>
+            </a:r>
+          </a:p>
+        </p:txBody>
+      </p:sp>
+      <p:sp>
+        <p:nvSpPr>
+          <p:cNvPr id="29" name="TextBox 28">
+            <a:extLst>
+              <a:ext uri="{FF2B5EF4-FFF2-40B4-BE49-F238E27FC236}">
+                <a16:creationId xmlns:a16="http://schemas.microsoft.com/office/drawing/2014/main" id="{C7CABE3E-E462-C660-0A67-7A34E2CACA42}"/>
+              </a:ext>
+            </a:extLst>
+          </p:cNvPr>
+          <p:cNvSpPr txBox="1"/>
+          <p:nvPr/>
+        </p:nvSpPr>
+        <p:spPr>
+          <a:xfrm>
+            <a:off x="7422270" y="1809293"/>
+            <a:ext cx="263077" cy="273672"/>
+          </a:xfrm>
+          <a:prstGeom prst="rect">
+            <a:avLst/>
+          </a:prstGeom>
+        </p:spPr>
+        <p:style>
+          <a:lnRef idx="1">
+            <a:schemeClr val="accent1"/>
+          </a:lnRef>
+          <a:fillRef idx="3">
+            <a:schemeClr val="accent1"/>
+          </a:fillRef>
+          <a:effectRef idx="2">
+            <a:schemeClr val="accent1"/>
+          </a:effectRef>
+          <a:fontRef idx="minor">
+            <a:schemeClr val="lt1"/>
+          </a:fontRef>
+        </p:style>
+        <p:txBody>
+          <a:bodyPr wrap="square" rtlCol="0">
+            <a:spAutoFit/>
+          </a:bodyPr>
+          <a:lstStyle/>
+          <a:p>
+            <a:r>
+              <a:rPr lang="en-US" i="1" dirty="0"/>
+              <a:t>s</a:t>
+            </a:r>
+          </a:p>
+        </p:txBody>
+      </p:sp>
+      <p:cxnSp>
+        <p:nvCxnSpPr>
+          <p:cNvPr id="70" name="Straight Arrow Connector 69">
+            <a:extLst>
+              <a:ext uri="{FF2B5EF4-FFF2-40B4-BE49-F238E27FC236}">
+                <a16:creationId xmlns:a16="http://schemas.microsoft.com/office/drawing/2014/main" id="{735FF4D0-04EA-A88D-118C-FC13BD02CBD3}"/>
+              </a:ext>
+            </a:extLst>
+          </p:cNvPr>
+          <p:cNvCxnSpPr>
+            <a:cxnSpLocks/>
+          </p:cNvCxnSpPr>
+          <p:nvPr/>
+        </p:nvCxnSpPr>
+        <p:spPr>
+          <a:xfrm flipV="1">
+            <a:off x="7752063" y="1474962"/>
+            <a:ext cx="758914" cy="444663"/>
+          </a:xfrm>
+          <a:prstGeom prst="straightConnector1">
+            <a:avLst/>
+          </a:prstGeom>
+          <a:ln>
+            <a:tailEnd type="triangle"/>
+          </a:ln>
+        </p:spPr>
+        <p:style>
+          <a:lnRef idx="3">
+            <a:schemeClr val="accent4"/>
+          </a:lnRef>
+          <a:fillRef idx="0">
+            <a:schemeClr val="accent4"/>
+          </a:fillRef>
+          <a:effectRef idx="2">
+            <a:schemeClr val="accent4"/>
+          </a:effectRef>
+          <a:fontRef idx="minor">
+            <a:schemeClr val="tx1"/>
+          </a:fontRef>
+        </p:style>
+      </p:cxnSp>
+      <p:cxnSp>
+        <p:nvCxnSpPr>
+          <p:cNvPr id="75" name="Straight Arrow Connector 74">
+            <a:extLst>
+              <a:ext uri="{FF2B5EF4-FFF2-40B4-BE49-F238E27FC236}">
+                <a16:creationId xmlns:a16="http://schemas.microsoft.com/office/drawing/2014/main" id="{638E3A6F-790C-AAA2-6736-029FBB0C4FB1}"/>
+              </a:ext>
+            </a:extLst>
+          </p:cNvPr>
+          <p:cNvCxnSpPr>
+            <a:cxnSpLocks/>
+            <a:endCxn id="25" idx="1"/>
+          </p:cNvCxnSpPr>
+          <p:nvPr/>
+        </p:nvCxnSpPr>
+        <p:spPr>
+          <a:xfrm>
+            <a:off x="7740873" y="2056461"/>
+            <a:ext cx="891639" cy="456962"/>
+          </a:xfrm>
+          <a:prstGeom prst="straightConnector1">
+            <a:avLst/>
+          </a:prstGeom>
+          <a:ln>
+            <a:tailEnd type="triangle"/>
+          </a:ln>
+        </p:spPr>
+        <p:style>
+          <a:lnRef idx="3">
+            <a:schemeClr val="accent4"/>
+          </a:lnRef>
+          <a:fillRef idx="0">
+            <a:schemeClr val="accent4"/>
+          </a:fillRef>
+          <a:effectRef idx="2">
+            <a:schemeClr val="accent4"/>
+          </a:effectRef>
+          <a:fontRef idx="minor">
+            <a:schemeClr val="tx1"/>
+          </a:fontRef>
+        </p:style>
+      </p:cxnSp>
+      <p:cxnSp>
+        <p:nvCxnSpPr>
+          <p:cNvPr id="71" name="Straight Arrow Connector 70">
+            <a:extLst>
+              <a:ext uri="{FF2B5EF4-FFF2-40B4-BE49-F238E27FC236}">
+                <a16:creationId xmlns:a16="http://schemas.microsoft.com/office/drawing/2014/main" id="{FA5AFAC7-6357-1F3F-0EC6-C396462D1EBE}"/>
+              </a:ext>
+            </a:extLst>
+          </p:cNvPr>
+          <p:cNvCxnSpPr>
+            <a:cxnSpLocks/>
+          </p:cNvCxnSpPr>
+          <p:nvPr/>
+        </p:nvCxnSpPr>
+        <p:spPr>
+          <a:xfrm flipV="1">
+            <a:off x="9002892" y="1140398"/>
+            <a:ext cx="951509" cy="630640"/>
+          </a:xfrm>
+          <a:prstGeom prst="straightConnector1">
+            <a:avLst/>
+          </a:prstGeom>
+          <a:ln>
+            <a:tailEnd type="triangle"/>
+          </a:ln>
+        </p:spPr>
+        <p:style>
+          <a:lnRef idx="3">
+            <a:schemeClr val="accent4"/>
+          </a:lnRef>
+          <a:fillRef idx="0">
+            <a:schemeClr val="accent4"/>
+          </a:fillRef>
+          <a:effectRef idx="2">
+            <a:schemeClr val="accent4"/>
+          </a:effectRef>
+          <a:fontRef idx="minor">
+            <a:schemeClr val="tx1"/>
+          </a:fontRef>
+        </p:style>
+      </p:cxnSp>
+      <p:cxnSp>
+        <p:nvCxnSpPr>
+          <p:cNvPr id="77" name="Straight Arrow Connector 76">
+            <a:extLst>
+              <a:ext uri="{FF2B5EF4-FFF2-40B4-BE49-F238E27FC236}">
+                <a16:creationId xmlns:a16="http://schemas.microsoft.com/office/drawing/2014/main" id="{D1E7E9AA-77DE-82AE-8055-2E763603015F}"/>
+              </a:ext>
+            </a:extLst>
+          </p:cNvPr>
+          <p:cNvCxnSpPr>
+            <a:cxnSpLocks/>
+          </p:cNvCxnSpPr>
+          <p:nvPr/>
+        </p:nvCxnSpPr>
+        <p:spPr>
+          <a:xfrm>
+            <a:off x="8995081" y="1953696"/>
+            <a:ext cx="1030969" cy="674947"/>
+          </a:xfrm>
+          <a:prstGeom prst="straightConnector1">
+            <a:avLst/>
+          </a:prstGeom>
+          <a:ln>
+            <a:tailEnd type="triangle"/>
+          </a:ln>
+        </p:spPr>
+        <p:style>
+          <a:lnRef idx="3">
+            <a:schemeClr val="accent4"/>
+          </a:lnRef>
+          <a:fillRef idx="0">
+            <a:schemeClr val="accent4"/>
+          </a:fillRef>
+          <a:effectRef idx="2">
+            <a:schemeClr val="accent4"/>
+          </a:effectRef>
+          <a:fontRef idx="minor">
+            <a:schemeClr val="tx1"/>
+          </a:fontRef>
+        </p:style>
+      </p:cxnSp>
+      <p:cxnSp>
+        <p:nvCxnSpPr>
+          <p:cNvPr id="79" name="Straight Arrow Connector 78">
+            <a:extLst>
+              <a:ext uri="{FF2B5EF4-FFF2-40B4-BE49-F238E27FC236}">
+                <a16:creationId xmlns:a16="http://schemas.microsoft.com/office/drawing/2014/main" id="{2D338E16-67F1-18E6-319A-95709A7178BF}"/>
+              </a:ext>
+            </a:extLst>
+          </p:cNvPr>
+          <p:cNvCxnSpPr>
+            <a:cxnSpLocks/>
+          </p:cNvCxnSpPr>
+          <p:nvPr/>
+        </p:nvCxnSpPr>
+        <p:spPr>
+          <a:xfrm flipV="1">
+            <a:off x="9064671" y="1847512"/>
+            <a:ext cx="932625" cy="28079"/>
+          </a:xfrm>
+          <a:prstGeom prst="straightConnector1">
+            <a:avLst/>
+          </a:prstGeom>
+          <a:ln>
+            <a:tailEnd type="triangle"/>
+          </a:ln>
+        </p:spPr>
+        <p:style>
+          <a:lnRef idx="3">
+            <a:schemeClr val="accent4"/>
+          </a:lnRef>
+          <a:fillRef idx="0">
+            <a:schemeClr val="accent4"/>
+          </a:fillRef>
+          <a:effectRef idx="2">
+            <a:schemeClr val="accent4"/>
+          </a:effectRef>
+          <a:fontRef idx="minor">
+            <a:schemeClr val="tx1"/>
+          </a:fontRef>
+        </p:style>
+      </p:cxnSp>
       <p:grpSp>
         <p:nvGrpSpPr>
-          <p:cNvPr id="51" name="Group 50">
-            <a:extLst>
-              <a:ext uri="{FF2B5EF4-FFF2-40B4-BE49-F238E27FC236}">
-                <a16:creationId xmlns:a16="http://schemas.microsoft.com/office/drawing/2014/main" id="{0CA43D4A-0750-BC70-53AD-2EBD155470C2}"/>
+          <p:cNvPr id="82" name="Group 81">
+            <a:extLst>
+              <a:ext uri="{FF2B5EF4-FFF2-40B4-BE49-F238E27FC236}">
+                <a16:creationId xmlns:a16="http://schemas.microsoft.com/office/drawing/2014/main" id="{4C025BC0-2811-3273-CD49-75B0C8702EA2}"/>
               </a:ext>
             </a:extLst>
           </p:cNvPr>
@@ -3782,1105 +4942,19 @@
           <p:nvPr/>
         </p:nvGrpSpPr>
         <p:grpSpPr>
-          <a:xfrm>
-            <a:off x="554633" y="586441"/>
-            <a:ext cx="5223983" cy="3269973"/>
-            <a:chOff x="352605" y="569844"/>
-            <a:chExt cx="7264578" cy="4412973"/>
+          <a:xfrm flipV="1">
+            <a:off x="8938405" y="1293460"/>
+            <a:ext cx="1057419" cy="1332008"/>
+            <a:chOff x="10092565" y="1298663"/>
+            <a:chExt cx="1072293" cy="1408480"/>
           </a:xfrm>
         </p:grpSpPr>
-        <p:sp>
-          <p:nvSpPr>
-            <p:cNvPr id="52" name="Rectangle 51">
+        <p:cxnSp>
+          <p:nvCxnSpPr>
+            <p:cNvPr id="83" name="Straight Arrow Connector 82">
               <a:extLst>
                 <a:ext uri="{FF2B5EF4-FFF2-40B4-BE49-F238E27FC236}">
-                  <a16:creationId xmlns:a16="http://schemas.microsoft.com/office/drawing/2014/main" id="{9BE6C25C-C16E-45C6-A8E8-BA6195A5A518}"/>
-                </a:ext>
-              </a:extLst>
-            </p:cNvPr>
-            <p:cNvSpPr/>
-            <p:nvPr/>
-          </p:nvSpPr>
-          <p:spPr>
-            <a:xfrm>
-              <a:off x="3418905" y="728869"/>
-              <a:ext cx="450574" cy="3710609"/>
-            </a:xfrm>
-            <a:prstGeom prst="rect">
-              <a:avLst/>
-            </a:prstGeom>
-            <a:solidFill>
-              <a:schemeClr val="tx1">
-                <a:lumMod val="50000"/>
-                <a:lumOff val="50000"/>
-              </a:schemeClr>
-            </a:solidFill>
-          </p:spPr>
-          <p:style>
-            <a:lnRef idx="2">
-              <a:schemeClr val="accent3">
-                <a:shade val="15000"/>
-              </a:schemeClr>
-            </a:lnRef>
-            <a:fillRef idx="1">
-              <a:schemeClr val="accent3"/>
-            </a:fillRef>
-            <a:effectRef idx="0">
-              <a:schemeClr val="accent3"/>
-            </a:effectRef>
-            <a:fontRef idx="minor">
-              <a:schemeClr val="lt1"/>
-            </a:fontRef>
-          </p:style>
-          <p:txBody>
-            <a:bodyPr rtlCol="0" anchor="ctr"/>
-            <a:lstStyle/>
-            <a:p>
-              <a:pPr algn="ctr"/>
-              <a:endParaRPr lang="en-US"/>
-            </a:p>
-          </p:txBody>
-        </p:sp>
-        <p:sp>
-          <p:nvSpPr>
-            <p:cNvPr id="53" name="Rectangle 52">
-              <a:extLst>
-                <a:ext uri="{FF2B5EF4-FFF2-40B4-BE49-F238E27FC236}">
-                  <a16:creationId xmlns:a16="http://schemas.microsoft.com/office/drawing/2014/main" id="{6B192779-C53B-9F4C-47CF-17221D6199E8}"/>
-                </a:ext>
-              </a:extLst>
-            </p:cNvPr>
-            <p:cNvSpPr/>
-            <p:nvPr/>
-          </p:nvSpPr>
-          <p:spPr>
-            <a:xfrm>
-              <a:off x="6095999" y="728869"/>
-              <a:ext cx="450574" cy="3710609"/>
-            </a:xfrm>
-            <a:prstGeom prst="rect">
-              <a:avLst/>
-            </a:prstGeom>
-            <a:solidFill>
-              <a:schemeClr val="tx1">
-                <a:lumMod val="50000"/>
-                <a:lumOff val="50000"/>
-              </a:schemeClr>
-            </a:solidFill>
-          </p:spPr>
-          <p:style>
-            <a:lnRef idx="2">
-              <a:schemeClr val="accent3">
-                <a:shade val="15000"/>
-              </a:schemeClr>
-            </a:lnRef>
-            <a:fillRef idx="1">
-              <a:schemeClr val="accent3"/>
-            </a:fillRef>
-            <a:effectRef idx="0">
-              <a:schemeClr val="accent3"/>
-            </a:effectRef>
-            <a:fontRef idx="minor">
-              <a:schemeClr val="lt1"/>
-            </a:fontRef>
-          </p:style>
-          <p:txBody>
-            <a:bodyPr rtlCol="0" anchor="ctr"/>
-            <a:lstStyle/>
-            <a:p>
-              <a:pPr algn="ctr"/>
-              <a:endParaRPr lang="en-US"/>
-            </a:p>
-          </p:txBody>
-        </p:sp>
-        <p:sp>
-          <p:nvSpPr>
-            <p:cNvPr id="54" name="Rectangle 53">
-              <a:extLst>
-                <a:ext uri="{FF2B5EF4-FFF2-40B4-BE49-F238E27FC236}">
-                  <a16:creationId xmlns:a16="http://schemas.microsoft.com/office/drawing/2014/main" id="{F3C65449-2460-9B9D-29E2-49A9C916D5FC}"/>
-                </a:ext>
-              </a:extLst>
-            </p:cNvPr>
-            <p:cNvSpPr/>
-            <p:nvPr/>
-          </p:nvSpPr>
-          <p:spPr>
-            <a:xfrm>
-              <a:off x="2928574" y="1666543"/>
-              <a:ext cx="1429187" cy="414047"/>
-            </a:xfrm>
-            <a:prstGeom prst="rect">
-              <a:avLst/>
-            </a:prstGeom>
-            <a:solidFill>
-              <a:schemeClr val="bg1"/>
-            </a:solidFill>
-            <a:ln>
-              <a:noFill/>
-            </a:ln>
-          </p:spPr>
-          <p:style>
-            <a:lnRef idx="2">
-              <a:schemeClr val="accent1">
-                <a:shade val="15000"/>
-              </a:schemeClr>
-            </a:lnRef>
-            <a:fillRef idx="1">
-              <a:schemeClr val="accent1"/>
-            </a:fillRef>
-            <a:effectRef idx="0">
-              <a:schemeClr val="accent1"/>
-            </a:effectRef>
-            <a:fontRef idx="minor">
-              <a:schemeClr val="lt1"/>
-            </a:fontRef>
-          </p:style>
-          <p:txBody>
-            <a:bodyPr rtlCol="0" anchor="ctr"/>
-            <a:lstStyle/>
-            <a:p>
-              <a:pPr algn="ctr"/>
-              <a:endParaRPr lang="en-US"/>
-            </a:p>
-          </p:txBody>
-        </p:sp>
-        <p:sp>
-          <p:nvSpPr>
-            <p:cNvPr id="55" name="Rectangle 54">
-              <a:extLst>
-                <a:ext uri="{FF2B5EF4-FFF2-40B4-BE49-F238E27FC236}">
-                  <a16:creationId xmlns:a16="http://schemas.microsoft.com/office/drawing/2014/main" id="{7AEEA9C3-0E04-77EF-CE9E-C01FF116BD6C}"/>
-                </a:ext>
-              </a:extLst>
-            </p:cNvPr>
-            <p:cNvSpPr/>
-            <p:nvPr/>
-          </p:nvSpPr>
-          <p:spPr>
-            <a:xfrm>
-              <a:off x="2928572" y="3018264"/>
-              <a:ext cx="1292740" cy="531334"/>
-            </a:xfrm>
-            <a:prstGeom prst="rect">
-              <a:avLst/>
-            </a:prstGeom>
-            <a:solidFill>
-              <a:schemeClr val="bg1"/>
-            </a:solidFill>
-            <a:ln>
-              <a:noFill/>
-            </a:ln>
-          </p:spPr>
-          <p:style>
-            <a:lnRef idx="2">
-              <a:schemeClr val="accent1">
-                <a:shade val="15000"/>
-              </a:schemeClr>
-            </a:lnRef>
-            <a:fillRef idx="1">
-              <a:schemeClr val="accent1"/>
-            </a:fillRef>
-            <a:effectRef idx="0">
-              <a:schemeClr val="accent1"/>
-            </a:effectRef>
-            <a:fontRef idx="minor">
-              <a:schemeClr val="lt1"/>
-            </a:fontRef>
-          </p:style>
-          <p:txBody>
-            <a:bodyPr rtlCol="0" anchor="ctr"/>
-            <a:lstStyle/>
-            <a:p>
-              <a:pPr algn="ctr"/>
-              <a:endParaRPr lang="en-US"/>
-            </a:p>
-          </p:txBody>
-        </p:sp>
-        <p:pic>
-          <p:nvPicPr>
-            <p:cNvPr id="56" name="Graphic 55" descr="Flashlight outline">
-              <a:extLst>
-                <a:ext uri="{FF2B5EF4-FFF2-40B4-BE49-F238E27FC236}">
-                  <a16:creationId xmlns:a16="http://schemas.microsoft.com/office/drawing/2014/main" id="{0A6F56D9-D34C-6F32-CAA0-6A8C7AF6E47B}"/>
-                </a:ext>
-              </a:extLst>
-            </p:cNvPr>
-            <p:cNvPicPr>
-              <a:picLocks noChangeAspect="1"/>
-            </p:cNvPicPr>
-            <p:nvPr/>
-          </p:nvPicPr>
-          <p:blipFill>
-            <a:blip r:embed="rId2">
-              <a:extLst>
-                <a:ext uri="{96DAC541-7B7A-43D3-8B79-37D633B846F1}">
-                  <asvg:svgBlip xmlns:asvg="http://schemas.microsoft.com/office/drawing/2016/SVG/main" r:embed="rId3"/>
-                </a:ext>
-              </a:extLst>
-            </a:blip>
-            <a:stretch>
-              <a:fillRect/>
-            </a:stretch>
-          </p:blipFill>
-          <p:spPr>
-            <a:xfrm rot="2700000">
-              <a:off x="352605" y="2193234"/>
-              <a:ext cx="914400" cy="914400"/>
-            </a:xfrm>
-            <a:prstGeom prst="rect">
-              <a:avLst/>
-            </a:prstGeom>
-          </p:spPr>
-        </p:pic>
-        <p:pic>
-          <p:nvPicPr>
-            <p:cNvPr id="57" name="Graphic 56" descr="Normal Distribution outline">
-              <a:extLst>
-                <a:ext uri="{FF2B5EF4-FFF2-40B4-BE49-F238E27FC236}">
-                  <a16:creationId xmlns:a16="http://schemas.microsoft.com/office/drawing/2014/main" id="{1F47ECB8-DF0C-EB43-E044-3A24B2923A54}"/>
-                </a:ext>
-              </a:extLst>
-            </p:cNvPr>
-            <p:cNvPicPr>
-              <a:picLocks noChangeAspect="1"/>
-            </p:cNvPicPr>
-            <p:nvPr/>
-          </p:nvPicPr>
-          <p:blipFill>
-            <a:blip r:embed="rId4">
-              <a:extLst>
-                <a:ext uri="{96DAC541-7B7A-43D3-8B79-37D633B846F1}">
-                  <asvg:svgBlip xmlns:asvg="http://schemas.microsoft.com/office/drawing/2016/SVG/main" r:embed="rId5"/>
-                </a:ext>
-              </a:extLst>
-            </a:blip>
-            <a:srcRect r="18910"/>
-            <a:stretch>
-              <a:fillRect/>
-            </a:stretch>
-          </p:blipFill>
-          <p:spPr>
-            <a:xfrm rot="16200000">
-              <a:off x="3674087" y="1255565"/>
-              <a:ext cx="3107634" cy="1736192"/>
-            </a:xfrm>
-            <a:prstGeom prst="rect">
-              <a:avLst/>
-            </a:prstGeom>
-          </p:spPr>
-        </p:pic>
-        <p:pic>
-          <p:nvPicPr>
-            <p:cNvPr id="58" name="Graphic 57" descr="Normal Distribution outline">
-              <a:extLst>
-                <a:ext uri="{FF2B5EF4-FFF2-40B4-BE49-F238E27FC236}">
-                  <a16:creationId xmlns:a16="http://schemas.microsoft.com/office/drawing/2014/main" id="{B7CCBE32-D187-AEE6-05CF-BD754BBAB94C}"/>
-                </a:ext>
-              </a:extLst>
-            </p:cNvPr>
-            <p:cNvPicPr>
-              <a:picLocks noChangeAspect="1"/>
-            </p:cNvPicPr>
-            <p:nvPr/>
-          </p:nvPicPr>
-          <p:blipFill>
-            <a:blip r:embed="rId4">
-              <a:extLst>
-                <a:ext uri="{96DAC541-7B7A-43D3-8B79-37D633B846F1}">
-                  <asvg:svgBlip xmlns:asvg="http://schemas.microsoft.com/office/drawing/2016/SVG/main" r:embed="rId5"/>
-                </a:ext>
-              </a:extLst>
-            </a:blip>
-            <a:srcRect r="18910"/>
-            <a:stretch>
-              <a:fillRect/>
-            </a:stretch>
-          </p:blipFill>
-          <p:spPr>
-            <a:xfrm rot="16200000">
-              <a:off x="958324" y="1939140"/>
-              <a:ext cx="3352800" cy="1873163"/>
-            </a:xfrm>
-            <a:prstGeom prst="rect">
-              <a:avLst/>
-            </a:prstGeom>
-          </p:spPr>
-        </p:pic>
-        <p:pic>
-          <p:nvPicPr>
-            <p:cNvPr id="59" name="Graphic 58" descr="Normal Distribution outline">
-              <a:extLst>
-                <a:ext uri="{FF2B5EF4-FFF2-40B4-BE49-F238E27FC236}">
-                  <a16:creationId xmlns:a16="http://schemas.microsoft.com/office/drawing/2014/main" id="{90D9142C-3E05-9DD8-6A17-159A8D76C3BC}"/>
-                </a:ext>
-              </a:extLst>
-            </p:cNvPr>
-            <p:cNvPicPr>
-              <a:picLocks noChangeAspect="1"/>
-            </p:cNvPicPr>
-            <p:nvPr/>
-          </p:nvPicPr>
-          <p:blipFill>
-            <a:blip r:embed="rId4">
-              <a:extLst>
-                <a:ext uri="{96DAC541-7B7A-43D3-8B79-37D633B846F1}">
-                  <asvg:svgBlip xmlns:asvg="http://schemas.microsoft.com/office/drawing/2016/SVG/main" r:embed="rId5"/>
-                </a:ext>
-              </a:extLst>
-            </a:blip>
-            <a:srcRect r="18910"/>
-            <a:stretch>
-              <a:fillRect/>
-            </a:stretch>
-          </p:blipFill>
-          <p:spPr>
-            <a:xfrm rot="16200000">
-              <a:off x="3674087" y="2560904"/>
-              <a:ext cx="3107634" cy="1736192"/>
-            </a:xfrm>
-            <a:prstGeom prst="rect">
-              <a:avLst/>
-            </a:prstGeom>
-          </p:spPr>
-        </p:pic>
-        <p:pic>
-          <p:nvPicPr>
-            <p:cNvPr id="60" name="Graphic 59" descr="Eye with solid fill">
-              <a:extLst>
-                <a:ext uri="{FF2B5EF4-FFF2-40B4-BE49-F238E27FC236}">
-                  <a16:creationId xmlns:a16="http://schemas.microsoft.com/office/drawing/2014/main" id="{DE9E040D-1899-C155-3415-12E1412393C3}"/>
-                </a:ext>
-              </a:extLst>
-            </p:cNvPr>
-            <p:cNvPicPr>
-              <a:picLocks noChangeAspect="1"/>
-            </p:cNvPicPr>
-            <p:nvPr/>
-          </p:nvPicPr>
-          <p:blipFill>
-            <a:blip r:embed="rId6">
-              <a:extLst>
-                <a:ext uri="{96DAC541-7B7A-43D3-8B79-37D633B846F1}">
-                  <asvg:svgBlip xmlns:asvg="http://schemas.microsoft.com/office/drawing/2016/SVG/main" r:embed="rId7"/>
-                </a:ext>
-              </a:extLst>
-            </a:blip>
-            <a:stretch>
-              <a:fillRect/>
-            </a:stretch>
-          </p:blipFill>
-          <p:spPr>
-            <a:xfrm>
-              <a:off x="5880992" y="1063486"/>
-              <a:ext cx="914400" cy="914400"/>
-            </a:xfrm>
-            <a:prstGeom prst="rect">
-              <a:avLst/>
-            </a:prstGeom>
-          </p:spPr>
-        </p:pic>
-        <p:pic>
-          <p:nvPicPr>
-            <p:cNvPr id="61" name="Graphic 60" descr="Eye with solid fill">
-              <a:extLst>
-                <a:ext uri="{FF2B5EF4-FFF2-40B4-BE49-F238E27FC236}">
-                  <a16:creationId xmlns:a16="http://schemas.microsoft.com/office/drawing/2014/main" id="{16237CAE-9E63-206C-BAA2-8A75512A520D}"/>
-                </a:ext>
-              </a:extLst>
-            </p:cNvPr>
-            <p:cNvPicPr>
-              <a:picLocks noChangeAspect="1"/>
-            </p:cNvPicPr>
-            <p:nvPr/>
-          </p:nvPicPr>
-          <p:blipFill>
-            <a:blip r:embed="rId6">
-              <a:extLst>
-                <a:ext uri="{96DAC541-7B7A-43D3-8B79-37D633B846F1}">
-                  <asvg:svgBlip xmlns:asvg="http://schemas.microsoft.com/office/drawing/2016/SVG/main" r:embed="rId7"/>
-                </a:ext>
-              </a:extLst>
-            </a:blip>
-            <a:stretch>
-              <a:fillRect/>
-            </a:stretch>
-          </p:blipFill>
-          <p:spPr>
-            <a:xfrm>
-              <a:off x="5864087" y="2080591"/>
-              <a:ext cx="914400" cy="914400"/>
-            </a:xfrm>
-            <a:prstGeom prst="rect">
-              <a:avLst/>
-            </a:prstGeom>
-          </p:spPr>
-        </p:pic>
-        <p:pic>
-          <p:nvPicPr>
-            <p:cNvPr id="62" name="Graphic 61" descr="Eye with solid fill">
-              <a:extLst>
-                <a:ext uri="{FF2B5EF4-FFF2-40B4-BE49-F238E27FC236}">
-                  <a16:creationId xmlns:a16="http://schemas.microsoft.com/office/drawing/2014/main" id="{682A65D2-CB51-B673-4FE6-92774DD437DA}"/>
-                </a:ext>
-              </a:extLst>
-            </p:cNvPr>
-            <p:cNvPicPr>
-              <a:picLocks noChangeAspect="1"/>
-            </p:cNvPicPr>
-            <p:nvPr/>
-          </p:nvPicPr>
-          <p:blipFill>
-            <a:blip r:embed="rId6">
-              <a:extLst>
-                <a:ext uri="{96DAC541-7B7A-43D3-8B79-37D633B846F1}">
-                  <asvg:svgBlip xmlns:asvg="http://schemas.microsoft.com/office/drawing/2016/SVG/main" r:embed="rId7"/>
-                </a:ext>
-              </a:extLst>
-            </a:blip>
-            <a:stretch>
-              <a:fillRect/>
-            </a:stretch>
-          </p:blipFill>
-          <p:spPr>
-            <a:xfrm>
-              <a:off x="5892418" y="3160643"/>
-              <a:ext cx="914400" cy="914400"/>
-            </a:xfrm>
-            <a:prstGeom prst="rect">
-              <a:avLst/>
-            </a:prstGeom>
-          </p:spPr>
-        </p:pic>
-        <p:sp>
-          <p:nvSpPr>
-            <p:cNvPr id="63" name="TextBox 62">
-              <a:extLst>
-                <a:ext uri="{FF2B5EF4-FFF2-40B4-BE49-F238E27FC236}">
-                  <a16:creationId xmlns:a16="http://schemas.microsoft.com/office/drawing/2014/main" id="{BEE44035-6989-59A9-BB98-D79F81C26738}"/>
-                </a:ext>
-              </a:extLst>
-            </p:cNvPr>
-            <p:cNvSpPr txBox="1"/>
-            <p:nvPr/>
-          </p:nvSpPr>
-          <p:spPr>
-            <a:xfrm>
-              <a:off x="3490387" y="1620078"/>
-              <a:ext cx="365840" cy="369332"/>
-            </a:xfrm>
-            <a:prstGeom prst="rect">
-              <a:avLst/>
-            </a:prstGeom>
-            <a:noFill/>
-          </p:spPr>
-          <p:txBody>
-            <a:bodyPr wrap="square" rtlCol="0">
-              <a:spAutoFit/>
-            </a:bodyPr>
-            <a:lstStyle/>
-            <a:p>
-              <a:r>
-                <a:rPr lang="en-US" i="1" dirty="0"/>
-                <a:t>a</a:t>
-              </a:r>
-            </a:p>
-          </p:txBody>
-        </p:sp>
-        <p:sp>
-          <p:nvSpPr>
-            <p:cNvPr id="64" name="TextBox 63">
-              <a:extLst>
-                <a:ext uri="{FF2B5EF4-FFF2-40B4-BE49-F238E27FC236}">
-                  <a16:creationId xmlns:a16="http://schemas.microsoft.com/office/drawing/2014/main" id="{F8EE9DC8-45F1-8A43-AB26-932EC6084563}"/>
-                </a:ext>
-              </a:extLst>
-            </p:cNvPr>
-            <p:cNvSpPr txBox="1"/>
-            <p:nvPr/>
-          </p:nvSpPr>
-          <p:spPr>
-            <a:xfrm>
-              <a:off x="3510268" y="3099627"/>
-              <a:ext cx="365840" cy="369332"/>
-            </a:xfrm>
-            <a:prstGeom prst="rect">
-              <a:avLst/>
-            </a:prstGeom>
-            <a:noFill/>
-          </p:spPr>
-          <p:txBody>
-            <a:bodyPr wrap="square" rtlCol="0">
-              <a:spAutoFit/>
-            </a:bodyPr>
-            <a:lstStyle/>
-            <a:p>
-              <a:r>
-                <a:rPr lang="en-US" i="1" dirty="0"/>
-                <a:t>b</a:t>
-              </a:r>
-            </a:p>
-          </p:txBody>
-        </p:sp>
-        <p:sp>
-          <p:nvSpPr>
-            <p:cNvPr id="65" name="TextBox 64">
-              <a:extLst>
-                <a:ext uri="{FF2B5EF4-FFF2-40B4-BE49-F238E27FC236}">
-                  <a16:creationId xmlns:a16="http://schemas.microsoft.com/office/drawing/2014/main" id="{5CA96744-42C3-A7AC-B300-B09B3D43CD44}"/>
-                </a:ext>
-              </a:extLst>
-            </p:cNvPr>
-            <p:cNvSpPr txBox="1"/>
-            <p:nvPr/>
-          </p:nvSpPr>
-          <p:spPr>
-            <a:xfrm>
-              <a:off x="6886174" y="1336020"/>
-              <a:ext cx="731009" cy="369332"/>
-            </a:xfrm>
-            <a:prstGeom prst="rect">
-              <a:avLst/>
-            </a:prstGeom>
-            <a:noFill/>
-          </p:spPr>
-          <p:txBody>
-            <a:bodyPr wrap="square" rtlCol="0">
-              <a:spAutoFit/>
-            </a:bodyPr>
-            <a:lstStyle/>
-            <a:p>
-              <a:r>
-                <a:rPr lang="en-US" i="1" dirty="0"/>
-                <a:t>c</a:t>
-              </a:r>
-            </a:p>
-          </p:txBody>
-        </p:sp>
-        <p:sp>
-          <p:nvSpPr>
-            <p:cNvPr id="66" name="TextBox 65">
-              <a:extLst>
-                <a:ext uri="{FF2B5EF4-FFF2-40B4-BE49-F238E27FC236}">
-                  <a16:creationId xmlns:a16="http://schemas.microsoft.com/office/drawing/2014/main" id="{2BFCB132-A5BA-24AE-C4F8-FDC5524895D5}"/>
-                </a:ext>
-              </a:extLst>
-            </p:cNvPr>
-            <p:cNvSpPr txBox="1"/>
-            <p:nvPr/>
-          </p:nvSpPr>
-          <p:spPr>
-            <a:xfrm>
-              <a:off x="6916982" y="2399506"/>
-              <a:ext cx="669391" cy="369332"/>
-            </a:xfrm>
-            <a:prstGeom prst="rect">
-              <a:avLst/>
-            </a:prstGeom>
-            <a:noFill/>
-          </p:spPr>
-          <p:txBody>
-            <a:bodyPr wrap="square" rtlCol="0">
-              <a:spAutoFit/>
-            </a:bodyPr>
-            <a:lstStyle/>
-            <a:p>
-              <a:r>
-                <a:rPr lang="en-US" i="1" dirty="0"/>
-                <a:t>d</a:t>
-              </a:r>
-            </a:p>
-          </p:txBody>
-        </p:sp>
-        <p:sp>
-          <p:nvSpPr>
-            <p:cNvPr id="67" name="TextBox 66">
-              <a:extLst>
-                <a:ext uri="{FF2B5EF4-FFF2-40B4-BE49-F238E27FC236}">
-                  <a16:creationId xmlns:a16="http://schemas.microsoft.com/office/drawing/2014/main" id="{06E6EDA0-91EB-E4DF-9971-5713D6C2F2CD}"/>
-                </a:ext>
-              </a:extLst>
-            </p:cNvPr>
-            <p:cNvSpPr txBox="1"/>
-            <p:nvPr/>
-          </p:nvSpPr>
-          <p:spPr>
-            <a:xfrm>
-              <a:off x="6916981" y="3462992"/>
-              <a:ext cx="669391" cy="369332"/>
-            </a:xfrm>
-            <a:prstGeom prst="rect">
-              <a:avLst/>
-            </a:prstGeom>
-            <a:noFill/>
-          </p:spPr>
-          <p:txBody>
-            <a:bodyPr wrap="square" rtlCol="0">
-              <a:spAutoFit/>
-            </a:bodyPr>
-            <a:lstStyle/>
-            <a:p>
-              <a:r>
-                <a:rPr lang="en-US" i="1" dirty="0"/>
-                <a:t>e</a:t>
-              </a:r>
-            </a:p>
-          </p:txBody>
-        </p:sp>
-        <p:sp>
-          <p:nvSpPr>
-            <p:cNvPr id="68" name="TextBox 67">
-              <a:extLst>
-                <a:ext uri="{FF2B5EF4-FFF2-40B4-BE49-F238E27FC236}">
-                  <a16:creationId xmlns:a16="http://schemas.microsoft.com/office/drawing/2014/main" id="{5EDE4C9F-C7FD-3E21-9FC4-EACA2F3CFD84}"/>
-                </a:ext>
-              </a:extLst>
-            </p:cNvPr>
-            <p:cNvSpPr txBox="1"/>
-            <p:nvPr/>
-          </p:nvSpPr>
-          <p:spPr>
-            <a:xfrm>
-              <a:off x="365395" y="2730811"/>
-              <a:ext cx="365840" cy="369332"/>
-            </a:xfrm>
-            <a:prstGeom prst="rect">
-              <a:avLst/>
-            </a:prstGeom>
-            <a:noFill/>
-          </p:spPr>
-          <p:txBody>
-            <a:bodyPr wrap="square" rtlCol="0">
-              <a:spAutoFit/>
-            </a:bodyPr>
-            <a:lstStyle/>
-            <a:p>
-              <a:r>
-                <a:rPr lang="en-US" i="1" dirty="0"/>
-                <a:t>s</a:t>
-              </a:r>
-            </a:p>
-          </p:txBody>
-        </p:sp>
-      </p:grpSp>
-      <p:grpSp>
-        <p:nvGrpSpPr>
-          <p:cNvPr id="86" name="Group 85">
-            <a:extLst>
-              <a:ext uri="{FF2B5EF4-FFF2-40B4-BE49-F238E27FC236}">
-                <a16:creationId xmlns:a16="http://schemas.microsoft.com/office/drawing/2014/main" id="{CEA8F296-BA2C-2828-2C4D-89B08AD30A8F}"/>
-              </a:ext>
-            </a:extLst>
-          </p:cNvPr>
-          <p:cNvGrpSpPr/>
-          <p:nvPr/>
-        </p:nvGrpSpPr>
-        <p:grpSpPr>
-          <a:xfrm>
-            <a:off x="7183265" y="957775"/>
-            <a:ext cx="3172532" cy="1945399"/>
-            <a:chOff x="7183265" y="957775"/>
-            <a:chExt cx="3172532" cy="1945399"/>
-          </a:xfrm>
-        </p:grpSpPr>
-        <p:sp>
-          <p:nvSpPr>
-            <p:cNvPr id="6" name="Rectangle 5">
-              <a:extLst>
-                <a:ext uri="{FF2B5EF4-FFF2-40B4-BE49-F238E27FC236}">
-                  <a16:creationId xmlns:a16="http://schemas.microsoft.com/office/drawing/2014/main" id="{649686DE-9B88-6812-CAE9-A5C571F836B9}"/>
-                </a:ext>
-              </a:extLst>
-            </p:cNvPr>
-            <p:cNvSpPr/>
-            <p:nvPr/>
-          </p:nvSpPr>
-          <p:spPr>
-            <a:xfrm>
-              <a:off x="7183266" y="1116706"/>
-              <a:ext cx="1029206" cy="392790"/>
-            </a:xfrm>
-            <a:prstGeom prst="rect">
-              <a:avLst/>
-            </a:prstGeom>
-            <a:solidFill>
-              <a:schemeClr val="bg1"/>
-            </a:solidFill>
-            <a:ln>
-              <a:noFill/>
-            </a:ln>
-          </p:spPr>
-          <p:style>
-            <a:lnRef idx="2">
-              <a:schemeClr val="accent1">
-                <a:shade val="15000"/>
-              </a:schemeClr>
-            </a:lnRef>
-            <a:fillRef idx="1">
-              <a:schemeClr val="accent1"/>
-            </a:fillRef>
-            <a:effectRef idx="0">
-              <a:schemeClr val="accent1"/>
-            </a:effectRef>
-            <a:fontRef idx="minor">
-              <a:schemeClr val="lt1"/>
-            </a:fontRef>
-          </p:style>
-          <p:txBody>
-            <a:bodyPr rtlCol="0" anchor="ctr"/>
-            <a:lstStyle/>
-            <a:p>
-              <a:pPr algn="ctr"/>
-              <a:endParaRPr lang="en-US"/>
-            </a:p>
-          </p:txBody>
-        </p:sp>
-        <p:sp>
-          <p:nvSpPr>
-            <p:cNvPr id="7" name="Rectangle 6">
-              <a:extLst>
-                <a:ext uri="{FF2B5EF4-FFF2-40B4-BE49-F238E27FC236}">
-                  <a16:creationId xmlns:a16="http://schemas.microsoft.com/office/drawing/2014/main" id="{F851D3B7-D76E-9B75-82DC-10BE6230A282}"/>
-                </a:ext>
-              </a:extLst>
-            </p:cNvPr>
-            <p:cNvSpPr/>
-            <p:nvPr/>
-          </p:nvSpPr>
-          <p:spPr>
-            <a:xfrm>
-              <a:off x="7183265" y="2108500"/>
-              <a:ext cx="1029206" cy="392790"/>
-            </a:xfrm>
-            <a:prstGeom prst="rect">
-              <a:avLst/>
-            </a:prstGeom>
-            <a:solidFill>
-              <a:schemeClr val="bg1"/>
-            </a:solidFill>
-            <a:ln>
-              <a:noFill/>
-            </a:ln>
-          </p:spPr>
-          <p:style>
-            <a:lnRef idx="2">
-              <a:schemeClr val="accent1">
-                <a:shade val="15000"/>
-              </a:schemeClr>
-            </a:lnRef>
-            <a:fillRef idx="1">
-              <a:schemeClr val="accent1"/>
-            </a:fillRef>
-            <a:effectRef idx="0">
-              <a:schemeClr val="accent1"/>
-            </a:effectRef>
-            <a:fontRef idx="minor">
-              <a:schemeClr val="lt1"/>
-            </a:fontRef>
-          </p:style>
-          <p:txBody>
-            <a:bodyPr rtlCol="0" anchor="ctr"/>
-            <a:lstStyle/>
-            <a:p>
-              <a:pPr algn="ctr"/>
-              <a:endParaRPr lang="en-US"/>
-            </a:p>
-          </p:txBody>
-        </p:sp>
-        <p:sp>
-          <p:nvSpPr>
-            <p:cNvPr id="24" name="TextBox 23">
-              <a:extLst>
-                <a:ext uri="{FF2B5EF4-FFF2-40B4-BE49-F238E27FC236}">
-                  <a16:creationId xmlns:a16="http://schemas.microsoft.com/office/drawing/2014/main" id="{8E74F926-AEB0-CB45-C34C-2A14A44ED625}"/>
-                </a:ext>
-              </a:extLst>
-            </p:cNvPr>
-            <p:cNvSpPr txBox="1"/>
-            <p:nvPr/>
-          </p:nvSpPr>
-          <p:spPr>
-            <a:xfrm>
-              <a:off x="8618216" y="1219173"/>
-              <a:ext cx="263077" cy="273672"/>
-            </a:xfrm>
-            <a:prstGeom prst="rect">
-              <a:avLst/>
-            </a:prstGeom>
-          </p:spPr>
-          <p:style>
-            <a:lnRef idx="1">
-              <a:schemeClr val="accent1"/>
-            </a:lnRef>
-            <a:fillRef idx="3">
-              <a:schemeClr val="accent1"/>
-            </a:fillRef>
-            <a:effectRef idx="2">
-              <a:schemeClr val="accent1"/>
-            </a:effectRef>
-            <a:fontRef idx="minor">
-              <a:schemeClr val="lt1"/>
-            </a:fontRef>
-          </p:style>
-          <p:txBody>
-            <a:bodyPr wrap="square" rtlCol="0">
-              <a:spAutoFit/>
-            </a:bodyPr>
-            <a:lstStyle/>
-            <a:p>
-              <a:r>
-                <a:rPr lang="en-US" i="1" dirty="0"/>
-                <a:t>a</a:t>
-              </a:r>
-            </a:p>
-          </p:txBody>
-        </p:sp>
-        <p:sp>
-          <p:nvSpPr>
-            <p:cNvPr id="25" name="TextBox 24">
-              <a:extLst>
-                <a:ext uri="{FF2B5EF4-FFF2-40B4-BE49-F238E27FC236}">
-                  <a16:creationId xmlns:a16="http://schemas.microsoft.com/office/drawing/2014/main" id="{D4A403C4-E1B6-7B27-49A0-0E470B9A6764}"/>
-                </a:ext>
-              </a:extLst>
-            </p:cNvPr>
-            <p:cNvSpPr txBox="1"/>
-            <p:nvPr/>
-          </p:nvSpPr>
-          <p:spPr>
-            <a:xfrm>
-              <a:off x="8632512" y="2328757"/>
-              <a:ext cx="263077" cy="273672"/>
-            </a:xfrm>
-            <a:prstGeom prst="rect">
-              <a:avLst/>
-            </a:prstGeom>
-          </p:spPr>
-          <p:style>
-            <a:lnRef idx="1">
-              <a:schemeClr val="accent1"/>
-            </a:lnRef>
-            <a:fillRef idx="3">
-              <a:schemeClr val="accent1"/>
-            </a:fillRef>
-            <a:effectRef idx="2">
-              <a:schemeClr val="accent1"/>
-            </a:effectRef>
-            <a:fontRef idx="minor">
-              <a:schemeClr val="lt1"/>
-            </a:fontRef>
-          </p:style>
-          <p:txBody>
-            <a:bodyPr wrap="square" rtlCol="0">
-              <a:spAutoFit/>
-            </a:bodyPr>
-            <a:lstStyle/>
-            <a:p>
-              <a:r>
-                <a:rPr lang="en-US" i="1" dirty="0"/>
-                <a:t>b</a:t>
-              </a:r>
-            </a:p>
-          </p:txBody>
-        </p:sp>
-        <p:sp>
-          <p:nvSpPr>
-            <p:cNvPr id="26" name="TextBox 25">
-              <a:extLst>
-                <a:ext uri="{FF2B5EF4-FFF2-40B4-BE49-F238E27FC236}">
-                  <a16:creationId xmlns:a16="http://schemas.microsoft.com/office/drawing/2014/main" id="{63CF1763-F1A9-D83F-4DCE-D1A16BDE7DE9}"/>
-                </a:ext>
-              </a:extLst>
-            </p:cNvPr>
-            <p:cNvSpPr txBox="1"/>
-            <p:nvPr/>
-          </p:nvSpPr>
-          <p:spPr>
-            <a:xfrm>
-              <a:off x="10029190" y="957775"/>
-              <a:ext cx="326607" cy="369332"/>
-            </a:xfrm>
-            <a:prstGeom prst="rect">
-              <a:avLst/>
-            </a:prstGeom>
-          </p:spPr>
-          <p:style>
-            <a:lnRef idx="1">
-              <a:schemeClr val="accent1"/>
-            </a:lnRef>
-            <a:fillRef idx="3">
-              <a:schemeClr val="accent1"/>
-            </a:fillRef>
-            <a:effectRef idx="2">
-              <a:schemeClr val="accent1"/>
-            </a:effectRef>
-            <a:fontRef idx="minor">
-              <a:schemeClr val="lt1"/>
-            </a:fontRef>
-          </p:style>
-          <p:txBody>
-            <a:bodyPr wrap="square" rtlCol="0">
-              <a:spAutoFit/>
-            </a:bodyPr>
-            <a:lstStyle/>
-            <a:p>
-              <a:r>
-                <a:rPr lang="en-US" i="1" dirty="0"/>
-                <a:t>c</a:t>
-              </a:r>
-            </a:p>
-          </p:txBody>
-        </p:sp>
-        <p:sp>
-          <p:nvSpPr>
-            <p:cNvPr id="27" name="TextBox 26">
-              <a:extLst>
-                <a:ext uri="{FF2B5EF4-FFF2-40B4-BE49-F238E27FC236}">
-                  <a16:creationId xmlns:a16="http://schemas.microsoft.com/office/drawing/2014/main" id="{555AA57E-229C-67C4-A44C-CF5FE988DE9E}"/>
-                </a:ext>
-              </a:extLst>
-            </p:cNvPr>
-            <p:cNvSpPr txBox="1"/>
-            <p:nvPr/>
-          </p:nvSpPr>
-          <p:spPr>
-            <a:xfrm>
-              <a:off x="10051344" y="1745809"/>
-              <a:ext cx="299077" cy="369332"/>
-            </a:xfrm>
-            <a:prstGeom prst="rect">
-              <a:avLst/>
-            </a:prstGeom>
-          </p:spPr>
-          <p:style>
-            <a:lnRef idx="1">
-              <a:schemeClr val="accent1"/>
-            </a:lnRef>
-            <a:fillRef idx="3">
-              <a:schemeClr val="accent1"/>
-            </a:fillRef>
-            <a:effectRef idx="2">
-              <a:schemeClr val="accent1"/>
-            </a:effectRef>
-            <a:fontRef idx="minor">
-              <a:schemeClr val="lt1"/>
-            </a:fontRef>
-          </p:style>
-          <p:txBody>
-            <a:bodyPr wrap="square" rtlCol="0">
-              <a:spAutoFit/>
-            </a:bodyPr>
-            <a:lstStyle/>
-            <a:p>
-              <a:r>
-                <a:rPr lang="en-US" i="1" dirty="0"/>
-                <a:t>d</a:t>
-              </a:r>
-            </a:p>
-          </p:txBody>
-        </p:sp>
-        <p:sp>
-          <p:nvSpPr>
-            <p:cNvPr id="28" name="TextBox 27">
-              <a:extLst>
-                <a:ext uri="{FF2B5EF4-FFF2-40B4-BE49-F238E27FC236}">
-                  <a16:creationId xmlns:a16="http://schemas.microsoft.com/office/drawing/2014/main" id="{28803BFF-D706-FEDF-6A3B-C4D1E4F94AF5}"/>
-                </a:ext>
-              </a:extLst>
-            </p:cNvPr>
-            <p:cNvSpPr txBox="1"/>
-            <p:nvPr/>
-          </p:nvSpPr>
-          <p:spPr>
-            <a:xfrm>
-              <a:off x="10051343" y="2533842"/>
-              <a:ext cx="299077" cy="369332"/>
-            </a:xfrm>
-            <a:prstGeom prst="rect">
-              <a:avLst/>
-            </a:prstGeom>
-          </p:spPr>
-          <p:style>
-            <a:lnRef idx="1">
-              <a:schemeClr val="accent1"/>
-            </a:lnRef>
-            <a:fillRef idx="3">
-              <a:schemeClr val="accent1"/>
-            </a:fillRef>
-            <a:effectRef idx="2">
-              <a:schemeClr val="accent1"/>
-            </a:effectRef>
-            <a:fontRef idx="minor">
-              <a:schemeClr val="lt1"/>
-            </a:fontRef>
-          </p:style>
-          <p:txBody>
-            <a:bodyPr wrap="square" rtlCol="0">
-              <a:spAutoFit/>
-            </a:bodyPr>
-            <a:lstStyle/>
-            <a:p>
-              <a:r>
-                <a:rPr lang="en-US" i="1" dirty="0"/>
-                <a:t>e</a:t>
-              </a:r>
-            </a:p>
-          </p:txBody>
-        </p:sp>
-        <p:sp>
-          <p:nvSpPr>
-            <p:cNvPr id="29" name="TextBox 28">
-              <a:extLst>
-                <a:ext uri="{FF2B5EF4-FFF2-40B4-BE49-F238E27FC236}">
-                  <a16:creationId xmlns:a16="http://schemas.microsoft.com/office/drawing/2014/main" id="{C7CABE3E-E462-C660-0A67-7A34E2CACA42}"/>
-                </a:ext>
-              </a:extLst>
-            </p:cNvPr>
-            <p:cNvSpPr txBox="1"/>
-            <p:nvPr/>
-          </p:nvSpPr>
-          <p:spPr>
-            <a:xfrm>
-              <a:off x="7422270" y="1809293"/>
-              <a:ext cx="263077" cy="273672"/>
-            </a:xfrm>
-            <a:prstGeom prst="rect">
-              <a:avLst/>
-            </a:prstGeom>
-          </p:spPr>
-          <p:style>
-            <a:lnRef idx="1">
-              <a:schemeClr val="accent1"/>
-            </a:lnRef>
-            <a:fillRef idx="3">
-              <a:schemeClr val="accent1"/>
-            </a:fillRef>
-            <a:effectRef idx="2">
-              <a:schemeClr val="accent1"/>
-            </a:effectRef>
-            <a:fontRef idx="minor">
-              <a:schemeClr val="lt1"/>
-            </a:fontRef>
-          </p:style>
-          <p:txBody>
-            <a:bodyPr wrap="square" rtlCol="0">
-              <a:spAutoFit/>
-            </a:bodyPr>
-            <a:lstStyle/>
-            <a:p>
-              <a:r>
-                <a:rPr lang="en-US" i="1" dirty="0"/>
-                <a:t>s</a:t>
-              </a:r>
-            </a:p>
-          </p:txBody>
-        </p:sp>
-        <p:cxnSp>
-          <p:nvCxnSpPr>
-            <p:cNvPr id="70" name="Straight Arrow Connector 69">
-              <a:extLst>
-                <a:ext uri="{FF2B5EF4-FFF2-40B4-BE49-F238E27FC236}">
-                  <a16:creationId xmlns:a16="http://schemas.microsoft.com/office/drawing/2014/main" id="{735FF4D0-04EA-A88D-118C-FC13BD02CBD3}"/>
+                  <a16:creationId xmlns:a16="http://schemas.microsoft.com/office/drawing/2014/main" id="{0A4F5075-39D1-5065-2926-93366224F264}"/>
                 </a:ext>
               </a:extLst>
             </p:cNvPr>
@@ -4891,8 +4965,8 @@
           </p:nvCxnSpPr>
           <p:spPr>
             <a:xfrm flipV="1">
-              <a:off x="7752063" y="1474962"/>
-              <a:ext cx="758914" cy="444663"/>
+              <a:off x="10092565" y="1298663"/>
+              <a:ext cx="966606" cy="79895"/>
             </a:xfrm>
             <a:prstGeom prst="straightConnector1">
               <a:avLst/>
@@ -4918,10 +4992,10 @@
         </p:cxnSp>
         <p:cxnSp>
           <p:nvCxnSpPr>
-            <p:cNvPr id="75" name="Straight Arrow Connector 74">
+            <p:cNvPr id="84" name="Straight Arrow Connector 83">
               <a:extLst>
                 <a:ext uri="{FF2B5EF4-FFF2-40B4-BE49-F238E27FC236}">
-                  <a16:creationId xmlns:a16="http://schemas.microsoft.com/office/drawing/2014/main" id="{638E3A6F-790C-AAA2-6736-029FBB0C4FB1}"/>
+                  <a16:creationId xmlns:a16="http://schemas.microsoft.com/office/drawing/2014/main" id="{68D007CE-0C32-A1A9-8175-5A691FBC9662}"/>
                 </a:ext>
               </a:extLst>
             </p:cNvPr>
@@ -4932,8 +5006,8 @@
           </p:nvCxnSpPr>
           <p:spPr>
             <a:xfrm>
-              <a:off x="7740873" y="2056461"/>
-              <a:ext cx="770104" cy="307353"/>
+              <a:off x="10105169" y="1530886"/>
+              <a:ext cx="1059689" cy="1176257"/>
             </a:xfrm>
             <a:prstGeom prst="straightConnector1">
               <a:avLst/>
@@ -4957,295 +5031,47 @@
             </a:fontRef>
           </p:style>
         </p:cxnSp>
-        <p:grpSp>
-          <p:nvGrpSpPr>
-            <p:cNvPr id="81" name="Group 80">
+        <p:cxnSp>
+          <p:nvCxnSpPr>
+            <p:cNvPr id="85" name="Straight Arrow Connector 84">
               <a:extLst>
                 <a:ext uri="{FF2B5EF4-FFF2-40B4-BE49-F238E27FC236}">
-                  <a16:creationId xmlns:a16="http://schemas.microsoft.com/office/drawing/2014/main" id="{04246876-D5E3-B596-31A3-B29FF94251E6}"/>
+                  <a16:creationId xmlns:a16="http://schemas.microsoft.com/office/drawing/2014/main" id="{59643340-BDCC-E4B5-08CE-1AD9893BD711}"/>
                 </a:ext>
               </a:extLst>
             </p:cNvPr>
-            <p:cNvGrpSpPr/>
+            <p:cNvCxnSpPr>
+              <a:cxnSpLocks/>
+            </p:cNvCxnSpPr>
             <p:nvPr/>
-          </p:nvGrpSpPr>
-          <p:grpSpPr>
+          </p:nvCxnSpPr>
+          <p:spPr>
             <a:xfrm>
-              <a:off x="8940098" y="1142441"/>
-              <a:ext cx="1089092" cy="1486202"/>
-              <a:chOff x="8940098" y="1142441"/>
-              <a:chExt cx="1089092" cy="1486202"/>
+              <a:off x="10114718" y="1450551"/>
+              <a:ext cx="1008134" cy="448426"/>
             </a:xfrm>
-          </p:grpSpPr>
-          <p:cxnSp>
-            <p:nvCxnSpPr>
-              <p:cNvPr id="71" name="Straight Arrow Connector 70">
-                <a:extLst>
-                  <a:ext uri="{FF2B5EF4-FFF2-40B4-BE49-F238E27FC236}">
-                    <a16:creationId xmlns:a16="http://schemas.microsoft.com/office/drawing/2014/main" id="{FA5AFAC7-6357-1F3F-0EC6-C396462D1EBE}"/>
-                  </a:ext>
-                </a:extLst>
-              </p:cNvPr>
-              <p:cNvCxnSpPr>
-                <a:cxnSpLocks/>
-                <a:endCxn id="26" idx="1"/>
-              </p:cNvCxnSpPr>
-              <p:nvPr/>
-            </p:nvCxnSpPr>
-            <p:spPr>
-              <a:xfrm flipV="1">
-                <a:off x="8940098" y="1142441"/>
-                <a:ext cx="1089092" cy="216477"/>
-              </a:xfrm>
-              <a:prstGeom prst="straightConnector1">
-                <a:avLst/>
-              </a:prstGeom>
-              <a:ln>
-                <a:tailEnd type="triangle"/>
-              </a:ln>
-            </p:spPr>
-            <p:style>
-              <a:lnRef idx="3">
-                <a:schemeClr val="accent4"/>
-              </a:lnRef>
-              <a:fillRef idx="0">
-                <a:schemeClr val="accent4"/>
-              </a:fillRef>
-              <a:effectRef idx="2">
-                <a:schemeClr val="accent4"/>
-              </a:effectRef>
-              <a:fontRef idx="minor">
-                <a:schemeClr val="tx1"/>
-              </a:fontRef>
-            </p:style>
-          </p:cxnSp>
-          <p:cxnSp>
-            <p:nvCxnSpPr>
-              <p:cNvPr id="77" name="Straight Arrow Connector 76">
-                <a:extLst>
-                  <a:ext uri="{FF2B5EF4-FFF2-40B4-BE49-F238E27FC236}">
-                    <a16:creationId xmlns:a16="http://schemas.microsoft.com/office/drawing/2014/main" id="{D1E7E9AA-77DE-82AE-8055-2E763603015F}"/>
-                  </a:ext>
-                </a:extLst>
-              </p:cNvPr>
-              <p:cNvCxnSpPr>
-                <a:cxnSpLocks/>
-              </p:cNvCxnSpPr>
-              <p:nvPr/>
-            </p:nvCxnSpPr>
-            <p:spPr>
-              <a:xfrm>
-                <a:off x="8966361" y="1452386"/>
-                <a:ext cx="1059689" cy="1176257"/>
-              </a:xfrm>
-              <a:prstGeom prst="straightConnector1">
-                <a:avLst/>
-              </a:prstGeom>
-              <a:ln>
-                <a:tailEnd type="triangle"/>
-              </a:ln>
-            </p:spPr>
-            <p:style>
-              <a:lnRef idx="3">
-                <a:schemeClr val="accent4"/>
-              </a:lnRef>
-              <a:fillRef idx="0">
-                <a:schemeClr val="accent4"/>
-              </a:fillRef>
-              <a:effectRef idx="2">
-                <a:schemeClr val="accent4"/>
-              </a:effectRef>
-              <a:fontRef idx="minor">
-                <a:schemeClr val="tx1"/>
-              </a:fontRef>
-            </p:style>
-          </p:cxnSp>
-          <p:cxnSp>
-            <p:nvCxnSpPr>
-              <p:cNvPr id="79" name="Straight Arrow Connector 78">
-                <a:extLst>
-                  <a:ext uri="{FF2B5EF4-FFF2-40B4-BE49-F238E27FC236}">
-                    <a16:creationId xmlns:a16="http://schemas.microsoft.com/office/drawing/2014/main" id="{2D338E16-67F1-18E6-319A-95709A7178BF}"/>
-                  </a:ext>
-                </a:extLst>
-              </p:cNvPr>
-              <p:cNvCxnSpPr>
-                <a:cxnSpLocks/>
-              </p:cNvCxnSpPr>
-              <p:nvPr/>
-            </p:nvCxnSpPr>
-            <p:spPr>
-              <a:xfrm>
-                <a:off x="8989162" y="1399086"/>
-                <a:ext cx="1008134" cy="448426"/>
-              </a:xfrm>
-              <a:prstGeom prst="straightConnector1">
-                <a:avLst/>
-              </a:prstGeom>
-              <a:ln>
-                <a:tailEnd type="triangle"/>
-              </a:ln>
-            </p:spPr>
-            <p:style>
-              <a:lnRef idx="3">
-                <a:schemeClr val="accent4"/>
-              </a:lnRef>
-              <a:fillRef idx="0">
-                <a:schemeClr val="accent4"/>
-              </a:fillRef>
-              <a:effectRef idx="2">
-                <a:schemeClr val="accent4"/>
-              </a:effectRef>
-              <a:fontRef idx="minor">
-                <a:schemeClr val="tx1"/>
-              </a:fontRef>
-            </p:style>
-          </p:cxnSp>
-        </p:grpSp>
-        <p:grpSp>
-          <p:nvGrpSpPr>
-            <p:cNvPr id="82" name="Group 81">
-              <a:extLst>
-                <a:ext uri="{FF2B5EF4-FFF2-40B4-BE49-F238E27FC236}">
-                  <a16:creationId xmlns:a16="http://schemas.microsoft.com/office/drawing/2014/main" id="{4C025BC0-2811-3273-CD49-75B0C8702EA2}"/>
-                </a:ext>
-              </a:extLst>
-            </p:cNvPr>
-            <p:cNvGrpSpPr/>
-            <p:nvPr/>
-          </p:nvGrpSpPr>
-          <p:grpSpPr>
-            <a:xfrm flipV="1">
-              <a:off x="8938405" y="1293461"/>
-              <a:ext cx="1073985" cy="1461175"/>
-              <a:chOff x="10092565" y="1162080"/>
-              <a:chExt cx="1089092" cy="1545063"/>
-            </a:xfrm>
-          </p:grpSpPr>
-          <p:cxnSp>
-            <p:nvCxnSpPr>
-              <p:cNvPr id="83" name="Straight Arrow Connector 82">
-                <a:extLst>
-                  <a:ext uri="{FF2B5EF4-FFF2-40B4-BE49-F238E27FC236}">
-                    <a16:creationId xmlns:a16="http://schemas.microsoft.com/office/drawing/2014/main" id="{0A4F5075-39D1-5065-2926-93366224F264}"/>
-                  </a:ext>
-                </a:extLst>
-              </p:cNvPr>
-              <p:cNvCxnSpPr>
-                <a:cxnSpLocks/>
-              </p:cNvCxnSpPr>
-              <p:nvPr/>
-            </p:nvCxnSpPr>
-            <p:spPr>
-              <a:xfrm flipV="1">
-                <a:off x="10092565" y="1162080"/>
-                <a:ext cx="1089092" cy="216477"/>
-              </a:xfrm>
-              <a:prstGeom prst="straightConnector1">
-                <a:avLst/>
-              </a:prstGeom>
-              <a:ln>
-                <a:tailEnd type="triangle"/>
-              </a:ln>
-            </p:spPr>
-            <p:style>
-              <a:lnRef idx="3">
-                <a:schemeClr val="accent4"/>
-              </a:lnRef>
-              <a:fillRef idx="0">
-                <a:schemeClr val="accent4"/>
-              </a:fillRef>
-              <a:effectRef idx="2">
-                <a:schemeClr val="accent4"/>
-              </a:effectRef>
-              <a:fontRef idx="minor">
-                <a:schemeClr val="tx1"/>
-              </a:fontRef>
-            </p:style>
-          </p:cxnSp>
-          <p:cxnSp>
-            <p:nvCxnSpPr>
-              <p:cNvPr id="84" name="Straight Arrow Connector 83">
-                <a:extLst>
-                  <a:ext uri="{FF2B5EF4-FFF2-40B4-BE49-F238E27FC236}">
-                    <a16:creationId xmlns:a16="http://schemas.microsoft.com/office/drawing/2014/main" id="{68D007CE-0C32-A1A9-8175-5A691FBC9662}"/>
-                  </a:ext>
-                </a:extLst>
-              </p:cNvPr>
-              <p:cNvCxnSpPr>
-                <a:cxnSpLocks/>
-              </p:cNvCxnSpPr>
-              <p:nvPr/>
-            </p:nvCxnSpPr>
-            <p:spPr>
-              <a:xfrm>
-                <a:off x="10105169" y="1530886"/>
-                <a:ext cx="1059689" cy="1176257"/>
-              </a:xfrm>
-              <a:prstGeom prst="straightConnector1">
-                <a:avLst/>
-              </a:prstGeom>
-              <a:ln>
-                <a:tailEnd type="triangle"/>
-              </a:ln>
-            </p:spPr>
-            <p:style>
-              <a:lnRef idx="3">
-                <a:schemeClr val="accent4"/>
-              </a:lnRef>
-              <a:fillRef idx="0">
-                <a:schemeClr val="accent4"/>
-              </a:fillRef>
-              <a:effectRef idx="2">
-                <a:schemeClr val="accent4"/>
-              </a:effectRef>
-              <a:fontRef idx="minor">
-                <a:schemeClr val="tx1"/>
-              </a:fontRef>
-            </p:style>
-          </p:cxnSp>
-          <p:cxnSp>
-            <p:nvCxnSpPr>
-              <p:cNvPr id="85" name="Straight Arrow Connector 84">
-                <a:extLst>
-                  <a:ext uri="{FF2B5EF4-FFF2-40B4-BE49-F238E27FC236}">
-                    <a16:creationId xmlns:a16="http://schemas.microsoft.com/office/drawing/2014/main" id="{59643340-BDCC-E4B5-08CE-1AD9893BD711}"/>
-                  </a:ext>
-                </a:extLst>
-              </p:cNvPr>
-              <p:cNvCxnSpPr>
-                <a:cxnSpLocks/>
-              </p:cNvCxnSpPr>
-              <p:nvPr/>
-            </p:nvCxnSpPr>
-            <p:spPr>
-              <a:xfrm>
-                <a:off x="10114718" y="1490838"/>
-                <a:ext cx="1008134" cy="448426"/>
-              </a:xfrm>
-              <a:prstGeom prst="straightConnector1">
-                <a:avLst/>
-              </a:prstGeom>
-              <a:ln>
-                <a:tailEnd type="triangle"/>
-              </a:ln>
-            </p:spPr>
-            <p:style>
-              <a:lnRef idx="3">
-                <a:schemeClr val="accent4"/>
-              </a:lnRef>
-              <a:fillRef idx="0">
-                <a:schemeClr val="accent4"/>
-              </a:fillRef>
-              <a:effectRef idx="2">
-                <a:schemeClr val="accent4"/>
-              </a:effectRef>
-              <a:fontRef idx="minor">
-                <a:schemeClr val="tx1"/>
-              </a:fontRef>
-            </p:style>
-          </p:cxnSp>
-        </p:grpSp>
+            <a:prstGeom prst="straightConnector1">
+              <a:avLst/>
+            </a:prstGeom>
+            <a:ln>
+              <a:tailEnd type="triangle"/>
+            </a:ln>
+          </p:spPr>
+          <p:style>
+            <a:lnRef idx="3">
+              <a:schemeClr val="accent4"/>
+            </a:lnRef>
+            <a:fillRef idx="0">
+              <a:schemeClr val="accent4"/>
+            </a:fillRef>
+            <a:effectRef idx="2">
+              <a:schemeClr val="accent4"/>
+            </a:effectRef>
+            <a:fontRef idx="minor">
+              <a:schemeClr val="tx1"/>
+            </a:fontRef>
+          </p:style>
+        </p:cxnSp>
       </p:grpSp>
       <p:sp>
         <p:nvSpPr>
@@ -5261,13 +5087,13 @@
         </p:nvSpPr>
         <p:spPr>
           <a:xfrm>
-            <a:off x="6096000" y="95505"/>
+            <a:off x="6091173" y="190594"/>
             <a:ext cx="3140765" cy="859514"/>
           </a:xfrm>
           <a:prstGeom prst="wedgeEllipseCallout">
             <a:avLst>
-              <a:gd name="adj1" fmla="val 13754"/>
-              <a:gd name="adj2" fmla="val 122897"/>
+              <a:gd name="adj1" fmla="val 19617"/>
+              <a:gd name="adj2" fmla="val 104427"/>
             </a:avLst>
           </a:prstGeom>
           <a:noFill/>
@@ -5332,13 +5158,13 @@
         </p:nvSpPr>
         <p:spPr>
           <a:xfrm>
-            <a:off x="7199484" y="3095313"/>
+            <a:off x="6496573" y="3068799"/>
             <a:ext cx="3140765" cy="859514"/>
           </a:xfrm>
           <a:prstGeom prst="wedgeEllipseCallout">
             <a:avLst>
-              <a:gd name="adj1" fmla="val 20083"/>
-              <a:gd name="adj2" fmla="val -94500"/>
+              <a:gd name="adj1" fmla="val 33427"/>
+              <a:gd name="adj2" fmla="val -83418"/>
             </a:avLst>
           </a:prstGeom>
           <a:noFill/>
@@ -5377,13 +5203,13 @@
             </a:r>
             <a:r>
               <a:rPr lang="en-US" dirty="0" err="1"/>
-              <a:t>b</a:t>
+              <a:t>c</a:t>
             </a:r>
             <a:r>
               <a:rPr lang="en-US" dirty="0" err="1">
                 <a:sym typeface="Wingdings" pitchFamily="2" charset="2"/>
               </a:rPr>
-              <a:t>e</a:t>
+              <a:t>g</a:t>
             </a:r>
             <a:endParaRPr lang="en-US" dirty="0"/>
           </a:p>
@@ -5403,7 +5229,7 @@
         </p:nvSpPr>
         <p:spPr>
           <a:xfrm rot="19815816">
-            <a:off x="7857867" y="1672783"/>
+            <a:off x="7570000" y="1574424"/>
             <a:ext cx="689113" cy="276999"/>
           </a:xfrm>
           <a:prstGeom prst="rect">
@@ -5423,7 +5249,7 @@
                 <a:latin typeface="Cambria Math" panose="02040503050406030204" pitchFamily="18" charset="0"/>
                 <a:ea typeface="Cambria Math" panose="02040503050406030204" pitchFamily="18" charset="0"/>
               </a:rPr>
-              <a:t>0.1</a:t>
+              <a:t>0.9</a:t>
             </a:r>
           </a:p>
         </p:txBody>
@@ -5441,8 +5267,8 @@
           <p:nvPr/>
         </p:nvSpPr>
         <p:spPr>
-          <a:xfrm rot="927199">
-            <a:off x="7986812" y="1984221"/>
+          <a:xfrm rot="1773497">
+            <a:off x="7808798" y="2274146"/>
             <a:ext cx="689113" cy="276999"/>
           </a:xfrm>
           <a:prstGeom prst="rect">
@@ -5462,124 +5288,7 @@
                 <a:latin typeface="Cambria Math" panose="02040503050406030204" pitchFamily="18" charset="0"/>
                 <a:ea typeface="Cambria Math" panose="02040503050406030204" pitchFamily="18" charset="0"/>
               </a:rPr>
-              <a:t>0.1</a:t>
-            </a:r>
-          </a:p>
-        </p:txBody>
-      </p:sp>
-      <p:sp>
-        <p:nvSpPr>
-          <p:cNvPr id="92" name="TextBox 91">
-            <a:extLst>
-              <a:ext uri="{FF2B5EF4-FFF2-40B4-BE49-F238E27FC236}">
-                <a16:creationId xmlns:a16="http://schemas.microsoft.com/office/drawing/2014/main" id="{E2096AC0-7B48-A20B-CE2A-0B2903D53299}"/>
-              </a:ext>
-            </a:extLst>
-          </p:cNvPr>
-          <p:cNvSpPr txBox="1"/>
-          <p:nvPr/>
-        </p:nvSpPr>
-        <p:spPr>
-          <a:xfrm rot="476796">
-            <a:off x="9222884" y="2374525"/>
-            <a:ext cx="689113" cy="276999"/>
-          </a:xfrm>
-          <a:prstGeom prst="rect">
-            <a:avLst/>
-          </a:prstGeom>
-          <a:noFill/>
-        </p:spPr>
-        <p:txBody>
-          <a:bodyPr wrap="square" rtlCol="0">
-            <a:spAutoFit/>
-          </a:bodyPr>
-          <a:lstStyle/>
-          <a:p>
-            <a:pPr algn="ctr"/>
-            <a:r>
-              <a:rPr lang="en-US" sz="1200" dirty="0">
-                <a:latin typeface="Cambria Math" panose="02040503050406030204" pitchFamily="18" charset="0"/>
-                <a:ea typeface="Cambria Math" panose="02040503050406030204" pitchFamily="18" charset="0"/>
-              </a:rPr>
-              <a:t>0.15</a:t>
-            </a:r>
-          </a:p>
-        </p:txBody>
-      </p:sp>
-      <p:sp>
-        <p:nvSpPr>
-          <p:cNvPr id="93" name="TextBox 92">
-            <a:extLst>
-              <a:ext uri="{FF2B5EF4-FFF2-40B4-BE49-F238E27FC236}">
-                <a16:creationId xmlns:a16="http://schemas.microsoft.com/office/drawing/2014/main" id="{8CB12913-86BC-A540-F7F9-DFA87E2A6399}"/>
-              </a:ext>
-            </a:extLst>
-          </p:cNvPr>
-          <p:cNvSpPr txBox="1"/>
-          <p:nvPr/>
-        </p:nvSpPr>
-        <p:spPr>
-          <a:xfrm rot="20700000">
-            <a:off x="9140088" y="925203"/>
-            <a:ext cx="689113" cy="276999"/>
-          </a:xfrm>
-          <a:prstGeom prst="rect">
-            <a:avLst/>
-          </a:prstGeom>
-          <a:noFill/>
-        </p:spPr>
-        <p:txBody>
-          <a:bodyPr wrap="square" rtlCol="0">
-            <a:spAutoFit/>
-          </a:bodyPr>
-          <a:lstStyle/>
-          <a:p>
-            <a:pPr algn="ctr"/>
-            <a:r>
-              <a:rPr lang="en-US" sz="1200" dirty="0">
-                <a:latin typeface="Cambria Math" panose="02040503050406030204" pitchFamily="18" charset="0"/>
-                <a:ea typeface="Cambria Math" panose="02040503050406030204" pitchFamily="18" charset="0"/>
-              </a:rPr>
-              <a:t>0.11</a:t>
-            </a:r>
-          </a:p>
-        </p:txBody>
-      </p:sp>
-      <p:sp>
-        <p:nvSpPr>
-          <p:cNvPr id="94" name="TextBox 93">
-            <a:extLst>
-              <a:ext uri="{FF2B5EF4-FFF2-40B4-BE49-F238E27FC236}">
-                <a16:creationId xmlns:a16="http://schemas.microsoft.com/office/drawing/2014/main" id="{4BDF78E5-2965-9A8F-9105-8EA9F9A18775}"/>
-              </a:ext>
-            </a:extLst>
-          </p:cNvPr>
-          <p:cNvSpPr txBox="1"/>
-          <p:nvPr/>
-        </p:nvSpPr>
-        <p:spPr>
-          <a:xfrm rot="900000">
-            <a:off x="9112770" y="1342350"/>
-            <a:ext cx="689113" cy="276999"/>
-          </a:xfrm>
-          <a:prstGeom prst="rect">
-            <a:avLst/>
-          </a:prstGeom>
-          <a:noFill/>
-        </p:spPr>
-        <p:txBody>
-          <a:bodyPr wrap="square" rtlCol="0">
-            <a:spAutoFit/>
-          </a:bodyPr>
-          <a:lstStyle/>
-          <a:p>
-            <a:pPr algn="ctr"/>
-            <a:r>
-              <a:rPr lang="en-US" sz="1200" dirty="0">
-                <a:latin typeface="Cambria Math" panose="02040503050406030204" pitchFamily="18" charset="0"/>
-                <a:ea typeface="Cambria Math" panose="02040503050406030204" pitchFamily="18" charset="0"/>
-              </a:rPr>
-              <a:t>…</a:t>
+              <a:t>0.05</a:t>
             </a:r>
           </a:p>
         </p:txBody>
@@ -5714,7 +5423,7 @@
         <p:spPr>
           <a:xfrm>
             <a:off x="727995" y="4575405"/>
-            <a:ext cx="4280741" cy="1192694"/>
+            <a:ext cx="4467885" cy="1477328"/>
           </a:xfrm>
           <a:prstGeom prst="rect">
             <a:avLst/>
@@ -5749,7 +5458,7 @@
             <a:pPr algn="ctr"/>
             <a:r>
               <a:rPr lang="en-US" dirty="0"/>
-              <a:t>The physical layout of a double slit experiment.  Photons from a flashlight (s) can go through slits (a, or b) and then to one of three photon detectors (c, d, or e).  </a:t>
+              <a:t>The physical layout of a double slit experiment.  Photons from a flashlight (s) can go through slits (b or c) and then to one of three photon detectors (e, f, g).  (a) is an opaque screen and (d) is a backdrop.  </a:t>
             </a:r>
           </a:p>
         </p:txBody>
@@ -5804,17 +5513,17 @@
             <a:pPr algn="ctr"/>
             <a:r>
               <a:rPr lang="en-US" dirty="0"/>
-              <a:t>A simplified view of the paths that particles can take from the start (s) to a detector (c, d, or e).</a:t>
-            </a:r>
-          </a:p>
-        </p:txBody>
-      </p:sp>
-      <p:sp>
-        <p:nvSpPr>
-          <p:cNvPr id="2" name="Triangle 1">
-            <a:extLst>
-              <a:ext uri="{FF2B5EF4-FFF2-40B4-BE49-F238E27FC236}">
-                <a16:creationId xmlns:a16="http://schemas.microsoft.com/office/drawing/2014/main" id="{71E27C64-ED80-D94B-DE78-8419A18BE62E}"/>
+              <a:t>A simplified view of the paths that particles can take from the start (s) to the detector (e, f, g).</a:t>
+            </a:r>
+          </a:p>
+        </p:txBody>
+      </p:sp>
+      <p:sp>
+        <p:nvSpPr>
+          <p:cNvPr id="4" name="Triangle 3">
+            <a:extLst>
+              <a:ext uri="{FF2B5EF4-FFF2-40B4-BE49-F238E27FC236}">
+                <a16:creationId xmlns:a16="http://schemas.microsoft.com/office/drawing/2014/main" id="{9294DAF0-64EE-EA30-4535-6641ADDC6AB5}"/>
               </a:ext>
             </a:extLst>
           </p:cNvPr>
@@ -5823,7 +5532,7 @@
         </p:nvSpPr>
         <p:spPr>
           <a:xfrm rot="16200000">
-            <a:off x="893527" y="1441348"/>
+            <a:off x="2857423" y="827777"/>
             <a:ext cx="2067039" cy="1417752"/>
           </a:xfrm>
           <a:prstGeom prst="triangle">
@@ -5865,10 +5574,10 @@
       </p:sp>
       <p:sp>
         <p:nvSpPr>
-          <p:cNvPr id="4" name="Triangle 3">
-            <a:extLst>
-              <a:ext uri="{FF2B5EF4-FFF2-40B4-BE49-F238E27FC236}">
-                <a16:creationId xmlns:a16="http://schemas.microsoft.com/office/drawing/2014/main" id="{9294DAF0-64EE-EA30-4535-6641ADDC6AB5}"/>
+          <p:cNvPr id="5" name="Triangle 4">
+            <a:extLst>
+              <a:ext uri="{FF2B5EF4-FFF2-40B4-BE49-F238E27FC236}">
+                <a16:creationId xmlns:a16="http://schemas.microsoft.com/office/drawing/2014/main" id="{779731F1-937B-0A0E-92FE-403ADE6B0028}"/>
               </a:ext>
             </a:extLst>
           </p:cNvPr>
@@ -5877,7 +5586,7 @@
         </p:nvSpPr>
         <p:spPr>
           <a:xfrm rot="16200000">
-            <a:off x="2914500" y="785420"/>
+            <a:off x="2834636" y="2028452"/>
             <a:ext cx="2067039" cy="1417752"/>
           </a:xfrm>
           <a:prstGeom prst="triangle">
@@ -5919,10 +5628,10 @@
       </p:sp>
       <p:sp>
         <p:nvSpPr>
-          <p:cNvPr id="5" name="Triangle 4">
-            <a:extLst>
-              <a:ext uri="{FF2B5EF4-FFF2-40B4-BE49-F238E27FC236}">
-                <a16:creationId xmlns:a16="http://schemas.microsoft.com/office/drawing/2014/main" id="{779731F1-937B-0A0E-92FE-403ADE6B0028}"/>
+          <p:cNvPr id="2" name="Triangle 1">
+            <a:extLst>
+              <a:ext uri="{FF2B5EF4-FFF2-40B4-BE49-F238E27FC236}">
+                <a16:creationId xmlns:a16="http://schemas.microsoft.com/office/drawing/2014/main" id="{71E27C64-ED80-D94B-DE78-8419A18BE62E}"/>
               </a:ext>
             </a:extLst>
           </p:cNvPr>
@@ -5931,7 +5640,7 @@
         </p:nvSpPr>
         <p:spPr>
           <a:xfrm rot="16200000">
-            <a:off x="2842217" y="1908676"/>
+            <a:off x="892717" y="1393572"/>
             <a:ext cx="2067039" cy="1417752"/>
           </a:xfrm>
           <a:prstGeom prst="triangle">
@@ -5968,6 +5677,498 @@
           <a:p>
             <a:pPr algn="ctr"/>
             <a:endParaRPr lang="en-US"/>
+          </a:p>
+        </p:txBody>
+      </p:sp>
+      <p:sp>
+        <p:nvSpPr>
+          <p:cNvPr id="8" name="TextBox 7">
+            <a:extLst>
+              <a:ext uri="{FF2B5EF4-FFF2-40B4-BE49-F238E27FC236}">
+                <a16:creationId xmlns:a16="http://schemas.microsoft.com/office/drawing/2014/main" id="{B89A6F7B-55DF-1B64-D64E-6FD7BBEC1EE2}"/>
+              </a:ext>
+            </a:extLst>
+          </p:cNvPr>
+          <p:cNvSpPr txBox="1"/>
+          <p:nvPr/>
+        </p:nvSpPr>
+        <p:spPr>
+          <a:xfrm>
+            <a:off x="2769253" y="667005"/>
+            <a:ext cx="251387" cy="369332"/>
+          </a:xfrm>
+          <a:prstGeom prst="rect">
+            <a:avLst/>
+          </a:prstGeom>
+          <a:noFill/>
+        </p:spPr>
+        <p:txBody>
+          <a:bodyPr wrap="square" rtlCol="0">
+            <a:spAutoFit/>
+          </a:bodyPr>
+          <a:lstStyle/>
+          <a:p>
+            <a:r>
+              <a:rPr lang="en-US" i="1" dirty="0">
+                <a:solidFill>
+                  <a:schemeClr val="bg1"/>
+                </a:solidFill>
+              </a:rPr>
+              <a:t>a</a:t>
+            </a:r>
+          </a:p>
+        </p:txBody>
+      </p:sp>
+      <p:sp>
+        <p:nvSpPr>
+          <p:cNvPr id="9" name="TextBox 8">
+            <a:extLst>
+              <a:ext uri="{FF2B5EF4-FFF2-40B4-BE49-F238E27FC236}">
+                <a16:creationId xmlns:a16="http://schemas.microsoft.com/office/drawing/2014/main" id="{7C8E1627-FCAB-C459-DDE3-907832947069}"/>
+              </a:ext>
+            </a:extLst>
+          </p:cNvPr>
+          <p:cNvSpPr txBox="1"/>
+          <p:nvPr/>
+        </p:nvSpPr>
+        <p:spPr>
+          <a:xfrm>
+            <a:off x="4721509" y="662635"/>
+            <a:ext cx="251387" cy="369332"/>
+          </a:xfrm>
+          <a:prstGeom prst="rect">
+            <a:avLst/>
+          </a:prstGeom>
+          <a:noFill/>
+        </p:spPr>
+        <p:txBody>
+          <a:bodyPr wrap="square" rtlCol="0">
+            <a:spAutoFit/>
+          </a:bodyPr>
+          <a:lstStyle/>
+          <a:p>
+            <a:r>
+              <a:rPr lang="en-US" i="1" dirty="0">
+                <a:solidFill>
+                  <a:schemeClr val="bg1"/>
+                </a:solidFill>
+              </a:rPr>
+              <a:t>d</a:t>
+            </a:r>
+          </a:p>
+        </p:txBody>
+      </p:sp>
+      <p:sp>
+        <p:nvSpPr>
+          <p:cNvPr id="10" name="TextBox 9">
+            <a:extLst>
+              <a:ext uri="{FF2B5EF4-FFF2-40B4-BE49-F238E27FC236}">
+                <a16:creationId xmlns:a16="http://schemas.microsoft.com/office/drawing/2014/main" id="{06DD4240-0256-DC2B-3D21-6104A5C9EA07}"/>
+              </a:ext>
+            </a:extLst>
+          </p:cNvPr>
+          <p:cNvSpPr txBox="1"/>
+          <p:nvPr/>
+        </p:nvSpPr>
+        <p:spPr>
+          <a:xfrm>
+            <a:off x="8598933" y="1705121"/>
+            <a:ext cx="326607" cy="369332"/>
+          </a:xfrm>
+          <a:prstGeom prst="rect">
+            <a:avLst/>
+          </a:prstGeom>
+        </p:spPr>
+        <p:style>
+          <a:lnRef idx="1">
+            <a:schemeClr val="accent1"/>
+          </a:lnRef>
+          <a:fillRef idx="3">
+            <a:schemeClr val="accent1"/>
+          </a:fillRef>
+          <a:effectRef idx="2">
+            <a:schemeClr val="accent1"/>
+          </a:effectRef>
+          <a:fontRef idx="minor">
+            <a:schemeClr val="lt1"/>
+          </a:fontRef>
+        </p:style>
+        <p:txBody>
+          <a:bodyPr wrap="square" rtlCol="0">
+            <a:spAutoFit/>
+          </a:bodyPr>
+          <a:lstStyle/>
+          <a:p>
+            <a:r>
+              <a:rPr lang="en-US" i="1" dirty="0"/>
+              <a:t>b</a:t>
+            </a:r>
+          </a:p>
+        </p:txBody>
+      </p:sp>
+      <p:cxnSp>
+        <p:nvCxnSpPr>
+          <p:cNvPr id="12" name="Straight Arrow Connector 11">
+            <a:extLst>
+              <a:ext uri="{FF2B5EF4-FFF2-40B4-BE49-F238E27FC236}">
+                <a16:creationId xmlns:a16="http://schemas.microsoft.com/office/drawing/2014/main" id="{A33270E2-5B79-0BD9-83DB-AC27288B6879}"/>
+              </a:ext>
+            </a:extLst>
+          </p:cNvPr>
+          <p:cNvCxnSpPr>
+            <a:cxnSpLocks/>
+          </p:cNvCxnSpPr>
+          <p:nvPr/>
+        </p:nvCxnSpPr>
+        <p:spPr>
+          <a:xfrm>
+            <a:off x="7787363" y="1955506"/>
+            <a:ext cx="741465" cy="9274"/>
+          </a:xfrm>
+          <a:prstGeom prst="straightConnector1">
+            <a:avLst/>
+          </a:prstGeom>
+          <a:ln>
+            <a:tailEnd type="triangle"/>
+          </a:ln>
+        </p:spPr>
+        <p:style>
+          <a:lnRef idx="3">
+            <a:schemeClr val="accent4"/>
+          </a:lnRef>
+          <a:fillRef idx="0">
+            <a:schemeClr val="accent4"/>
+          </a:fillRef>
+          <a:effectRef idx="2">
+            <a:schemeClr val="accent4"/>
+          </a:effectRef>
+          <a:fontRef idx="minor">
+            <a:schemeClr val="tx1"/>
+          </a:fontRef>
+        </p:style>
+      </p:cxnSp>
+      <p:sp>
+        <p:nvSpPr>
+          <p:cNvPr id="14" name="TextBox 13">
+            <a:extLst>
+              <a:ext uri="{FF2B5EF4-FFF2-40B4-BE49-F238E27FC236}">
+                <a16:creationId xmlns:a16="http://schemas.microsoft.com/office/drawing/2014/main" id="{B145AA17-6243-2B33-66FC-AB6BB931AAD8}"/>
+              </a:ext>
+            </a:extLst>
+          </p:cNvPr>
+          <p:cNvSpPr txBox="1"/>
+          <p:nvPr/>
+        </p:nvSpPr>
+        <p:spPr>
+          <a:xfrm>
+            <a:off x="7893208" y="1938774"/>
+            <a:ext cx="689113" cy="276999"/>
+          </a:xfrm>
+          <a:prstGeom prst="rect">
+            <a:avLst/>
+          </a:prstGeom>
+          <a:noFill/>
+        </p:spPr>
+        <p:txBody>
+          <a:bodyPr wrap="square" rtlCol="0">
+            <a:spAutoFit/>
+          </a:bodyPr>
+          <a:lstStyle/>
+          <a:p>
+            <a:pPr algn="ctr"/>
+            <a:r>
+              <a:rPr lang="en-US" sz="1200" dirty="0">
+                <a:latin typeface="Cambria Math" panose="02040503050406030204" pitchFamily="18" charset="0"/>
+                <a:ea typeface="Cambria Math" panose="02040503050406030204" pitchFamily="18" charset="0"/>
+              </a:rPr>
+              <a:t>0.05</a:t>
+            </a:r>
+          </a:p>
+        </p:txBody>
+      </p:sp>
+      <p:sp>
+        <p:nvSpPr>
+          <p:cNvPr id="18" name="TextBox 17">
+            <a:extLst>
+              <a:ext uri="{FF2B5EF4-FFF2-40B4-BE49-F238E27FC236}">
+                <a16:creationId xmlns:a16="http://schemas.microsoft.com/office/drawing/2014/main" id="{03EE78A8-6C40-0273-F9BC-D7095741638F}"/>
+              </a:ext>
+            </a:extLst>
+          </p:cNvPr>
+          <p:cNvSpPr txBox="1"/>
+          <p:nvPr/>
+        </p:nvSpPr>
+        <p:spPr>
+          <a:xfrm>
+            <a:off x="10038716" y="3068799"/>
+            <a:ext cx="324330" cy="369323"/>
+          </a:xfrm>
+          <a:prstGeom prst="rect">
+            <a:avLst/>
+          </a:prstGeom>
+        </p:spPr>
+        <p:style>
+          <a:lnRef idx="1">
+            <a:schemeClr val="accent1"/>
+          </a:lnRef>
+          <a:fillRef idx="3">
+            <a:schemeClr val="accent1"/>
+          </a:fillRef>
+          <a:effectRef idx="2">
+            <a:schemeClr val="accent1"/>
+          </a:effectRef>
+          <a:fontRef idx="minor">
+            <a:schemeClr val="lt1"/>
+          </a:fontRef>
+        </p:style>
+        <p:txBody>
+          <a:bodyPr wrap="square" rtlCol="0">
+            <a:spAutoFit/>
+          </a:bodyPr>
+          <a:lstStyle/>
+          <a:p>
+            <a:r>
+              <a:rPr lang="en-US" i="1" dirty="0"/>
+              <a:t>g</a:t>
+            </a:r>
+          </a:p>
+        </p:txBody>
+      </p:sp>
+      <p:cxnSp>
+        <p:nvCxnSpPr>
+          <p:cNvPr id="19" name="Straight Arrow Connector 18">
+            <a:extLst>
+              <a:ext uri="{FF2B5EF4-FFF2-40B4-BE49-F238E27FC236}">
+                <a16:creationId xmlns:a16="http://schemas.microsoft.com/office/drawing/2014/main" id="{F4275EB3-9710-C43C-D7CC-A8DE668C0FA4}"/>
+              </a:ext>
+            </a:extLst>
+          </p:cNvPr>
+          <p:cNvCxnSpPr>
+            <a:cxnSpLocks/>
+          </p:cNvCxnSpPr>
+          <p:nvPr/>
+        </p:nvCxnSpPr>
+        <p:spPr>
+          <a:xfrm>
+            <a:off x="8959912" y="2609411"/>
+            <a:ext cx="1030969" cy="674947"/>
+          </a:xfrm>
+          <a:prstGeom prst="straightConnector1">
+            <a:avLst/>
+          </a:prstGeom>
+          <a:ln>
+            <a:tailEnd type="triangle"/>
+          </a:ln>
+        </p:spPr>
+        <p:style>
+          <a:lnRef idx="3">
+            <a:schemeClr val="accent4"/>
+          </a:lnRef>
+          <a:fillRef idx="0">
+            <a:schemeClr val="accent4"/>
+          </a:fillRef>
+          <a:effectRef idx="2">
+            <a:schemeClr val="accent4"/>
+          </a:effectRef>
+          <a:fontRef idx="minor">
+            <a:schemeClr val="tx1"/>
+          </a:fontRef>
+        </p:style>
+      </p:cxnSp>
+      <p:cxnSp>
+        <p:nvCxnSpPr>
+          <p:cNvPr id="20" name="Straight Arrow Connector 19">
+            <a:extLst>
+              <a:ext uri="{FF2B5EF4-FFF2-40B4-BE49-F238E27FC236}">
+                <a16:creationId xmlns:a16="http://schemas.microsoft.com/office/drawing/2014/main" id="{68810BD3-1563-8CE0-5D12-445A84077D3F}"/>
+              </a:ext>
+            </a:extLst>
+          </p:cNvPr>
+          <p:cNvCxnSpPr>
+            <a:cxnSpLocks/>
+          </p:cNvCxnSpPr>
+          <p:nvPr/>
+        </p:nvCxnSpPr>
+        <p:spPr>
+          <a:xfrm>
+            <a:off x="8972559" y="2116720"/>
+            <a:ext cx="1007136" cy="982849"/>
+          </a:xfrm>
+          <a:prstGeom prst="straightConnector1">
+            <a:avLst/>
+          </a:prstGeom>
+          <a:ln>
+            <a:tailEnd type="triangle"/>
+          </a:ln>
+        </p:spPr>
+        <p:style>
+          <a:lnRef idx="3">
+            <a:schemeClr val="accent4"/>
+          </a:lnRef>
+          <a:fillRef idx="0">
+            <a:schemeClr val="accent4"/>
+          </a:fillRef>
+          <a:effectRef idx="2">
+            <a:schemeClr val="accent4"/>
+          </a:effectRef>
+          <a:fontRef idx="minor">
+            <a:schemeClr val="tx1"/>
+          </a:fontRef>
+        </p:style>
+      </p:cxnSp>
+      <p:sp>
+        <p:nvSpPr>
+          <p:cNvPr id="23" name="TextBox 22">
+            <a:extLst>
+              <a:ext uri="{FF2B5EF4-FFF2-40B4-BE49-F238E27FC236}">
+                <a16:creationId xmlns:a16="http://schemas.microsoft.com/office/drawing/2014/main" id="{8BF3ED4C-767B-6706-45D6-E02EF2E27A63}"/>
+              </a:ext>
+            </a:extLst>
+          </p:cNvPr>
+          <p:cNvSpPr txBox="1"/>
+          <p:nvPr/>
+        </p:nvSpPr>
+        <p:spPr>
+          <a:xfrm rot="2041178">
+            <a:off x="9095923" y="2953995"/>
+            <a:ext cx="689113" cy="276999"/>
+          </a:xfrm>
+          <a:prstGeom prst="rect">
+            <a:avLst/>
+          </a:prstGeom>
+          <a:noFill/>
+        </p:spPr>
+        <p:txBody>
+          <a:bodyPr wrap="square" rtlCol="0">
+            <a:spAutoFit/>
+          </a:bodyPr>
+          <a:lstStyle/>
+          <a:p>
+            <a:pPr algn="ctr"/>
+            <a:r>
+              <a:rPr lang="en-US" sz="1200" dirty="0">
+                <a:latin typeface="Cambria Math" panose="02040503050406030204" pitchFamily="18" charset="0"/>
+                <a:ea typeface="Cambria Math" panose="02040503050406030204" pitchFamily="18" charset="0"/>
+              </a:rPr>
+              <a:t>0.02</a:t>
+            </a:r>
+          </a:p>
+        </p:txBody>
+      </p:sp>
+      <p:sp>
+        <p:nvSpPr>
+          <p:cNvPr id="30" name="TextBox 29">
+            <a:extLst>
+              <a:ext uri="{FF2B5EF4-FFF2-40B4-BE49-F238E27FC236}">
+                <a16:creationId xmlns:a16="http://schemas.microsoft.com/office/drawing/2014/main" id="{8D82AAA5-0EF5-1CEF-05F1-D1E6CA901829}"/>
+              </a:ext>
+            </a:extLst>
+          </p:cNvPr>
+          <p:cNvSpPr txBox="1"/>
+          <p:nvPr/>
+        </p:nvSpPr>
+        <p:spPr>
+          <a:xfrm rot="19518364">
+            <a:off x="8970697" y="1264622"/>
+            <a:ext cx="689113" cy="276999"/>
+          </a:xfrm>
+          <a:prstGeom prst="rect">
+            <a:avLst/>
+          </a:prstGeom>
+          <a:noFill/>
+        </p:spPr>
+        <p:txBody>
+          <a:bodyPr wrap="square" rtlCol="0">
+            <a:spAutoFit/>
+          </a:bodyPr>
+          <a:lstStyle/>
+          <a:p>
+            <a:pPr algn="ctr"/>
+            <a:r>
+              <a:rPr lang="en-US" sz="1200" dirty="0">
+                <a:latin typeface="Cambria Math" panose="02040503050406030204" pitchFamily="18" charset="0"/>
+                <a:ea typeface="Cambria Math" panose="02040503050406030204" pitchFamily="18" charset="0"/>
+              </a:rPr>
+              <a:t>0.94</a:t>
+            </a:r>
+          </a:p>
+        </p:txBody>
+      </p:sp>
+      <p:sp>
+        <p:nvSpPr>
+          <p:cNvPr id="31" name="TextBox 30">
+            <a:extLst>
+              <a:ext uri="{FF2B5EF4-FFF2-40B4-BE49-F238E27FC236}">
+                <a16:creationId xmlns:a16="http://schemas.microsoft.com/office/drawing/2014/main" id="{A746F930-F3B9-1B58-2050-D1DA8C79C2ED}"/>
+              </a:ext>
+            </a:extLst>
+          </p:cNvPr>
+          <p:cNvSpPr txBox="1"/>
+          <p:nvPr/>
+        </p:nvSpPr>
+        <p:spPr>
+          <a:xfrm rot="18989321">
+            <a:off x="9217757" y="1453992"/>
+            <a:ext cx="689113" cy="276999"/>
+          </a:xfrm>
+          <a:prstGeom prst="rect">
+            <a:avLst/>
+          </a:prstGeom>
+          <a:noFill/>
+        </p:spPr>
+        <p:txBody>
+          <a:bodyPr wrap="square" rtlCol="0">
+            <a:spAutoFit/>
+          </a:bodyPr>
+          <a:lstStyle/>
+          <a:p>
+            <a:pPr algn="ctr"/>
+            <a:r>
+              <a:rPr lang="en-US" sz="1200" dirty="0">
+                <a:latin typeface="Cambria Math" panose="02040503050406030204" pitchFamily="18" charset="0"/>
+                <a:ea typeface="Cambria Math" panose="02040503050406030204" pitchFamily="18" charset="0"/>
+              </a:rPr>
+              <a:t>0.94</a:t>
+            </a:r>
+          </a:p>
+        </p:txBody>
+      </p:sp>
+      <p:sp>
+        <p:nvSpPr>
+          <p:cNvPr id="32" name="TextBox 31">
+            <a:extLst>
+              <a:ext uri="{FF2B5EF4-FFF2-40B4-BE49-F238E27FC236}">
+                <a16:creationId xmlns:a16="http://schemas.microsoft.com/office/drawing/2014/main" id="{B304C9AD-8867-CA96-93F8-78D489656FCF}"/>
+              </a:ext>
+            </a:extLst>
+          </p:cNvPr>
+          <p:cNvSpPr txBox="1"/>
+          <p:nvPr/>
+        </p:nvSpPr>
+        <p:spPr>
+          <a:xfrm rot="2652772">
+            <a:off x="9508894" y="2687673"/>
+            <a:ext cx="689113" cy="276999"/>
+          </a:xfrm>
+          <a:prstGeom prst="rect">
+            <a:avLst/>
+          </a:prstGeom>
+          <a:noFill/>
+        </p:spPr>
+        <p:txBody>
+          <a:bodyPr wrap="square" rtlCol="0">
+            <a:spAutoFit/>
+          </a:bodyPr>
+          <a:lstStyle/>
+          <a:p>
+            <a:pPr algn="ctr"/>
+            <a:r>
+              <a:rPr lang="en-US" sz="1200" dirty="0">
+                <a:latin typeface="Cambria Math" panose="02040503050406030204" pitchFamily="18" charset="0"/>
+                <a:ea typeface="Cambria Math" panose="02040503050406030204" pitchFamily="18" charset="0"/>
+              </a:rPr>
+              <a:t>0.02</a:t>
+            </a:r>
           </a:p>
         </p:txBody>
       </p:sp>

--- a/qm/double-slit.pptx
+++ b/qm/double-slit.pptx
@@ -198,7 +198,7 @@
           <a:p>
             <a:fld id="{4D8C7975-7758-2A45-89D3-3D92B788EE9F}" type="datetimeFigureOut">
               <a:rPr lang="en-US" smtClean="0"/>
-              <a:t>11/28/25</a:t>
+              <a:t>11/29/25</a:t>
             </a:fld>
             <a:endParaRPr lang="en-US"/>
           </a:p>
@@ -696,7 +696,7 @@
           <a:p>
             <a:fld id="{6F302925-4665-5F46-8E77-D7976938C888}" type="datetimeFigureOut">
               <a:rPr lang="en-US" smtClean="0"/>
-              <a:t>11/28/25</a:t>
+              <a:t>11/29/25</a:t>
             </a:fld>
             <a:endParaRPr lang="en-US"/>
           </a:p>
@@ -894,7 +894,7 @@
           <a:p>
             <a:fld id="{6F302925-4665-5F46-8E77-D7976938C888}" type="datetimeFigureOut">
               <a:rPr lang="en-US" smtClean="0"/>
-              <a:t>11/28/25</a:t>
+              <a:t>11/29/25</a:t>
             </a:fld>
             <a:endParaRPr lang="en-US"/>
           </a:p>
@@ -1102,7 +1102,7 @@
           <a:p>
             <a:fld id="{6F302925-4665-5F46-8E77-D7976938C888}" type="datetimeFigureOut">
               <a:rPr lang="en-US" smtClean="0"/>
-              <a:t>11/28/25</a:t>
+              <a:t>11/29/25</a:t>
             </a:fld>
             <a:endParaRPr lang="en-US"/>
           </a:p>
@@ -1300,7 +1300,7 @@
           <a:p>
             <a:fld id="{6F302925-4665-5F46-8E77-D7976938C888}" type="datetimeFigureOut">
               <a:rPr lang="en-US" smtClean="0"/>
-              <a:t>11/28/25</a:t>
+              <a:t>11/29/25</a:t>
             </a:fld>
             <a:endParaRPr lang="en-US"/>
           </a:p>
@@ -1575,7 +1575,7 @@
           <a:p>
             <a:fld id="{6F302925-4665-5F46-8E77-D7976938C888}" type="datetimeFigureOut">
               <a:rPr lang="en-US" smtClean="0"/>
-              <a:t>11/28/25</a:t>
+              <a:t>11/29/25</a:t>
             </a:fld>
             <a:endParaRPr lang="en-US"/>
           </a:p>
@@ -1840,7 +1840,7 @@
           <a:p>
             <a:fld id="{6F302925-4665-5F46-8E77-D7976938C888}" type="datetimeFigureOut">
               <a:rPr lang="en-US" smtClean="0"/>
-              <a:t>11/28/25</a:t>
+              <a:t>11/29/25</a:t>
             </a:fld>
             <a:endParaRPr lang="en-US"/>
           </a:p>
@@ -2252,7 +2252,7 @@
           <a:p>
             <a:fld id="{6F302925-4665-5F46-8E77-D7976938C888}" type="datetimeFigureOut">
               <a:rPr lang="en-US" smtClean="0"/>
-              <a:t>11/28/25</a:t>
+              <a:t>11/29/25</a:t>
             </a:fld>
             <a:endParaRPr lang="en-US"/>
           </a:p>
@@ -2393,7 +2393,7 @@
           <a:p>
             <a:fld id="{6F302925-4665-5F46-8E77-D7976938C888}" type="datetimeFigureOut">
               <a:rPr lang="en-US" smtClean="0"/>
-              <a:t>11/28/25</a:t>
+              <a:t>11/29/25</a:t>
             </a:fld>
             <a:endParaRPr lang="en-US"/>
           </a:p>
@@ -2506,7 +2506,7 @@
           <a:p>
             <a:fld id="{6F302925-4665-5F46-8E77-D7976938C888}" type="datetimeFigureOut">
               <a:rPr lang="en-US" smtClean="0"/>
-              <a:t>11/28/25</a:t>
+              <a:t>11/29/25</a:t>
             </a:fld>
             <a:endParaRPr lang="en-US"/>
           </a:p>
@@ -2817,7 +2817,7 @@
           <a:p>
             <a:fld id="{6F302925-4665-5F46-8E77-D7976938C888}" type="datetimeFigureOut">
               <a:rPr lang="en-US" smtClean="0"/>
-              <a:t>11/28/25</a:t>
+              <a:t>11/29/25</a:t>
             </a:fld>
             <a:endParaRPr lang="en-US"/>
           </a:p>
@@ -3105,7 +3105,7 @@
           <a:p>
             <a:fld id="{6F302925-4665-5F46-8E77-D7976938C888}" type="datetimeFigureOut">
               <a:rPr lang="en-US" smtClean="0"/>
-              <a:t>11/28/25</a:t>
+              <a:t>11/29/25</a:t>
             </a:fld>
             <a:endParaRPr lang="en-US"/>
           </a:p>
@@ -3346,7 +3346,7 @@
           <a:p>
             <a:fld id="{6F302925-4665-5F46-8E77-D7976938C888}" type="datetimeFigureOut">
               <a:rPr lang="en-US" smtClean="0"/>
-              <a:t>11/28/25</a:t>
+              <a:t>11/29/25</a:t>
             </a:fld>
             <a:endParaRPr lang="en-US"/>
           </a:p>
@@ -3887,8 +3887,8 @@
         </p:nvSpPr>
         <p:spPr>
           <a:xfrm>
-            <a:off x="2407021" y="1399085"/>
-            <a:ext cx="1027733" cy="306805"/>
+            <a:off x="2417181" y="1431277"/>
+            <a:ext cx="1027733" cy="274613"/>
           </a:xfrm>
           <a:prstGeom prst="rect">
             <a:avLst/>
@@ -3939,8 +3939,8 @@
         </p:nvSpPr>
         <p:spPr>
           <a:xfrm>
-            <a:off x="2407020" y="2400698"/>
-            <a:ext cx="929614" cy="393714"/>
+            <a:off x="2407020" y="2501290"/>
+            <a:ext cx="929614" cy="293122"/>
           </a:xfrm>
           <a:prstGeom prst="rect">
             <a:avLst/>
@@ -4013,129 +4013,56 @@
           </a:prstGeom>
         </p:spPr>
       </p:pic>
-      <p:pic>
-        <p:nvPicPr>
-          <p:cNvPr id="60" name="Graphic 59" descr="Eye with solid fill">
-            <a:extLst>
-              <a:ext uri="{FF2B5EF4-FFF2-40B4-BE49-F238E27FC236}">
-                <a16:creationId xmlns:a16="http://schemas.microsoft.com/office/drawing/2014/main" id="{DE9E040D-1899-C155-3415-12E1412393C3}"/>
-              </a:ext>
-            </a:extLst>
-          </p:cNvPr>
-          <p:cNvPicPr>
-            <a:picLocks noChangeAspect="1"/>
-          </p:cNvPicPr>
+      <p:sp>
+        <p:nvSpPr>
+          <p:cNvPr id="63" name="TextBox 62">
+            <a:extLst>
+              <a:ext uri="{FF2B5EF4-FFF2-40B4-BE49-F238E27FC236}">
+                <a16:creationId xmlns:a16="http://schemas.microsoft.com/office/drawing/2014/main" id="{BEE44035-6989-59A9-BB98-D79F81C26738}"/>
+              </a:ext>
+            </a:extLst>
+          </p:cNvPr>
+          <p:cNvSpPr txBox="1"/>
           <p:nvPr/>
-        </p:nvPicPr>
-        <p:blipFill>
-          <a:blip r:embed="rId4">
-            <a:extLst>
-              <a:ext uri="{96DAC541-7B7A-43D3-8B79-37D633B846F1}">
-                <asvg:svgBlip xmlns:asvg="http://schemas.microsoft.com/office/drawing/2016/SVG/main" r:embed="rId5"/>
-              </a:ext>
-            </a:extLst>
-          </a:blip>
-          <a:stretch>
-            <a:fillRect/>
-          </a:stretch>
-        </p:blipFill>
+        </p:nvSpPr>
         <p:spPr>
           <a:xfrm>
-            <a:off x="4530115" y="952225"/>
-            <a:ext cx="657548" cy="677562"/>
+            <a:off x="2800863" y="1399085"/>
+            <a:ext cx="214543" cy="369332"/>
           </a:xfrm>
           <a:prstGeom prst="rect">
             <a:avLst/>
           </a:prstGeom>
+          <a:noFill/>
         </p:spPr>
-      </p:pic>
-      <p:pic>
-        <p:nvPicPr>
-          <p:cNvPr id="61" name="Graphic 60" descr="Eye with solid fill">
-            <a:extLst>
-              <a:ext uri="{FF2B5EF4-FFF2-40B4-BE49-F238E27FC236}">
-                <a16:creationId xmlns:a16="http://schemas.microsoft.com/office/drawing/2014/main" id="{16237CAE-9E63-206C-BAA2-8A75512A520D}"/>
-              </a:ext>
-            </a:extLst>
-          </p:cNvPr>
-          <p:cNvPicPr>
-            <a:picLocks noChangeAspect="1"/>
-          </p:cNvPicPr>
+        <p:txBody>
+          <a:bodyPr wrap="square" rtlCol="0">
+            <a:spAutoFit/>
+          </a:bodyPr>
+          <a:lstStyle/>
+          <a:p>
+            <a:r>
+              <a:rPr lang="en-US" i="1" dirty="0"/>
+              <a:t>b</a:t>
+            </a:r>
+          </a:p>
+        </p:txBody>
+      </p:sp>
+      <p:sp>
+        <p:nvSpPr>
+          <p:cNvPr id="64" name="TextBox 63">
+            <a:extLst>
+              <a:ext uri="{FF2B5EF4-FFF2-40B4-BE49-F238E27FC236}">
+                <a16:creationId xmlns:a16="http://schemas.microsoft.com/office/drawing/2014/main" id="{F8EE9DC8-45F1-8A43-AB26-932EC6084563}"/>
+              </a:ext>
+            </a:extLst>
+          </p:cNvPr>
+          <p:cNvSpPr txBox="1"/>
           <p:nvPr/>
-        </p:nvPicPr>
-        <p:blipFill>
-          <a:blip r:embed="rId4">
-            <a:extLst>
-              <a:ext uri="{96DAC541-7B7A-43D3-8B79-37D633B846F1}">
-                <asvg:svgBlip xmlns:asvg="http://schemas.microsoft.com/office/drawing/2016/SVG/main" r:embed="rId5"/>
-              </a:ext>
-            </a:extLst>
-          </a:blip>
-          <a:stretch>
-            <a:fillRect/>
-          </a:stretch>
-        </p:blipFill>
+        </p:nvSpPr>
         <p:spPr>
           <a:xfrm>
-            <a:off x="4517959" y="1705891"/>
-            <a:ext cx="657548" cy="677562"/>
-          </a:xfrm>
-          <a:prstGeom prst="rect">
-            <a:avLst/>
-          </a:prstGeom>
-        </p:spPr>
-      </p:pic>
-      <p:pic>
-        <p:nvPicPr>
-          <p:cNvPr id="62" name="Graphic 61" descr="Eye with solid fill">
-            <a:extLst>
-              <a:ext uri="{FF2B5EF4-FFF2-40B4-BE49-F238E27FC236}">
-                <a16:creationId xmlns:a16="http://schemas.microsoft.com/office/drawing/2014/main" id="{682A65D2-CB51-B673-4FE6-92774DD437DA}"/>
-              </a:ext>
-            </a:extLst>
-          </p:cNvPr>
-          <p:cNvPicPr>
-            <a:picLocks noChangeAspect="1"/>
-          </p:cNvPicPr>
-          <p:nvPr/>
-        </p:nvPicPr>
-        <p:blipFill>
-          <a:blip r:embed="rId4">
-            <a:extLst>
-              <a:ext uri="{96DAC541-7B7A-43D3-8B79-37D633B846F1}">
-                <asvg:svgBlip xmlns:asvg="http://schemas.microsoft.com/office/drawing/2016/SVG/main" r:embed="rId5"/>
-              </a:ext>
-            </a:extLst>
-          </a:blip>
-          <a:stretch>
-            <a:fillRect/>
-          </a:stretch>
-        </p:blipFill>
-        <p:spPr>
-          <a:xfrm>
-            <a:off x="4538332" y="2506200"/>
-            <a:ext cx="657548" cy="677562"/>
-          </a:xfrm>
-          <a:prstGeom prst="rect">
-            <a:avLst/>
-          </a:prstGeom>
-        </p:spPr>
-      </p:pic>
-      <p:sp>
-        <p:nvSpPr>
-          <p:cNvPr id="63" name="TextBox 62">
-            <a:extLst>
-              <a:ext uri="{FF2B5EF4-FFF2-40B4-BE49-F238E27FC236}">
-                <a16:creationId xmlns:a16="http://schemas.microsoft.com/office/drawing/2014/main" id="{BEE44035-6989-59A9-BB98-D79F81C26738}"/>
-              </a:ext>
-            </a:extLst>
-          </p:cNvPr>
-          <p:cNvSpPr txBox="1"/>
-          <p:nvPr/>
-        </p:nvSpPr>
-        <p:spPr>
-          <a:xfrm>
-            <a:off x="2811023" y="1364655"/>
+            <a:off x="2786711" y="2460987"/>
             <a:ext cx="263077" cy="369332"/>
           </a:xfrm>
           <a:prstGeom prst="rect">
@@ -4151,17 +4078,17 @@
           <a:p>
             <a:r>
               <a:rPr lang="en-US" i="1" dirty="0"/>
-              <a:t>b</a:t>
-            </a:r>
-          </a:p>
-        </p:txBody>
-      </p:sp>
-      <p:sp>
-        <p:nvSpPr>
-          <p:cNvPr id="64" name="TextBox 63">
-            <a:extLst>
-              <a:ext uri="{FF2B5EF4-FFF2-40B4-BE49-F238E27FC236}">
-                <a16:creationId xmlns:a16="http://schemas.microsoft.com/office/drawing/2014/main" id="{F8EE9DC8-45F1-8A43-AB26-932EC6084563}"/>
+              <a:t>c</a:t>
+            </a:r>
+          </a:p>
+        </p:txBody>
+      </p:sp>
+      <p:sp>
+        <p:nvSpPr>
+          <p:cNvPr id="65" name="TextBox 64">
+            <a:extLst>
+              <a:ext uri="{FF2B5EF4-FFF2-40B4-BE49-F238E27FC236}">
+                <a16:creationId xmlns:a16="http://schemas.microsoft.com/office/drawing/2014/main" id="{5CA96744-42C3-A7AC-B300-B09B3D43CD44}"/>
               </a:ext>
             </a:extLst>
           </p:cNvPr>
@@ -4170,42 +4097,7 @@
         </p:nvSpPr>
         <p:spPr>
           <a:xfrm>
-            <a:off x="2807031" y="2460987"/>
-            <a:ext cx="263077" cy="369332"/>
-          </a:xfrm>
-          <a:prstGeom prst="rect">
-            <a:avLst/>
-          </a:prstGeom>
-          <a:noFill/>
-        </p:spPr>
-        <p:txBody>
-          <a:bodyPr wrap="square" rtlCol="0">
-            <a:spAutoFit/>
-          </a:bodyPr>
-          <a:lstStyle/>
-          <a:p>
-            <a:r>
-              <a:rPr lang="en-US" i="1" dirty="0"/>
-              <a:t>c</a:t>
-            </a:r>
-          </a:p>
-        </p:txBody>
-      </p:sp>
-      <p:sp>
-        <p:nvSpPr>
-          <p:cNvPr id="65" name="TextBox 64">
-            <a:extLst>
-              <a:ext uri="{FF2B5EF4-FFF2-40B4-BE49-F238E27FC236}">
-                <a16:creationId xmlns:a16="http://schemas.microsoft.com/office/drawing/2014/main" id="{5CA96744-42C3-A7AC-B300-B09B3D43CD44}"/>
-              </a:ext>
-            </a:extLst>
-          </p:cNvPr>
-          <p:cNvSpPr txBox="1"/>
-          <p:nvPr/>
-        </p:nvSpPr>
-        <p:spPr>
-          <a:xfrm>
-            <a:off x="5252945" y="1154170"/>
+            <a:off x="4999221" y="1176658"/>
             <a:ext cx="525671" cy="369332"/>
           </a:xfrm>
           <a:prstGeom prst="rect">
@@ -4240,7 +4132,7 @@
         </p:nvSpPr>
         <p:spPr>
           <a:xfrm>
-            <a:off x="5275099" y="1942204"/>
+            <a:off x="5041611" y="2003032"/>
             <a:ext cx="481361" cy="369332"/>
           </a:xfrm>
           <a:prstGeom prst="rect">
@@ -4275,7 +4167,7 @@
         </p:nvSpPr>
         <p:spPr>
           <a:xfrm>
-            <a:off x="5275098" y="2730237"/>
+            <a:off x="5054895" y="2896099"/>
             <a:ext cx="481361" cy="369332"/>
           </a:xfrm>
           <a:prstGeom prst="rect">
@@ -4449,8 +4341,8 @@
         </p:nvSpPr>
         <p:spPr>
           <a:xfrm>
-            <a:off x="8618216" y="1225523"/>
-            <a:ext cx="263077" cy="273672"/>
+            <a:off x="8593502" y="1167795"/>
+            <a:ext cx="309887" cy="369332"/>
           </a:xfrm>
           <a:prstGeom prst="rect">
             <a:avLst/>
@@ -4689,8 +4581,8 @@
         </p:nvSpPr>
         <p:spPr>
           <a:xfrm>
-            <a:off x="7422270" y="1809293"/>
-            <a:ext cx="263077" cy="273672"/>
+            <a:off x="7422270" y="1761463"/>
+            <a:ext cx="263077" cy="369332"/>
           </a:xfrm>
           <a:prstGeom prst="rect">
             <a:avLst/>
@@ -4711,7 +4603,7 @@
           </a:fontRef>
         </p:style>
         <p:txBody>
-          <a:bodyPr wrap="square" rtlCol="0">
+          <a:bodyPr wrap="square" rtlCol="0" anchor="ctr">
             <a:spAutoFit/>
           </a:bodyPr>
           <a:lstStyle/>
@@ -5092,8 +4984,8 @@
           </a:xfrm>
           <a:prstGeom prst="wedgeEllipseCallout">
             <a:avLst>
-              <a:gd name="adj1" fmla="val 19617"/>
-              <a:gd name="adj2" fmla="val 104427"/>
+              <a:gd name="adj1" fmla="val 13060"/>
+              <a:gd name="adj2" fmla="val 113053"/>
             </a:avLst>
           </a:prstGeom>
           <a:noFill/>
@@ -5127,20 +5019,27 @@
           <a:p>
             <a:pPr algn="ctr"/>
             <a:r>
-              <a:rPr lang="en-US" dirty="0"/>
+              <a:rPr lang="en-US" dirty="0">
+                <a:latin typeface="Ink Free" panose="03080402000500000000" pitchFamily="66" charset="0"/>
+              </a:rPr>
               <a:t>probability of photon moving </a:t>
             </a:r>
             <a:r>
-              <a:rPr lang="en-US" dirty="0" err="1"/>
+              <a:rPr lang="en-US" dirty="0" err="1">
+                <a:latin typeface="Ink Free" panose="03080402000500000000" pitchFamily="66" charset="0"/>
+              </a:rPr>
               <a:t>s</a:t>
             </a:r>
             <a:r>
               <a:rPr lang="en-US" dirty="0" err="1">
+                <a:latin typeface="Ink Free" panose="03080402000500000000" pitchFamily="66" charset="0"/>
                 <a:sym typeface="Wingdings" pitchFamily="2" charset="2"/>
               </a:rPr>
               <a:t>a</a:t>
             </a:r>
-            <a:endParaRPr lang="en-US" dirty="0"/>
+            <a:endParaRPr lang="en-US" dirty="0">
+              <a:latin typeface="Ink Free" panose="03080402000500000000" pitchFamily="66" charset="0"/>
+            </a:endParaRPr>
           </a:p>
         </p:txBody>
       </p:sp>
@@ -5158,13 +5057,13 @@
         </p:nvSpPr>
         <p:spPr>
           <a:xfrm>
-            <a:off x="6496573" y="3068799"/>
-            <a:ext cx="3140765" cy="859514"/>
+            <a:off x="5883754" y="3316377"/>
+            <a:ext cx="3119138" cy="859514"/>
           </a:xfrm>
           <a:prstGeom prst="wedgeEllipseCallout">
             <a:avLst>
-              <a:gd name="adj1" fmla="val 33427"/>
-              <a:gd name="adj2" fmla="val -83418"/>
+              <a:gd name="adj1" fmla="val 60180"/>
+              <a:gd name="adj2" fmla="val -67125"/>
             </a:avLst>
           </a:prstGeom>
           <a:noFill/>
@@ -5198,20 +5097,27 @@
           <a:p>
             <a:pPr algn="ctr"/>
             <a:r>
-              <a:rPr lang="en-US" dirty="0"/>
+              <a:rPr lang="en-US" dirty="0">
+                <a:latin typeface="Ink Free" panose="03080402000500000000" pitchFamily="66" charset="0"/>
+              </a:rPr>
               <a:t>probability of photon moving </a:t>
             </a:r>
             <a:r>
-              <a:rPr lang="en-US" dirty="0" err="1"/>
+              <a:rPr lang="en-US" dirty="0" err="1">
+                <a:latin typeface="Ink Free" panose="03080402000500000000" pitchFamily="66" charset="0"/>
+              </a:rPr>
               <a:t>c</a:t>
             </a:r>
             <a:r>
               <a:rPr lang="en-US" dirty="0" err="1">
+                <a:latin typeface="Ink Free" panose="03080402000500000000" pitchFamily="66" charset="0"/>
                 <a:sym typeface="Wingdings" pitchFamily="2" charset="2"/>
               </a:rPr>
               <a:t>g</a:t>
             </a:r>
-            <a:endParaRPr lang="en-US" dirty="0"/>
+            <a:endParaRPr lang="en-US" dirty="0">
+              <a:latin typeface="Ink Free" panose="03080402000500000000" pitchFamily="66" charset="0"/>
+            </a:endParaRPr>
           </a:p>
         </p:txBody>
       </p:sp>
@@ -5246,7 +5152,7 @@
             <a:pPr algn="ctr"/>
             <a:r>
               <a:rPr lang="en-US" sz="1200" dirty="0">
-                <a:latin typeface="Cambria Math" panose="02040503050406030204" pitchFamily="18" charset="0"/>
+                <a:latin typeface="Ink Free" panose="03080402000500000000" pitchFamily="66" charset="0"/>
                 <a:ea typeface="Cambria Math" panose="02040503050406030204" pitchFamily="18" charset="0"/>
               </a:rPr>
               <a:t>0.9</a:t>
@@ -5285,7 +5191,7 @@
             <a:pPr algn="ctr"/>
             <a:r>
               <a:rPr lang="en-US" sz="1200" dirty="0">
-                <a:latin typeface="Cambria Math" panose="02040503050406030204" pitchFamily="18" charset="0"/>
+                <a:latin typeface="Ink Free" panose="03080402000500000000" pitchFamily="66" charset="0"/>
                 <a:ea typeface="Cambria Math" panose="02040503050406030204" pitchFamily="18" charset="0"/>
               </a:rPr>
               <a:t>0.05</a:t>
@@ -5422,28 +5328,26 @@
         </p:nvSpPr>
         <p:spPr>
           <a:xfrm>
-            <a:off x="727995" y="4575405"/>
-            <a:ext cx="4467885" cy="1477328"/>
+            <a:off x="467605" y="4548112"/>
+            <a:ext cx="5028946" cy="1477328"/>
           </a:xfrm>
           <a:prstGeom prst="rect">
             <a:avLst/>
           </a:prstGeom>
-          <a:solidFill>
-            <a:schemeClr val="tx2">
-              <a:lumMod val="10000"/>
-              <a:lumOff val="90000"/>
-            </a:schemeClr>
-          </a:solidFill>
+          <a:noFill/>
+          <a:ln>
+            <a:noFill/>
+          </a:ln>
         </p:spPr>
         <p:style>
-          <a:lnRef idx="1">
-            <a:schemeClr val="accent4"/>
+          <a:lnRef idx="0">
+            <a:scrgbClr r="0" g="0" b="0"/>
           </a:lnRef>
-          <a:fillRef idx="2">
-            <a:schemeClr val="accent4"/>
+          <a:fillRef idx="0">
+            <a:scrgbClr r="0" g="0" b="0"/>
           </a:fillRef>
-          <a:effectRef idx="1">
-            <a:schemeClr val="accent4"/>
+          <a:effectRef idx="0">
+            <a:scrgbClr r="0" g="0" b="0"/>
           </a:effectRef>
           <a:fontRef idx="minor">
             <a:schemeClr val="dk1"/>
@@ -5457,8 +5361,11 @@
           <a:p>
             <a:pPr algn="ctr"/>
             <a:r>
-              <a:rPr lang="en-US" dirty="0"/>
-              <a:t>The physical layout of a double slit experiment.  Photons from a flashlight (s) can go through slits (b or c) and then to one of three photon detectors (e, f, g).  (a) is an opaque screen and (d) is a backdrop.  </a:t>
+              <a:rPr lang="en-US" dirty="0">
+                <a:latin typeface="Cambria Math" panose="02040503050406030204" pitchFamily="18" charset="0"/>
+                <a:ea typeface="Cambria Math" panose="02040503050406030204" pitchFamily="18" charset="0"/>
+              </a:rPr>
+              <a:t>Left: The physical layout of a two slit experiment.  Photons from a light source (s) can go through slits (b or c) and then to one of three photon detectors (e, f, g).  Both (a) and (d) are opaque, non-reflective screens.</a:t>
             </a:r>
           </a:p>
         </p:txBody>
@@ -5477,28 +5384,26 @@
         </p:nvSpPr>
         <p:spPr>
           <a:xfrm>
-            <a:off x="6139645" y="4750990"/>
-            <a:ext cx="5699034" cy="646331"/>
+            <a:off x="5574875" y="4575405"/>
+            <a:ext cx="6484603" cy="2071811"/>
           </a:xfrm>
           <a:prstGeom prst="rect">
             <a:avLst/>
           </a:prstGeom>
-          <a:solidFill>
-            <a:schemeClr val="tx2">
-              <a:lumMod val="10000"/>
-              <a:lumOff val="90000"/>
-            </a:schemeClr>
-          </a:solidFill>
+          <a:noFill/>
+          <a:ln>
+            <a:noFill/>
+          </a:ln>
         </p:spPr>
         <p:style>
-          <a:lnRef idx="1">
-            <a:schemeClr val="accent4"/>
+          <a:lnRef idx="0">
+            <a:scrgbClr r="0" g="0" b="0"/>
           </a:lnRef>
-          <a:fillRef idx="2">
-            <a:schemeClr val="accent4"/>
+          <a:fillRef idx="0">
+            <a:scrgbClr r="0" g="0" b="0"/>
           </a:fillRef>
-          <a:effectRef idx="1">
-            <a:schemeClr val="accent4"/>
+          <a:effectRef idx="0">
+            <a:scrgbClr r="0" g="0" b="0"/>
           </a:effectRef>
           <a:fontRef idx="minor">
             <a:schemeClr val="dk1"/>
@@ -5512,9 +5417,103 @@
           <a:p>
             <a:pPr algn="ctr"/>
             <a:r>
-              <a:rPr lang="en-US" dirty="0"/>
-              <a:t>A simplified view of the paths that particles can take from the start (s) to the detector (e, f, g).</a:t>
-            </a:r>
+              <a:rPr lang="en-US" dirty="0">
+                <a:latin typeface="Cambria Math" panose="02040503050406030204" pitchFamily="18" charset="0"/>
+                <a:ea typeface="Cambria Math" panose="02040503050406030204" pitchFamily="18" charset="0"/>
+              </a:rPr>
+              <a:t>Right: The paths that photons can take from the start (s) to the detectors (e, f, g), along with the probabilities of following each edge.  To find the probability of following a path like (</a:t>
+            </a:r>
+            <a:r>
+              <a:rPr lang="en-US" dirty="0" err="1">
+                <a:latin typeface="Cambria Math" panose="02040503050406030204" pitchFamily="18" charset="0"/>
+                <a:ea typeface="Cambria Math" panose="02040503050406030204" pitchFamily="18" charset="0"/>
+              </a:rPr>
+              <a:t>s</a:t>
+            </a:r>
+            <a:r>
+              <a:rPr lang="en-US" dirty="0" err="1">
+                <a:latin typeface="Cambria Math" panose="02040503050406030204" pitchFamily="18" charset="0"/>
+                <a:ea typeface="Cambria Math" panose="02040503050406030204" pitchFamily="18" charset="0"/>
+                <a:sym typeface="Wingdings" pitchFamily="2" charset="2"/>
+              </a:rPr>
+              <a:t>be</a:t>
+            </a:r>
+            <a:r>
+              <a:rPr lang="en-US" dirty="0">
+                <a:latin typeface="Cambria Math" panose="02040503050406030204" pitchFamily="18" charset="0"/>
+                <a:ea typeface="Cambria Math" panose="02040503050406030204" pitchFamily="18" charset="0"/>
+                <a:sym typeface="Wingdings" pitchFamily="2" charset="2"/>
+              </a:rPr>
+              <a:t>) you would multiply the probabilities of the  edges: in this case p(</a:t>
+            </a:r>
+            <a:r>
+              <a:rPr lang="en-US" dirty="0" err="1">
+                <a:latin typeface="Cambria Math" panose="02040503050406030204" pitchFamily="18" charset="0"/>
+                <a:ea typeface="Cambria Math" panose="02040503050406030204" pitchFamily="18" charset="0"/>
+                <a:sym typeface="Wingdings" pitchFamily="2" charset="2"/>
+              </a:rPr>
+              <a:t>sbe</a:t>
+            </a:r>
+            <a:r>
+              <a:rPr lang="en-US" dirty="0">
+                <a:latin typeface="Cambria Math" panose="02040503050406030204" pitchFamily="18" charset="0"/>
+                <a:ea typeface="Cambria Math" panose="02040503050406030204" pitchFamily="18" charset="0"/>
+                <a:sym typeface="Wingdings" pitchFamily="2" charset="2"/>
+              </a:rPr>
+              <a:t>) = p(</a:t>
+            </a:r>
+            <a:r>
+              <a:rPr lang="en-US" dirty="0" err="1">
+                <a:latin typeface="Cambria Math" panose="02040503050406030204" pitchFamily="18" charset="0"/>
+                <a:ea typeface="Cambria Math" panose="02040503050406030204" pitchFamily="18" charset="0"/>
+                <a:sym typeface="Wingdings" pitchFamily="2" charset="2"/>
+              </a:rPr>
+              <a:t>sb</a:t>
+            </a:r>
+            <a:r>
+              <a:rPr lang="en-US" dirty="0">
+                <a:latin typeface="Cambria Math" panose="02040503050406030204" pitchFamily="18" charset="0"/>
+                <a:ea typeface="Cambria Math" panose="02040503050406030204" pitchFamily="18" charset="0"/>
+                <a:sym typeface="Wingdings" pitchFamily="2" charset="2"/>
+              </a:rPr>
+              <a:t>)*p(</a:t>
+            </a:r>
+            <a:r>
+              <a:rPr lang="en-US" dirty="0" err="1">
+                <a:latin typeface="Cambria Math" panose="02040503050406030204" pitchFamily="18" charset="0"/>
+                <a:ea typeface="Cambria Math" panose="02040503050406030204" pitchFamily="18" charset="0"/>
+                <a:sym typeface="Wingdings" pitchFamily="2" charset="2"/>
+              </a:rPr>
+              <a:t>be</a:t>
+            </a:r>
+            <a:r>
+              <a:rPr lang="en-US" dirty="0">
+                <a:latin typeface="Cambria Math" panose="02040503050406030204" pitchFamily="18" charset="0"/>
+                <a:ea typeface="Cambria Math" panose="02040503050406030204" pitchFamily="18" charset="0"/>
+                <a:sym typeface="Wingdings" pitchFamily="2" charset="2"/>
+              </a:rPr>
+              <a:t>) = 0.05 * 0.02 = 0.001.  To find the total probability of a photon reaching (e), sum the weight of all the paths, so p(</a:t>
+            </a:r>
+            <a:r>
+              <a:rPr lang="en-US" dirty="0" err="1">
+                <a:latin typeface="Cambria Math" panose="02040503050406030204" pitchFamily="18" charset="0"/>
+                <a:ea typeface="Cambria Math" panose="02040503050406030204" pitchFamily="18" charset="0"/>
+                <a:sym typeface="Wingdings" pitchFamily="2" charset="2"/>
+              </a:rPr>
+              <a:t>se</a:t>
+            </a:r>
+            <a:r>
+              <a:rPr lang="en-US" dirty="0">
+                <a:latin typeface="Cambria Math" panose="02040503050406030204" pitchFamily="18" charset="0"/>
+                <a:ea typeface="Cambria Math" panose="02040503050406030204" pitchFamily="18" charset="0"/>
+                <a:sym typeface="Wingdings" pitchFamily="2" charset="2"/>
+              </a:rPr>
+              <a:t>) = 0.05 * 0.02 + 0.05 * 0.02 = 0.002</a:t>
+            </a:r>
+            <a:endParaRPr lang="en-US" dirty="0">
+              <a:latin typeface="Cambria Math" panose="02040503050406030204" pitchFamily="18" charset="0"/>
+              <a:ea typeface="Cambria Math" panose="02040503050406030204" pitchFamily="18" charset="0"/>
+            </a:endParaRPr>
           </a:p>
         </p:txBody>
       </p:sp>
@@ -5733,7 +5732,7 @@
         </p:nvSpPr>
         <p:spPr>
           <a:xfrm>
-            <a:off x="4721509" y="662635"/>
+            <a:off x="4670709" y="662635"/>
             <a:ext cx="251387" cy="369332"/>
           </a:xfrm>
           <a:prstGeom prst="rect">
@@ -5878,7 +5877,7 @@
             <a:pPr algn="ctr"/>
             <a:r>
               <a:rPr lang="en-US" sz="1200" dirty="0">
-                <a:latin typeface="Cambria Math" panose="02040503050406030204" pitchFamily="18" charset="0"/>
+                <a:latin typeface="Ink Free" panose="03080402000500000000" pitchFamily="66" charset="0"/>
                 <a:ea typeface="Cambria Math" panose="02040503050406030204" pitchFamily="18" charset="0"/>
               </a:rPr>
               <a:t>0.05</a:t>
@@ -6047,7 +6046,7 @@
             <a:pPr algn="ctr"/>
             <a:r>
               <a:rPr lang="en-US" sz="1200" dirty="0">
-                <a:latin typeface="Cambria Math" panose="02040503050406030204" pitchFamily="18" charset="0"/>
+                <a:latin typeface="Ink Free" panose="03080402000500000000" pitchFamily="66" charset="0"/>
                 <a:ea typeface="Cambria Math" panose="02040503050406030204" pitchFamily="18" charset="0"/>
               </a:rPr>
               <a:t>0.02</a:t>
@@ -6086,7 +6085,7 @@
             <a:pPr algn="ctr"/>
             <a:r>
               <a:rPr lang="en-US" sz="1200" dirty="0">
-                <a:latin typeface="Cambria Math" panose="02040503050406030204" pitchFamily="18" charset="0"/>
+                <a:latin typeface="Ink Free" panose="03080402000500000000" pitchFamily="66" charset="0"/>
                 <a:ea typeface="Cambria Math" panose="02040503050406030204" pitchFamily="18" charset="0"/>
               </a:rPr>
               <a:t>0.94</a:t>
@@ -6125,7 +6124,7 @@
             <a:pPr algn="ctr"/>
             <a:r>
               <a:rPr lang="en-US" sz="1200" dirty="0">
-                <a:latin typeface="Cambria Math" panose="02040503050406030204" pitchFamily="18" charset="0"/>
+                <a:latin typeface="Ink Free" panose="03080402000500000000" pitchFamily="66" charset="0"/>
                 <a:ea typeface="Cambria Math" panose="02040503050406030204" pitchFamily="18" charset="0"/>
               </a:rPr>
               <a:t>0.94</a:t>
@@ -6164,7 +6163,7 @@
             <a:pPr algn="ctr"/>
             <a:r>
               <a:rPr lang="en-US" sz="1200" dirty="0">
-                <a:latin typeface="Cambria Math" panose="02040503050406030204" pitchFamily="18" charset="0"/>
+                <a:latin typeface="Ink Free" panose="03080402000500000000" pitchFamily="66" charset="0"/>
                 <a:ea typeface="Cambria Math" panose="02040503050406030204" pitchFamily="18" charset="0"/>
               </a:rPr>
               <a:t>0.02</a:t>
@@ -6172,6 +6171,237 @@
           </a:p>
         </p:txBody>
       </p:sp>
+      <p:sp>
+        <p:nvSpPr>
+          <p:cNvPr id="3" name="TextBox 2">
+            <a:extLst>
+              <a:ext uri="{FF2B5EF4-FFF2-40B4-BE49-F238E27FC236}">
+                <a16:creationId xmlns:a16="http://schemas.microsoft.com/office/drawing/2014/main" id="{83A82FEA-E25A-568C-F7E6-F2EDE49729C1}"/>
+              </a:ext>
+            </a:extLst>
+          </p:cNvPr>
+          <p:cNvSpPr txBox="1"/>
+          <p:nvPr/>
+        </p:nvSpPr>
+        <p:spPr>
+          <a:xfrm>
+            <a:off x="9295510" y="1806827"/>
+            <a:ext cx="852714" cy="276999"/>
+          </a:xfrm>
+          <a:prstGeom prst="rect">
+            <a:avLst/>
+          </a:prstGeom>
+          <a:noFill/>
+        </p:spPr>
+        <p:txBody>
+          <a:bodyPr wrap="square" rtlCol="0">
+            <a:spAutoFit/>
+          </a:bodyPr>
+          <a:lstStyle/>
+          <a:p>
+            <a:pPr algn="ctr"/>
+            <a:r>
+              <a:rPr lang="en-US" sz="1200" dirty="0">
+                <a:latin typeface="Ink Free" panose="03080402000500000000" pitchFamily="66" charset="0"/>
+                <a:ea typeface="Cambria Math" panose="02040503050406030204" pitchFamily="18" charset="0"/>
+              </a:rPr>
+              <a:t>0.02</a:t>
+            </a:r>
+          </a:p>
+        </p:txBody>
+      </p:sp>
+      <p:sp>
+        <p:nvSpPr>
+          <p:cNvPr id="11" name="TextBox 10">
+            <a:extLst>
+              <a:ext uri="{FF2B5EF4-FFF2-40B4-BE49-F238E27FC236}">
+                <a16:creationId xmlns:a16="http://schemas.microsoft.com/office/drawing/2014/main" id="{0D133C4D-3281-0FB5-52C2-94BAA83E2AA9}"/>
+              </a:ext>
+            </a:extLst>
+          </p:cNvPr>
+          <p:cNvSpPr txBox="1"/>
+          <p:nvPr/>
+        </p:nvSpPr>
+        <p:spPr>
+          <a:xfrm rot="20190385">
+            <a:off x="9446362" y="2090517"/>
+            <a:ext cx="852714" cy="276999"/>
+          </a:xfrm>
+          <a:prstGeom prst="rect">
+            <a:avLst/>
+          </a:prstGeom>
+          <a:noFill/>
+        </p:spPr>
+        <p:txBody>
+          <a:bodyPr wrap="square" rtlCol="0">
+            <a:spAutoFit/>
+          </a:bodyPr>
+          <a:lstStyle/>
+          <a:p>
+            <a:pPr algn="ctr"/>
+            <a:r>
+              <a:rPr lang="en-US" sz="1200" dirty="0">
+                <a:latin typeface="Ink Free" panose="03080402000500000000" pitchFamily="66" charset="0"/>
+                <a:ea typeface="Cambria Math" panose="02040503050406030204" pitchFamily="18" charset="0"/>
+              </a:rPr>
+              <a:t>0.02</a:t>
+            </a:r>
+          </a:p>
+        </p:txBody>
+      </p:sp>
+      <p:pic>
+        <p:nvPicPr>
+          <p:cNvPr id="1026" name="Picture 2" descr="1,900+ Eyes Looking Side Stock Illustrations, Royalty-Free Vector Graphics  &amp; Clip Art - iStock | Woman eyes looking side">
+            <a:extLst>
+              <a:ext uri="{FF2B5EF4-FFF2-40B4-BE49-F238E27FC236}">
+                <a16:creationId xmlns:a16="http://schemas.microsoft.com/office/drawing/2014/main" id="{83C4604F-2666-1812-4FF9-EEA60C87A1EE}"/>
+              </a:ext>
+            </a:extLst>
+          </p:cNvPr>
+          <p:cNvPicPr>
+            <a:picLocks noChangeAspect="1" noChangeArrowheads="1"/>
+          </p:cNvPicPr>
+          <p:nvPr/>
+        </p:nvPicPr>
+        <p:blipFill>
+          <a:blip r:embed="rId4">
+            <a:extLst>
+              <a:ext uri="{28A0092B-C50C-407E-A947-70E740481C1C}">
+                <a14:useLocalDpi xmlns:a14="http://schemas.microsoft.com/office/drawing/2010/main" val="0"/>
+              </a:ext>
+            </a:extLst>
+          </a:blip>
+          <a:srcRect/>
+          <a:stretch>
+            <a:fillRect/>
+          </a:stretch>
+        </p:blipFill>
+        <p:spPr bwMode="auto">
+          <a:xfrm>
+            <a:off x="4526711" y="2896099"/>
+            <a:ext cx="344852" cy="340680"/>
+          </a:xfrm>
+          <a:prstGeom prst="rect">
+            <a:avLst/>
+          </a:prstGeom>
+        </p:spPr>
+        <p:style>
+          <a:lnRef idx="2">
+            <a:schemeClr val="accent4"/>
+          </a:lnRef>
+          <a:fillRef idx="1">
+            <a:schemeClr val="lt1"/>
+          </a:fillRef>
+          <a:effectRef idx="0">
+            <a:schemeClr val="accent4"/>
+          </a:effectRef>
+          <a:fontRef idx="minor">
+            <a:schemeClr val="dk1"/>
+          </a:fontRef>
+        </p:style>
+      </p:pic>
+      <p:pic>
+        <p:nvPicPr>
+          <p:cNvPr id="13" name="Picture 2" descr="1,900+ Eyes Looking Side Stock Illustrations, Royalty-Free Vector Graphics  &amp; Clip Art - iStock | Woman eyes looking side">
+            <a:extLst>
+              <a:ext uri="{FF2B5EF4-FFF2-40B4-BE49-F238E27FC236}">
+                <a16:creationId xmlns:a16="http://schemas.microsoft.com/office/drawing/2014/main" id="{E283D604-6BA5-FF86-EF7F-D50EA0B30A19}"/>
+              </a:ext>
+            </a:extLst>
+          </p:cNvPr>
+          <p:cNvPicPr>
+            <a:picLocks noChangeAspect="1" noChangeArrowheads="1"/>
+          </p:cNvPicPr>
+          <p:nvPr/>
+        </p:nvPicPr>
+        <p:blipFill>
+          <a:blip r:embed="rId4">
+            <a:extLst>
+              <a:ext uri="{28A0092B-C50C-407E-A947-70E740481C1C}">
+                <a14:useLocalDpi xmlns:a14="http://schemas.microsoft.com/office/drawing/2010/main" val="0"/>
+              </a:ext>
+            </a:extLst>
+          </a:blip>
+          <a:srcRect/>
+          <a:stretch>
+            <a:fillRect/>
+          </a:stretch>
+        </p:blipFill>
+        <p:spPr bwMode="auto">
+          <a:xfrm>
+            <a:off x="4526711" y="1983236"/>
+            <a:ext cx="344852" cy="340680"/>
+          </a:xfrm>
+          <a:prstGeom prst="rect">
+            <a:avLst/>
+          </a:prstGeom>
+        </p:spPr>
+        <p:style>
+          <a:lnRef idx="2">
+            <a:schemeClr val="accent4"/>
+          </a:lnRef>
+          <a:fillRef idx="1">
+            <a:schemeClr val="lt1"/>
+          </a:fillRef>
+          <a:effectRef idx="0">
+            <a:schemeClr val="accent4"/>
+          </a:effectRef>
+          <a:fontRef idx="minor">
+            <a:schemeClr val="dk1"/>
+          </a:fontRef>
+        </p:style>
+      </p:pic>
+      <p:pic>
+        <p:nvPicPr>
+          <p:cNvPr id="15" name="Picture 2" descr="1,900+ Eyes Looking Side Stock Illustrations, Royalty-Free Vector Graphics  &amp; Clip Art - iStock | Woman eyes looking side">
+            <a:extLst>
+              <a:ext uri="{FF2B5EF4-FFF2-40B4-BE49-F238E27FC236}">
+                <a16:creationId xmlns:a16="http://schemas.microsoft.com/office/drawing/2014/main" id="{4D5A1C9B-A1A1-C289-3C1A-D730A78CFC37}"/>
+              </a:ext>
+            </a:extLst>
+          </p:cNvPr>
+          <p:cNvPicPr>
+            <a:picLocks noChangeAspect="1" noChangeArrowheads="1"/>
+          </p:cNvPicPr>
+          <p:nvPr/>
+        </p:nvPicPr>
+        <p:blipFill>
+          <a:blip r:embed="rId4">
+            <a:extLst>
+              <a:ext uri="{28A0092B-C50C-407E-A947-70E740481C1C}">
+                <a14:useLocalDpi xmlns:a14="http://schemas.microsoft.com/office/drawing/2010/main" val="0"/>
+              </a:ext>
+            </a:extLst>
+          </a:blip>
+          <a:srcRect/>
+          <a:stretch>
+            <a:fillRect/>
+          </a:stretch>
+        </p:blipFill>
+        <p:spPr bwMode="auto">
+          <a:xfrm>
+            <a:off x="4526711" y="1194315"/>
+            <a:ext cx="344852" cy="340680"/>
+          </a:xfrm>
+          <a:prstGeom prst="rect">
+            <a:avLst/>
+          </a:prstGeom>
+        </p:spPr>
+        <p:style>
+          <a:lnRef idx="2">
+            <a:schemeClr val="accent4"/>
+          </a:lnRef>
+          <a:fillRef idx="1">
+            <a:schemeClr val="lt1"/>
+          </a:fillRef>
+          <a:effectRef idx="0">
+            <a:schemeClr val="accent4"/>
+          </a:effectRef>
+          <a:fontRef idx="minor">
+            <a:schemeClr val="dk1"/>
+          </a:fontRef>
+        </p:style>
+      </p:pic>
     </p:spTree>
     <p:extLst>
       <p:ext uri="{BB962C8B-B14F-4D97-AF65-F5344CB8AC3E}">

--- a/qm/double-slit.pptx
+++ b/qm/double-slit.pptx
@@ -9,7 +9,7 @@
   </p:notesMasterIdLst>
   <p:sldIdLst>
     <p:sldId id="257" r:id="rId2"/>
-    <p:sldId id="256" r:id="rId3"/>
+    <p:sldId id="258" r:id="rId3"/>
   </p:sldIdLst>
   <p:sldSz cx="12192000" cy="6858000"/>
   <p:notesSz cx="6858000" cy="9144000"/>
@@ -463,90 +463,6 @@
     </a:lvl9pPr>
   </p:notesStyle>
 </p:notesMaster>
-</file>
-
-<file path=ppt/notesSlides/notesSlide1.xml><?xml version="1.0" encoding="utf-8"?>
-<p:notes xmlns:a="http://schemas.openxmlformats.org/drawingml/2006/main" xmlns:r="http://schemas.openxmlformats.org/officeDocument/2006/relationships" xmlns:p="http://schemas.openxmlformats.org/presentationml/2006/main">
-  <p:cSld>
-    <p:spTree>
-      <p:nvGrpSpPr>
-        <p:cNvPr id="1" name=""/>
-        <p:cNvGrpSpPr/>
-        <p:nvPr/>
-      </p:nvGrpSpPr>
-      <p:grpSpPr>
-        <a:xfrm>
-          <a:off x="0" y="0"/>
-          <a:ext cx="0" cy="0"/>
-          <a:chOff x="0" y="0"/>
-          <a:chExt cx="0" cy="0"/>
-        </a:xfrm>
-      </p:grpSpPr>
-      <p:sp>
-        <p:nvSpPr>
-          <p:cNvPr id="2" name="Slide Image Placeholder 1"/>
-          <p:cNvSpPr>
-            <a:spLocks noGrp="1" noRot="1" noChangeAspect="1"/>
-          </p:cNvSpPr>
-          <p:nvPr>
-            <p:ph type="sldImg"/>
-          </p:nvPr>
-        </p:nvSpPr>
-        <p:spPr/>
-      </p:sp>
-      <p:sp>
-        <p:nvSpPr>
-          <p:cNvPr id="3" name="Notes Placeholder 2"/>
-          <p:cNvSpPr>
-            <a:spLocks noGrp="1"/>
-          </p:cNvSpPr>
-          <p:nvPr>
-            <p:ph type="body" idx="1"/>
-          </p:nvPr>
-        </p:nvSpPr>
-        <p:spPr/>
-        <p:txBody>
-          <a:bodyPr/>
-          <a:lstStyle/>
-          <a:p>
-            <a:endParaRPr lang="en-US" dirty="0"/>
-          </a:p>
-        </p:txBody>
-      </p:sp>
-      <p:sp>
-        <p:nvSpPr>
-          <p:cNvPr id="4" name="Slide Number Placeholder 3"/>
-          <p:cNvSpPr>
-            <a:spLocks noGrp="1"/>
-          </p:cNvSpPr>
-          <p:nvPr>
-            <p:ph type="sldNum" sz="quarter" idx="5"/>
-          </p:nvPr>
-        </p:nvSpPr>
-        <p:spPr/>
-        <p:txBody>
-          <a:bodyPr/>
-          <a:lstStyle/>
-          <a:p>
-            <a:fld id="{9DB96BB1-5389-484D-8753-59F479745807}" type="slidenum">
-              <a:rPr lang="en-US" smtClean="0"/>
-              <a:t>2</a:t>
-            </a:fld>
-            <a:endParaRPr lang="en-US"/>
-          </a:p>
-        </p:txBody>
-      </p:sp>
-    </p:spTree>
-    <p:extLst>
-      <p:ext uri="{BB962C8B-B14F-4D97-AF65-F5344CB8AC3E}">
-        <p14:creationId xmlns:p14="http://schemas.microsoft.com/office/powerpoint/2010/main" val="808947991"/>
-      </p:ext>
-    </p:extLst>
-  </p:cSld>
-  <p:clrMapOvr>
-    <a:masterClrMapping/>
-  </p:clrMapOvr>
-</p:notes>
 </file>
 
 <file path=ppt/slideLayouts/slideLayout1.xml><?xml version="1.0" encoding="utf-8"?>
@@ -6420,7 +6336,13 @@
   <p:cSld>
     <p:spTree>
       <p:nvGrpSpPr>
-        <p:cNvPr id="1" name=""/>
+        <p:cNvPr id="1" name="">
+          <a:extLst>
+            <a:ext uri="{FF2B5EF4-FFF2-40B4-BE49-F238E27FC236}">
+              <a16:creationId xmlns:a16="http://schemas.microsoft.com/office/drawing/2014/main" id="{124E7045-728C-7939-8588-DA835F28F337}"/>
+            </a:ext>
+          </a:extLst>
+        </p:cNvPr>
         <p:cNvGrpSpPr/>
         <p:nvPr/>
       </p:nvGrpSpPr>
@@ -6432,12 +6354,356 @@
           <a:chExt cx="0" cy="0"/>
         </a:xfrm>
       </p:grpSpPr>
+      <p:sp>
+        <p:nvSpPr>
+          <p:cNvPr id="6" name="Rectangle 5">
+            <a:extLst>
+              <a:ext uri="{FF2B5EF4-FFF2-40B4-BE49-F238E27FC236}">
+                <a16:creationId xmlns:a16="http://schemas.microsoft.com/office/drawing/2014/main" id="{6CA7CA8D-C1B1-6332-B8F3-E9B99DF2C11B}"/>
+              </a:ext>
+            </a:extLst>
+          </p:cNvPr>
+          <p:cNvSpPr/>
+          <p:nvPr/>
+        </p:nvSpPr>
+        <p:spPr>
+          <a:xfrm>
+            <a:off x="7183266" y="1116706"/>
+            <a:ext cx="1029206" cy="392790"/>
+          </a:xfrm>
+          <a:prstGeom prst="rect">
+            <a:avLst/>
+          </a:prstGeom>
+          <a:solidFill>
+            <a:schemeClr val="bg1"/>
+          </a:solidFill>
+          <a:ln>
+            <a:noFill/>
+          </a:ln>
+        </p:spPr>
+        <p:style>
+          <a:lnRef idx="2">
+            <a:schemeClr val="accent1">
+              <a:shade val="15000"/>
+            </a:schemeClr>
+          </a:lnRef>
+          <a:fillRef idx="1">
+            <a:schemeClr val="accent1"/>
+          </a:fillRef>
+          <a:effectRef idx="0">
+            <a:schemeClr val="accent1"/>
+          </a:effectRef>
+          <a:fontRef idx="minor">
+            <a:schemeClr val="lt1"/>
+          </a:fontRef>
+        </p:style>
+        <p:txBody>
+          <a:bodyPr rtlCol="0" anchor="ctr"/>
+          <a:lstStyle/>
+          <a:p>
+            <a:pPr algn="ctr"/>
+            <a:endParaRPr lang="en-US"/>
+          </a:p>
+        </p:txBody>
+      </p:sp>
+      <p:sp>
+        <p:nvSpPr>
+          <p:cNvPr id="7" name="Rectangle 6">
+            <a:extLst>
+              <a:ext uri="{FF2B5EF4-FFF2-40B4-BE49-F238E27FC236}">
+                <a16:creationId xmlns:a16="http://schemas.microsoft.com/office/drawing/2014/main" id="{90741F58-4B1B-7B26-BEC2-07D13692F9FE}"/>
+              </a:ext>
+            </a:extLst>
+          </p:cNvPr>
+          <p:cNvSpPr/>
+          <p:nvPr/>
+        </p:nvSpPr>
+        <p:spPr>
+          <a:xfrm>
+            <a:off x="7183265" y="2108500"/>
+            <a:ext cx="1029206" cy="392790"/>
+          </a:xfrm>
+          <a:prstGeom prst="rect">
+            <a:avLst/>
+          </a:prstGeom>
+          <a:solidFill>
+            <a:schemeClr val="bg1"/>
+          </a:solidFill>
+          <a:ln>
+            <a:noFill/>
+          </a:ln>
+        </p:spPr>
+        <p:style>
+          <a:lnRef idx="2">
+            <a:schemeClr val="accent1">
+              <a:shade val="15000"/>
+            </a:schemeClr>
+          </a:lnRef>
+          <a:fillRef idx="1">
+            <a:schemeClr val="accent1"/>
+          </a:fillRef>
+          <a:effectRef idx="0">
+            <a:schemeClr val="accent1"/>
+          </a:effectRef>
+          <a:fontRef idx="minor">
+            <a:schemeClr val="lt1"/>
+          </a:fontRef>
+        </p:style>
+        <p:txBody>
+          <a:bodyPr rtlCol="0" anchor="ctr"/>
+          <a:lstStyle/>
+          <a:p>
+            <a:pPr algn="ctr"/>
+            <a:endParaRPr lang="en-US"/>
+          </a:p>
+        </p:txBody>
+      </p:sp>
+      <p:sp>
+        <p:nvSpPr>
+          <p:cNvPr id="24" name="TextBox 23">
+            <a:extLst>
+              <a:ext uri="{FF2B5EF4-FFF2-40B4-BE49-F238E27FC236}">
+                <a16:creationId xmlns:a16="http://schemas.microsoft.com/office/drawing/2014/main" id="{6D38490C-2F3D-AE89-FCB2-419BFB8035EE}"/>
+              </a:ext>
+            </a:extLst>
+          </p:cNvPr>
+          <p:cNvSpPr txBox="1"/>
+          <p:nvPr/>
+        </p:nvSpPr>
+        <p:spPr>
+          <a:xfrm>
+            <a:off x="8593502" y="1167795"/>
+            <a:ext cx="309887" cy="369332"/>
+          </a:xfrm>
+          <a:prstGeom prst="rect">
+            <a:avLst/>
+          </a:prstGeom>
+        </p:spPr>
+        <p:style>
+          <a:lnRef idx="1">
+            <a:schemeClr val="accent1"/>
+          </a:lnRef>
+          <a:fillRef idx="3">
+            <a:schemeClr val="accent1"/>
+          </a:fillRef>
+          <a:effectRef idx="2">
+            <a:schemeClr val="accent1"/>
+          </a:effectRef>
+          <a:fontRef idx="minor">
+            <a:schemeClr val="lt1"/>
+          </a:fontRef>
+        </p:style>
+        <p:txBody>
+          <a:bodyPr wrap="square" rtlCol="0">
+            <a:spAutoFit/>
+          </a:bodyPr>
+          <a:lstStyle/>
+          <a:p>
+            <a:r>
+              <a:rPr lang="en-US" i="1" dirty="0"/>
+              <a:t>a</a:t>
+            </a:r>
+          </a:p>
+        </p:txBody>
+      </p:sp>
+      <p:sp>
+        <p:nvSpPr>
+          <p:cNvPr id="25" name="TextBox 24">
+            <a:extLst>
+              <a:ext uri="{FF2B5EF4-FFF2-40B4-BE49-F238E27FC236}">
+                <a16:creationId xmlns:a16="http://schemas.microsoft.com/office/drawing/2014/main" id="{49EE8DA3-03DC-0AE8-925E-A0A6A49C16E2}"/>
+              </a:ext>
+            </a:extLst>
+          </p:cNvPr>
+          <p:cNvSpPr txBox="1"/>
+          <p:nvPr/>
+        </p:nvSpPr>
+        <p:spPr>
+          <a:xfrm>
+            <a:off x="8632512" y="2328757"/>
+            <a:ext cx="263077" cy="369332"/>
+          </a:xfrm>
+          <a:prstGeom prst="rect">
+            <a:avLst/>
+          </a:prstGeom>
+        </p:spPr>
+        <p:style>
+          <a:lnRef idx="1">
+            <a:schemeClr val="accent1"/>
+          </a:lnRef>
+          <a:fillRef idx="3">
+            <a:schemeClr val="accent1"/>
+          </a:fillRef>
+          <a:effectRef idx="2">
+            <a:schemeClr val="accent1"/>
+          </a:effectRef>
+          <a:fontRef idx="minor">
+            <a:schemeClr val="lt1"/>
+          </a:fontRef>
+        </p:style>
+        <p:txBody>
+          <a:bodyPr wrap="square" rtlCol="0">
+            <a:spAutoFit/>
+          </a:bodyPr>
+          <a:lstStyle/>
+          <a:p>
+            <a:r>
+              <a:rPr lang="en-US" i="1" dirty="0"/>
+              <a:t>c</a:t>
+            </a:r>
+          </a:p>
+        </p:txBody>
+      </p:sp>
+      <p:sp>
+        <p:nvSpPr>
+          <p:cNvPr id="27" name="TextBox 26">
+            <a:extLst>
+              <a:ext uri="{FF2B5EF4-FFF2-40B4-BE49-F238E27FC236}">
+                <a16:creationId xmlns:a16="http://schemas.microsoft.com/office/drawing/2014/main" id="{F98437F9-A5A5-12B3-A4A7-7F50759F8B8E}"/>
+              </a:ext>
+            </a:extLst>
+          </p:cNvPr>
+          <p:cNvSpPr txBox="1"/>
+          <p:nvPr/>
+        </p:nvSpPr>
+        <p:spPr>
+          <a:xfrm>
+            <a:off x="10051344" y="1745809"/>
+            <a:ext cx="299077" cy="369332"/>
+          </a:xfrm>
+          <a:prstGeom prst="rect">
+            <a:avLst/>
+          </a:prstGeom>
+        </p:spPr>
+        <p:style>
+          <a:lnRef idx="1">
+            <a:schemeClr val="accent1"/>
+          </a:lnRef>
+          <a:fillRef idx="3">
+            <a:schemeClr val="accent1"/>
+          </a:fillRef>
+          <a:effectRef idx="2">
+            <a:schemeClr val="accent1"/>
+          </a:effectRef>
+          <a:fontRef idx="minor">
+            <a:schemeClr val="lt1"/>
+          </a:fontRef>
+        </p:style>
+        <p:txBody>
+          <a:bodyPr wrap="square" rtlCol="0">
+            <a:spAutoFit/>
+          </a:bodyPr>
+          <a:lstStyle/>
+          <a:p>
+            <a:r>
+              <a:rPr lang="en-US" i="1" dirty="0"/>
+              <a:t>e</a:t>
+            </a:r>
+          </a:p>
+        </p:txBody>
+      </p:sp>
+      <p:sp>
+        <p:nvSpPr>
+          <p:cNvPr id="28" name="TextBox 27">
+            <a:extLst>
+              <a:ext uri="{FF2B5EF4-FFF2-40B4-BE49-F238E27FC236}">
+                <a16:creationId xmlns:a16="http://schemas.microsoft.com/office/drawing/2014/main" id="{87A6B046-1957-A41A-7F73-D1C05C7C5801}"/>
+              </a:ext>
+            </a:extLst>
+          </p:cNvPr>
+          <p:cNvSpPr txBox="1"/>
+          <p:nvPr/>
+        </p:nvSpPr>
+        <p:spPr>
+          <a:xfrm>
+            <a:off x="10051344" y="2387299"/>
+            <a:ext cx="299077" cy="369332"/>
+          </a:xfrm>
+          <a:prstGeom prst="rect">
+            <a:avLst/>
+          </a:prstGeom>
+        </p:spPr>
+        <p:style>
+          <a:lnRef idx="1">
+            <a:schemeClr val="accent1"/>
+          </a:lnRef>
+          <a:fillRef idx="3">
+            <a:schemeClr val="accent1"/>
+          </a:fillRef>
+          <a:effectRef idx="2">
+            <a:schemeClr val="accent1"/>
+          </a:effectRef>
+          <a:fontRef idx="minor">
+            <a:schemeClr val="lt1"/>
+          </a:fontRef>
+        </p:style>
+        <p:txBody>
+          <a:bodyPr wrap="square" rtlCol="0">
+            <a:spAutoFit/>
+          </a:bodyPr>
+          <a:lstStyle/>
+          <a:p>
+            <a:r>
+              <a:rPr lang="en-US" i="1" dirty="0"/>
+              <a:t>f</a:t>
+            </a:r>
+          </a:p>
+        </p:txBody>
+      </p:sp>
+      <p:sp>
+        <p:nvSpPr>
+          <p:cNvPr id="29" name="TextBox 28">
+            <a:extLst>
+              <a:ext uri="{FF2B5EF4-FFF2-40B4-BE49-F238E27FC236}">
+                <a16:creationId xmlns:a16="http://schemas.microsoft.com/office/drawing/2014/main" id="{E6D50D72-C505-FB00-B9E7-01972FCA29FA}"/>
+              </a:ext>
+            </a:extLst>
+          </p:cNvPr>
+          <p:cNvSpPr txBox="1"/>
+          <p:nvPr/>
+        </p:nvSpPr>
+        <p:spPr>
+          <a:xfrm>
+            <a:off x="7422270" y="1761463"/>
+            <a:ext cx="263077" cy="369332"/>
+          </a:xfrm>
+          <a:prstGeom prst="rect">
+            <a:avLst/>
+          </a:prstGeom>
+        </p:spPr>
+        <p:style>
+          <a:lnRef idx="1">
+            <a:schemeClr val="accent1"/>
+          </a:lnRef>
+          <a:fillRef idx="3">
+            <a:schemeClr val="accent1"/>
+          </a:fillRef>
+          <a:effectRef idx="2">
+            <a:schemeClr val="accent1"/>
+          </a:effectRef>
+          <a:fontRef idx="minor">
+            <a:schemeClr val="lt1"/>
+          </a:fontRef>
+        </p:style>
+        <p:txBody>
+          <a:bodyPr wrap="square" rtlCol="0" anchor="ctr">
+            <a:spAutoFit/>
+          </a:bodyPr>
+          <a:lstStyle/>
+          <a:p>
+            <a:r>
+              <a:rPr lang="en-US" i="1" dirty="0"/>
+              <a:t>r</a:t>
+            </a:r>
+          </a:p>
+        </p:txBody>
+      </p:sp>
       <p:cxnSp>
         <p:nvCxnSpPr>
-          <p:cNvPr id="101" name="Straight Connector 100">
-            <a:extLst>
-              <a:ext uri="{FF2B5EF4-FFF2-40B4-BE49-F238E27FC236}">
-                <a16:creationId xmlns:a16="http://schemas.microsoft.com/office/drawing/2014/main" id="{F7AF73D7-F7DE-7A4D-7B27-70A7D7ECDDAA}"/>
+          <p:cNvPr id="70" name="Straight Arrow Connector 69">
+            <a:extLst>
+              <a:ext uri="{FF2B5EF4-FFF2-40B4-BE49-F238E27FC236}">
+                <a16:creationId xmlns:a16="http://schemas.microsoft.com/office/drawing/2014/main" id="{0A53DA4A-6077-091A-FF95-C66F7D99094A}"/>
               </a:ext>
             </a:extLst>
           </p:cNvPr>
@@ -6447,9 +6713,458 @@
           <p:nvPr/>
         </p:nvCxnSpPr>
         <p:spPr>
-          <a:xfrm flipH="1">
-            <a:off x="486832" y="6626"/>
-            <a:ext cx="11218336" cy="0"/>
+          <a:xfrm flipV="1">
+            <a:off x="7752063" y="1474962"/>
+            <a:ext cx="758914" cy="444663"/>
+          </a:xfrm>
+          <a:prstGeom prst="straightConnector1">
+            <a:avLst/>
+          </a:prstGeom>
+          <a:ln>
+            <a:tailEnd type="triangle"/>
+          </a:ln>
+        </p:spPr>
+        <p:style>
+          <a:lnRef idx="3">
+            <a:schemeClr val="accent4"/>
+          </a:lnRef>
+          <a:fillRef idx="0">
+            <a:schemeClr val="accent4"/>
+          </a:fillRef>
+          <a:effectRef idx="2">
+            <a:schemeClr val="accent4"/>
+          </a:effectRef>
+          <a:fontRef idx="minor">
+            <a:schemeClr val="tx1"/>
+          </a:fontRef>
+        </p:style>
+      </p:cxnSp>
+      <p:cxnSp>
+        <p:nvCxnSpPr>
+          <p:cNvPr id="75" name="Straight Arrow Connector 74">
+            <a:extLst>
+              <a:ext uri="{FF2B5EF4-FFF2-40B4-BE49-F238E27FC236}">
+                <a16:creationId xmlns:a16="http://schemas.microsoft.com/office/drawing/2014/main" id="{A2F162C4-0922-41FF-DD06-92A0C9CDE6A0}"/>
+              </a:ext>
+            </a:extLst>
+          </p:cNvPr>
+          <p:cNvCxnSpPr>
+            <a:cxnSpLocks/>
+            <a:endCxn id="25" idx="1"/>
+          </p:cNvCxnSpPr>
+          <p:nvPr/>
+        </p:nvCxnSpPr>
+        <p:spPr>
+          <a:xfrm>
+            <a:off x="7740873" y="2056461"/>
+            <a:ext cx="891639" cy="456962"/>
+          </a:xfrm>
+          <a:prstGeom prst="straightConnector1">
+            <a:avLst/>
+          </a:prstGeom>
+          <a:ln>
+            <a:tailEnd type="triangle"/>
+          </a:ln>
+        </p:spPr>
+        <p:style>
+          <a:lnRef idx="3">
+            <a:schemeClr val="accent4"/>
+          </a:lnRef>
+          <a:fillRef idx="0">
+            <a:schemeClr val="accent4"/>
+          </a:fillRef>
+          <a:effectRef idx="2">
+            <a:schemeClr val="accent4"/>
+          </a:effectRef>
+          <a:fontRef idx="minor">
+            <a:schemeClr val="tx1"/>
+          </a:fontRef>
+        </p:style>
+      </p:cxnSp>
+      <p:cxnSp>
+        <p:nvCxnSpPr>
+          <p:cNvPr id="77" name="Straight Arrow Connector 76">
+            <a:extLst>
+              <a:ext uri="{FF2B5EF4-FFF2-40B4-BE49-F238E27FC236}">
+                <a16:creationId xmlns:a16="http://schemas.microsoft.com/office/drawing/2014/main" id="{54830AD9-62F8-BB4F-F12B-9FDD1CE05C53}"/>
+              </a:ext>
+            </a:extLst>
+          </p:cNvPr>
+          <p:cNvCxnSpPr>
+            <a:cxnSpLocks/>
+          </p:cNvCxnSpPr>
+          <p:nvPr/>
+        </p:nvCxnSpPr>
+        <p:spPr>
+          <a:xfrm>
+            <a:off x="8995081" y="1953696"/>
+            <a:ext cx="1030969" cy="674947"/>
+          </a:xfrm>
+          <a:prstGeom prst="straightConnector1">
+            <a:avLst/>
+          </a:prstGeom>
+          <a:ln>
+            <a:tailEnd type="triangle"/>
+          </a:ln>
+        </p:spPr>
+        <p:style>
+          <a:lnRef idx="3">
+            <a:schemeClr val="accent4"/>
+          </a:lnRef>
+          <a:fillRef idx="0">
+            <a:schemeClr val="accent4"/>
+          </a:fillRef>
+          <a:effectRef idx="2">
+            <a:schemeClr val="accent4"/>
+          </a:effectRef>
+          <a:fontRef idx="minor">
+            <a:schemeClr val="tx1"/>
+          </a:fontRef>
+        </p:style>
+      </p:cxnSp>
+      <p:cxnSp>
+        <p:nvCxnSpPr>
+          <p:cNvPr id="79" name="Straight Arrow Connector 78">
+            <a:extLst>
+              <a:ext uri="{FF2B5EF4-FFF2-40B4-BE49-F238E27FC236}">
+                <a16:creationId xmlns:a16="http://schemas.microsoft.com/office/drawing/2014/main" id="{60426214-8F42-E5C8-FF6B-AF9BE4044B8E}"/>
+              </a:ext>
+            </a:extLst>
+          </p:cNvPr>
+          <p:cNvCxnSpPr>
+            <a:cxnSpLocks/>
+          </p:cNvCxnSpPr>
+          <p:nvPr/>
+        </p:nvCxnSpPr>
+        <p:spPr>
+          <a:xfrm flipV="1">
+            <a:off x="9064671" y="1847512"/>
+            <a:ext cx="932625" cy="28079"/>
+          </a:xfrm>
+          <a:prstGeom prst="straightConnector1">
+            <a:avLst/>
+          </a:prstGeom>
+          <a:ln>
+            <a:tailEnd type="triangle"/>
+          </a:ln>
+        </p:spPr>
+        <p:style>
+          <a:lnRef idx="3">
+            <a:schemeClr val="accent4"/>
+          </a:lnRef>
+          <a:fillRef idx="0">
+            <a:schemeClr val="accent4"/>
+          </a:fillRef>
+          <a:effectRef idx="2">
+            <a:schemeClr val="accent4"/>
+          </a:effectRef>
+          <a:fontRef idx="minor">
+            <a:schemeClr val="tx1"/>
+          </a:fontRef>
+        </p:style>
+      </p:cxnSp>
+      <p:cxnSp>
+        <p:nvCxnSpPr>
+          <p:cNvPr id="83" name="Straight Arrow Connector 82">
+            <a:extLst>
+              <a:ext uri="{FF2B5EF4-FFF2-40B4-BE49-F238E27FC236}">
+                <a16:creationId xmlns:a16="http://schemas.microsoft.com/office/drawing/2014/main" id="{F4F3161E-540F-8F6F-DB54-A7A6D3847959}"/>
+              </a:ext>
+            </a:extLst>
+          </p:cNvPr>
+          <p:cNvCxnSpPr>
+            <a:cxnSpLocks/>
+          </p:cNvCxnSpPr>
+          <p:nvPr/>
+        </p:nvCxnSpPr>
+        <p:spPr>
+          <a:xfrm>
+            <a:off x="8938405" y="2549911"/>
+            <a:ext cx="953198" cy="75557"/>
+          </a:xfrm>
+          <a:prstGeom prst="straightConnector1">
+            <a:avLst/>
+          </a:prstGeom>
+          <a:ln>
+            <a:tailEnd type="triangle"/>
+          </a:ln>
+        </p:spPr>
+        <p:style>
+          <a:lnRef idx="3">
+            <a:schemeClr val="accent4"/>
+          </a:lnRef>
+          <a:fillRef idx="0">
+            <a:schemeClr val="accent4"/>
+          </a:fillRef>
+          <a:effectRef idx="2">
+            <a:schemeClr val="accent4"/>
+          </a:effectRef>
+          <a:fontRef idx="minor">
+            <a:schemeClr val="tx1"/>
+          </a:fontRef>
+        </p:style>
+      </p:cxnSp>
+      <p:cxnSp>
+        <p:nvCxnSpPr>
+          <p:cNvPr id="85" name="Straight Arrow Connector 84">
+            <a:extLst>
+              <a:ext uri="{FF2B5EF4-FFF2-40B4-BE49-F238E27FC236}">
+                <a16:creationId xmlns:a16="http://schemas.microsoft.com/office/drawing/2014/main" id="{760911E3-00A4-FBB2-4D8C-1FED70182965}"/>
+              </a:ext>
+            </a:extLst>
+          </p:cNvPr>
+          <p:cNvCxnSpPr>
+            <a:cxnSpLocks/>
+          </p:cNvCxnSpPr>
+          <p:nvPr/>
+        </p:nvCxnSpPr>
+        <p:spPr>
+          <a:xfrm flipV="1">
+            <a:off x="8960251" y="2057747"/>
+            <a:ext cx="994150" cy="424079"/>
+          </a:xfrm>
+          <a:prstGeom prst="straightConnector1">
+            <a:avLst/>
+          </a:prstGeom>
+          <a:ln>
+            <a:tailEnd type="triangle"/>
+          </a:ln>
+        </p:spPr>
+        <p:style>
+          <a:lnRef idx="3">
+            <a:schemeClr val="accent4"/>
+          </a:lnRef>
+          <a:fillRef idx="0">
+            <a:schemeClr val="accent4"/>
+          </a:fillRef>
+          <a:effectRef idx="2">
+            <a:schemeClr val="accent4"/>
+          </a:effectRef>
+          <a:fontRef idx="minor">
+            <a:schemeClr val="tx1"/>
+          </a:fontRef>
+        </p:style>
+      </p:cxnSp>
+      <p:sp>
+        <p:nvSpPr>
+          <p:cNvPr id="88" name="Oval Callout 87">
+            <a:extLst>
+              <a:ext uri="{FF2B5EF4-FFF2-40B4-BE49-F238E27FC236}">
+                <a16:creationId xmlns:a16="http://schemas.microsoft.com/office/drawing/2014/main" id="{97623C4F-9FEE-D9D0-D2FC-82E678DB34CA}"/>
+              </a:ext>
+            </a:extLst>
+          </p:cNvPr>
+          <p:cNvSpPr/>
+          <p:nvPr/>
+        </p:nvSpPr>
+        <p:spPr>
+          <a:xfrm>
+            <a:off x="6413385" y="228779"/>
+            <a:ext cx="2538227" cy="747300"/>
+          </a:xfrm>
+          <a:prstGeom prst="wedgeEllipseCallout">
+            <a:avLst>
+              <a:gd name="adj1" fmla="val 21117"/>
+              <a:gd name="adj2" fmla="val 175050"/>
+            </a:avLst>
+          </a:prstGeom>
+          <a:noFill/>
+          <a:ln w="9525" cap="flat" cmpd="sng" algn="ctr">
+            <a:solidFill>
+              <a:schemeClr val="dk1"/>
+            </a:solidFill>
+            <a:prstDash val="dash"/>
+            <a:round/>
+            <a:headEnd type="none" w="med" len="med"/>
+            <a:tailEnd type="none" w="med" len="med"/>
+          </a:ln>
+        </p:spPr>
+        <p:style>
+          <a:lnRef idx="0">
+            <a:scrgbClr r="0" g="0" b="0"/>
+          </a:lnRef>
+          <a:fillRef idx="0">
+            <a:scrgbClr r="0" g="0" b="0"/>
+          </a:fillRef>
+          <a:effectRef idx="0">
+            <a:scrgbClr r="0" g="0" b="0"/>
+          </a:effectRef>
+          <a:fontRef idx="minor">
+            <a:schemeClr val="dk1"/>
+          </a:fontRef>
+        </p:style>
+        <p:txBody>
+          <a:bodyPr rtlCol="0" anchor="ctr"/>
+          <a:lstStyle/>
+          <a:p>
+            <a:pPr algn="ctr"/>
+            <a:r>
+              <a:rPr lang="en-US" dirty="0">
+                <a:latin typeface="Ink Free" panose="03080402000500000000" pitchFamily="66" charset="0"/>
+              </a:rPr>
+              <a:t>quantity of item (b) needed</a:t>
+            </a:r>
+          </a:p>
+        </p:txBody>
+      </p:sp>
+      <p:sp>
+        <p:nvSpPr>
+          <p:cNvPr id="89" name="Oval Callout 88">
+            <a:extLst>
+              <a:ext uri="{FF2B5EF4-FFF2-40B4-BE49-F238E27FC236}">
+                <a16:creationId xmlns:a16="http://schemas.microsoft.com/office/drawing/2014/main" id="{032BDC9F-AD4A-FF5C-DE47-3CB24A4EBE4E}"/>
+              </a:ext>
+            </a:extLst>
+          </p:cNvPr>
+          <p:cNvSpPr/>
+          <p:nvPr/>
+        </p:nvSpPr>
+        <p:spPr>
+          <a:xfrm>
+            <a:off x="7422270" y="3316377"/>
+            <a:ext cx="1580622" cy="838519"/>
+          </a:xfrm>
+          <a:prstGeom prst="wedgeEllipseCallout">
+            <a:avLst>
+              <a:gd name="adj1" fmla="val 65579"/>
+              <a:gd name="adj2" fmla="val -71487"/>
+            </a:avLst>
+          </a:prstGeom>
+          <a:noFill/>
+          <a:ln w="9525" cap="flat" cmpd="sng" algn="ctr">
+            <a:solidFill>
+              <a:schemeClr val="dk1"/>
+            </a:solidFill>
+            <a:prstDash val="dash"/>
+            <a:round/>
+            <a:headEnd type="none" w="med" len="med"/>
+            <a:tailEnd type="none" w="med" len="med"/>
+          </a:ln>
+        </p:spPr>
+        <p:style>
+          <a:lnRef idx="0">
+            <a:scrgbClr r="0" g="0" b="0"/>
+          </a:lnRef>
+          <a:fillRef idx="0">
+            <a:scrgbClr r="0" g="0" b="0"/>
+          </a:fillRef>
+          <a:effectRef idx="0">
+            <a:scrgbClr r="0" g="0" b="0"/>
+          </a:effectRef>
+          <a:fontRef idx="minor">
+            <a:schemeClr val="dk1"/>
+          </a:fontRef>
+        </p:style>
+        <p:txBody>
+          <a:bodyPr rtlCol="0" anchor="ctr"/>
+          <a:lstStyle/>
+          <a:p>
+            <a:pPr algn="ctr"/>
+            <a:r>
+              <a:rPr lang="en-US" dirty="0">
+                <a:latin typeface="Ink Free" panose="03080402000500000000" pitchFamily="66" charset="0"/>
+              </a:rPr>
+              <a:t>price of (c) in store (g)</a:t>
+            </a:r>
+          </a:p>
+        </p:txBody>
+      </p:sp>
+      <p:sp>
+        <p:nvSpPr>
+          <p:cNvPr id="90" name="TextBox 89">
+            <a:extLst>
+              <a:ext uri="{FF2B5EF4-FFF2-40B4-BE49-F238E27FC236}">
+                <a16:creationId xmlns:a16="http://schemas.microsoft.com/office/drawing/2014/main" id="{FEEC84BA-A396-94B2-6F29-C5F4EA466FDA}"/>
+              </a:ext>
+            </a:extLst>
+          </p:cNvPr>
+          <p:cNvSpPr txBox="1"/>
+          <p:nvPr/>
+        </p:nvSpPr>
+        <p:spPr>
+          <a:xfrm rot="19815816">
+            <a:off x="7570000" y="1574424"/>
+            <a:ext cx="689113" cy="276999"/>
+          </a:xfrm>
+          <a:prstGeom prst="rect">
+            <a:avLst/>
+          </a:prstGeom>
+          <a:noFill/>
+        </p:spPr>
+        <p:txBody>
+          <a:bodyPr wrap="square" rtlCol="0">
+            <a:spAutoFit/>
+          </a:bodyPr>
+          <a:lstStyle/>
+          <a:p>
+            <a:pPr algn="ctr"/>
+            <a:r>
+              <a:rPr lang="en-US" sz="1200" dirty="0">
+                <a:latin typeface="Ink Free" panose="03080402000500000000" pitchFamily="66" charset="0"/>
+                <a:ea typeface="Cambria Math" panose="02040503050406030204" pitchFamily="18" charset="0"/>
+              </a:rPr>
+              <a:t>0</a:t>
+            </a:r>
+          </a:p>
+        </p:txBody>
+      </p:sp>
+      <p:sp>
+        <p:nvSpPr>
+          <p:cNvPr id="91" name="TextBox 90">
+            <a:extLst>
+              <a:ext uri="{FF2B5EF4-FFF2-40B4-BE49-F238E27FC236}">
+                <a16:creationId xmlns:a16="http://schemas.microsoft.com/office/drawing/2014/main" id="{1324FFC9-A3A9-D463-3C06-28E88F5F4287}"/>
+              </a:ext>
+            </a:extLst>
+          </p:cNvPr>
+          <p:cNvSpPr txBox="1"/>
+          <p:nvPr/>
+        </p:nvSpPr>
+        <p:spPr>
+          <a:xfrm rot="1773497">
+            <a:off x="7808798" y="2274146"/>
+            <a:ext cx="689113" cy="276999"/>
+          </a:xfrm>
+          <a:prstGeom prst="rect">
+            <a:avLst/>
+          </a:prstGeom>
+          <a:noFill/>
+        </p:spPr>
+        <p:txBody>
+          <a:bodyPr wrap="square" rtlCol="0">
+            <a:spAutoFit/>
+          </a:bodyPr>
+          <a:lstStyle/>
+          <a:p>
+            <a:pPr algn="ctr"/>
+            <a:r>
+              <a:rPr lang="en-US" sz="1200" dirty="0">
+                <a:latin typeface="Ink Free" panose="03080402000500000000" pitchFamily="66" charset="0"/>
+                <a:ea typeface="Cambria Math" panose="02040503050406030204" pitchFamily="18" charset="0"/>
+              </a:rPr>
+              <a:t>1</a:t>
+            </a:r>
+          </a:p>
+        </p:txBody>
+      </p:sp>
+      <p:cxnSp>
+        <p:nvCxnSpPr>
+          <p:cNvPr id="96" name="Straight Connector 95">
+            <a:extLst>
+              <a:ext uri="{FF2B5EF4-FFF2-40B4-BE49-F238E27FC236}">
+                <a16:creationId xmlns:a16="http://schemas.microsoft.com/office/drawing/2014/main" id="{6936DA62-27B2-A664-1422-59F204412934}"/>
+              </a:ext>
+            </a:extLst>
+          </p:cNvPr>
+          <p:cNvCxnSpPr>
+            <a:cxnSpLocks/>
+          </p:cNvCxnSpPr>
+          <p:nvPr/>
+        </p:nvCxnSpPr>
+        <p:spPr>
+          <a:xfrm>
+            <a:off x="5766424" y="9286"/>
+            <a:ext cx="0" cy="4598760"/>
           </a:xfrm>
           <a:prstGeom prst="line">
             <a:avLst/>
@@ -6471,12 +7186,465 @@
           </a:fontRef>
         </p:style>
       </p:cxnSp>
+      <p:cxnSp>
+        <p:nvCxnSpPr>
+          <p:cNvPr id="97" name="Straight Connector 96">
+            <a:extLst>
+              <a:ext uri="{FF2B5EF4-FFF2-40B4-BE49-F238E27FC236}">
+                <a16:creationId xmlns:a16="http://schemas.microsoft.com/office/drawing/2014/main" id="{48A7C736-2D3F-DB11-FCD9-3D4ED8620C7A}"/>
+              </a:ext>
+            </a:extLst>
+          </p:cNvPr>
+          <p:cNvCxnSpPr>
+            <a:cxnSpLocks/>
+          </p:cNvCxnSpPr>
+          <p:nvPr/>
+        </p:nvCxnSpPr>
+        <p:spPr>
+          <a:xfrm flipH="1">
+            <a:off x="670984" y="4608046"/>
+            <a:ext cx="11218336" cy="0"/>
+          </a:xfrm>
+          <a:prstGeom prst="line">
+            <a:avLst/>
+          </a:prstGeom>
+          <a:ln w="38100"/>
+        </p:spPr>
+        <p:style>
+          <a:lnRef idx="2">
+            <a:schemeClr val="accent1"/>
+          </a:lnRef>
+          <a:fillRef idx="0">
+            <a:schemeClr val="accent1"/>
+          </a:fillRef>
+          <a:effectRef idx="1">
+            <a:schemeClr val="accent1"/>
+          </a:effectRef>
+          <a:fontRef idx="minor">
+            <a:schemeClr val="tx1"/>
+          </a:fontRef>
+        </p:style>
+      </p:cxnSp>
+      <p:cxnSp>
+        <p:nvCxnSpPr>
+          <p:cNvPr id="101" name="Straight Connector 100">
+            <a:extLst>
+              <a:ext uri="{FF2B5EF4-FFF2-40B4-BE49-F238E27FC236}">
+                <a16:creationId xmlns:a16="http://schemas.microsoft.com/office/drawing/2014/main" id="{8ABFE1BA-1ACF-6FD7-2B19-63FDA92EE8E0}"/>
+              </a:ext>
+            </a:extLst>
+          </p:cNvPr>
+          <p:cNvCxnSpPr>
+            <a:cxnSpLocks/>
+          </p:cNvCxnSpPr>
+          <p:nvPr/>
+        </p:nvCxnSpPr>
+        <p:spPr>
+          <a:xfrm flipH="1">
+            <a:off x="486832" y="6626"/>
+            <a:ext cx="11218336" cy="0"/>
+          </a:xfrm>
+          <a:prstGeom prst="line">
+            <a:avLst/>
+          </a:prstGeom>
+          <a:ln w="38100"/>
+        </p:spPr>
+        <p:style>
+          <a:lnRef idx="2">
+            <a:schemeClr val="accent1"/>
+          </a:lnRef>
+          <a:fillRef idx="0">
+            <a:schemeClr val="accent1"/>
+          </a:fillRef>
+          <a:effectRef idx="1">
+            <a:schemeClr val="accent1"/>
+          </a:effectRef>
+          <a:fontRef idx="minor">
+            <a:schemeClr val="tx1"/>
+          </a:fontRef>
+        </p:style>
+      </p:cxnSp>
+      <p:sp>
+        <p:nvSpPr>
+          <p:cNvPr id="10" name="TextBox 9">
+            <a:extLst>
+              <a:ext uri="{FF2B5EF4-FFF2-40B4-BE49-F238E27FC236}">
+                <a16:creationId xmlns:a16="http://schemas.microsoft.com/office/drawing/2014/main" id="{0851452C-FE68-4E69-4F36-C0265C4188B7}"/>
+              </a:ext>
+            </a:extLst>
+          </p:cNvPr>
+          <p:cNvSpPr txBox="1"/>
+          <p:nvPr/>
+        </p:nvSpPr>
+        <p:spPr>
+          <a:xfrm>
+            <a:off x="8598933" y="1705121"/>
+            <a:ext cx="326607" cy="369332"/>
+          </a:xfrm>
+          <a:prstGeom prst="rect">
+            <a:avLst/>
+          </a:prstGeom>
+        </p:spPr>
+        <p:style>
+          <a:lnRef idx="1">
+            <a:schemeClr val="accent1"/>
+          </a:lnRef>
+          <a:fillRef idx="3">
+            <a:schemeClr val="accent1"/>
+          </a:fillRef>
+          <a:effectRef idx="2">
+            <a:schemeClr val="accent1"/>
+          </a:effectRef>
+          <a:fontRef idx="minor">
+            <a:schemeClr val="lt1"/>
+          </a:fontRef>
+        </p:style>
+        <p:txBody>
+          <a:bodyPr wrap="square" rtlCol="0">
+            <a:spAutoFit/>
+          </a:bodyPr>
+          <a:lstStyle/>
+          <a:p>
+            <a:r>
+              <a:rPr lang="en-US" i="1" dirty="0"/>
+              <a:t>b</a:t>
+            </a:r>
+          </a:p>
+        </p:txBody>
+      </p:sp>
+      <p:cxnSp>
+        <p:nvCxnSpPr>
+          <p:cNvPr id="12" name="Straight Arrow Connector 11">
+            <a:extLst>
+              <a:ext uri="{FF2B5EF4-FFF2-40B4-BE49-F238E27FC236}">
+                <a16:creationId xmlns:a16="http://schemas.microsoft.com/office/drawing/2014/main" id="{0D82BA6D-5BD4-2B16-16D2-5BEA0E29FD9C}"/>
+              </a:ext>
+            </a:extLst>
+          </p:cNvPr>
+          <p:cNvCxnSpPr>
+            <a:cxnSpLocks/>
+          </p:cNvCxnSpPr>
+          <p:nvPr/>
+        </p:nvCxnSpPr>
+        <p:spPr>
+          <a:xfrm>
+            <a:off x="7787363" y="1955506"/>
+            <a:ext cx="741465" cy="9274"/>
+          </a:xfrm>
+          <a:prstGeom prst="straightConnector1">
+            <a:avLst/>
+          </a:prstGeom>
+          <a:ln>
+            <a:tailEnd type="triangle"/>
+          </a:ln>
+        </p:spPr>
+        <p:style>
+          <a:lnRef idx="3">
+            <a:schemeClr val="accent4"/>
+          </a:lnRef>
+          <a:fillRef idx="0">
+            <a:schemeClr val="accent4"/>
+          </a:fillRef>
+          <a:effectRef idx="2">
+            <a:schemeClr val="accent4"/>
+          </a:effectRef>
+          <a:fontRef idx="minor">
+            <a:schemeClr val="tx1"/>
+          </a:fontRef>
+        </p:style>
+      </p:cxnSp>
+      <p:sp>
+        <p:nvSpPr>
+          <p:cNvPr id="14" name="TextBox 13">
+            <a:extLst>
+              <a:ext uri="{FF2B5EF4-FFF2-40B4-BE49-F238E27FC236}">
+                <a16:creationId xmlns:a16="http://schemas.microsoft.com/office/drawing/2014/main" id="{D3DA98AA-58F9-42CE-7BB4-A2993F202822}"/>
+              </a:ext>
+            </a:extLst>
+          </p:cNvPr>
+          <p:cNvSpPr txBox="1"/>
+          <p:nvPr/>
+        </p:nvSpPr>
+        <p:spPr>
+          <a:xfrm>
+            <a:off x="7893208" y="1938774"/>
+            <a:ext cx="689113" cy="276999"/>
+          </a:xfrm>
+          <a:prstGeom prst="rect">
+            <a:avLst/>
+          </a:prstGeom>
+          <a:noFill/>
+        </p:spPr>
+        <p:txBody>
+          <a:bodyPr wrap="square" rtlCol="0">
+            <a:spAutoFit/>
+          </a:bodyPr>
+          <a:lstStyle/>
+          <a:p>
+            <a:pPr algn="ctr"/>
+            <a:r>
+              <a:rPr lang="en-US" sz="1200" dirty="0">
+                <a:latin typeface="Ink Free" panose="03080402000500000000" pitchFamily="66" charset="0"/>
+                <a:ea typeface="Cambria Math" panose="02040503050406030204" pitchFamily="18" charset="0"/>
+              </a:rPr>
+              <a:t>1</a:t>
+            </a:r>
+          </a:p>
+        </p:txBody>
+      </p:sp>
+      <p:sp>
+        <p:nvSpPr>
+          <p:cNvPr id="18" name="TextBox 17">
+            <a:extLst>
+              <a:ext uri="{FF2B5EF4-FFF2-40B4-BE49-F238E27FC236}">
+                <a16:creationId xmlns:a16="http://schemas.microsoft.com/office/drawing/2014/main" id="{9DFCABB2-89CD-D865-A18B-FCE128293A88}"/>
+              </a:ext>
+            </a:extLst>
+          </p:cNvPr>
+          <p:cNvSpPr txBox="1"/>
+          <p:nvPr/>
+        </p:nvSpPr>
+        <p:spPr>
+          <a:xfrm>
+            <a:off x="10038716" y="3068799"/>
+            <a:ext cx="324330" cy="369323"/>
+          </a:xfrm>
+          <a:prstGeom prst="rect">
+            <a:avLst/>
+          </a:prstGeom>
+        </p:spPr>
+        <p:style>
+          <a:lnRef idx="1">
+            <a:schemeClr val="accent1"/>
+          </a:lnRef>
+          <a:fillRef idx="3">
+            <a:schemeClr val="accent1"/>
+          </a:fillRef>
+          <a:effectRef idx="2">
+            <a:schemeClr val="accent1"/>
+          </a:effectRef>
+          <a:fontRef idx="minor">
+            <a:schemeClr val="lt1"/>
+          </a:fontRef>
+        </p:style>
+        <p:txBody>
+          <a:bodyPr wrap="square" rtlCol="0">
+            <a:spAutoFit/>
+          </a:bodyPr>
+          <a:lstStyle/>
+          <a:p>
+            <a:r>
+              <a:rPr lang="en-US" i="1" dirty="0"/>
+              <a:t>g</a:t>
+            </a:r>
+          </a:p>
+        </p:txBody>
+      </p:sp>
+      <p:cxnSp>
+        <p:nvCxnSpPr>
+          <p:cNvPr id="19" name="Straight Arrow Connector 18">
+            <a:extLst>
+              <a:ext uri="{FF2B5EF4-FFF2-40B4-BE49-F238E27FC236}">
+                <a16:creationId xmlns:a16="http://schemas.microsoft.com/office/drawing/2014/main" id="{C932F579-69A4-BD20-BC91-0435021E2DE0}"/>
+              </a:ext>
+            </a:extLst>
+          </p:cNvPr>
+          <p:cNvCxnSpPr>
+            <a:cxnSpLocks/>
+          </p:cNvCxnSpPr>
+          <p:nvPr/>
+        </p:nvCxnSpPr>
+        <p:spPr>
+          <a:xfrm>
+            <a:off x="8959912" y="2609411"/>
+            <a:ext cx="1030969" cy="674947"/>
+          </a:xfrm>
+          <a:prstGeom prst="straightConnector1">
+            <a:avLst/>
+          </a:prstGeom>
+          <a:ln>
+            <a:tailEnd type="triangle"/>
+          </a:ln>
+        </p:spPr>
+        <p:style>
+          <a:lnRef idx="3">
+            <a:schemeClr val="accent4"/>
+          </a:lnRef>
+          <a:fillRef idx="0">
+            <a:schemeClr val="accent4"/>
+          </a:fillRef>
+          <a:effectRef idx="2">
+            <a:schemeClr val="accent4"/>
+          </a:effectRef>
+          <a:fontRef idx="minor">
+            <a:schemeClr val="tx1"/>
+          </a:fontRef>
+        </p:style>
+      </p:cxnSp>
+      <p:cxnSp>
+        <p:nvCxnSpPr>
+          <p:cNvPr id="20" name="Straight Arrow Connector 19">
+            <a:extLst>
+              <a:ext uri="{FF2B5EF4-FFF2-40B4-BE49-F238E27FC236}">
+                <a16:creationId xmlns:a16="http://schemas.microsoft.com/office/drawing/2014/main" id="{1127BAC4-65D3-7E33-1B40-FF25DE2732BA}"/>
+              </a:ext>
+            </a:extLst>
+          </p:cNvPr>
+          <p:cNvCxnSpPr>
+            <a:cxnSpLocks/>
+          </p:cNvCxnSpPr>
+          <p:nvPr/>
+        </p:nvCxnSpPr>
+        <p:spPr>
+          <a:xfrm>
+            <a:off x="8972559" y="2116720"/>
+            <a:ext cx="1007136" cy="982849"/>
+          </a:xfrm>
+          <a:prstGeom prst="straightConnector1">
+            <a:avLst/>
+          </a:prstGeom>
+          <a:ln>
+            <a:tailEnd type="triangle"/>
+          </a:ln>
+        </p:spPr>
+        <p:style>
+          <a:lnRef idx="3">
+            <a:schemeClr val="accent4"/>
+          </a:lnRef>
+          <a:fillRef idx="0">
+            <a:schemeClr val="accent4"/>
+          </a:fillRef>
+          <a:effectRef idx="2">
+            <a:schemeClr val="accent4"/>
+          </a:effectRef>
+          <a:fontRef idx="minor">
+            <a:schemeClr val="tx1"/>
+          </a:fontRef>
+        </p:style>
+      </p:cxnSp>
+      <p:sp>
+        <p:nvSpPr>
+          <p:cNvPr id="23" name="TextBox 22">
+            <a:extLst>
+              <a:ext uri="{FF2B5EF4-FFF2-40B4-BE49-F238E27FC236}">
+                <a16:creationId xmlns:a16="http://schemas.microsoft.com/office/drawing/2014/main" id="{DDC91543-22BE-FFF3-6C9A-2A24B1FDB74A}"/>
+              </a:ext>
+            </a:extLst>
+          </p:cNvPr>
+          <p:cNvSpPr txBox="1"/>
+          <p:nvPr/>
+        </p:nvSpPr>
+        <p:spPr>
+          <a:xfrm rot="2041178">
+            <a:off x="9095923" y="2953995"/>
+            <a:ext cx="689113" cy="276999"/>
+          </a:xfrm>
+          <a:prstGeom prst="rect">
+            <a:avLst/>
+          </a:prstGeom>
+          <a:noFill/>
+        </p:spPr>
+        <p:txBody>
+          <a:bodyPr wrap="square" rtlCol="0">
+            <a:spAutoFit/>
+          </a:bodyPr>
+          <a:lstStyle/>
+          <a:p>
+            <a:pPr algn="ctr"/>
+            <a:r>
+              <a:rPr lang="en-US" sz="1200" dirty="0">
+                <a:latin typeface="Ink Free" panose="03080402000500000000" pitchFamily="66" charset="0"/>
+                <a:ea typeface="Cambria Math" panose="02040503050406030204" pitchFamily="18" charset="0"/>
+              </a:rPr>
+              <a:t>3.75</a:t>
+            </a:r>
+          </a:p>
+        </p:txBody>
+      </p:sp>
+      <p:sp>
+        <p:nvSpPr>
+          <p:cNvPr id="32" name="TextBox 31">
+            <a:extLst>
+              <a:ext uri="{FF2B5EF4-FFF2-40B4-BE49-F238E27FC236}">
+                <a16:creationId xmlns:a16="http://schemas.microsoft.com/office/drawing/2014/main" id="{CD5E64DB-389E-2187-D1DD-0D06FA586671}"/>
+              </a:ext>
+            </a:extLst>
+          </p:cNvPr>
+          <p:cNvSpPr txBox="1"/>
+          <p:nvPr/>
+        </p:nvSpPr>
+        <p:spPr>
+          <a:xfrm rot="2652772">
+            <a:off x="9508894" y="2687673"/>
+            <a:ext cx="689113" cy="276999"/>
+          </a:xfrm>
+          <a:prstGeom prst="rect">
+            <a:avLst/>
+          </a:prstGeom>
+          <a:noFill/>
+        </p:spPr>
+        <p:txBody>
+          <a:bodyPr wrap="square" rtlCol="0">
+            <a:spAutoFit/>
+          </a:bodyPr>
+          <a:lstStyle/>
+          <a:p>
+            <a:pPr algn="ctr"/>
+            <a:r>
+              <a:rPr lang="en-US" sz="1200" dirty="0">
+                <a:latin typeface="Ink Free" panose="03080402000500000000" pitchFamily="66" charset="0"/>
+                <a:ea typeface="Cambria Math" panose="02040503050406030204" pitchFamily="18" charset="0"/>
+              </a:rPr>
+              <a:t>1.25</a:t>
+            </a:r>
+          </a:p>
+        </p:txBody>
+      </p:sp>
+      <p:sp>
+        <p:nvSpPr>
+          <p:cNvPr id="3" name="TextBox 2">
+            <a:extLst>
+              <a:ext uri="{FF2B5EF4-FFF2-40B4-BE49-F238E27FC236}">
+                <a16:creationId xmlns:a16="http://schemas.microsoft.com/office/drawing/2014/main" id="{B64A2B27-3FDB-299C-5D80-CBD3F8E06869}"/>
+              </a:ext>
+            </a:extLst>
+          </p:cNvPr>
+          <p:cNvSpPr txBox="1"/>
+          <p:nvPr/>
+        </p:nvSpPr>
+        <p:spPr>
+          <a:xfrm rot="1970635">
+            <a:off x="9116103" y="1330342"/>
+            <a:ext cx="852714" cy="276999"/>
+          </a:xfrm>
+          <a:prstGeom prst="rect">
+            <a:avLst/>
+          </a:prstGeom>
+          <a:noFill/>
+        </p:spPr>
+        <p:txBody>
+          <a:bodyPr wrap="square" rtlCol="0">
+            <a:spAutoFit/>
+          </a:bodyPr>
+          <a:lstStyle/>
+          <a:p>
+            <a:pPr algn="ctr"/>
+            <a:r>
+              <a:rPr lang="en-US" sz="1200" dirty="0">
+                <a:latin typeface="Ink Free" panose="03080402000500000000" pitchFamily="66" charset="0"/>
+                <a:ea typeface="Cambria Math" panose="02040503050406030204" pitchFamily="18" charset="0"/>
+              </a:rPr>
+              <a:t>1.00</a:t>
+            </a:r>
+          </a:p>
+        </p:txBody>
+      </p:sp>
       <p:graphicFrame>
         <p:nvGraphicFramePr>
-          <p:cNvPr id="18" name="Table 17">
-            <a:extLst>
-              <a:ext uri="{FF2B5EF4-FFF2-40B4-BE49-F238E27FC236}">
-                <a16:creationId xmlns:a16="http://schemas.microsoft.com/office/drawing/2014/main" id="{6F369347-FE72-CABF-B5E2-B45D98077AC7}"/>
+          <p:cNvPr id="16" name="Table 15">
+            <a:extLst>
+              <a:ext uri="{FF2B5EF4-FFF2-40B4-BE49-F238E27FC236}">
+                <a16:creationId xmlns:a16="http://schemas.microsoft.com/office/drawing/2014/main" id="{D8D92587-E6CE-E301-E7A7-50CDE6BC331F}"/>
               </a:ext>
             </a:extLst>
           </p:cNvPr>
@@ -6486,13 +7654,13 @@
           <p:nvPr>
             <p:extLst>
               <p:ext uri="{D42A27DB-BD31-4B8C-83A1-F6EECF244321}">
-                <p14:modId xmlns:p14="http://schemas.microsoft.com/office/powerpoint/2010/main" val="1285600329"/>
+                <p14:modId xmlns:p14="http://schemas.microsoft.com/office/powerpoint/2010/main" val="3379242923"/>
               </p:ext>
             </p:extLst>
           </p:nvPr>
         </p:nvGraphicFramePr>
         <p:xfrm>
-          <a:off x="622267" y="370730"/>
+          <a:off x="369566" y="305515"/>
           <a:ext cx="5151264" cy="1371600"/>
         </p:xfrm>
         <a:graphic>
@@ -6533,7 +7701,7 @@
                       <a:pPr algn="ctr"/>
                       <a:r>
                         <a:rPr lang="en-US" dirty="0"/>
-                        <a:t>R: Raphael’s Shopping List</a:t>
+                        <a:t>r: Raphael’s Shopping List</a:t>
                       </a:r>
                     </a:p>
                   </a:txBody>
@@ -6623,7 +7791,7 @@
                       <a:pPr algn="ctr"/>
                       <a:r>
                         <a:rPr lang="en-US" i="1" dirty="0"/>
-                        <a:t>6</a:t>
+                        <a:t>0</a:t>
                       </a:r>
                     </a:p>
                   </a:txBody>
@@ -6669,10 +7837,10 @@
       </p:graphicFrame>
       <p:graphicFrame>
         <p:nvGraphicFramePr>
-          <p:cNvPr id="20" name="Table 19">
-            <a:extLst>
-              <a:ext uri="{FF2B5EF4-FFF2-40B4-BE49-F238E27FC236}">
-                <a16:creationId xmlns:a16="http://schemas.microsoft.com/office/drawing/2014/main" id="{6C4A50AB-B951-5553-C33F-60E70F461F0C}"/>
+          <p:cNvPr id="17" name="Table 16">
+            <a:extLst>
+              <a:ext uri="{FF2B5EF4-FFF2-40B4-BE49-F238E27FC236}">
+                <a16:creationId xmlns:a16="http://schemas.microsoft.com/office/drawing/2014/main" id="{411C87D1-B530-B969-526F-A77D5F142EC5}"/>
               </a:ext>
             </a:extLst>
           </p:cNvPr>
@@ -6682,14 +7850,14 @@
           <p:nvPr>
             <p:extLst>
               <p:ext uri="{D42A27DB-BD31-4B8C-83A1-F6EECF244321}">
-                <p14:modId xmlns:p14="http://schemas.microsoft.com/office/powerpoint/2010/main" val="1486825056"/>
+                <p14:modId xmlns:p14="http://schemas.microsoft.com/office/powerpoint/2010/main" val="3921651660"/>
               </p:ext>
             </p:extLst>
           </p:nvPr>
         </p:nvGraphicFramePr>
         <p:xfrm>
-          <a:off x="648347" y="1860936"/>
-          <a:ext cx="5151264" cy="2318364"/>
+          <a:off x="382606" y="1914198"/>
+          <a:ext cx="5151264" cy="2499831"/>
         </p:xfrm>
         <a:graphic>
           <a:graphicData uri="http://schemas.openxmlformats.org/drawingml/2006/table">
@@ -6698,24 +7866,31 @@
                 <a:tableStyleId>{5C22544A-7EE6-4342-B048-85BDC9FD1C3A}</a:tableStyleId>
               </a:tblPr>
               <a:tblGrid>
-                <a:gridCol w="1717088">
+                <a:gridCol w="1287816">
                   <a:extLst>
                     <a:ext uri="{9D8B030D-6E8A-4147-A177-3AD203B41FA5}">
                       <a16:colId xmlns:a16="http://schemas.microsoft.com/office/drawing/2014/main" val="4092026021"/>
                     </a:ext>
                   </a:extLst>
                 </a:gridCol>
-                <a:gridCol w="1717088">
+                <a:gridCol w="1287816">
                   <a:extLst>
                     <a:ext uri="{9D8B030D-6E8A-4147-A177-3AD203B41FA5}">
                       <a16:colId xmlns:a16="http://schemas.microsoft.com/office/drawing/2014/main" val="3995195705"/>
                     </a:ext>
                   </a:extLst>
                 </a:gridCol>
-                <a:gridCol w="1717088">
+                <a:gridCol w="1287816">
                   <a:extLst>
                     <a:ext uri="{9D8B030D-6E8A-4147-A177-3AD203B41FA5}">
                       <a16:colId xmlns:a16="http://schemas.microsoft.com/office/drawing/2014/main" val="2796921869"/>
+                    </a:ext>
+                  </a:extLst>
+                </a:gridCol>
+                <a:gridCol w="1287816">
+                  <a:extLst>
+                    <a:ext uri="{9D8B030D-6E8A-4147-A177-3AD203B41FA5}">
+                      <a16:colId xmlns:a16="http://schemas.microsoft.com/office/drawing/2014/main" val="2340109040"/>
                     </a:ext>
                   </a:extLst>
                 </a:gridCol>
@@ -6746,9 +7921,29 @@
                     <a:bodyPr/>
                     <a:lstStyle/>
                     <a:p>
+                      <a:pPr algn="ctr"/>
                       <a:r>
                         <a:rPr lang="en-US" dirty="0"/>
-                        <a:t>(e) Giant Eagle</a:t>
+                        <a:t>(e) East End </a:t>
+                      </a:r>
+                      <a:r>
+                        <a:rPr lang="en-US" dirty="0" err="1"/>
+                        <a:t>CoOp</a:t>
+                      </a:r>
+                      <a:endParaRPr lang="en-US" dirty="0"/>
+                    </a:p>
+                  </a:txBody>
+                  <a:tcPr/>
+                </a:tc>
+                <a:tc>
+                  <a:txBody>
+                    <a:bodyPr/>
+                    <a:lstStyle/>
+                    <a:p>
+                      <a:pPr algn="ctr"/>
+                      <a:r>
+                        <a:rPr lang="en-US" dirty="0"/>
+                        <a:t>(f) Food Lion</a:t>
                       </a:r>
                     </a:p>
                   </a:txBody>
@@ -6759,9 +7954,10 @@
                     <a:bodyPr/>
                     <a:lstStyle/>
                     <a:p>
+                      <a:pPr algn="ctr"/>
                       <a:r>
                         <a:rPr lang="en-US" dirty="0"/>
-                        <a:t>(f) Food Lion</a:t>
+                        <a:t>(g) Giant Eagle</a:t>
                       </a:r>
                     </a:p>
                   </a:txBody>
@@ -6779,7 +7975,7 @@
                     <a:bodyPr/>
                     <a:lstStyle/>
                     <a:p>
-                      <a:pPr marL="0" marR="0" lvl="0" indent="0" algn="l" defTabSz="914400" rtl="0" eaLnBrk="1" fontAlgn="auto" latinLnBrk="0" hangingPunct="1">
+                      <a:pPr marL="0" marR="0" lvl="0" indent="0" algn="ctr" defTabSz="914400" rtl="0" eaLnBrk="1" fontAlgn="auto" latinLnBrk="0" hangingPunct="1">
                         <a:lnSpc>
                           <a:spcPct val="100000"/>
                         </a:lnSpc>
@@ -6838,6 +8034,20 @@
                   </a:txBody>
                   <a:tcPr/>
                 </a:tc>
+                <a:tc>
+                  <a:txBody>
+                    <a:bodyPr/>
+                    <a:lstStyle/>
+                    <a:p>
+                      <a:pPr algn="r"/>
+                      <a:r>
+                        <a:rPr lang="en-US" dirty="0"/>
+                        <a:t>1.20</a:t>
+                      </a:r>
+                    </a:p>
+                  </a:txBody>
+                  <a:tcPr/>
+                </a:tc>
                 <a:extLst>
                   <a:ext uri="{0D108BD9-81ED-4DB2-BD59-A6C34878D82A}">
                     <a16:rowId xmlns:a16="http://schemas.microsoft.com/office/drawing/2014/main" val="2897390408"/>
@@ -6850,7 +8060,7 @@
                     <a:bodyPr/>
                     <a:lstStyle/>
                     <a:p>
-                      <a:pPr marL="0" marR="0" lvl="0" indent="0" algn="l" defTabSz="914400" rtl="0" eaLnBrk="1" fontAlgn="auto" latinLnBrk="0" hangingPunct="1">
+                      <a:pPr marL="0" marR="0" lvl="0" indent="0" algn="ctr" defTabSz="914400" rtl="0" eaLnBrk="1" fontAlgn="auto" latinLnBrk="0" hangingPunct="1">
                         <a:lnSpc>
                           <a:spcPct val="100000"/>
                         </a:lnSpc>
@@ -6909,6 +8119,20 @@
                   </a:txBody>
                   <a:tcPr/>
                 </a:tc>
+                <a:tc>
+                  <a:txBody>
+                    <a:bodyPr/>
+                    <a:lstStyle/>
+                    <a:p>
+                      <a:pPr algn="r"/>
+                      <a:r>
+                        <a:rPr lang="en-US" dirty="0"/>
+                        <a:t>1.25</a:t>
+                      </a:r>
+                    </a:p>
+                  </a:txBody>
+                  <a:tcPr/>
+                </a:tc>
                 <a:extLst>
                   <a:ext uri="{0D108BD9-81ED-4DB2-BD59-A6C34878D82A}">
                     <a16:rowId xmlns:a16="http://schemas.microsoft.com/office/drawing/2014/main" val="303163573"/>
@@ -6921,7 +8145,7 @@
                     <a:bodyPr/>
                     <a:lstStyle/>
                     <a:p>
-                      <a:pPr marL="0" marR="0" lvl="0" indent="0" algn="l" defTabSz="914400" rtl="0" eaLnBrk="1" fontAlgn="auto" latinLnBrk="0" hangingPunct="1">
+                      <a:pPr marL="0" marR="0" lvl="0" indent="0" algn="ctr" defTabSz="914400" rtl="0" eaLnBrk="1" fontAlgn="auto" latinLnBrk="0" hangingPunct="1">
                         <a:lnSpc>
                           <a:spcPct val="100000"/>
                         </a:lnSpc>
@@ -6980,6 +8204,24 @@
                   </a:txBody>
                   <a:tcPr/>
                 </a:tc>
+                <a:tc>
+                  <a:txBody>
+                    <a:bodyPr/>
+                    <a:lstStyle/>
+                    <a:p>
+                      <a:pPr algn="r"/>
+                      <a:r>
+                        <a:rPr lang="en-US" dirty="0"/>
+                        <a:t>3.75</a:t>
+                      </a:r>
+                    </a:p>
+                    <a:p>
+                      <a:pPr algn="r"/>
+                      <a:endParaRPr lang="en-US" dirty="0"/>
+                    </a:p>
+                  </a:txBody>
+                  <a:tcPr/>
+                </a:tc>
                 <a:extLst>
                   <a:ext uri="{0D108BD9-81ED-4DB2-BD59-A6C34878D82A}">
                     <a16:rowId xmlns:a16="http://schemas.microsoft.com/office/drawing/2014/main" val="3834278958"/>
@@ -6990,1152 +8232,94 @@
           </a:graphicData>
         </a:graphic>
       </p:graphicFrame>
-      <p:grpSp>
-        <p:nvGrpSpPr>
-          <p:cNvPr id="37" name="Group 36">
-            <a:extLst>
-              <a:ext uri="{FF2B5EF4-FFF2-40B4-BE49-F238E27FC236}">
-                <a16:creationId xmlns:a16="http://schemas.microsoft.com/office/drawing/2014/main" id="{E81BF540-E0D9-3F46-6369-F1ED35827678}"/>
-              </a:ext>
-            </a:extLst>
-          </p:cNvPr>
-          <p:cNvGrpSpPr/>
+      <p:cxnSp>
+        <p:nvCxnSpPr>
+          <p:cNvPr id="22" name="Straight Arrow Connector 21">
+            <a:extLst>
+              <a:ext uri="{FF2B5EF4-FFF2-40B4-BE49-F238E27FC236}">
+                <a16:creationId xmlns:a16="http://schemas.microsoft.com/office/drawing/2014/main" id="{0BF20185-E255-8F6F-7B7C-1D7609201166}"/>
+              </a:ext>
+            </a:extLst>
+          </p:cNvPr>
+          <p:cNvCxnSpPr>
+            <a:cxnSpLocks/>
+          </p:cNvCxnSpPr>
           <p:nvPr/>
-        </p:nvGrpSpPr>
-        <p:grpSpPr>
+        </p:nvCxnSpPr>
+        <p:spPr>
           <a:xfrm>
-            <a:off x="6769152" y="1124616"/>
-            <a:ext cx="3167156" cy="2330751"/>
-            <a:chOff x="6891717" y="1636878"/>
-            <a:chExt cx="3167156" cy="2330751"/>
-          </a:xfrm>
-        </p:grpSpPr>
-        <p:grpSp>
-          <p:nvGrpSpPr>
-            <p:cNvPr id="19" name="Group 18">
-              <a:extLst>
-                <a:ext uri="{FF2B5EF4-FFF2-40B4-BE49-F238E27FC236}">
-                  <a16:creationId xmlns:a16="http://schemas.microsoft.com/office/drawing/2014/main" id="{D32986BB-53B2-5EBA-4BD5-B12E1C4CE448}"/>
-                </a:ext>
-              </a:extLst>
-            </p:cNvPr>
-            <p:cNvGrpSpPr/>
-            <p:nvPr/>
-          </p:nvGrpSpPr>
-          <p:grpSpPr>
-            <a:xfrm>
-              <a:off x="6891717" y="1636878"/>
-              <a:ext cx="3167156" cy="2330751"/>
-              <a:chOff x="888482" y="1281404"/>
-              <a:chExt cx="3167156" cy="2330751"/>
-            </a:xfrm>
-          </p:grpSpPr>
-          <p:sp>
-            <p:nvSpPr>
-              <p:cNvPr id="6" name="Rectangle 5">
-                <a:extLst>
-                  <a:ext uri="{FF2B5EF4-FFF2-40B4-BE49-F238E27FC236}">
-                    <a16:creationId xmlns:a16="http://schemas.microsoft.com/office/drawing/2014/main" id="{1963FADF-34F3-281C-4475-C689C80ABC87}"/>
-                  </a:ext>
-                </a:extLst>
-              </p:cNvPr>
-              <p:cNvSpPr/>
-              <p:nvPr/>
-            </p:nvSpPr>
-            <p:spPr>
-              <a:xfrm>
-                <a:off x="888483" y="1281404"/>
-                <a:ext cx="1029206" cy="392790"/>
-              </a:xfrm>
-              <a:prstGeom prst="rect">
-                <a:avLst/>
-              </a:prstGeom>
-              <a:solidFill>
-                <a:schemeClr val="bg1"/>
-              </a:solidFill>
-              <a:ln>
-                <a:noFill/>
-              </a:ln>
-            </p:spPr>
-            <p:style>
-              <a:lnRef idx="2">
-                <a:schemeClr val="accent1">
-                  <a:shade val="15000"/>
-                </a:schemeClr>
-              </a:lnRef>
-              <a:fillRef idx="1">
-                <a:schemeClr val="accent1"/>
-              </a:fillRef>
-              <a:effectRef idx="0">
-                <a:schemeClr val="accent1"/>
-              </a:effectRef>
-              <a:fontRef idx="minor">
-                <a:schemeClr val="lt1"/>
-              </a:fontRef>
-            </p:style>
-            <p:txBody>
-              <a:bodyPr rtlCol="0" anchor="ctr"/>
-              <a:lstStyle/>
-              <a:p>
-                <a:pPr algn="ctr"/>
-                <a:endParaRPr lang="en-US"/>
-              </a:p>
-            </p:txBody>
-          </p:sp>
-          <p:sp>
-            <p:nvSpPr>
-              <p:cNvPr id="7" name="Rectangle 6">
-                <a:extLst>
-                  <a:ext uri="{FF2B5EF4-FFF2-40B4-BE49-F238E27FC236}">
-                    <a16:creationId xmlns:a16="http://schemas.microsoft.com/office/drawing/2014/main" id="{6493B70C-861C-44FD-FAA0-043E61048643}"/>
-                  </a:ext>
-                </a:extLst>
-              </p:cNvPr>
-              <p:cNvSpPr/>
-              <p:nvPr/>
-            </p:nvSpPr>
-            <p:spPr>
-              <a:xfrm>
-                <a:off x="888482" y="2273198"/>
-                <a:ext cx="1029206" cy="392790"/>
-              </a:xfrm>
-              <a:prstGeom prst="rect">
-                <a:avLst/>
-              </a:prstGeom>
-              <a:solidFill>
-                <a:schemeClr val="bg1"/>
-              </a:solidFill>
-              <a:ln>
-                <a:noFill/>
-              </a:ln>
-            </p:spPr>
-            <p:style>
-              <a:lnRef idx="2">
-                <a:schemeClr val="accent1">
-                  <a:shade val="15000"/>
-                </a:schemeClr>
-              </a:lnRef>
-              <a:fillRef idx="1">
-                <a:schemeClr val="accent1"/>
-              </a:fillRef>
-              <a:effectRef idx="0">
-                <a:schemeClr val="accent1"/>
-              </a:effectRef>
-              <a:fontRef idx="minor">
-                <a:schemeClr val="lt1"/>
-              </a:fontRef>
-            </p:style>
-            <p:txBody>
-              <a:bodyPr rtlCol="0" anchor="ctr"/>
-              <a:lstStyle/>
-              <a:p>
-                <a:pPr algn="ctr"/>
-                <a:endParaRPr lang="en-US"/>
-              </a:p>
-            </p:txBody>
-          </p:sp>
-          <p:sp>
-            <p:nvSpPr>
-              <p:cNvPr id="24" name="TextBox 23">
-                <a:extLst>
-                  <a:ext uri="{FF2B5EF4-FFF2-40B4-BE49-F238E27FC236}">
-                    <a16:creationId xmlns:a16="http://schemas.microsoft.com/office/drawing/2014/main" id="{0B82F14A-FDA5-A813-36A3-CEAA9F30CFDB}"/>
-                  </a:ext>
-                </a:extLst>
-              </p:cNvPr>
-              <p:cNvSpPr txBox="1"/>
-              <p:nvPr/>
-            </p:nvSpPr>
-            <p:spPr>
-              <a:xfrm>
-                <a:off x="2323433" y="1383871"/>
-                <a:ext cx="263077" cy="273672"/>
-              </a:xfrm>
-              <a:prstGeom prst="rect">
-                <a:avLst/>
-              </a:prstGeom>
-            </p:spPr>
-            <p:style>
-              <a:lnRef idx="1">
-                <a:schemeClr val="accent1"/>
-              </a:lnRef>
-              <a:fillRef idx="3">
-                <a:schemeClr val="accent1"/>
-              </a:fillRef>
-              <a:effectRef idx="2">
-                <a:schemeClr val="accent1"/>
-              </a:effectRef>
-              <a:fontRef idx="minor">
-                <a:schemeClr val="lt1"/>
-              </a:fontRef>
-            </p:style>
-            <p:txBody>
-              <a:bodyPr wrap="square" rtlCol="0">
-                <a:spAutoFit/>
-              </a:bodyPr>
-              <a:lstStyle/>
-              <a:p>
-                <a:r>
-                  <a:rPr lang="en-US" i="1" dirty="0"/>
-                  <a:t>a</a:t>
-                </a:r>
-              </a:p>
-            </p:txBody>
-          </p:sp>
-          <p:sp>
-            <p:nvSpPr>
-              <p:cNvPr id="25" name="TextBox 24">
-                <a:extLst>
-                  <a:ext uri="{FF2B5EF4-FFF2-40B4-BE49-F238E27FC236}">
-                    <a16:creationId xmlns:a16="http://schemas.microsoft.com/office/drawing/2014/main" id="{6AA21C72-3AC7-6DD0-63AB-8C493A67CEB6}"/>
-                  </a:ext>
-                </a:extLst>
-              </p:cNvPr>
-              <p:cNvSpPr txBox="1"/>
-              <p:nvPr/>
-            </p:nvSpPr>
-            <p:spPr>
-              <a:xfrm>
-                <a:off x="2337729" y="2238771"/>
-                <a:ext cx="277879" cy="369332"/>
-              </a:xfrm>
-              <a:prstGeom prst="rect">
-                <a:avLst/>
-              </a:prstGeom>
-            </p:spPr>
-            <p:style>
-              <a:lnRef idx="1">
-                <a:schemeClr val="accent1"/>
-              </a:lnRef>
-              <a:fillRef idx="3">
-                <a:schemeClr val="accent1"/>
-              </a:fillRef>
-              <a:effectRef idx="2">
-                <a:schemeClr val="accent1"/>
-              </a:effectRef>
-              <a:fontRef idx="minor">
-                <a:schemeClr val="lt1"/>
-              </a:fontRef>
-            </p:style>
-            <p:txBody>
-              <a:bodyPr wrap="square" rtlCol="0">
-                <a:spAutoFit/>
-              </a:bodyPr>
-              <a:lstStyle/>
-              <a:p>
-                <a:r>
-                  <a:rPr lang="en-US" i="1" dirty="0"/>
-                  <a:t>b</a:t>
-                </a:r>
-              </a:p>
-            </p:txBody>
-          </p:sp>
-          <p:sp>
-            <p:nvSpPr>
-              <p:cNvPr id="26" name="TextBox 25">
-                <a:extLst>
-                  <a:ext uri="{FF2B5EF4-FFF2-40B4-BE49-F238E27FC236}">
-                    <a16:creationId xmlns:a16="http://schemas.microsoft.com/office/drawing/2014/main" id="{8DD02333-8504-BE3B-2F45-3110635539B6}"/>
-                  </a:ext>
-                </a:extLst>
-              </p:cNvPr>
-              <p:cNvSpPr txBox="1"/>
-              <p:nvPr/>
-            </p:nvSpPr>
-            <p:spPr>
-              <a:xfrm>
-                <a:off x="2303173" y="3242823"/>
-                <a:ext cx="326607" cy="369332"/>
-              </a:xfrm>
-              <a:prstGeom prst="rect">
-                <a:avLst/>
-              </a:prstGeom>
-            </p:spPr>
-            <p:style>
-              <a:lnRef idx="1">
-                <a:schemeClr val="accent1"/>
-              </a:lnRef>
-              <a:fillRef idx="3">
-                <a:schemeClr val="accent1"/>
-              </a:fillRef>
-              <a:effectRef idx="2">
-                <a:schemeClr val="accent1"/>
-              </a:effectRef>
-              <a:fontRef idx="minor">
-                <a:schemeClr val="lt1"/>
-              </a:fontRef>
-            </p:style>
-            <p:txBody>
-              <a:bodyPr wrap="square" rtlCol="0">
-                <a:spAutoFit/>
-              </a:bodyPr>
-              <a:lstStyle/>
-              <a:p>
-                <a:r>
-                  <a:rPr lang="en-US" i="1" dirty="0"/>
-                  <a:t>c</a:t>
-                </a:r>
-              </a:p>
-            </p:txBody>
-          </p:sp>
-          <p:sp>
-            <p:nvSpPr>
-              <p:cNvPr id="27" name="TextBox 26">
-                <a:extLst>
-                  <a:ext uri="{FF2B5EF4-FFF2-40B4-BE49-F238E27FC236}">
-                    <a16:creationId xmlns:a16="http://schemas.microsoft.com/office/drawing/2014/main" id="{048D8079-2044-83C0-B50B-579FE89EE15B}"/>
-                  </a:ext>
-                </a:extLst>
-              </p:cNvPr>
-              <p:cNvSpPr txBox="1"/>
-              <p:nvPr/>
-            </p:nvSpPr>
-            <p:spPr>
-              <a:xfrm>
-                <a:off x="3756561" y="1910507"/>
-                <a:ext cx="299077" cy="369332"/>
-              </a:xfrm>
-              <a:prstGeom prst="rect">
-                <a:avLst/>
-              </a:prstGeom>
-            </p:spPr>
-            <p:style>
-              <a:lnRef idx="1">
-                <a:schemeClr val="accent1"/>
-              </a:lnRef>
-              <a:fillRef idx="3">
-                <a:schemeClr val="accent1"/>
-              </a:fillRef>
-              <a:effectRef idx="2">
-                <a:schemeClr val="accent1"/>
-              </a:effectRef>
-              <a:fontRef idx="minor">
-                <a:schemeClr val="lt1"/>
-              </a:fontRef>
-            </p:style>
-            <p:txBody>
-              <a:bodyPr wrap="square" rtlCol="0">
-                <a:spAutoFit/>
-              </a:bodyPr>
-              <a:lstStyle/>
-              <a:p>
-                <a:r>
-                  <a:rPr lang="en-US" i="1" dirty="0"/>
-                  <a:t>e</a:t>
-                </a:r>
-              </a:p>
-            </p:txBody>
-          </p:sp>
-          <p:sp>
-            <p:nvSpPr>
-              <p:cNvPr id="28" name="TextBox 27">
-                <a:extLst>
-                  <a:ext uri="{FF2B5EF4-FFF2-40B4-BE49-F238E27FC236}">
-                    <a16:creationId xmlns:a16="http://schemas.microsoft.com/office/drawing/2014/main" id="{B75D505E-0B3A-8DED-39FA-C9EA37622572}"/>
-                  </a:ext>
-                </a:extLst>
-              </p:cNvPr>
-              <p:cNvSpPr txBox="1"/>
-              <p:nvPr/>
-            </p:nvSpPr>
-            <p:spPr>
-              <a:xfrm>
-                <a:off x="3756560" y="2698540"/>
-                <a:ext cx="299077" cy="369332"/>
-              </a:xfrm>
-              <a:prstGeom prst="rect">
-                <a:avLst/>
-              </a:prstGeom>
-            </p:spPr>
-            <p:style>
-              <a:lnRef idx="1">
-                <a:schemeClr val="accent1"/>
-              </a:lnRef>
-              <a:fillRef idx="3">
-                <a:schemeClr val="accent1"/>
-              </a:fillRef>
-              <a:effectRef idx="2">
-                <a:schemeClr val="accent1"/>
-              </a:effectRef>
-              <a:fontRef idx="minor">
-                <a:schemeClr val="lt1"/>
-              </a:fontRef>
-            </p:style>
-            <p:txBody>
-              <a:bodyPr wrap="square" rtlCol="0">
-                <a:spAutoFit/>
-              </a:bodyPr>
-              <a:lstStyle/>
-              <a:p>
-                <a:r>
-                  <a:rPr lang="en-US" i="1" dirty="0"/>
-                  <a:t>f</a:t>
-                </a:r>
-              </a:p>
-            </p:txBody>
-          </p:sp>
-          <p:sp>
-            <p:nvSpPr>
-              <p:cNvPr id="29" name="TextBox 28">
-                <a:extLst>
-                  <a:ext uri="{FF2B5EF4-FFF2-40B4-BE49-F238E27FC236}">
-                    <a16:creationId xmlns:a16="http://schemas.microsoft.com/office/drawing/2014/main" id="{ACD1FAD0-2B0E-E981-F351-F872C404CEA1}"/>
-                  </a:ext>
-                </a:extLst>
-              </p:cNvPr>
-              <p:cNvSpPr txBox="1"/>
-              <p:nvPr/>
-            </p:nvSpPr>
-            <p:spPr>
-              <a:xfrm>
-                <a:off x="1127487" y="1973991"/>
-                <a:ext cx="263077" cy="369332"/>
-              </a:xfrm>
-              <a:prstGeom prst="rect">
-                <a:avLst/>
-              </a:prstGeom>
-            </p:spPr>
-            <p:style>
-              <a:lnRef idx="1">
-                <a:schemeClr val="accent1"/>
-              </a:lnRef>
-              <a:fillRef idx="3">
-                <a:schemeClr val="accent1"/>
-              </a:fillRef>
-              <a:effectRef idx="2">
-                <a:schemeClr val="accent1"/>
-              </a:effectRef>
-              <a:fontRef idx="minor">
-                <a:schemeClr val="lt1"/>
-              </a:fontRef>
-            </p:style>
-            <p:txBody>
-              <a:bodyPr wrap="square" rtlCol="0">
-                <a:spAutoFit/>
-              </a:bodyPr>
-              <a:lstStyle/>
-              <a:p>
-                <a:r>
-                  <a:rPr lang="en-US" i="1" dirty="0"/>
-                  <a:t>r</a:t>
-                </a:r>
-              </a:p>
-            </p:txBody>
-          </p:sp>
-          <p:cxnSp>
-            <p:nvCxnSpPr>
-              <p:cNvPr id="70" name="Straight Arrow Connector 69">
-                <a:extLst>
-                  <a:ext uri="{FF2B5EF4-FFF2-40B4-BE49-F238E27FC236}">
-                    <a16:creationId xmlns:a16="http://schemas.microsoft.com/office/drawing/2014/main" id="{00060097-57A1-7ADB-26FF-74AAC175B444}"/>
-                  </a:ext>
-                </a:extLst>
-              </p:cNvPr>
-              <p:cNvCxnSpPr>
-                <a:cxnSpLocks/>
-              </p:cNvCxnSpPr>
-              <p:nvPr/>
-            </p:nvCxnSpPr>
-            <p:spPr>
-              <a:xfrm flipV="1">
-                <a:off x="1457280" y="1639660"/>
-                <a:ext cx="758914" cy="444663"/>
-              </a:xfrm>
-              <a:prstGeom prst="straightConnector1">
-                <a:avLst/>
-              </a:prstGeom>
-              <a:ln>
-                <a:tailEnd type="triangle"/>
-              </a:ln>
-            </p:spPr>
-            <p:style>
-              <a:lnRef idx="3">
-                <a:schemeClr val="accent4"/>
-              </a:lnRef>
-              <a:fillRef idx="0">
-                <a:schemeClr val="accent4"/>
-              </a:fillRef>
-              <a:effectRef idx="2">
-                <a:schemeClr val="accent4"/>
-              </a:effectRef>
-              <a:fontRef idx="minor">
-                <a:schemeClr val="tx1"/>
-              </a:fontRef>
-            </p:style>
-          </p:cxnSp>
-          <p:cxnSp>
-            <p:nvCxnSpPr>
-              <p:cNvPr id="75" name="Straight Arrow Connector 74">
-                <a:extLst>
-                  <a:ext uri="{FF2B5EF4-FFF2-40B4-BE49-F238E27FC236}">
-                    <a16:creationId xmlns:a16="http://schemas.microsoft.com/office/drawing/2014/main" id="{B92B3D4C-66AF-9489-C797-C21910F870EA}"/>
-                  </a:ext>
-                </a:extLst>
-              </p:cNvPr>
-              <p:cNvCxnSpPr>
-                <a:cxnSpLocks/>
-              </p:cNvCxnSpPr>
-              <p:nvPr/>
-            </p:nvCxnSpPr>
-            <p:spPr>
-              <a:xfrm>
-                <a:off x="1446090" y="2221159"/>
-                <a:ext cx="812451" cy="248434"/>
-              </a:xfrm>
-              <a:prstGeom prst="straightConnector1">
-                <a:avLst/>
-              </a:prstGeom>
-              <a:ln>
-                <a:tailEnd type="triangle"/>
-              </a:ln>
-            </p:spPr>
-            <p:style>
-              <a:lnRef idx="3">
-                <a:schemeClr val="accent4"/>
-              </a:lnRef>
-              <a:fillRef idx="0">
-                <a:schemeClr val="accent4"/>
-              </a:fillRef>
-              <a:effectRef idx="2">
-                <a:schemeClr val="accent4"/>
-              </a:effectRef>
-              <a:fontRef idx="minor">
-                <a:schemeClr val="tx1"/>
-              </a:fontRef>
-            </p:style>
-          </p:cxnSp>
-          <p:grpSp>
-            <p:nvGrpSpPr>
-              <p:cNvPr id="81" name="Group 80">
-                <a:extLst>
-                  <a:ext uri="{FF2B5EF4-FFF2-40B4-BE49-F238E27FC236}">
-                    <a16:creationId xmlns:a16="http://schemas.microsoft.com/office/drawing/2014/main" id="{6255EA39-71D5-E499-77DE-121F809FB954}"/>
-                  </a:ext>
-                </a:extLst>
-              </p:cNvPr>
-              <p:cNvGrpSpPr/>
-              <p:nvPr/>
-            </p:nvGrpSpPr>
-            <p:grpSpPr>
-              <a:xfrm>
-                <a:off x="1457280" y="1563784"/>
-                <a:ext cx="2273987" cy="1863705"/>
-                <a:chOff x="7752063" y="1399086"/>
-                <a:chExt cx="2273987" cy="1863705"/>
-              </a:xfrm>
-            </p:grpSpPr>
-            <p:cxnSp>
-              <p:nvCxnSpPr>
-                <p:cNvPr id="71" name="Straight Arrow Connector 70">
-                  <a:extLst>
-                    <a:ext uri="{FF2B5EF4-FFF2-40B4-BE49-F238E27FC236}">
-                      <a16:creationId xmlns:a16="http://schemas.microsoft.com/office/drawing/2014/main" id="{1297B0B6-4F41-54DA-EDBE-8E4D32CF20E7}"/>
-                    </a:ext>
-                  </a:extLst>
-                </p:cNvPr>
-                <p:cNvCxnSpPr>
-                  <a:cxnSpLocks/>
-                  <a:endCxn id="26" idx="1"/>
-                </p:cNvCxnSpPr>
-                <p:nvPr/>
-              </p:nvCxnSpPr>
-              <p:spPr>
-                <a:xfrm>
-                  <a:off x="7752063" y="2219422"/>
-                  <a:ext cx="845893" cy="1043369"/>
-                </a:xfrm>
-                <a:prstGeom prst="straightConnector1">
-                  <a:avLst/>
-                </a:prstGeom>
-                <a:ln>
-                  <a:tailEnd type="triangle"/>
-                </a:ln>
-              </p:spPr>
-              <p:style>
-                <a:lnRef idx="3">
-                  <a:schemeClr val="accent4"/>
-                </a:lnRef>
-                <a:fillRef idx="0">
-                  <a:schemeClr val="accent4"/>
-                </a:fillRef>
-                <a:effectRef idx="2">
-                  <a:schemeClr val="accent4"/>
-                </a:effectRef>
-                <a:fontRef idx="minor">
-                  <a:schemeClr val="tx1"/>
-                </a:fontRef>
-              </p:style>
-            </p:cxnSp>
-            <p:cxnSp>
-              <p:nvCxnSpPr>
-                <p:cNvPr id="77" name="Straight Arrow Connector 76">
-                  <a:extLst>
-                    <a:ext uri="{FF2B5EF4-FFF2-40B4-BE49-F238E27FC236}">
-                      <a16:creationId xmlns:a16="http://schemas.microsoft.com/office/drawing/2014/main" id="{421A3A97-A618-A912-7D86-B170DF9E594A}"/>
-                    </a:ext>
-                  </a:extLst>
-                </p:cNvPr>
-                <p:cNvCxnSpPr>
-                  <a:cxnSpLocks/>
-                </p:cNvCxnSpPr>
-                <p:nvPr/>
-              </p:nvCxnSpPr>
-              <p:spPr>
-                <a:xfrm>
-                  <a:off x="8966361" y="1452386"/>
-                  <a:ext cx="1059689" cy="1176257"/>
-                </a:xfrm>
-                <a:prstGeom prst="straightConnector1">
-                  <a:avLst/>
-                </a:prstGeom>
-                <a:ln>
-                  <a:tailEnd type="triangle"/>
-                </a:ln>
-              </p:spPr>
-              <p:style>
-                <a:lnRef idx="3">
-                  <a:schemeClr val="accent4"/>
-                </a:lnRef>
-                <a:fillRef idx="0">
-                  <a:schemeClr val="accent4"/>
-                </a:fillRef>
-                <a:effectRef idx="2">
-                  <a:schemeClr val="accent4"/>
-                </a:effectRef>
-                <a:fontRef idx="minor">
-                  <a:schemeClr val="tx1"/>
-                </a:fontRef>
-              </p:style>
-            </p:cxnSp>
-            <p:cxnSp>
-              <p:nvCxnSpPr>
-                <p:cNvPr id="79" name="Straight Arrow Connector 78">
-                  <a:extLst>
-                    <a:ext uri="{FF2B5EF4-FFF2-40B4-BE49-F238E27FC236}">
-                      <a16:creationId xmlns:a16="http://schemas.microsoft.com/office/drawing/2014/main" id="{91B848F9-FA36-8BDB-2FEC-FEDEE8151A96}"/>
-                    </a:ext>
-                  </a:extLst>
-                </p:cNvPr>
-                <p:cNvCxnSpPr>
-                  <a:cxnSpLocks/>
-                </p:cNvCxnSpPr>
-                <p:nvPr/>
-              </p:nvCxnSpPr>
-              <p:spPr>
-                <a:xfrm>
-                  <a:off x="8989162" y="1399086"/>
-                  <a:ext cx="965239" cy="506612"/>
-                </a:xfrm>
-                <a:prstGeom prst="straightConnector1">
-                  <a:avLst/>
-                </a:prstGeom>
-                <a:ln>
-                  <a:tailEnd type="triangle"/>
-                </a:ln>
-              </p:spPr>
-              <p:style>
-                <a:lnRef idx="3">
-                  <a:schemeClr val="accent4"/>
-                </a:lnRef>
-                <a:fillRef idx="0">
-                  <a:schemeClr val="accent4"/>
-                </a:fillRef>
-                <a:effectRef idx="2">
-                  <a:schemeClr val="accent4"/>
-                </a:effectRef>
-                <a:fontRef idx="minor">
-                  <a:schemeClr val="tx1"/>
-                </a:fontRef>
-              </p:style>
-            </p:cxnSp>
-          </p:grpSp>
-          <p:cxnSp>
-            <p:nvCxnSpPr>
-              <p:cNvPr id="83" name="Straight Arrow Connector 82">
-                <a:extLst>
-                  <a:ext uri="{FF2B5EF4-FFF2-40B4-BE49-F238E27FC236}">
-                    <a16:creationId xmlns:a16="http://schemas.microsoft.com/office/drawing/2014/main" id="{CDFCF51A-A255-56A3-A769-A1B12B7D0DE8}"/>
-                  </a:ext>
-                </a:extLst>
-              </p:cNvPr>
-              <p:cNvCxnSpPr>
-                <a:cxnSpLocks/>
-              </p:cNvCxnSpPr>
-              <p:nvPr/>
-            </p:nvCxnSpPr>
-            <p:spPr>
-              <a:xfrm>
-                <a:off x="2694379" y="2528512"/>
-                <a:ext cx="1023228" cy="390822"/>
-              </a:xfrm>
-              <a:prstGeom prst="straightConnector1">
-                <a:avLst/>
-              </a:prstGeom>
-              <a:ln>
-                <a:tailEnd type="triangle"/>
-              </a:ln>
-            </p:spPr>
-            <p:style>
-              <a:lnRef idx="3">
-                <a:schemeClr val="accent4"/>
-              </a:lnRef>
-              <a:fillRef idx="0">
-                <a:schemeClr val="accent4"/>
-              </a:fillRef>
-              <a:effectRef idx="2">
-                <a:schemeClr val="accent4"/>
-              </a:effectRef>
-              <a:fontRef idx="minor">
-                <a:schemeClr val="tx1"/>
-              </a:fontRef>
-            </p:style>
-          </p:cxnSp>
-          <p:cxnSp>
-            <p:nvCxnSpPr>
-              <p:cNvPr id="84" name="Straight Arrow Connector 83">
-                <a:extLst>
-                  <a:ext uri="{FF2B5EF4-FFF2-40B4-BE49-F238E27FC236}">
-                    <a16:creationId xmlns:a16="http://schemas.microsoft.com/office/drawing/2014/main" id="{80B812CD-DAFC-9B2C-5CA3-27282BBF793A}"/>
-                  </a:ext>
-                </a:extLst>
-              </p:cNvPr>
-              <p:cNvCxnSpPr>
-                <a:cxnSpLocks/>
-              </p:cNvCxnSpPr>
-              <p:nvPr/>
-            </p:nvCxnSpPr>
-            <p:spPr>
-              <a:xfrm flipV="1">
-                <a:off x="2680867" y="2296584"/>
-                <a:ext cx="978751" cy="989500"/>
-              </a:xfrm>
-              <a:prstGeom prst="straightConnector1">
-                <a:avLst/>
-              </a:prstGeom>
-              <a:ln>
-                <a:tailEnd type="triangle"/>
-              </a:ln>
-            </p:spPr>
-            <p:style>
-              <a:lnRef idx="3">
-                <a:schemeClr val="accent4"/>
-              </a:lnRef>
-              <a:fillRef idx="0">
-                <a:schemeClr val="accent4"/>
-              </a:fillRef>
-              <a:effectRef idx="2">
-                <a:schemeClr val="accent4"/>
-              </a:effectRef>
-              <a:fontRef idx="minor">
-                <a:schemeClr val="tx1"/>
-              </a:fontRef>
-            </p:style>
-          </p:cxnSp>
-          <p:cxnSp>
-            <p:nvCxnSpPr>
-              <p:cNvPr id="85" name="Straight Arrow Connector 84">
-                <a:extLst>
-                  <a:ext uri="{FF2B5EF4-FFF2-40B4-BE49-F238E27FC236}">
-                    <a16:creationId xmlns:a16="http://schemas.microsoft.com/office/drawing/2014/main" id="{AB737E55-E581-7F86-2E10-7CCDEA9CCF48}"/>
-                  </a:ext>
-                </a:extLst>
-              </p:cNvPr>
-              <p:cNvCxnSpPr>
-                <a:cxnSpLocks/>
-              </p:cNvCxnSpPr>
-              <p:nvPr/>
-            </p:nvCxnSpPr>
-            <p:spPr>
-              <a:xfrm flipV="1">
-                <a:off x="2694379" y="2184347"/>
-                <a:ext cx="965239" cy="246574"/>
-              </a:xfrm>
-              <a:prstGeom prst="straightConnector1">
-                <a:avLst/>
-              </a:prstGeom>
-              <a:ln>
-                <a:tailEnd type="triangle"/>
-              </a:ln>
-            </p:spPr>
-            <p:style>
-              <a:lnRef idx="3">
-                <a:schemeClr val="accent4"/>
-              </a:lnRef>
-              <a:fillRef idx="0">
-                <a:schemeClr val="accent4"/>
-              </a:fillRef>
-              <a:effectRef idx="2">
-                <a:schemeClr val="accent4"/>
-              </a:effectRef>
-              <a:fontRef idx="minor">
-                <a:schemeClr val="tx1"/>
-              </a:fontRef>
-            </p:style>
-          </p:cxnSp>
-          <p:cxnSp>
-            <p:nvCxnSpPr>
-              <p:cNvPr id="5" name="Straight Arrow Connector 4">
-                <a:extLst>
-                  <a:ext uri="{FF2B5EF4-FFF2-40B4-BE49-F238E27FC236}">
-                    <a16:creationId xmlns:a16="http://schemas.microsoft.com/office/drawing/2014/main" id="{F0757F9C-BBBE-2935-740D-E3D54F038731}"/>
-                  </a:ext>
-                </a:extLst>
-              </p:cNvPr>
-              <p:cNvCxnSpPr>
-                <a:cxnSpLocks/>
-              </p:cNvCxnSpPr>
-              <p:nvPr/>
-            </p:nvCxnSpPr>
-            <p:spPr>
-              <a:xfrm flipV="1">
-                <a:off x="2656284" y="3054681"/>
-                <a:ext cx="1029838" cy="386060"/>
-              </a:xfrm>
-              <a:prstGeom prst="straightConnector1">
-                <a:avLst/>
-              </a:prstGeom>
-              <a:ln>
-                <a:tailEnd type="triangle"/>
-              </a:ln>
-            </p:spPr>
-            <p:style>
-              <a:lnRef idx="3">
-                <a:schemeClr val="accent4"/>
-              </a:lnRef>
-              <a:fillRef idx="0">
-                <a:schemeClr val="accent4"/>
-              </a:fillRef>
-              <a:effectRef idx="2">
-                <a:schemeClr val="accent4"/>
-              </a:effectRef>
-              <a:fontRef idx="minor">
-                <a:schemeClr val="tx1"/>
-              </a:fontRef>
-            </p:style>
-          </p:cxnSp>
-        </p:grpSp>
-        <p:sp>
-          <p:nvSpPr>
-            <p:cNvPr id="21" name="TextBox 20">
-              <a:extLst>
-                <a:ext uri="{FF2B5EF4-FFF2-40B4-BE49-F238E27FC236}">
-                  <a16:creationId xmlns:a16="http://schemas.microsoft.com/office/drawing/2014/main" id="{8E5DF9ED-C268-A2D2-841D-1363F541F497}"/>
-                </a:ext>
-              </a:extLst>
-            </p:cNvPr>
-            <p:cNvSpPr txBox="1"/>
-            <p:nvPr/>
-          </p:nvSpPr>
-          <p:spPr>
-            <a:xfrm>
-              <a:off x="7688310" y="1795769"/>
-              <a:ext cx="286233" cy="369332"/>
-            </a:xfrm>
-            <a:prstGeom prst="rect">
-              <a:avLst/>
-            </a:prstGeom>
-            <a:noFill/>
-          </p:spPr>
-          <p:txBody>
-            <a:bodyPr wrap="square" rtlCol="0">
-              <a:spAutoFit/>
-            </a:bodyPr>
-            <a:lstStyle/>
-            <a:p>
-              <a:r>
-                <a:rPr lang="en-US" dirty="0"/>
-                <a:t>6</a:t>
-              </a:r>
-            </a:p>
-          </p:txBody>
-        </p:sp>
-        <p:sp>
-          <p:nvSpPr>
-            <p:cNvPr id="22" name="TextBox 21">
-              <a:extLst>
-                <a:ext uri="{FF2B5EF4-FFF2-40B4-BE49-F238E27FC236}">
-                  <a16:creationId xmlns:a16="http://schemas.microsoft.com/office/drawing/2014/main" id="{A525A2E1-5D32-A1EF-7DD2-744D77CD8791}"/>
-                </a:ext>
-              </a:extLst>
-            </p:cNvPr>
-            <p:cNvSpPr txBox="1"/>
-            <p:nvPr/>
-          </p:nvSpPr>
-          <p:spPr>
-            <a:xfrm>
-              <a:off x="7787095" y="2347464"/>
-              <a:ext cx="286233" cy="369332"/>
-            </a:xfrm>
-            <a:prstGeom prst="rect">
-              <a:avLst/>
-            </a:prstGeom>
-            <a:noFill/>
-          </p:spPr>
-          <p:txBody>
-            <a:bodyPr wrap="square" rtlCol="0">
-              <a:spAutoFit/>
-            </a:bodyPr>
-            <a:lstStyle/>
-            <a:p>
-              <a:r>
-                <a:rPr lang="en-US" dirty="0"/>
-                <a:t>1</a:t>
-              </a:r>
-            </a:p>
-          </p:txBody>
-        </p:sp>
-        <p:sp>
-          <p:nvSpPr>
-            <p:cNvPr id="23" name="TextBox 22">
-              <a:extLst>
-                <a:ext uri="{FF2B5EF4-FFF2-40B4-BE49-F238E27FC236}">
-                  <a16:creationId xmlns:a16="http://schemas.microsoft.com/office/drawing/2014/main" id="{D93EB953-B9AE-D4B7-B7A4-99C1298F47D1}"/>
-                </a:ext>
-              </a:extLst>
-            </p:cNvPr>
-            <p:cNvSpPr txBox="1"/>
-            <p:nvPr/>
-          </p:nvSpPr>
-          <p:spPr>
-            <a:xfrm>
-              <a:off x="7884808" y="3054014"/>
-              <a:ext cx="286233" cy="369332"/>
-            </a:xfrm>
-            <a:prstGeom prst="rect">
-              <a:avLst/>
-            </a:prstGeom>
-            <a:noFill/>
-          </p:spPr>
-          <p:txBody>
-            <a:bodyPr wrap="square" rtlCol="0">
-              <a:spAutoFit/>
-            </a:bodyPr>
-            <a:lstStyle/>
-            <a:p>
-              <a:r>
-                <a:rPr lang="en-US" dirty="0"/>
-                <a:t>1</a:t>
-              </a:r>
-            </a:p>
-          </p:txBody>
-        </p:sp>
-        <p:sp>
-          <p:nvSpPr>
-            <p:cNvPr id="30" name="TextBox 29">
-              <a:extLst>
-                <a:ext uri="{FF2B5EF4-FFF2-40B4-BE49-F238E27FC236}">
-                  <a16:creationId xmlns:a16="http://schemas.microsoft.com/office/drawing/2014/main" id="{E9DF64B1-75D1-CB32-FF06-F302E9F94E7A}"/>
-                </a:ext>
-              </a:extLst>
-            </p:cNvPr>
-            <p:cNvSpPr txBox="1"/>
-            <p:nvPr/>
-          </p:nvSpPr>
-          <p:spPr>
-            <a:xfrm>
-              <a:off x="9008357" y="1840900"/>
-              <a:ext cx="286233" cy="369332"/>
-            </a:xfrm>
-            <a:prstGeom prst="rect">
-              <a:avLst/>
-            </a:prstGeom>
-            <a:noFill/>
-          </p:spPr>
-          <p:txBody>
-            <a:bodyPr wrap="square" rtlCol="0">
-              <a:spAutoFit/>
-            </a:bodyPr>
-            <a:lstStyle/>
-            <a:p>
-              <a:r>
-                <a:rPr lang="en-US" dirty="0"/>
-                <a:t>1</a:t>
-              </a:r>
-            </a:p>
-          </p:txBody>
-        </p:sp>
-        <p:sp>
-          <p:nvSpPr>
-            <p:cNvPr id="31" name="TextBox 30">
-              <a:extLst>
-                <a:ext uri="{FF2B5EF4-FFF2-40B4-BE49-F238E27FC236}">
-                  <a16:creationId xmlns:a16="http://schemas.microsoft.com/office/drawing/2014/main" id="{52DBEA6C-7752-AC9B-2986-85B8248726A7}"/>
-                </a:ext>
-              </a:extLst>
-            </p:cNvPr>
-            <p:cNvSpPr txBox="1"/>
-            <p:nvPr/>
-          </p:nvSpPr>
-          <p:spPr>
-            <a:xfrm>
-              <a:off x="8434807" y="2065893"/>
-              <a:ext cx="572624" cy="369332"/>
-            </a:xfrm>
-            <a:prstGeom prst="rect">
-              <a:avLst/>
-            </a:prstGeom>
-            <a:noFill/>
-          </p:spPr>
-          <p:txBody>
-            <a:bodyPr wrap="square" rtlCol="0">
-              <a:spAutoFit/>
-            </a:bodyPr>
-            <a:lstStyle/>
-            <a:p>
-              <a:r>
-                <a:rPr lang="en-US" dirty="0"/>
-                <a:t>0.8</a:t>
-              </a:r>
-            </a:p>
-          </p:txBody>
-        </p:sp>
-        <p:sp>
-          <p:nvSpPr>
-            <p:cNvPr id="33" name="TextBox 32">
-              <a:extLst>
-                <a:ext uri="{FF2B5EF4-FFF2-40B4-BE49-F238E27FC236}">
-                  <a16:creationId xmlns:a16="http://schemas.microsoft.com/office/drawing/2014/main" id="{D2C36308-752E-5E8F-017F-85D452BC5327}"/>
-                </a:ext>
-              </a:extLst>
-            </p:cNvPr>
-            <p:cNvSpPr txBox="1"/>
-            <p:nvPr/>
-          </p:nvSpPr>
-          <p:spPr>
-            <a:xfrm>
-              <a:off x="8653545" y="2399565"/>
-              <a:ext cx="572624" cy="369332"/>
-            </a:xfrm>
-            <a:prstGeom prst="rect">
-              <a:avLst/>
-            </a:prstGeom>
-            <a:noFill/>
-          </p:spPr>
-          <p:txBody>
-            <a:bodyPr wrap="square" rtlCol="0">
-              <a:spAutoFit/>
-            </a:bodyPr>
-            <a:lstStyle/>
-            <a:p>
-              <a:r>
-                <a:rPr lang="en-US" dirty="0"/>
-                <a:t>1.5</a:t>
-              </a:r>
-            </a:p>
-          </p:txBody>
-        </p:sp>
-        <p:sp>
-          <p:nvSpPr>
-            <p:cNvPr id="34" name="TextBox 33">
-              <a:extLst>
-                <a:ext uri="{FF2B5EF4-FFF2-40B4-BE49-F238E27FC236}">
-                  <a16:creationId xmlns:a16="http://schemas.microsoft.com/office/drawing/2014/main" id="{34E5C3AE-B759-0C64-9A7C-8CD075DC36F0}"/>
-                </a:ext>
-              </a:extLst>
-            </p:cNvPr>
-            <p:cNvSpPr txBox="1"/>
-            <p:nvPr/>
-          </p:nvSpPr>
-          <p:spPr>
-            <a:xfrm>
-              <a:off x="8992062" y="2753927"/>
-              <a:ext cx="572624" cy="369332"/>
-            </a:xfrm>
-            <a:prstGeom prst="rect">
-              <a:avLst/>
-            </a:prstGeom>
-            <a:noFill/>
-          </p:spPr>
-          <p:txBody>
-            <a:bodyPr wrap="square" rtlCol="0">
-              <a:spAutoFit/>
-            </a:bodyPr>
-            <a:lstStyle/>
-            <a:p>
-              <a:r>
-                <a:rPr lang="en-US" dirty="0"/>
-                <a:t>1</a:t>
-              </a:r>
-            </a:p>
-          </p:txBody>
-        </p:sp>
-        <p:sp>
-          <p:nvSpPr>
-            <p:cNvPr id="35" name="TextBox 34">
-              <a:extLst>
-                <a:ext uri="{FF2B5EF4-FFF2-40B4-BE49-F238E27FC236}">
-                  <a16:creationId xmlns:a16="http://schemas.microsoft.com/office/drawing/2014/main" id="{C25EDDDE-A06B-5BC3-6FE3-584ED076E152}"/>
-                </a:ext>
-              </a:extLst>
-            </p:cNvPr>
-            <p:cNvSpPr txBox="1"/>
-            <p:nvPr/>
-          </p:nvSpPr>
-          <p:spPr>
-            <a:xfrm>
-              <a:off x="8628650" y="3174459"/>
-              <a:ext cx="572624" cy="369332"/>
-            </a:xfrm>
-            <a:prstGeom prst="rect">
-              <a:avLst/>
-            </a:prstGeom>
-            <a:noFill/>
-          </p:spPr>
-          <p:txBody>
-            <a:bodyPr wrap="square" rtlCol="0">
-              <a:spAutoFit/>
-            </a:bodyPr>
-            <a:lstStyle/>
-            <a:p>
-              <a:r>
-                <a:rPr lang="en-US" dirty="0"/>
-                <a:t>4</a:t>
-              </a:r>
-            </a:p>
-          </p:txBody>
-        </p:sp>
-        <p:sp>
-          <p:nvSpPr>
-            <p:cNvPr id="36" name="TextBox 35">
-              <a:extLst>
-                <a:ext uri="{FF2B5EF4-FFF2-40B4-BE49-F238E27FC236}">
-                  <a16:creationId xmlns:a16="http://schemas.microsoft.com/office/drawing/2014/main" id="{D561B7B4-1AAD-DD8D-31B8-E7D2E6E286B5}"/>
-                </a:ext>
-              </a:extLst>
-            </p:cNvPr>
-            <p:cNvSpPr txBox="1"/>
-            <p:nvPr/>
-          </p:nvSpPr>
-          <p:spPr>
-            <a:xfrm>
-              <a:off x="9039528" y="3246406"/>
-              <a:ext cx="572624" cy="369332"/>
-            </a:xfrm>
-            <a:prstGeom prst="rect">
-              <a:avLst/>
-            </a:prstGeom>
-            <a:noFill/>
-          </p:spPr>
-          <p:txBody>
-            <a:bodyPr wrap="square" rtlCol="0">
-              <a:spAutoFit/>
-            </a:bodyPr>
-            <a:lstStyle/>
-            <a:p>
-              <a:r>
-                <a:rPr lang="en-US" dirty="0"/>
-                <a:t>4.5</a:t>
-              </a:r>
-            </a:p>
-          </p:txBody>
-        </p:sp>
-      </p:grpSp>
-      <p:sp>
-        <p:nvSpPr>
-          <p:cNvPr id="38" name="TextBox 37">
-            <a:extLst>
-              <a:ext uri="{FF2B5EF4-FFF2-40B4-BE49-F238E27FC236}">
-                <a16:creationId xmlns:a16="http://schemas.microsoft.com/office/drawing/2014/main" id="{21EC76B6-174E-BB2C-0438-D2C9E01FA27A}"/>
+            <a:off x="8976793" y="1301424"/>
+            <a:ext cx="1030969" cy="674947"/>
+          </a:xfrm>
+          <a:prstGeom prst="straightConnector1">
+            <a:avLst/>
+          </a:prstGeom>
+          <a:ln>
+            <a:tailEnd type="triangle"/>
+          </a:ln>
+        </p:spPr>
+        <p:style>
+          <a:lnRef idx="3">
+            <a:schemeClr val="accent4"/>
+          </a:lnRef>
+          <a:fillRef idx="0">
+            <a:schemeClr val="accent4"/>
+          </a:fillRef>
+          <a:effectRef idx="2">
+            <a:schemeClr val="accent4"/>
+          </a:effectRef>
+          <a:fontRef idx="minor">
+            <a:schemeClr val="tx1"/>
+          </a:fontRef>
+        </p:style>
+      </p:cxnSp>
+      <p:cxnSp>
+        <p:nvCxnSpPr>
+          <p:cNvPr id="34" name="Straight Arrow Connector 33">
+            <a:extLst>
+              <a:ext uri="{FF2B5EF4-FFF2-40B4-BE49-F238E27FC236}">
+                <a16:creationId xmlns:a16="http://schemas.microsoft.com/office/drawing/2014/main" id="{73EA744D-51DD-D9E1-72B8-937F4A2491E2}"/>
+              </a:ext>
+            </a:extLst>
+          </p:cNvPr>
+          <p:cNvCxnSpPr>
+            <a:cxnSpLocks/>
+          </p:cNvCxnSpPr>
+          <p:nvPr/>
+        </p:nvCxnSpPr>
+        <p:spPr>
+          <a:xfrm>
+            <a:off x="8954271" y="1464448"/>
+            <a:ext cx="1007136" cy="982849"/>
+          </a:xfrm>
+          <a:prstGeom prst="straightConnector1">
+            <a:avLst/>
+          </a:prstGeom>
+          <a:ln>
+            <a:tailEnd type="triangle"/>
+          </a:ln>
+        </p:spPr>
+        <p:style>
+          <a:lnRef idx="3">
+            <a:schemeClr val="accent4"/>
+          </a:lnRef>
+          <a:fillRef idx="0">
+            <a:schemeClr val="accent4"/>
+          </a:fillRef>
+          <a:effectRef idx="2">
+            <a:schemeClr val="accent4"/>
+          </a:effectRef>
+          <a:fontRef idx="minor">
+            <a:schemeClr val="tx1"/>
+          </a:fontRef>
+        </p:style>
+      </p:cxnSp>
+      <p:sp>
+        <p:nvSpPr>
+          <p:cNvPr id="35" name="TextBox 34">
+            <a:extLst>
+              <a:ext uri="{FF2B5EF4-FFF2-40B4-BE49-F238E27FC236}">
+                <a16:creationId xmlns:a16="http://schemas.microsoft.com/office/drawing/2014/main" id="{D49269E6-D810-9F5B-C21B-2E4838D5BAB4}"/>
               </a:ext>
             </a:extLst>
           </p:cNvPr>
@@ -8143,23 +8327,107 @@
           <p:nvPr/>
         </p:nvSpPr>
         <p:spPr>
+          <a:xfrm rot="2374349">
+            <a:off x="8858735" y="1530964"/>
+            <a:ext cx="852714" cy="276999"/>
+          </a:xfrm>
+          <a:prstGeom prst="rect">
+            <a:avLst/>
+          </a:prstGeom>
+          <a:noFill/>
+        </p:spPr>
+        <p:txBody>
+          <a:bodyPr wrap="square" rtlCol="0">
+            <a:spAutoFit/>
+          </a:bodyPr>
+          <a:lstStyle/>
+          <a:p>
+            <a:pPr algn="ctr"/>
+            <a:r>
+              <a:rPr lang="en-US" sz="1200" dirty="0">
+                <a:latin typeface="Ink Free" panose="03080402000500000000" pitchFamily="66" charset="0"/>
+                <a:ea typeface="Cambria Math" panose="02040503050406030204" pitchFamily="18" charset="0"/>
+              </a:rPr>
+              <a:t>0.80</a:t>
+            </a:r>
+          </a:p>
+        </p:txBody>
+      </p:sp>
+      <p:cxnSp>
+        <p:nvCxnSpPr>
+          <p:cNvPr id="36" name="Straight Arrow Connector 35">
+            <a:extLst>
+              <a:ext uri="{FF2B5EF4-FFF2-40B4-BE49-F238E27FC236}">
+                <a16:creationId xmlns:a16="http://schemas.microsoft.com/office/drawing/2014/main" id="{1B824965-92BF-8B1B-87C0-E59EDBE0AB5A}"/>
+              </a:ext>
+            </a:extLst>
+          </p:cNvPr>
+          <p:cNvCxnSpPr>
+            <a:cxnSpLocks/>
+          </p:cNvCxnSpPr>
+          <p:nvPr/>
+        </p:nvCxnSpPr>
+        <p:spPr>
           <a:xfrm>
-            <a:off x="1046556" y="4620172"/>
-            <a:ext cx="8590674" cy="2031325"/>
+            <a:off x="8973393" y="1604797"/>
+            <a:ext cx="1161076" cy="1340257"/>
+          </a:xfrm>
+          <a:prstGeom prst="straightConnector1">
+            <a:avLst/>
+          </a:prstGeom>
+          <a:ln>
+            <a:tailEnd type="triangle"/>
+          </a:ln>
+        </p:spPr>
+        <p:style>
+          <a:lnRef idx="3">
+            <a:schemeClr val="accent4"/>
+          </a:lnRef>
+          <a:fillRef idx="0">
+            <a:schemeClr val="accent4"/>
+          </a:fillRef>
+          <a:effectRef idx="2">
+            <a:schemeClr val="accent4"/>
+          </a:effectRef>
+          <a:fontRef idx="minor">
+            <a:schemeClr val="tx1"/>
+          </a:fontRef>
+        </p:style>
+      </p:cxnSp>
+      <p:sp>
+        <p:nvSpPr>
+          <p:cNvPr id="2" name="TextBox 1">
+            <a:extLst>
+              <a:ext uri="{FF2B5EF4-FFF2-40B4-BE49-F238E27FC236}">
+                <a16:creationId xmlns:a16="http://schemas.microsoft.com/office/drawing/2014/main" id="{595661E3-0DA1-FB58-5688-A57EC41F6F75}"/>
+              </a:ext>
+            </a:extLst>
+          </p:cNvPr>
+          <p:cNvSpPr txBox="1"/>
+          <p:nvPr/>
+        </p:nvSpPr>
+        <p:spPr>
+          <a:xfrm>
+            <a:off x="5898844" y="4761810"/>
+            <a:ext cx="5938744" cy="1200329"/>
           </a:xfrm>
           <a:prstGeom prst="rect">
             <a:avLst/>
           </a:prstGeom>
+          <a:noFill/>
+          <a:ln>
+            <a:noFill/>
+          </a:ln>
         </p:spPr>
         <p:style>
-          <a:lnRef idx="2">
-            <a:schemeClr val="accent1"/>
+          <a:lnRef idx="0">
+            <a:scrgbClr r="0" g="0" b="0"/>
           </a:lnRef>
-          <a:fillRef idx="1">
-            <a:schemeClr val="lt1"/>
+          <a:fillRef idx="0">
+            <a:scrgbClr r="0" g="0" b="0"/>
           </a:fillRef>
           <a:effectRef idx="0">
-            <a:schemeClr val="accent1"/>
+            <a:scrgbClr r="0" g="0" b="0"/>
           </a:effectRef>
           <a:fontRef idx="minor">
             <a:schemeClr val="dk1"/>
@@ -8173,41 +8441,81 @@
           <a:p>
             <a:pPr algn="ctr"/>
             <a:r>
-              <a:rPr lang="en-US" u="sng" dirty="0"/>
-              <a:t>Cost at Giant Eagle:</a:t>
-            </a:r>
-          </a:p>
+              <a:rPr lang="en-US" dirty="0">
+                <a:latin typeface="Cambria Math" panose="02040503050406030204" pitchFamily="18" charset="0"/>
+                <a:ea typeface="Cambria Math" panose="02040503050406030204" pitchFamily="18" charset="0"/>
+              </a:rPr>
+              <a:t>Right: The computation need to compute the total cost of all items at each store: multiply numbers (quantities and prices) as you follow edges in a path, and add up results when paths converge at a store node (e, f, or g).</a:t>
+            </a:r>
+          </a:p>
+        </p:txBody>
+      </p:sp>
+      <p:sp>
+        <p:nvSpPr>
+          <p:cNvPr id="4" name="TextBox 3">
+            <a:extLst>
+              <a:ext uri="{FF2B5EF4-FFF2-40B4-BE49-F238E27FC236}">
+                <a16:creationId xmlns:a16="http://schemas.microsoft.com/office/drawing/2014/main" id="{A72AED21-DF76-CB4B-15B2-951AB9A0EF2A}"/>
+              </a:ext>
+            </a:extLst>
+          </p:cNvPr>
+          <p:cNvSpPr txBox="1"/>
+          <p:nvPr/>
+        </p:nvSpPr>
+        <p:spPr>
+          <a:xfrm>
+            <a:off x="670984" y="4814387"/>
+            <a:ext cx="4697866" cy="923330"/>
+          </a:xfrm>
+          <a:prstGeom prst="rect">
+            <a:avLst/>
+          </a:prstGeom>
+          <a:noFill/>
+          <a:ln>
+            <a:noFill/>
+          </a:ln>
+        </p:spPr>
+        <p:style>
+          <a:lnRef idx="0">
+            <a:scrgbClr r="0" g="0" b="0"/>
+          </a:lnRef>
+          <a:fillRef idx="0">
+            <a:scrgbClr r="0" g="0" b="0"/>
+          </a:fillRef>
+          <a:effectRef idx="0">
+            <a:scrgbClr r="0" g="0" b="0"/>
+          </a:effectRef>
+          <a:fontRef idx="minor">
+            <a:schemeClr val="dk1"/>
+          </a:fontRef>
+        </p:style>
+        <p:txBody>
+          <a:bodyPr wrap="square" rtlCol="0">
+            <a:spAutoFit/>
+          </a:bodyPr>
+          <a:lstStyle/>
           <a:p>
             <a:pPr algn="ctr"/>
-            <a:endParaRPr lang="en-US" dirty="0"/>
-          </a:p>
-          <a:p>
-            <a:pPr algn="ctr"/>
-            <a:r>
-              <a:rPr lang="en-US" dirty="0"/>
-              <a:t>6 apples * $1/apple +  1 bag sugar * $1.50/bag  + 1 bag chips *  $4.00/bag = $11.50</a:t>
-            </a:r>
-          </a:p>
-          <a:p>
-            <a:pPr algn="ctr"/>
-            <a:endParaRPr lang="en-US" dirty="0"/>
-          </a:p>
-          <a:p>
-            <a:pPr algn="ctr"/>
-            <a:r>
-              <a:rPr lang="en-US" u="sng" dirty="0"/>
-              <a:t>Cost at Food Lion:</a:t>
-            </a:r>
-          </a:p>
-          <a:p>
-            <a:pPr algn="ctr"/>
-            <a:endParaRPr lang="en-US" dirty="0"/>
-          </a:p>
-          <a:p>
-            <a:pPr algn="ctr"/>
-            <a:r>
-              <a:rPr lang="en-US" dirty="0"/>
-              <a:t> 6 apples * $0.8/apple + 1 bag sugar * $1.50/bag  + 1 bag chips *  $4.00/bag = $10.30</a:t>
+            <a:r>
+              <a:rPr lang="en-US" dirty="0">
+                <a:latin typeface="Cambria Math" panose="02040503050406030204" pitchFamily="18" charset="0"/>
+                <a:ea typeface="Cambria Math" panose="02040503050406030204" pitchFamily="18" charset="0"/>
+              </a:rPr>
+              <a:t>Left: A shopping list </a:t>
+            </a:r>
+            <a:r>
+              <a:rPr lang="en-US" b="1" dirty="0">
+                <a:latin typeface="Cambria Math" panose="02040503050406030204" pitchFamily="18" charset="0"/>
+                <a:ea typeface="Cambria Math" panose="02040503050406030204" pitchFamily="18" charset="0"/>
+              </a:rPr>
+              <a:t>r </a:t>
+            </a:r>
+            <a:r>
+              <a:rPr lang="en-US" dirty="0">
+                <a:latin typeface="Cambria Math" panose="02040503050406030204" pitchFamily="18" charset="0"/>
+                <a:ea typeface="Cambria Math" panose="02040503050406030204" pitchFamily="18" charset="0"/>
+              </a:rPr>
+              <a:t>with needed quantities of three items (a, b, c), and per-unit prices of these items at three stores (e, f, g).</a:t>
             </a:r>
           </a:p>
         </p:txBody>
@@ -8215,7 +8523,7 @@
     </p:spTree>
     <p:extLst>
       <p:ext uri="{BB962C8B-B14F-4D97-AF65-F5344CB8AC3E}">
-        <p14:creationId xmlns:p14="http://schemas.microsoft.com/office/powerpoint/2010/main" val="522736877"/>
+        <p14:creationId xmlns:p14="http://schemas.microsoft.com/office/powerpoint/2010/main" val="3099770671"/>
       </p:ext>
     </p:extLst>
   </p:cSld>

--- a/qm/double-slit.pptx
+++ b/qm/double-slit.pptx
@@ -5,11 +5,13 @@
     <p:sldMasterId id="2147483648" r:id="rId1"/>
   </p:sldMasterIdLst>
   <p:notesMasterIdLst>
-    <p:notesMasterId r:id="rId4"/>
+    <p:notesMasterId r:id="rId6"/>
   </p:notesMasterIdLst>
   <p:sldIdLst>
     <p:sldId id="257" r:id="rId2"/>
     <p:sldId id="258" r:id="rId3"/>
+    <p:sldId id="259" r:id="rId4"/>
+    <p:sldId id="260" r:id="rId5"/>
   </p:sldIdLst>
   <p:sldSz cx="12192000" cy="6858000"/>
   <p:notesSz cx="6858000" cy="9144000"/>
@@ -198,7 +200,7 @@
           <a:p>
             <a:fld id="{4D8C7975-7758-2A45-89D3-3D92B788EE9F}" type="datetimeFigureOut">
               <a:rPr lang="en-US" smtClean="0"/>
-              <a:t>11/29/25</a:t>
+              <a:t>11/30/25</a:t>
             </a:fld>
             <a:endParaRPr lang="en-US"/>
           </a:p>
@@ -612,7 +614,7 @@
           <a:p>
             <a:fld id="{6F302925-4665-5F46-8E77-D7976938C888}" type="datetimeFigureOut">
               <a:rPr lang="en-US" smtClean="0"/>
-              <a:t>11/29/25</a:t>
+              <a:t>11/30/25</a:t>
             </a:fld>
             <a:endParaRPr lang="en-US"/>
           </a:p>
@@ -810,7 +812,7 @@
           <a:p>
             <a:fld id="{6F302925-4665-5F46-8E77-D7976938C888}" type="datetimeFigureOut">
               <a:rPr lang="en-US" smtClean="0"/>
-              <a:t>11/29/25</a:t>
+              <a:t>11/30/25</a:t>
             </a:fld>
             <a:endParaRPr lang="en-US"/>
           </a:p>
@@ -1018,7 +1020,7 @@
           <a:p>
             <a:fld id="{6F302925-4665-5F46-8E77-D7976938C888}" type="datetimeFigureOut">
               <a:rPr lang="en-US" smtClean="0"/>
-              <a:t>11/29/25</a:t>
+              <a:t>11/30/25</a:t>
             </a:fld>
             <a:endParaRPr lang="en-US"/>
           </a:p>
@@ -1216,7 +1218,7 @@
           <a:p>
             <a:fld id="{6F302925-4665-5F46-8E77-D7976938C888}" type="datetimeFigureOut">
               <a:rPr lang="en-US" smtClean="0"/>
-              <a:t>11/29/25</a:t>
+              <a:t>11/30/25</a:t>
             </a:fld>
             <a:endParaRPr lang="en-US"/>
           </a:p>
@@ -1491,7 +1493,7 @@
           <a:p>
             <a:fld id="{6F302925-4665-5F46-8E77-D7976938C888}" type="datetimeFigureOut">
               <a:rPr lang="en-US" smtClean="0"/>
-              <a:t>11/29/25</a:t>
+              <a:t>11/30/25</a:t>
             </a:fld>
             <a:endParaRPr lang="en-US"/>
           </a:p>
@@ -1756,7 +1758,7 @@
           <a:p>
             <a:fld id="{6F302925-4665-5F46-8E77-D7976938C888}" type="datetimeFigureOut">
               <a:rPr lang="en-US" smtClean="0"/>
-              <a:t>11/29/25</a:t>
+              <a:t>11/30/25</a:t>
             </a:fld>
             <a:endParaRPr lang="en-US"/>
           </a:p>
@@ -2168,7 +2170,7 @@
           <a:p>
             <a:fld id="{6F302925-4665-5F46-8E77-D7976938C888}" type="datetimeFigureOut">
               <a:rPr lang="en-US" smtClean="0"/>
-              <a:t>11/29/25</a:t>
+              <a:t>11/30/25</a:t>
             </a:fld>
             <a:endParaRPr lang="en-US"/>
           </a:p>
@@ -2309,7 +2311,7 @@
           <a:p>
             <a:fld id="{6F302925-4665-5F46-8E77-D7976938C888}" type="datetimeFigureOut">
               <a:rPr lang="en-US" smtClean="0"/>
-              <a:t>11/29/25</a:t>
+              <a:t>11/30/25</a:t>
             </a:fld>
             <a:endParaRPr lang="en-US"/>
           </a:p>
@@ -2422,7 +2424,7 @@
           <a:p>
             <a:fld id="{6F302925-4665-5F46-8E77-D7976938C888}" type="datetimeFigureOut">
               <a:rPr lang="en-US" smtClean="0"/>
-              <a:t>11/29/25</a:t>
+              <a:t>11/30/25</a:t>
             </a:fld>
             <a:endParaRPr lang="en-US"/>
           </a:p>
@@ -2733,7 +2735,7 @@
           <a:p>
             <a:fld id="{6F302925-4665-5F46-8E77-D7976938C888}" type="datetimeFigureOut">
               <a:rPr lang="en-US" smtClean="0"/>
-              <a:t>11/29/25</a:t>
+              <a:t>11/30/25</a:t>
             </a:fld>
             <a:endParaRPr lang="en-US"/>
           </a:p>
@@ -3021,7 +3023,7 @@
           <a:p>
             <a:fld id="{6F302925-4665-5F46-8E77-D7976938C888}" type="datetimeFigureOut">
               <a:rPr lang="en-US" smtClean="0"/>
-              <a:t>11/29/25</a:t>
+              <a:t>11/30/25</a:t>
             </a:fld>
             <a:endParaRPr lang="en-US"/>
           </a:p>
@@ -3262,7 +3264,7 @@
           <a:p>
             <a:fld id="{6F302925-4665-5F46-8E77-D7976938C888}" type="datetimeFigureOut">
               <a:rPr lang="en-US" smtClean="0"/>
-              <a:t>11/29/25</a:t>
+              <a:t>11/30/25</a:t>
             </a:fld>
             <a:endParaRPr lang="en-US"/>
           </a:p>
@@ -5360,7 +5362,7 @@
                 <a:ea typeface="Cambria Math" panose="02040503050406030204" pitchFamily="18" charset="0"/>
                 <a:sym typeface="Wingdings" pitchFamily="2" charset="2"/>
               </a:rPr>
-              <a:t>) you would multiply the probabilities of the  edges: in this case p(</a:t>
+              <a:t>) multiply the probabilities of the  edges: in this case p(</a:t>
             </a:r>
             <a:r>
               <a:rPr lang="en-US" dirty="0" err="1">
@@ -6368,7 +6370,7 @@
         </p:nvSpPr>
         <p:spPr>
           <a:xfrm>
-            <a:off x="7183266" y="1116706"/>
+            <a:off x="6454396" y="1116706"/>
             <a:ext cx="1029206" cy="392790"/>
           </a:xfrm>
           <a:prstGeom prst="rect">
@@ -6420,7 +6422,7 @@
         </p:nvSpPr>
         <p:spPr>
           <a:xfrm>
-            <a:off x="7183265" y="2108500"/>
+            <a:off x="6454395" y="2108500"/>
             <a:ext cx="1029206" cy="392790"/>
           </a:xfrm>
           <a:prstGeom prst="rect">
@@ -6472,7 +6474,7 @@
         </p:nvSpPr>
         <p:spPr>
           <a:xfrm>
-            <a:off x="8593502" y="1167795"/>
+            <a:off x="7864632" y="1167795"/>
             <a:ext cx="309887" cy="369332"/>
           </a:xfrm>
           <a:prstGeom prst="rect">
@@ -6520,7 +6522,7 @@
         </p:nvSpPr>
         <p:spPr>
           <a:xfrm>
-            <a:off x="8632512" y="2328757"/>
+            <a:off x="7903642" y="2328757"/>
             <a:ext cx="263077" cy="369332"/>
           </a:xfrm>
           <a:prstGeom prst="rect">
@@ -6568,7 +6570,7 @@
         </p:nvSpPr>
         <p:spPr>
           <a:xfrm>
-            <a:off x="10051344" y="1745809"/>
+            <a:off x="9322474" y="1745809"/>
             <a:ext cx="299077" cy="369332"/>
           </a:xfrm>
           <a:prstGeom prst="rect">
@@ -6597,17 +6599,17 @@
           <a:p>
             <a:r>
               <a:rPr lang="en-US" i="1" dirty="0"/>
-              <a:t>e</a:t>
-            </a:r>
-          </a:p>
-        </p:txBody>
-      </p:sp>
-      <p:sp>
-        <p:nvSpPr>
-          <p:cNvPr id="28" name="TextBox 27">
-            <a:extLst>
-              <a:ext uri="{FF2B5EF4-FFF2-40B4-BE49-F238E27FC236}">
-                <a16:creationId xmlns:a16="http://schemas.microsoft.com/office/drawing/2014/main" id="{87A6B046-1957-A41A-7F73-D1C05C7C5801}"/>
+              <a:t>g</a:t>
+            </a:r>
+          </a:p>
+        </p:txBody>
+      </p:sp>
+      <p:sp>
+        <p:nvSpPr>
+          <p:cNvPr id="29" name="TextBox 28">
+            <a:extLst>
+              <a:ext uri="{FF2B5EF4-FFF2-40B4-BE49-F238E27FC236}">
+                <a16:creationId xmlns:a16="http://schemas.microsoft.com/office/drawing/2014/main" id="{E6D50D72-C505-FB00-B9E7-01972FCA29FA}"/>
               </a:ext>
             </a:extLst>
           </p:cNvPr>
@@ -6616,8 +6618,8 @@
         </p:nvSpPr>
         <p:spPr>
           <a:xfrm>
-            <a:off x="10051344" y="2387299"/>
-            <a:ext cx="299077" cy="369332"/>
+            <a:off x="6693400" y="1761463"/>
+            <a:ext cx="263077" cy="369332"/>
           </a:xfrm>
           <a:prstGeom prst="rect">
             <a:avLst/>
@@ -6638,54 +6640,6 @@
           </a:fontRef>
         </p:style>
         <p:txBody>
-          <a:bodyPr wrap="square" rtlCol="0">
-            <a:spAutoFit/>
-          </a:bodyPr>
-          <a:lstStyle/>
-          <a:p>
-            <a:r>
-              <a:rPr lang="en-US" i="1" dirty="0"/>
-              <a:t>f</a:t>
-            </a:r>
-          </a:p>
-        </p:txBody>
-      </p:sp>
-      <p:sp>
-        <p:nvSpPr>
-          <p:cNvPr id="29" name="TextBox 28">
-            <a:extLst>
-              <a:ext uri="{FF2B5EF4-FFF2-40B4-BE49-F238E27FC236}">
-                <a16:creationId xmlns:a16="http://schemas.microsoft.com/office/drawing/2014/main" id="{E6D50D72-C505-FB00-B9E7-01972FCA29FA}"/>
-              </a:ext>
-            </a:extLst>
-          </p:cNvPr>
-          <p:cNvSpPr txBox="1"/>
-          <p:nvPr/>
-        </p:nvSpPr>
-        <p:spPr>
-          <a:xfrm>
-            <a:off x="7422270" y="1761463"/>
-            <a:ext cx="263077" cy="369332"/>
-          </a:xfrm>
-          <a:prstGeom prst="rect">
-            <a:avLst/>
-          </a:prstGeom>
-        </p:spPr>
-        <p:style>
-          <a:lnRef idx="1">
-            <a:schemeClr val="accent1"/>
-          </a:lnRef>
-          <a:fillRef idx="3">
-            <a:schemeClr val="accent1"/>
-          </a:fillRef>
-          <a:effectRef idx="2">
-            <a:schemeClr val="accent1"/>
-          </a:effectRef>
-          <a:fontRef idx="minor">
-            <a:schemeClr val="lt1"/>
-          </a:fontRef>
-        </p:style>
-        <p:txBody>
           <a:bodyPr wrap="square" rtlCol="0" anchor="ctr">
             <a:spAutoFit/>
           </a:bodyPr>
@@ -6714,7 +6668,7 @@
         </p:nvCxnSpPr>
         <p:spPr>
           <a:xfrm flipV="1">
-            <a:off x="7752063" y="1474962"/>
+            <a:off x="7023193" y="1474962"/>
             <a:ext cx="758914" cy="444663"/>
           </a:xfrm>
           <a:prstGeom prst="straightConnector1">
@@ -6756,49 +6710,8 @@
         </p:nvCxnSpPr>
         <p:spPr>
           <a:xfrm>
-            <a:off x="7740873" y="2056461"/>
+            <a:off x="7012003" y="2056461"/>
             <a:ext cx="891639" cy="456962"/>
-          </a:xfrm>
-          <a:prstGeom prst="straightConnector1">
-            <a:avLst/>
-          </a:prstGeom>
-          <a:ln>
-            <a:tailEnd type="triangle"/>
-          </a:ln>
-        </p:spPr>
-        <p:style>
-          <a:lnRef idx="3">
-            <a:schemeClr val="accent4"/>
-          </a:lnRef>
-          <a:fillRef idx="0">
-            <a:schemeClr val="accent4"/>
-          </a:fillRef>
-          <a:effectRef idx="2">
-            <a:schemeClr val="accent4"/>
-          </a:effectRef>
-          <a:fontRef idx="minor">
-            <a:schemeClr val="tx1"/>
-          </a:fontRef>
-        </p:style>
-      </p:cxnSp>
-      <p:cxnSp>
-        <p:nvCxnSpPr>
-          <p:cNvPr id="77" name="Straight Arrow Connector 76">
-            <a:extLst>
-              <a:ext uri="{FF2B5EF4-FFF2-40B4-BE49-F238E27FC236}">
-                <a16:creationId xmlns:a16="http://schemas.microsoft.com/office/drawing/2014/main" id="{54830AD9-62F8-BB4F-F12B-9FDD1CE05C53}"/>
-              </a:ext>
-            </a:extLst>
-          </p:cNvPr>
-          <p:cNvCxnSpPr>
-            <a:cxnSpLocks/>
-          </p:cNvCxnSpPr>
-          <p:nvPr/>
-        </p:nvCxnSpPr>
-        <p:spPr>
-          <a:xfrm>
-            <a:off x="8995081" y="1953696"/>
-            <a:ext cx="1030969" cy="674947"/>
           </a:xfrm>
           <a:prstGeom prst="straightConnector1">
             <a:avLst/>
@@ -6837,9 +6750,9 @@
           <p:nvPr/>
         </p:nvCxnSpPr>
         <p:spPr>
-          <a:xfrm flipV="1">
-            <a:off x="9064671" y="1847512"/>
-            <a:ext cx="932625" cy="28079"/>
+          <a:xfrm>
+            <a:off x="8328709" y="1379407"/>
+            <a:ext cx="864112" cy="428947"/>
           </a:xfrm>
           <a:prstGeom prst="straightConnector1">
             <a:avLst/>
@@ -6874,13 +6787,14 @@
           </p:cNvPr>
           <p:cNvCxnSpPr>
             <a:cxnSpLocks/>
+            <a:endCxn id="27" idx="1"/>
           </p:cNvCxnSpPr>
           <p:nvPr/>
         </p:nvCxnSpPr>
         <p:spPr>
           <a:xfrm>
-            <a:off x="8938405" y="2549911"/>
-            <a:ext cx="953198" cy="75557"/>
+            <a:off x="8239141" y="1927001"/>
+            <a:ext cx="1083333" cy="3474"/>
           </a:xfrm>
           <a:prstGeom prst="straightConnector1">
             <a:avLst/>
@@ -6904,47 +6818,6 @@
           </a:fontRef>
         </p:style>
       </p:cxnSp>
-      <p:cxnSp>
-        <p:nvCxnSpPr>
-          <p:cNvPr id="85" name="Straight Arrow Connector 84">
-            <a:extLst>
-              <a:ext uri="{FF2B5EF4-FFF2-40B4-BE49-F238E27FC236}">
-                <a16:creationId xmlns:a16="http://schemas.microsoft.com/office/drawing/2014/main" id="{760911E3-00A4-FBB2-4D8C-1FED70182965}"/>
-              </a:ext>
-            </a:extLst>
-          </p:cNvPr>
-          <p:cNvCxnSpPr>
-            <a:cxnSpLocks/>
-          </p:cNvCxnSpPr>
-          <p:nvPr/>
-        </p:nvCxnSpPr>
-        <p:spPr>
-          <a:xfrm flipV="1">
-            <a:off x="8960251" y="2057747"/>
-            <a:ext cx="994150" cy="424079"/>
-          </a:xfrm>
-          <a:prstGeom prst="straightConnector1">
-            <a:avLst/>
-          </a:prstGeom>
-          <a:ln>
-            <a:tailEnd type="triangle"/>
-          </a:ln>
-        </p:spPr>
-        <p:style>
-          <a:lnRef idx="3">
-            <a:schemeClr val="accent4"/>
-          </a:lnRef>
-          <a:fillRef idx="0">
-            <a:schemeClr val="accent4"/>
-          </a:fillRef>
-          <a:effectRef idx="2">
-            <a:schemeClr val="accent4"/>
-          </a:effectRef>
-          <a:fontRef idx="minor">
-            <a:schemeClr val="tx1"/>
-          </a:fontRef>
-        </p:style>
-      </p:cxnSp>
       <p:sp>
         <p:nvSpPr>
           <p:cNvPr id="88" name="Oval Callout 87">
@@ -6959,13 +6832,13 @@
         </p:nvSpPr>
         <p:spPr>
           <a:xfrm>
-            <a:off x="6413385" y="228779"/>
+            <a:off x="5740373" y="333328"/>
             <a:ext cx="2538227" cy="747300"/>
           </a:xfrm>
           <a:prstGeom prst="wedgeEllipseCallout">
             <a:avLst>
-              <a:gd name="adj1" fmla="val 21117"/>
-              <a:gd name="adj2" fmla="val 175050"/>
+              <a:gd name="adj1" fmla="val 7542"/>
+              <a:gd name="adj2" fmla="val 112983"/>
             </a:avLst>
           </a:prstGeom>
           <a:noFill/>
@@ -7002,7 +6875,7 @@
               <a:rPr lang="en-US" dirty="0">
                 <a:latin typeface="Ink Free" panose="03080402000500000000" pitchFamily="66" charset="0"/>
               </a:rPr>
-              <a:t>quantity of item (b) needed</a:t>
+              <a:t>quantity needed</a:t>
             </a:r>
           </a:p>
         </p:txBody>
@@ -7021,13 +6894,13 @@
         </p:nvSpPr>
         <p:spPr>
           <a:xfrm>
-            <a:off x="7422270" y="3316377"/>
-            <a:ext cx="1580622" cy="838519"/>
+            <a:off x="7764105" y="3606484"/>
+            <a:ext cx="1545741" cy="508066"/>
           </a:xfrm>
           <a:prstGeom prst="wedgeEllipseCallout">
             <a:avLst>
-              <a:gd name="adj1" fmla="val 65579"/>
-              <a:gd name="adj2" fmla="val -71487"/>
+              <a:gd name="adj1" fmla="val 10710"/>
+              <a:gd name="adj2" fmla="val -243639"/>
             </a:avLst>
           </a:prstGeom>
           <a:noFill/>
@@ -7064,7 +6937,7 @@
               <a:rPr lang="en-US" dirty="0">
                 <a:latin typeface="Ink Free" panose="03080402000500000000" pitchFamily="66" charset="0"/>
               </a:rPr>
-              <a:t>price of (c) in store (g)</a:t>
+              <a:t>price</a:t>
             </a:r>
           </a:p>
         </p:txBody>
@@ -7083,7 +6956,7 @@
         </p:nvSpPr>
         <p:spPr>
           <a:xfrm rot="19815816">
-            <a:off x="7570000" y="1574424"/>
+            <a:off x="6841130" y="1574424"/>
             <a:ext cx="689113" cy="276999"/>
           </a:xfrm>
           <a:prstGeom prst="rect">
@@ -7122,7 +6995,7 @@
         </p:nvSpPr>
         <p:spPr>
           <a:xfrm rot="1773497">
-            <a:off x="7808798" y="2274146"/>
+            <a:off x="7079928" y="2274146"/>
             <a:ext cx="689113" cy="276999"/>
           </a:xfrm>
           <a:prstGeom prst="rect">
@@ -7147,45 +7020,6 @@
           </a:p>
         </p:txBody>
       </p:sp>
-      <p:cxnSp>
-        <p:nvCxnSpPr>
-          <p:cNvPr id="96" name="Straight Connector 95">
-            <a:extLst>
-              <a:ext uri="{FF2B5EF4-FFF2-40B4-BE49-F238E27FC236}">
-                <a16:creationId xmlns:a16="http://schemas.microsoft.com/office/drawing/2014/main" id="{6936DA62-27B2-A664-1422-59F204412934}"/>
-              </a:ext>
-            </a:extLst>
-          </p:cNvPr>
-          <p:cNvCxnSpPr>
-            <a:cxnSpLocks/>
-          </p:cNvCxnSpPr>
-          <p:nvPr/>
-        </p:nvCxnSpPr>
-        <p:spPr>
-          <a:xfrm>
-            <a:off x="5766424" y="9286"/>
-            <a:ext cx="0" cy="4598760"/>
-          </a:xfrm>
-          <a:prstGeom prst="line">
-            <a:avLst/>
-          </a:prstGeom>
-          <a:ln w="38100"/>
-        </p:spPr>
-        <p:style>
-          <a:lnRef idx="2">
-            <a:schemeClr val="accent1"/>
-          </a:lnRef>
-          <a:fillRef idx="0">
-            <a:schemeClr val="accent1"/>
-          </a:fillRef>
-          <a:effectRef idx="1">
-            <a:schemeClr val="accent1"/>
-          </a:effectRef>
-          <a:fontRef idx="minor">
-            <a:schemeClr val="tx1"/>
-          </a:fontRef>
-        </p:style>
-      </p:cxnSp>
       <p:cxnSp>
         <p:nvCxnSpPr>
           <p:cNvPr id="97" name="Straight Connector 96">
@@ -7278,7 +7112,7 @@
         </p:nvSpPr>
         <p:spPr>
           <a:xfrm>
-            <a:off x="8598933" y="1705121"/>
+            <a:off x="7870063" y="1705121"/>
             <a:ext cx="326607" cy="369332"/>
           </a:xfrm>
           <a:prstGeom prst="rect">
@@ -7328,7 +7162,7 @@
         </p:nvCxnSpPr>
         <p:spPr>
           <a:xfrm>
-            <a:off x="7787363" y="1955506"/>
+            <a:off x="7058493" y="1955506"/>
             <a:ext cx="741465" cy="9274"/>
           </a:xfrm>
           <a:prstGeom prst="straightConnector1">
@@ -7367,7 +7201,7 @@
         </p:nvSpPr>
         <p:spPr>
           <a:xfrm>
-            <a:off x="7893208" y="1938774"/>
+            <a:off x="7164338" y="1938774"/>
             <a:ext cx="689113" cy="276999"/>
           </a:xfrm>
           <a:prstGeom prst="rect">
@@ -7392,54 +7226,6 @@
           </a:p>
         </p:txBody>
       </p:sp>
-      <p:sp>
-        <p:nvSpPr>
-          <p:cNvPr id="18" name="TextBox 17">
-            <a:extLst>
-              <a:ext uri="{FF2B5EF4-FFF2-40B4-BE49-F238E27FC236}">
-                <a16:creationId xmlns:a16="http://schemas.microsoft.com/office/drawing/2014/main" id="{9DFCABB2-89CD-D865-A18B-FCE128293A88}"/>
-              </a:ext>
-            </a:extLst>
-          </p:cNvPr>
-          <p:cNvSpPr txBox="1"/>
-          <p:nvPr/>
-        </p:nvSpPr>
-        <p:spPr>
-          <a:xfrm>
-            <a:off x="10038716" y="3068799"/>
-            <a:ext cx="324330" cy="369323"/>
-          </a:xfrm>
-          <a:prstGeom prst="rect">
-            <a:avLst/>
-          </a:prstGeom>
-        </p:spPr>
-        <p:style>
-          <a:lnRef idx="1">
-            <a:schemeClr val="accent1"/>
-          </a:lnRef>
-          <a:fillRef idx="3">
-            <a:schemeClr val="accent1"/>
-          </a:fillRef>
-          <a:effectRef idx="2">
-            <a:schemeClr val="accent1"/>
-          </a:effectRef>
-          <a:fontRef idx="minor">
-            <a:schemeClr val="lt1"/>
-          </a:fontRef>
-        </p:style>
-        <p:txBody>
-          <a:bodyPr wrap="square" rtlCol="0">
-            <a:spAutoFit/>
-          </a:bodyPr>
-          <a:lstStyle/>
-          <a:p>
-            <a:r>
-              <a:rPr lang="en-US" i="1" dirty="0"/>
-              <a:t>g</a:t>
-            </a:r>
-          </a:p>
-        </p:txBody>
-      </p:sp>
       <p:cxnSp>
         <p:nvCxnSpPr>
           <p:cNvPr id="19" name="Straight Arrow Connector 18">
@@ -7455,9 +7241,9 @@
           <p:nvPr/>
         </p:nvCxnSpPr>
         <p:spPr>
-          <a:xfrm>
-            <a:off x="8959912" y="2609411"/>
-            <a:ext cx="1030969" cy="674947"/>
+          <a:xfrm flipV="1">
+            <a:off x="8231042" y="2056461"/>
+            <a:ext cx="961779" cy="552950"/>
           </a:xfrm>
           <a:prstGeom prst="straightConnector1">
             <a:avLst/>
@@ -7481,47 +7267,6 @@
           </a:fontRef>
         </p:style>
       </p:cxnSp>
-      <p:cxnSp>
-        <p:nvCxnSpPr>
-          <p:cNvPr id="20" name="Straight Arrow Connector 19">
-            <a:extLst>
-              <a:ext uri="{FF2B5EF4-FFF2-40B4-BE49-F238E27FC236}">
-                <a16:creationId xmlns:a16="http://schemas.microsoft.com/office/drawing/2014/main" id="{1127BAC4-65D3-7E33-1B40-FF25DE2732BA}"/>
-              </a:ext>
-            </a:extLst>
-          </p:cNvPr>
-          <p:cNvCxnSpPr>
-            <a:cxnSpLocks/>
-          </p:cNvCxnSpPr>
-          <p:nvPr/>
-        </p:nvCxnSpPr>
-        <p:spPr>
-          <a:xfrm>
-            <a:off x="8972559" y="2116720"/>
-            <a:ext cx="1007136" cy="982849"/>
-          </a:xfrm>
-          <a:prstGeom prst="straightConnector1">
-            <a:avLst/>
-          </a:prstGeom>
-          <a:ln>
-            <a:tailEnd type="triangle"/>
-          </a:ln>
-        </p:spPr>
-        <p:style>
-          <a:lnRef idx="3">
-            <a:schemeClr val="accent4"/>
-          </a:lnRef>
-          <a:fillRef idx="0">
-            <a:schemeClr val="accent4"/>
-          </a:fillRef>
-          <a:effectRef idx="2">
-            <a:schemeClr val="accent4"/>
-          </a:effectRef>
-          <a:fontRef idx="minor">
-            <a:schemeClr val="tx1"/>
-          </a:fontRef>
-        </p:style>
-      </p:cxnSp>
       <p:sp>
         <p:nvSpPr>
           <p:cNvPr id="23" name="TextBox 22">
@@ -7535,8 +7280,8 @@
           <p:nvPr/>
         </p:nvSpPr>
         <p:spPr>
-          <a:xfrm rot="2041178">
-            <a:off x="9095923" y="2953995"/>
+          <a:xfrm rot="19645668">
+            <a:off x="8416208" y="2346980"/>
             <a:ext cx="689113" cy="276999"/>
           </a:xfrm>
           <a:prstGeom prst="rect">
@@ -7574,8 +7319,8 @@
           <p:nvPr/>
         </p:nvSpPr>
         <p:spPr>
-          <a:xfrm rot="2652772">
-            <a:off x="9508894" y="2687673"/>
+          <a:xfrm rot="172216">
+            <a:off x="8355040" y="1889188"/>
             <a:ext cx="689113" cy="276999"/>
           </a:xfrm>
           <a:prstGeom prst="rect">
@@ -7613,8 +7358,8 @@
           <p:nvPr/>
         </p:nvSpPr>
         <p:spPr>
-          <a:xfrm rot="1970635">
-            <a:off x="9116103" y="1330342"/>
+          <a:xfrm rot="1622632">
+            <a:off x="8507380" y="1411087"/>
             <a:ext cx="852714" cy="276999"/>
           </a:xfrm>
           <a:prstGeom prst="rect">
@@ -7634,7 +7379,7 @@
                 <a:latin typeface="Ink Free" panose="03080402000500000000" pitchFamily="66" charset="0"/>
                 <a:ea typeface="Cambria Math" panose="02040503050406030204" pitchFamily="18" charset="0"/>
               </a:rPr>
-              <a:t>1.00</a:t>
+              <a:t>1.20</a:t>
             </a:r>
           </a:p>
         </p:txBody>
@@ -7654,7 +7399,7 @@
           <p:nvPr>
             <p:extLst>
               <p:ext uri="{D42A27DB-BD31-4B8C-83A1-F6EECF244321}">
-                <p14:modId xmlns:p14="http://schemas.microsoft.com/office/powerpoint/2010/main" val="3379242923"/>
+                <p14:modId xmlns:p14="http://schemas.microsoft.com/office/powerpoint/2010/main" val="2200757994"/>
               </p:ext>
             </p:extLst>
           </p:nvPr>
@@ -7805,7 +7550,7 @@
                       <a:pPr algn="ctr"/>
                       <a:r>
                         <a:rPr lang="en-US" i="1" dirty="0"/>
-                        <a:t>1</a:t>
+                        <a:t>2</a:t>
                       </a:r>
                     </a:p>
                   </a:txBody>
@@ -7819,7 +7564,7 @@
                       <a:pPr algn="ctr"/>
                       <a:r>
                         <a:rPr lang="en-US" i="1" dirty="0"/>
-                        <a:t>1</a:t>
+                        <a:t>2</a:t>
                       </a:r>
                     </a:p>
                   </a:txBody>
@@ -7850,10 +7595,2022 @@
           <p:nvPr>
             <p:extLst>
               <p:ext uri="{D42A27DB-BD31-4B8C-83A1-F6EECF244321}">
-                <p14:modId xmlns:p14="http://schemas.microsoft.com/office/powerpoint/2010/main" val="3921651660"/>
+                <p14:modId xmlns:p14="http://schemas.microsoft.com/office/powerpoint/2010/main" val="1877315385"/>
               </p:ext>
             </p:extLst>
           </p:nvPr>
+        </p:nvGraphicFramePr>
+        <p:xfrm>
+          <a:off x="995990" y="2143160"/>
+          <a:ext cx="4142604" cy="1712038"/>
+        </p:xfrm>
+        <a:graphic>
+          <a:graphicData uri="http://schemas.openxmlformats.org/drawingml/2006/table">
+            <a:tbl>
+              <a:tblPr firstRow="1" bandRow="1">
+                <a:tableStyleId>{5C22544A-7EE6-4342-B048-85BDC9FD1C3A}</a:tableStyleId>
+              </a:tblPr>
+              <a:tblGrid>
+                <a:gridCol w="2071302">
+                  <a:extLst>
+                    <a:ext uri="{9D8B030D-6E8A-4147-A177-3AD203B41FA5}">
+                      <a16:colId xmlns:a16="http://schemas.microsoft.com/office/drawing/2014/main" val="4092026021"/>
+                    </a:ext>
+                  </a:extLst>
+                </a:gridCol>
+                <a:gridCol w="2071302">
+                  <a:extLst>
+                    <a:ext uri="{9D8B030D-6E8A-4147-A177-3AD203B41FA5}">
+                      <a16:colId xmlns:a16="http://schemas.microsoft.com/office/drawing/2014/main" val="2340109040"/>
+                    </a:ext>
+                  </a:extLst>
+                </a:gridCol>
+              </a:tblGrid>
+              <a:tr h="0">
+                <a:tc gridSpan="2">
+                  <a:txBody>
+                    <a:bodyPr/>
+                    <a:lstStyle/>
+                    <a:p>
+                      <a:pPr algn="ctr"/>
+                      <a:r>
+                        <a:rPr lang="en-US" i="0" dirty="0">
+                          <a:solidFill>
+                            <a:schemeClr val="tx1"/>
+                          </a:solidFill>
+                        </a:rPr>
+                        <a:t>g: Price at Giant Eagle</a:t>
+                      </a:r>
+                      <a:endParaRPr lang="en-US" b="0" i="0" dirty="0">
+                        <a:solidFill>
+                          <a:schemeClr val="tx1"/>
+                        </a:solidFill>
+                      </a:endParaRPr>
+                    </a:p>
+                  </a:txBody>
+                  <a:tcPr>
+                    <a:noFill/>
+                  </a:tcPr>
+                </a:tc>
+                <a:tc hMerge="1">
+                  <a:txBody>
+                    <a:bodyPr/>
+                    <a:lstStyle/>
+                    <a:p>
+                      <a:pPr algn="ctr"/>
+                      <a:endParaRPr lang="en-US" dirty="0"/>
+                    </a:p>
+                  </a:txBody>
+                  <a:tcPr/>
+                </a:tc>
+                <a:extLst>
+                  <a:ext uri="{0D108BD9-81ED-4DB2-BD59-A6C34878D82A}">
+                    <a16:rowId xmlns:a16="http://schemas.microsoft.com/office/drawing/2014/main" val="3832701466"/>
+                  </a:ext>
+                </a:extLst>
+              </a:tr>
+              <a:tr h="417053">
+                <a:tc>
+                  <a:txBody>
+                    <a:bodyPr/>
+                    <a:lstStyle/>
+                    <a:p>
+                      <a:pPr marL="0" marR="0" lvl="0" indent="0" algn="ctr" defTabSz="914400" rtl="0" eaLnBrk="1" fontAlgn="auto" latinLnBrk="0" hangingPunct="1">
+                        <a:lnSpc>
+                          <a:spcPct val="100000"/>
+                        </a:lnSpc>
+                        <a:spcBef>
+                          <a:spcPts val="0"/>
+                        </a:spcBef>
+                        <a:spcAft>
+                          <a:spcPts val="0"/>
+                        </a:spcAft>
+                        <a:buClrTx/>
+                        <a:buSzTx/>
+                        <a:buFontTx/>
+                        <a:buNone/>
+                        <a:tabLst/>
+                        <a:defRPr/>
+                      </a:pPr>
+                      <a:r>
+                        <a:rPr lang="en-US" dirty="0"/>
+                        <a:t>(a) Apples</a:t>
+                      </a:r>
+                    </a:p>
+                  </a:txBody>
+                  <a:tcPr>
+                    <a:solidFill>
+                      <a:schemeClr val="bg1">
+                        <a:lumMod val="95000"/>
+                      </a:schemeClr>
+                    </a:solidFill>
+                  </a:tcPr>
+                </a:tc>
+                <a:tc>
+                  <a:txBody>
+                    <a:bodyPr/>
+                    <a:lstStyle/>
+                    <a:p>
+                      <a:pPr algn="r"/>
+                      <a:r>
+                        <a:rPr lang="en-US" dirty="0"/>
+                        <a:t>$1.20</a:t>
+                      </a:r>
+                    </a:p>
+                  </a:txBody>
+                  <a:tcPr/>
+                </a:tc>
+                <a:extLst>
+                  <a:ext uri="{0D108BD9-81ED-4DB2-BD59-A6C34878D82A}">
+                    <a16:rowId xmlns:a16="http://schemas.microsoft.com/office/drawing/2014/main" val="2897390408"/>
+                  </a:ext>
+                </a:extLst>
+              </a:tr>
+              <a:tr h="417053">
+                <a:tc>
+                  <a:txBody>
+                    <a:bodyPr/>
+                    <a:lstStyle/>
+                    <a:p>
+                      <a:pPr marL="0" marR="0" lvl="0" indent="0" algn="ctr" defTabSz="914400" rtl="0" eaLnBrk="1" fontAlgn="auto" latinLnBrk="0" hangingPunct="1">
+                        <a:lnSpc>
+                          <a:spcPct val="100000"/>
+                        </a:lnSpc>
+                        <a:spcBef>
+                          <a:spcPts val="0"/>
+                        </a:spcBef>
+                        <a:spcAft>
+                          <a:spcPts val="0"/>
+                        </a:spcAft>
+                        <a:buClrTx/>
+                        <a:buSzTx/>
+                        <a:buFontTx/>
+                        <a:buNone/>
+                        <a:tabLst/>
+                        <a:defRPr/>
+                      </a:pPr>
+                      <a:r>
+                        <a:rPr lang="en-US" dirty="0"/>
+                        <a:t>(b) Brown sugar</a:t>
+                      </a:r>
+                    </a:p>
+                  </a:txBody>
+                  <a:tcPr>
+                    <a:solidFill>
+                      <a:schemeClr val="bg1">
+                        <a:lumMod val="95000"/>
+                      </a:schemeClr>
+                    </a:solidFill>
+                  </a:tcPr>
+                </a:tc>
+                <a:tc>
+                  <a:txBody>
+                    <a:bodyPr/>
+                    <a:lstStyle/>
+                    <a:p>
+                      <a:pPr algn="r"/>
+                      <a:r>
+                        <a:rPr lang="en-US" dirty="0"/>
+                        <a:t>$1.25</a:t>
+                      </a:r>
+                    </a:p>
+                  </a:txBody>
+                  <a:tcPr/>
+                </a:tc>
+                <a:extLst>
+                  <a:ext uri="{0D108BD9-81ED-4DB2-BD59-A6C34878D82A}">
+                    <a16:rowId xmlns:a16="http://schemas.microsoft.com/office/drawing/2014/main" val="303163573"/>
+                  </a:ext>
+                </a:extLst>
+              </a:tr>
+              <a:tr h="512172">
+                <a:tc>
+                  <a:txBody>
+                    <a:bodyPr/>
+                    <a:lstStyle/>
+                    <a:p>
+                      <a:pPr marL="0" marR="0" lvl="0" indent="0" algn="ctr" defTabSz="914400" rtl="0" eaLnBrk="1" fontAlgn="auto" latinLnBrk="0" hangingPunct="1">
+                        <a:lnSpc>
+                          <a:spcPct val="100000"/>
+                        </a:lnSpc>
+                        <a:spcBef>
+                          <a:spcPts val="0"/>
+                        </a:spcBef>
+                        <a:spcAft>
+                          <a:spcPts val="0"/>
+                        </a:spcAft>
+                        <a:buClrTx/>
+                        <a:buSzTx/>
+                        <a:buFontTx/>
+                        <a:buNone/>
+                        <a:tabLst/>
+                        <a:defRPr/>
+                      </a:pPr>
+                      <a:r>
+                        <a:rPr lang="en-US" dirty="0"/>
+                        <a:t>(c) Choc Chips</a:t>
+                      </a:r>
+                    </a:p>
+                  </a:txBody>
+                  <a:tcPr>
+                    <a:solidFill>
+                      <a:schemeClr val="bg1">
+                        <a:lumMod val="95000"/>
+                      </a:schemeClr>
+                    </a:solidFill>
+                  </a:tcPr>
+                </a:tc>
+                <a:tc>
+                  <a:txBody>
+                    <a:bodyPr/>
+                    <a:lstStyle/>
+                    <a:p>
+                      <a:pPr algn="r"/>
+                      <a:r>
+                        <a:rPr lang="en-US" dirty="0"/>
+                        <a:t>$3.75</a:t>
+                      </a:r>
+                    </a:p>
+                  </a:txBody>
+                  <a:tcPr/>
+                </a:tc>
+                <a:extLst>
+                  <a:ext uri="{0D108BD9-81ED-4DB2-BD59-A6C34878D82A}">
+                    <a16:rowId xmlns:a16="http://schemas.microsoft.com/office/drawing/2014/main" val="3834278958"/>
+                  </a:ext>
+                </a:extLst>
+              </a:tr>
+            </a:tbl>
+          </a:graphicData>
+        </a:graphic>
+      </p:graphicFrame>
+      <p:sp>
+        <p:nvSpPr>
+          <p:cNvPr id="2" name="TextBox 1">
+            <a:extLst>
+              <a:ext uri="{FF2B5EF4-FFF2-40B4-BE49-F238E27FC236}">
+                <a16:creationId xmlns:a16="http://schemas.microsoft.com/office/drawing/2014/main" id="{595661E3-0DA1-FB58-5688-A57EC41F6F75}"/>
+              </a:ext>
+            </a:extLst>
+          </p:cNvPr>
+          <p:cNvSpPr txBox="1"/>
+          <p:nvPr/>
+        </p:nvSpPr>
+        <p:spPr>
+          <a:xfrm>
+            <a:off x="5965160" y="4906904"/>
+            <a:ext cx="5860858" cy="923330"/>
+          </a:xfrm>
+          <a:prstGeom prst="rect">
+            <a:avLst/>
+          </a:prstGeom>
+          <a:noFill/>
+          <a:ln>
+            <a:noFill/>
+          </a:ln>
+        </p:spPr>
+        <p:style>
+          <a:lnRef idx="0">
+            <a:scrgbClr r="0" g="0" b="0"/>
+          </a:lnRef>
+          <a:fillRef idx="0">
+            <a:scrgbClr r="0" g="0" b="0"/>
+          </a:fillRef>
+          <a:effectRef idx="0">
+            <a:scrgbClr r="0" g="0" b="0"/>
+          </a:effectRef>
+          <a:fontRef idx="minor">
+            <a:schemeClr val="dk1"/>
+          </a:fontRef>
+        </p:style>
+        <p:txBody>
+          <a:bodyPr wrap="square" rtlCol="0">
+            <a:spAutoFit/>
+          </a:bodyPr>
+          <a:lstStyle/>
+          <a:p>
+            <a:pPr algn="ctr"/>
+            <a:r>
+              <a:rPr lang="en-US" dirty="0">
+                <a:latin typeface="Cambria Math" panose="02040503050406030204" pitchFamily="18" charset="0"/>
+                <a:ea typeface="Cambria Math" panose="02040503050406030204" pitchFamily="18" charset="0"/>
+              </a:rPr>
+              <a:t>Right:  How to compute the total cost of all items: multiply numbers on the edges of a path (e.g., </a:t>
+            </a:r>
+            <a:r>
+              <a:rPr lang="en-US" dirty="0" err="1">
+                <a:latin typeface="Cambria Math" panose="02040503050406030204" pitchFamily="18" charset="0"/>
+                <a:ea typeface="Cambria Math" panose="02040503050406030204" pitchFamily="18" charset="0"/>
+              </a:rPr>
+              <a:t>r</a:t>
+            </a:r>
+            <a:r>
+              <a:rPr lang="en-US" dirty="0" err="1">
+                <a:latin typeface="Cambria Math" panose="02040503050406030204" pitchFamily="18" charset="0"/>
+                <a:ea typeface="Cambria Math" panose="02040503050406030204" pitchFamily="18" charset="0"/>
+                <a:sym typeface="Wingdings" pitchFamily="2" charset="2"/>
+              </a:rPr>
+              <a:t>be</a:t>
+            </a:r>
+            <a:r>
+              <a:rPr lang="en-US" dirty="0">
+                <a:latin typeface="Cambria Math" panose="02040503050406030204" pitchFamily="18" charset="0"/>
+                <a:ea typeface="Cambria Math" panose="02040503050406030204" pitchFamily="18" charset="0"/>
+                <a:sym typeface="Wingdings" pitchFamily="2" charset="2"/>
+              </a:rPr>
+              <a:t> = 1*1.25)</a:t>
+            </a:r>
+            <a:r>
+              <a:rPr lang="en-US" dirty="0">
+                <a:latin typeface="Cambria Math" panose="02040503050406030204" pitchFamily="18" charset="0"/>
+                <a:ea typeface="Cambria Math" panose="02040503050406030204" pitchFamily="18" charset="0"/>
+              </a:rPr>
+              <a:t>, then add up the results for every path that reaches (g)</a:t>
+            </a:r>
+          </a:p>
+        </p:txBody>
+      </p:sp>
+      <p:sp>
+        <p:nvSpPr>
+          <p:cNvPr id="4" name="TextBox 3">
+            <a:extLst>
+              <a:ext uri="{FF2B5EF4-FFF2-40B4-BE49-F238E27FC236}">
+                <a16:creationId xmlns:a16="http://schemas.microsoft.com/office/drawing/2014/main" id="{A72AED21-DF76-CB4B-15B2-951AB9A0EF2A}"/>
+              </a:ext>
+            </a:extLst>
+          </p:cNvPr>
+          <p:cNvSpPr txBox="1"/>
+          <p:nvPr/>
+        </p:nvSpPr>
+        <p:spPr>
+          <a:xfrm>
+            <a:off x="670984" y="4814387"/>
+            <a:ext cx="4697866" cy="923330"/>
+          </a:xfrm>
+          <a:prstGeom prst="rect">
+            <a:avLst/>
+          </a:prstGeom>
+          <a:noFill/>
+          <a:ln>
+            <a:noFill/>
+          </a:ln>
+        </p:spPr>
+        <p:style>
+          <a:lnRef idx="0">
+            <a:scrgbClr r="0" g="0" b="0"/>
+          </a:lnRef>
+          <a:fillRef idx="0">
+            <a:scrgbClr r="0" g="0" b="0"/>
+          </a:fillRef>
+          <a:effectRef idx="0">
+            <a:scrgbClr r="0" g="0" b="0"/>
+          </a:effectRef>
+          <a:fontRef idx="minor">
+            <a:schemeClr val="dk1"/>
+          </a:fontRef>
+        </p:style>
+        <p:txBody>
+          <a:bodyPr wrap="square" rtlCol="0">
+            <a:spAutoFit/>
+          </a:bodyPr>
+          <a:lstStyle/>
+          <a:p>
+            <a:pPr algn="ctr"/>
+            <a:r>
+              <a:rPr lang="en-US" dirty="0">
+                <a:latin typeface="Cambria Math" panose="02040503050406030204" pitchFamily="18" charset="0"/>
+                <a:ea typeface="Cambria Math" panose="02040503050406030204" pitchFamily="18" charset="0"/>
+              </a:rPr>
+              <a:t>Left: A shopping list </a:t>
+            </a:r>
+            <a:r>
+              <a:rPr lang="en-US" b="1" dirty="0">
+                <a:latin typeface="Cambria Math" panose="02040503050406030204" pitchFamily="18" charset="0"/>
+                <a:ea typeface="Cambria Math" panose="02040503050406030204" pitchFamily="18" charset="0"/>
+              </a:rPr>
+              <a:t>r </a:t>
+            </a:r>
+            <a:r>
+              <a:rPr lang="en-US" dirty="0">
+                <a:latin typeface="Cambria Math" panose="02040503050406030204" pitchFamily="18" charset="0"/>
+                <a:ea typeface="Cambria Math" panose="02040503050406030204" pitchFamily="18" charset="0"/>
+              </a:rPr>
+              <a:t>with needed quantities of three items (a, b, c), and per-unit prices of these items a store (e).</a:t>
+            </a:r>
+          </a:p>
+        </p:txBody>
+      </p:sp>
+      <p:sp>
+        <p:nvSpPr>
+          <p:cNvPr id="43" name="Oval Callout 42">
+            <a:extLst>
+              <a:ext uri="{FF2B5EF4-FFF2-40B4-BE49-F238E27FC236}">
+                <a16:creationId xmlns:a16="http://schemas.microsoft.com/office/drawing/2014/main" id="{526DD8C6-82A6-FBEC-37B3-36E5B3B0DA2E}"/>
+              </a:ext>
+            </a:extLst>
+          </p:cNvPr>
+          <p:cNvSpPr/>
+          <p:nvPr/>
+        </p:nvSpPr>
+        <p:spPr>
+          <a:xfrm>
+            <a:off x="8918713" y="144204"/>
+            <a:ext cx="3241065" cy="1137640"/>
+          </a:xfrm>
+          <a:prstGeom prst="wedgeEllipseCallout">
+            <a:avLst>
+              <a:gd name="adj1" fmla="val -28767"/>
+              <a:gd name="adj2" fmla="val 80953"/>
+            </a:avLst>
+          </a:prstGeom>
+          <a:noFill/>
+          <a:ln w="9525" cap="flat" cmpd="sng" algn="ctr">
+            <a:solidFill>
+              <a:schemeClr val="dk1"/>
+            </a:solidFill>
+            <a:prstDash val="dash"/>
+            <a:round/>
+            <a:headEnd type="none" w="med" len="med"/>
+            <a:tailEnd type="none" w="med" len="med"/>
+          </a:ln>
+        </p:spPr>
+        <p:style>
+          <a:lnRef idx="0">
+            <a:scrgbClr r="0" g="0" b="0"/>
+          </a:lnRef>
+          <a:fillRef idx="0">
+            <a:scrgbClr r="0" g="0" b="0"/>
+          </a:fillRef>
+          <a:effectRef idx="0">
+            <a:scrgbClr r="0" g="0" b="0"/>
+          </a:effectRef>
+          <a:fontRef idx="minor">
+            <a:schemeClr val="dk1"/>
+          </a:fontRef>
+        </p:style>
+        <p:txBody>
+          <a:bodyPr rtlCol="0" anchor="ctr"/>
+          <a:lstStyle/>
+          <a:p>
+            <a:pPr algn="ctr"/>
+            <a:r>
+              <a:rPr lang="en-US" sz="1600" i="1" dirty="0" err="1">
+                <a:latin typeface="Ink Free" panose="03080402000500000000" pitchFamily="66" charset="0"/>
+                <a:ea typeface="Cambria Math" panose="02040503050406030204" pitchFamily="18" charset="0"/>
+              </a:rPr>
+              <a:t>r</a:t>
+            </a:r>
+            <a:r>
+              <a:rPr lang="en-US" sz="1600" i="1" baseline="-25000" dirty="0" err="1">
+                <a:latin typeface="Ink Free" panose="03080402000500000000" pitchFamily="66" charset="0"/>
+                <a:ea typeface="Cambria Math" panose="02040503050406030204" pitchFamily="18" charset="0"/>
+              </a:rPr>
+              <a:t>a</a:t>
+            </a:r>
+            <a:r>
+              <a:rPr lang="en-US" sz="1600" i="1" baseline="-25000" dirty="0">
+                <a:latin typeface="Ink Free" panose="03080402000500000000" pitchFamily="66" charset="0"/>
+                <a:ea typeface="Cambria Math" panose="02040503050406030204" pitchFamily="18" charset="0"/>
+              </a:rPr>
+              <a:t> </a:t>
+            </a:r>
+            <a:r>
+              <a:rPr lang="en-US" sz="1600" i="1" dirty="0">
+                <a:latin typeface="Ink Free" panose="03080402000500000000" pitchFamily="66" charset="0"/>
+                <a:ea typeface="Cambria Math" panose="02040503050406030204" pitchFamily="18" charset="0"/>
+              </a:rPr>
+              <a:t>p</a:t>
+            </a:r>
+            <a:r>
+              <a:rPr lang="en-US" sz="1600" i="1" baseline="-25000" dirty="0">
+                <a:latin typeface="Ink Free" panose="03080402000500000000" pitchFamily="66" charset="0"/>
+                <a:ea typeface="Cambria Math" panose="02040503050406030204" pitchFamily="18" charset="0"/>
+              </a:rPr>
+              <a:t>a</a:t>
+            </a:r>
+            <a:r>
+              <a:rPr lang="en-US" sz="1600" i="1" dirty="0">
+                <a:latin typeface="Ink Free" panose="03080402000500000000" pitchFamily="66" charset="0"/>
+                <a:ea typeface="Cambria Math" panose="02040503050406030204" pitchFamily="18" charset="0"/>
+              </a:rPr>
+              <a:t>+ </a:t>
+            </a:r>
+            <a:r>
+              <a:rPr lang="en-US" sz="1600" i="1" dirty="0" err="1">
+                <a:latin typeface="Ink Free" panose="03080402000500000000" pitchFamily="66" charset="0"/>
+                <a:ea typeface="Cambria Math" panose="02040503050406030204" pitchFamily="18" charset="0"/>
+              </a:rPr>
+              <a:t>r</a:t>
+            </a:r>
+            <a:r>
+              <a:rPr lang="en-US" sz="1600" i="1" baseline="-25000" dirty="0" err="1">
+                <a:latin typeface="Ink Free" panose="03080402000500000000" pitchFamily="66" charset="0"/>
+                <a:ea typeface="Cambria Math" panose="02040503050406030204" pitchFamily="18" charset="0"/>
+              </a:rPr>
+              <a:t>b</a:t>
+            </a:r>
+            <a:r>
+              <a:rPr lang="en-US" sz="1600" i="1" baseline="-25000" dirty="0">
+                <a:latin typeface="Ink Free" panose="03080402000500000000" pitchFamily="66" charset="0"/>
+                <a:ea typeface="Cambria Math" panose="02040503050406030204" pitchFamily="18" charset="0"/>
+              </a:rPr>
+              <a:t> </a:t>
+            </a:r>
+            <a:r>
+              <a:rPr lang="en-US" sz="1600" i="1" dirty="0">
+                <a:latin typeface="Ink Free" panose="03080402000500000000" pitchFamily="66" charset="0"/>
+                <a:ea typeface="Cambria Math" panose="02040503050406030204" pitchFamily="18" charset="0"/>
+              </a:rPr>
+              <a:t>p</a:t>
+            </a:r>
+            <a:r>
+              <a:rPr lang="en-US" sz="1600" i="1" baseline="-25000" dirty="0">
+                <a:latin typeface="Ink Free" panose="03080402000500000000" pitchFamily="66" charset="0"/>
+                <a:ea typeface="Cambria Math" panose="02040503050406030204" pitchFamily="18" charset="0"/>
+              </a:rPr>
+              <a:t>b</a:t>
+            </a:r>
+            <a:r>
+              <a:rPr lang="en-US" sz="1600" i="1" dirty="0">
+                <a:latin typeface="Ink Free" panose="03080402000500000000" pitchFamily="66" charset="0"/>
+                <a:ea typeface="Cambria Math" panose="02040503050406030204" pitchFamily="18" charset="0"/>
+              </a:rPr>
+              <a:t>+ </a:t>
+            </a:r>
+            <a:r>
+              <a:rPr lang="en-US" sz="1600" i="1" dirty="0" err="1">
+                <a:latin typeface="Ink Free" panose="03080402000500000000" pitchFamily="66" charset="0"/>
+                <a:ea typeface="Cambria Math" panose="02040503050406030204" pitchFamily="18" charset="0"/>
+              </a:rPr>
+              <a:t>r</a:t>
+            </a:r>
+            <a:r>
+              <a:rPr lang="en-US" sz="1600" i="1" baseline="-25000" dirty="0" err="1">
+                <a:latin typeface="Ink Free" panose="03080402000500000000" pitchFamily="66" charset="0"/>
+                <a:ea typeface="Cambria Math" panose="02040503050406030204" pitchFamily="18" charset="0"/>
+              </a:rPr>
+              <a:t>c</a:t>
+            </a:r>
+            <a:r>
+              <a:rPr lang="en-US" sz="1600" i="1" baseline="-25000" dirty="0">
+                <a:latin typeface="Ink Free" panose="03080402000500000000" pitchFamily="66" charset="0"/>
+                <a:ea typeface="Cambria Math" panose="02040503050406030204" pitchFamily="18" charset="0"/>
+              </a:rPr>
+              <a:t> </a:t>
+            </a:r>
+            <a:r>
+              <a:rPr lang="en-US" sz="1600" i="1" dirty="0">
+                <a:latin typeface="Ink Free" panose="03080402000500000000" pitchFamily="66" charset="0"/>
+                <a:ea typeface="Cambria Math" panose="02040503050406030204" pitchFamily="18" charset="0"/>
+              </a:rPr>
+              <a:t>p</a:t>
+            </a:r>
+            <a:r>
+              <a:rPr lang="en-US" sz="1600" i="1" baseline="-25000" dirty="0">
+                <a:latin typeface="Ink Free" panose="03080402000500000000" pitchFamily="66" charset="0"/>
+                <a:ea typeface="Cambria Math" panose="02040503050406030204" pitchFamily="18" charset="0"/>
+              </a:rPr>
+              <a:t>c </a:t>
+            </a:r>
+          </a:p>
+          <a:p>
+            <a:pPr algn="ctr"/>
+            <a:endParaRPr lang="en-US" sz="1600" i="1" dirty="0">
+              <a:latin typeface="Ink Free" panose="03080402000500000000" pitchFamily="66" charset="0"/>
+              <a:ea typeface="Cambria Math" panose="02040503050406030204" pitchFamily="18" charset="0"/>
+            </a:endParaRPr>
+          </a:p>
+          <a:p>
+            <a:pPr algn="ctr"/>
+            <a:r>
+              <a:rPr lang="en-US" sz="1600" i="1" dirty="0">
+                <a:latin typeface="Ink Free" panose="03080402000500000000" pitchFamily="66" charset="0"/>
+                <a:ea typeface="Cambria Math" panose="02040503050406030204" pitchFamily="18" charset="0"/>
+              </a:rPr>
+              <a:t>= 2*1.25  + 2*3.75 </a:t>
+            </a:r>
+          </a:p>
+          <a:p>
+            <a:pPr algn="ctr"/>
+            <a:r>
+              <a:rPr lang="en-US" sz="1600" i="1" dirty="0">
+                <a:latin typeface="Ink Free" panose="03080402000500000000" pitchFamily="66" charset="0"/>
+                <a:ea typeface="Cambria Math" panose="02040503050406030204" pitchFamily="18" charset="0"/>
+              </a:rPr>
+              <a:t>= $10.00</a:t>
+            </a:r>
+            <a:endParaRPr lang="en-US" sz="1600" dirty="0">
+              <a:latin typeface="Ink Free" panose="03080402000500000000" pitchFamily="66" charset="0"/>
+            </a:endParaRPr>
+          </a:p>
+        </p:txBody>
+      </p:sp>
+    </p:spTree>
+    <p:extLst>
+      <p:ext uri="{BB962C8B-B14F-4D97-AF65-F5344CB8AC3E}">
+        <p14:creationId xmlns:p14="http://schemas.microsoft.com/office/powerpoint/2010/main" val="3099770671"/>
+      </p:ext>
+    </p:extLst>
+  </p:cSld>
+  <p:clrMapOvr>
+    <a:masterClrMapping/>
+  </p:clrMapOvr>
+</p:sld>
+</file>
+
+<file path=ppt/slides/slide3.xml><?xml version="1.0" encoding="utf-8"?>
+<p:sld xmlns:a="http://schemas.openxmlformats.org/drawingml/2006/main" xmlns:r="http://schemas.openxmlformats.org/officeDocument/2006/relationships" xmlns:p="http://schemas.openxmlformats.org/presentationml/2006/main">
+  <p:cSld>
+    <p:spTree>
+      <p:nvGrpSpPr>
+        <p:cNvPr id="1" name="">
+          <a:extLst>
+            <a:ext uri="{FF2B5EF4-FFF2-40B4-BE49-F238E27FC236}">
+              <a16:creationId xmlns:a16="http://schemas.microsoft.com/office/drawing/2014/main" id="{2AB3FB6D-123E-0F74-DF1A-D7CBC2A28F1B}"/>
+            </a:ext>
+          </a:extLst>
+        </p:cNvPr>
+        <p:cNvGrpSpPr/>
+        <p:nvPr/>
+      </p:nvGrpSpPr>
+      <p:grpSpPr>
+        <a:xfrm>
+          <a:off x="0" y="0"/>
+          <a:ext cx="0" cy="0"/>
+          <a:chOff x="0" y="0"/>
+          <a:chExt cx="0" cy="0"/>
+        </a:xfrm>
+      </p:grpSpPr>
+      <p:sp>
+        <p:nvSpPr>
+          <p:cNvPr id="6" name="Rectangle 5">
+            <a:extLst>
+              <a:ext uri="{FF2B5EF4-FFF2-40B4-BE49-F238E27FC236}">
+                <a16:creationId xmlns:a16="http://schemas.microsoft.com/office/drawing/2014/main" id="{CF8661EE-3F0F-10E0-A927-00960F719D15}"/>
+              </a:ext>
+            </a:extLst>
+          </p:cNvPr>
+          <p:cNvSpPr/>
+          <p:nvPr/>
+        </p:nvSpPr>
+        <p:spPr>
+          <a:xfrm>
+            <a:off x="7183266" y="1116706"/>
+            <a:ext cx="1029206" cy="392790"/>
+          </a:xfrm>
+          <a:prstGeom prst="rect">
+            <a:avLst/>
+          </a:prstGeom>
+          <a:solidFill>
+            <a:schemeClr val="bg1"/>
+          </a:solidFill>
+          <a:ln>
+            <a:noFill/>
+          </a:ln>
+        </p:spPr>
+        <p:style>
+          <a:lnRef idx="2">
+            <a:schemeClr val="accent1">
+              <a:shade val="15000"/>
+            </a:schemeClr>
+          </a:lnRef>
+          <a:fillRef idx="1">
+            <a:schemeClr val="accent1"/>
+          </a:fillRef>
+          <a:effectRef idx="0">
+            <a:schemeClr val="accent1"/>
+          </a:effectRef>
+          <a:fontRef idx="minor">
+            <a:schemeClr val="lt1"/>
+          </a:fontRef>
+        </p:style>
+        <p:txBody>
+          <a:bodyPr rtlCol="0" anchor="ctr"/>
+          <a:lstStyle/>
+          <a:p>
+            <a:pPr algn="ctr"/>
+            <a:endParaRPr lang="en-US"/>
+          </a:p>
+        </p:txBody>
+      </p:sp>
+      <p:sp>
+        <p:nvSpPr>
+          <p:cNvPr id="7" name="Rectangle 6">
+            <a:extLst>
+              <a:ext uri="{FF2B5EF4-FFF2-40B4-BE49-F238E27FC236}">
+                <a16:creationId xmlns:a16="http://schemas.microsoft.com/office/drawing/2014/main" id="{95735EE5-D945-D84F-96E8-683D8D012433}"/>
+              </a:ext>
+            </a:extLst>
+          </p:cNvPr>
+          <p:cNvSpPr/>
+          <p:nvPr/>
+        </p:nvSpPr>
+        <p:spPr>
+          <a:xfrm>
+            <a:off x="7183265" y="2108500"/>
+            <a:ext cx="1029206" cy="392790"/>
+          </a:xfrm>
+          <a:prstGeom prst="rect">
+            <a:avLst/>
+          </a:prstGeom>
+          <a:solidFill>
+            <a:schemeClr val="bg1"/>
+          </a:solidFill>
+          <a:ln>
+            <a:noFill/>
+          </a:ln>
+        </p:spPr>
+        <p:style>
+          <a:lnRef idx="2">
+            <a:schemeClr val="accent1">
+              <a:shade val="15000"/>
+            </a:schemeClr>
+          </a:lnRef>
+          <a:fillRef idx="1">
+            <a:schemeClr val="accent1"/>
+          </a:fillRef>
+          <a:effectRef idx="0">
+            <a:schemeClr val="accent1"/>
+          </a:effectRef>
+          <a:fontRef idx="minor">
+            <a:schemeClr val="lt1"/>
+          </a:fontRef>
+        </p:style>
+        <p:txBody>
+          <a:bodyPr rtlCol="0" anchor="ctr"/>
+          <a:lstStyle/>
+          <a:p>
+            <a:pPr algn="ctr"/>
+            <a:endParaRPr lang="en-US"/>
+          </a:p>
+        </p:txBody>
+      </p:sp>
+      <p:sp>
+        <p:nvSpPr>
+          <p:cNvPr id="24" name="TextBox 23">
+            <a:extLst>
+              <a:ext uri="{FF2B5EF4-FFF2-40B4-BE49-F238E27FC236}">
+                <a16:creationId xmlns:a16="http://schemas.microsoft.com/office/drawing/2014/main" id="{FEC9172F-EB92-9FF9-2BC8-93CD306D9E3C}"/>
+              </a:ext>
+            </a:extLst>
+          </p:cNvPr>
+          <p:cNvSpPr txBox="1"/>
+          <p:nvPr/>
+        </p:nvSpPr>
+        <p:spPr>
+          <a:xfrm>
+            <a:off x="8593502" y="1167795"/>
+            <a:ext cx="309887" cy="369332"/>
+          </a:xfrm>
+          <a:prstGeom prst="rect">
+            <a:avLst/>
+          </a:prstGeom>
+        </p:spPr>
+        <p:style>
+          <a:lnRef idx="1">
+            <a:schemeClr val="accent1"/>
+          </a:lnRef>
+          <a:fillRef idx="3">
+            <a:schemeClr val="accent1"/>
+          </a:fillRef>
+          <a:effectRef idx="2">
+            <a:schemeClr val="accent1"/>
+          </a:effectRef>
+          <a:fontRef idx="minor">
+            <a:schemeClr val="lt1"/>
+          </a:fontRef>
+        </p:style>
+        <p:txBody>
+          <a:bodyPr wrap="square" rtlCol="0">
+            <a:spAutoFit/>
+          </a:bodyPr>
+          <a:lstStyle/>
+          <a:p>
+            <a:r>
+              <a:rPr lang="en-US" i="1" dirty="0"/>
+              <a:t>a</a:t>
+            </a:r>
+          </a:p>
+        </p:txBody>
+      </p:sp>
+      <p:sp>
+        <p:nvSpPr>
+          <p:cNvPr id="25" name="TextBox 24">
+            <a:extLst>
+              <a:ext uri="{FF2B5EF4-FFF2-40B4-BE49-F238E27FC236}">
+                <a16:creationId xmlns:a16="http://schemas.microsoft.com/office/drawing/2014/main" id="{04335E49-3B0A-F0F4-DAA5-6E8CE1693492}"/>
+              </a:ext>
+            </a:extLst>
+          </p:cNvPr>
+          <p:cNvSpPr txBox="1"/>
+          <p:nvPr/>
+        </p:nvSpPr>
+        <p:spPr>
+          <a:xfrm>
+            <a:off x="8632512" y="2328757"/>
+            <a:ext cx="263077" cy="369332"/>
+          </a:xfrm>
+          <a:prstGeom prst="rect">
+            <a:avLst/>
+          </a:prstGeom>
+        </p:spPr>
+        <p:style>
+          <a:lnRef idx="1">
+            <a:schemeClr val="accent1"/>
+          </a:lnRef>
+          <a:fillRef idx="3">
+            <a:schemeClr val="accent1"/>
+          </a:fillRef>
+          <a:effectRef idx="2">
+            <a:schemeClr val="accent1"/>
+          </a:effectRef>
+          <a:fontRef idx="minor">
+            <a:schemeClr val="lt1"/>
+          </a:fontRef>
+        </p:style>
+        <p:txBody>
+          <a:bodyPr wrap="square" rtlCol="0">
+            <a:spAutoFit/>
+          </a:bodyPr>
+          <a:lstStyle/>
+          <a:p>
+            <a:r>
+              <a:rPr lang="en-US" i="1" dirty="0"/>
+              <a:t>c</a:t>
+            </a:r>
+          </a:p>
+        </p:txBody>
+      </p:sp>
+      <p:sp>
+        <p:nvSpPr>
+          <p:cNvPr id="27" name="TextBox 26">
+            <a:extLst>
+              <a:ext uri="{FF2B5EF4-FFF2-40B4-BE49-F238E27FC236}">
+                <a16:creationId xmlns:a16="http://schemas.microsoft.com/office/drawing/2014/main" id="{71EFC109-F33B-C406-EF4E-EBAD26F7B051}"/>
+              </a:ext>
+            </a:extLst>
+          </p:cNvPr>
+          <p:cNvSpPr txBox="1"/>
+          <p:nvPr/>
+        </p:nvSpPr>
+        <p:spPr>
+          <a:xfrm>
+            <a:off x="10051344" y="1745809"/>
+            <a:ext cx="299077" cy="369332"/>
+          </a:xfrm>
+          <a:prstGeom prst="rect">
+            <a:avLst/>
+          </a:prstGeom>
+        </p:spPr>
+        <p:style>
+          <a:lnRef idx="1">
+            <a:schemeClr val="accent1"/>
+          </a:lnRef>
+          <a:fillRef idx="3">
+            <a:schemeClr val="accent1"/>
+          </a:fillRef>
+          <a:effectRef idx="2">
+            <a:schemeClr val="accent1"/>
+          </a:effectRef>
+          <a:fontRef idx="minor">
+            <a:schemeClr val="lt1"/>
+          </a:fontRef>
+        </p:style>
+        <p:txBody>
+          <a:bodyPr wrap="square" rtlCol="0">
+            <a:spAutoFit/>
+          </a:bodyPr>
+          <a:lstStyle/>
+          <a:p>
+            <a:r>
+              <a:rPr lang="en-US" i="1" dirty="0"/>
+              <a:t>e</a:t>
+            </a:r>
+          </a:p>
+        </p:txBody>
+      </p:sp>
+      <p:sp>
+        <p:nvSpPr>
+          <p:cNvPr id="28" name="TextBox 27">
+            <a:extLst>
+              <a:ext uri="{FF2B5EF4-FFF2-40B4-BE49-F238E27FC236}">
+                <a16:creationId xmlns:a16="http://schemas.microsoft.com/office/drawing/2014/main" id="{17F3E1C5-5EC5-70CA-73D5-5420CA05FA89}"/>
+              </a:ext>
+            </a:extLst>
+          </p:cNvPr>
+          <p:cNvSpPr txBox="1"/>
+          <p:nvPr/>
+        </p:nvSpPr>
+        <p:spPr>
+          <a:xfrm>
+            <a:off x="10051344" y="2387299"/>
+            <a:ext cx="299077" cy="369332"/>
+          </a:xfrm>
+          <a:prstGeom prst="rect">
+            <a:avLst/>
+          </a:prstGeom>
+        </p:spPr>
+        <p:style>
+          <a:lnRef idx="1">
+            <a:schemeClr val="accent1"/>
+          </a:lnRef>
+          <a:fillRef idx="3">
+            <a:schemeClr val="accent1"/>
+          </a:fillRef>
+          <a:effectRef idx="2">
+            <a:schemeClr val="accent1"/>
+          </a:effectRef>
+          <a:fontRef idx="minor">
+            <a:schemeClr val="lt1"/>
+          </a:fontRef>
+        </p:style>
+        <p:txBody>
+          <a:bodyPr wrap="square" rtlCol="0">
+            <a:spAutoFit/>
+          </a:bodyPr>
+          <a:lstStyle/>
+          <a:p>
+            <a:r>
+              <a:rPr lang="en-US" i="1" dirty="0"/>
+              <a:t>f</a:t>
+            </a:r>
+          </a:p>
+        </p:txBody>
+      </p:sp>
+      <p:sp>
+        <p:nvSpPr>
+          <p:cNvPr id="29" name="TextBox 28">
+            <a:extLst>
+              <a:ext uri="{FF2B5EF4-FFF2-40B4-BE49-F238E27FC236}">
+                <a16:creationId xmlns:a16="http://schemas.microsoft.com/office/drawing/2014/main" id="{1BA5E46B-4678-E4F9-A4EF-11D33A86129D}"/>
+              </a:ext>
+            </a:extLst>
+          </p:cNvPr>
+          <p:cNvSpPr txBox="1"/>
+          <p:nvPr/>
+        </p:nvSpPr>
+        <p:spPr>
+          <a:xfrm>
+            <a:off x="7422270" y="1761463"/>
+            <a:ext cx="263077" cy="369332"/>
+          </a:xfrm>
+          <a:prstGeom prst="rect">
+            <a:avLst/>
+          </a:prstGeom>
+        </p:spPr>
+        <p:style>
+          <a:lnRef idx="1">
+            <a:schemeClr val="accent1"/>
+          </a:lnRef>
+          <a:fillRef idx="3">
+            <a:schemeClr val="accent1"/>
+          </a:fillRef>
+          <a:effectRef idx="2">
+            <a:schemeClr val="accent1"/>
+          </a:effectRef>
+          <a:fontRef idx="minor">
+            <a:schemeClr val="lt1"/>
+          </a:fontRef>
+        </p:style>
+        <p:txBody>
+          <a:bodyPr wrap="square" rtlCol="0" anchor="ctr">
+            <a:spAutoFit/>
+          </a:bodyPr>
+          <a:lstStyle/>
+          <a:p>
+            <a:r>
+              <a:rPr lang="en-US" i="1" dirty="0"/>
+              <a:t>r</a:t>
+            </a:r>
+          </a:p>
+        </p:txBody>
+      </p:sp>
+      <p:cxnSp>
+        <p:nvCxnSpPr>
+          <p:cNvPr id="70" name="Straight Arrow Connector 69">
+            <a:extLst>
+              <a:ext uri="{FF2B5EF4-FFF2-40B4-BE49-F238E27FC236}">
+                <a16:creationId xmlns:a16="http://schemas.microsoft.com/office/drawing/2014/main" id="{1673D796-E5C4-AEEF-83B5-7063A97DD074}"/>
+              </a:ext>
+            </a:extLst>
+          </p:cNvPr>
+          <p:cNvCxnSpPr>
+            <a:cxnSpLocks/>
+          </p:cNvCxnSpPr>
+          <p:nvPr/>
+        </p:nvCxnSpPr>
+        <p:spPr>
+          <a:xfrm flipV="1">
+            <a:off x="7752063" y="1474962"/>
+            <a:ext cx="758914" cy="444663"/>
+          </a:xfrm>
+          <a:prstGeom prst="straightConnector1">
+            <a:avLst/>
+          </a:prstGeom>
+          <a:ln>
+            <a:tailEnd type="triangle"/>
+          </a:ln>
+        </p:spPr>
+        <p:style>
+          <a:lnRef idx="3">
+            <a:schemeClr val="accent4"/>
+          </a:lnRef>
+          <a:fillRef idx="0">
+            <a:schemeClr val="accent4"/>
+          </a:fillRef>
+          <a:effectRef idx="2">
+            <a:schemeClr val="accent4"/>
+          </a:effectRef>
+          <a:fontRef idx="minor">
+            <a:schemeClr val="tx1"/>
+          </a:fontRef>
+        </p:style>
+      </p:cxnSp>
+      <p:cxnSp>
+        <p:nvCxnSpPr>
+          <p:cNvPr id="75" name="Straight Arrow Connector 74">
+            <a:extLst>
+              <a:ext uri="{FF2B5EF4-FFF2-40B4-BE49-F238E27FC236}">
+                <a16:creationId xmlns:a16="http://schemas.microsoft.com/office/drawing/2014/main" id="{12E26222-E642-3628-8531-05C11E76441E}"/>
+              </a:ext>
+            </a:extLst>
+          </p:cNvPr>
+          <p:cNvCxnSpPr>
+            <a:cxnSpLocks/>
+            <a:endCxn id="25" idx="1"/>
+          </p:cNvCxnSpPr>
+          <p:nvPr/>
+        </p:nvCxnSpPr>
+        <p:spPr>
+          <a:xfrm>
+            <a:off x="7740873" y="2056461"/>
+            <a:ext cx="891639" cy="456962"/>
+          </a:xfrm>
+          <a:prstGeom prst="straightConnector1">
+            <a:avLst/>
+          </a:prstGeom>
+          <a:ln>
+            <a:tailEnd type="triangle"/>
+          </a:ln>
+        </p:spPr>
+        <p:style>
+          <a:lnRef idx="3">
+            <a:schemeClr val="accent4"/>
+          </a:lnRef>
+          <a:fillRef idx="0">
+            <a:schemeClr val="accent4"/>
+          </a:fillRef>
+          <a:effectRef idx="2">
+            <a:schemeClr val="accent4"/>
+          </a:effectRef>
+          <a:fontRef idx="minor">
+            <a:schemeClr val="tx1"/>
+          </a:fontRef>
+        </p:style>
+      </p:cxnSp>
+      <p:cxnSp>
+        <p:nvCxnSpPr>
+          <p:cNvPr id="77" name="Straight Arrow Connector 76">
+            <a:extLst>
+              <a:ext uri="{FF2B5EF4-FFF2-40B4-BE49-F238E27FC236}">
+                <a16:creationId xmlns:a16="http://schemas.microsoft.com/office/drawing/2014/main" id="{C2613A7A-E903-9D0B-E79F-5A284A5BFC90}"/>
+              </a:ext>
+            </a:extLst>
+          </p:cNvPr>
+          <p:cNvCxnSpPr>
+            <a:cxnSpLocks/>
+          </p:cNvCxnSpPr>
+          <p:nvPr/>
+        </p:nvCxnSpPr>
+        <p:spPr>
+          <a:xfrm>
+            <a:off x="8995081" y="1953696"/>
+            <a:ext cx="1030969" cy="674947"/>
+          </a:xfrm>
+          <a:prstGeom prst="straightConnector1">
+            <a:avLst/>
+          </a:prstGeom>
+          <a:ln>
+            <a:tailEnd type="triangle"/>
+          </a:ln>
+        </p:spPr>
+        <p:style>
+          <a:lnRef idx="3">
+            <a:schemeClr val="accent4"/>
+          </a:lnRef>
+          <a:fillRef idx="0">
+            <a:schemeClr val="accent4"/>
+          </a:fillRef>
+          <a:effectRef idx="2">
+            <a:schemeClr val="accent4"/>
+          </a:effectRef>
+          <a:fontRef idx="minor">
+            <a:schemeClr val="tx1"/>
+          </a:fontRef>
+        </p:style>
+      </p:cxnSp>
+      <p:cxnSp>
+        <p:nvCxnSpPr>
+          <p:cNvPr id="79" name="Straight Arrow Connector 78">
+            <a:extLst>
+              <a:ext uri="{FF2B5EF4-FFF2-40B4-BE49-F238E27FC236}">
+                <a16:creationId xmlns:a16="http://schemas.microsoft.com/office/drawing/2014/main" id="{50AFD96F-90FA-26D0-CB0A-3A15A610776B}"/>
+              </a:ext>
+            </a:extLst>
+          </p:cNvPr>
+          <p:cNvCxnSpPr>
+            <a:cxnSpLocks/>
+          </p:cNvCxnSpPr>
+          <p:nvPr/>
+        </p:nvCxnSpPr>
+        <p:spPr>
+          <a:xfrm flipV="1">
+            <a:off x="9064671" y="1847512"/>
+            <a:ext cx="932625" cy="28079"/>
+          </a:xfrm>
+          <a:prstGeom prst="straightConnector1">
+            <a:avLst/>
+          </a:prstGeom>
+          <a:ln>
+            <a:tailEnd type="triangle"/>
+          </a:ln>
+        </p:spPr>
+        <p:style>
+          <a:lnRef idx="3">
+            <a:schemeClr val="accent4"/>
+          </a:lnRef>
+          <a:fillRef idx="0">
+            <a:schemeClr val="accent4"/>
+          </a:fillRef>
+          <a:effectRef idx="2">
+            <a:schemeClr val="accent4"/>
+          </a:effectRef>
+          <a:fontRef idx="minor">
+            <a:schemeClr val="tx1"/>
+          </a:fontRef>
+        </p:style>
+      </p:cxnSp>
+      <p:cxnSp>
+        <p:nvCxnSpPr>
+          <p:cNvPr id="83" name="Straight Arrow Connector 82">
+            <a:extLst>
+              <a:ext uri="{FF2B5EF4-FFF2-40B4-BE49-F238E27FC236}">
+                <a16:creationId xmlns:a16="http://schemas.microsoft.com/office/drawing/2014/main" id="{80C71F05-E116-0E99-B06C-F1453F670FBA}"/>
+              </a:ext>
+            </a:extLst>
+          </p:cNvPr>
+          <p:cNvCxnSpPr>
+            <a:cxnSpLocks/>
+          </p:cNvCxnSpPr>
+          <p:nvPr/>
+        </p:nvCxnSpPr>
+        <p:spPr>
+          <a:xfrm>
+            <a:off x="8938405" y="2549911"/>
+            <a:ext cx="953198" cy="75557"/>
+          </a:xfrm>
+          <a:prstGeom prst="straightConnector1">
+            <a:avLst/>
+          </a:prstGeom>
+          <a:ln>
+            <a:tailEnd type="triangle"/>
+          </a:ln>
+        </p:spPr>
+        <p:style>
+          <a:lnRef idx="3">
+            <a:schemeClr val="accent4"/>
+          </a:lnRef>
+          <a:fillRef idx="0">
+            <a:schemeClr val="accent4"/>
+          </a:fillRef>
+          <a:effectRef idx="2">
+            <a:schemeClr val="accent4"/>
+          </a:effectRef>
+          <a:fontRef idx="minor">
+            <a:schemeClr val="tx1"/>
+          </a:fontRef>
+        </p:style>
+      </p:cxnSp>
+      <p:cxnSp>
+        <p:nvCxnSpPr>
+          <p:cNvPr id="85" name="Straight Arrow Connector 84">
+            <a:extLst>
+              <a:ext uri="{FF2B5EF4-FFF2-40B4-BE49-F238E27FC236}">
+                <a16:creationId xmlns:a16="http://schemas.microsoft.com/office/drawing/2014/main" id="{67D285DA-D68C-887B-F87C-726715C96518}"/>
+              </a:ext>
+            </a:extLst>
+          </p:cNvPr>
+          <p:cNvCxnSpPr>
+            <a:cxnSpLocks/>
+          </p:cNvCxnSpPr>
+          <p:nvPr/>
+        </p:nvCxnSpPr>
+        <p:spPr>
+          <a:xfrm flipV="1">
+            <a:off x="8960251" y="2057747"/>
+            <a:ext cx="994150" cy="424079"/>
+          </a:xfrm>
+          <a:prstGeom prst="straightConnector1">
+            <a:avLst/>
+          </a:prstGeom>
+          <a:ln>
+            <a:tailEnd type="triangle"/>
+          </a:ln>
+        </p:spPr>
+        <p:style>
+          <a:lnRef idx="3">
+            <a:schemeClr val="accent4"/>
+          </a:lnRef>
+          <a:fillRef idx="0">
+            <a:schemeClr val="accent4"/>
+          </a:fillRef>
+          <a:effectRef idx="2">
+            <a:schemeClr val="accent4"/>
+          </a:effectRef>
+          <a:fontRef idx="minor">
+            <a:schemeClr val="tx1"/>
+          </a:fontRef>
+        </p:style>
+      </p:cxnSp>
+      <p:sp>
+        <p:nvSpPr>
+          <p:cNvPr id="90" name="TextBox 89">
+            <a:extLst>
+              <a:ext uri="{FF2B5EF4-FFF2-40B4-BE49-F238E27FC236}">
+                <a16:creationId xmlns:a16="http://schemas.microsoft.com/office/drawing/2014/main" id="{87279D9C-D16D-0B75-CF08-BD3C80DB95F0}"/>
+              </a:ext>
+            </a:extLst>
+          </p:cNvPr>
+          <p:cNvSpPr txBox="1"/>
+          <p:nvPr/>
+        </p:nvSpPr>
+        <p:spPr>
+          <a:xfrm rot="19815816">
+            <a:off x="7570000" y="1574424"/>
+            <a:ext cx="689113" cy="276999"/>
+          </a:xfrm>
+          <a:prstGeom prst="rect">
+            <a:avLst/>
+          </a:prstGeom>
+          <a:noFill/>
+        </p:spPr>
+        <p:txBody>
+          <a:bodyPr wrap="square" rtlCol="0">
+            <a:spAutoFit/>
+          </a:bodyPr>
+          <a:lstStyle/>
+          <a:p>
+            <a:pPr algn="ctr"/>
+            <a:r>
+              <a:rPr lang="en-US" sz="1200" dirty="0">
+                <a:latin typeface="Ink Free" panose="03080402000500000000" pitchFamily="66" charset="0"/>
+                <a:ea typeface="Cambria Math" panose="02040503050406030204" pitchFamily="18" charset="0"/>
+              </a:rPr>
+              <a:t>0</a:t>
+            </a:r>
+          </a:p>
+        </p:txBody>
+      </p:sp>
+      <p:sp>
+        <p:nvSpPr>
+          <p:cNvPr id="91" name="TextBox 90">
+            <a:extLst>
+              <a:ext uri="{FF2B5EF4-FFF2-40B4-BE49-F238E27FC236}">
+                <a16:creationId xmlns:a16="http://schemas.microsoft.com/office/drawing/2014/main" id="{0EFA7D3F-1232-3D47-3F4B-367F9DA8E602}"/>
+              </a:ext>
+            </a:extLst>
+          </p:cNvPr>
+          <p:cNvSpPr txBox="1"/>
+          <p:nvPr/>
+        </p:nvSpPr>
+        <p:spPr>
+          <a:xfrm rot="1773497">
+            <a:off x="7808798" y="2274146"/>
+            <a:ext cx="689113" cy="276999"/>
+          </a:xfrm>
+          <a:prstGeom prst="rect">
+            <a:avLst/>
+          </a:prstGeom>
+          <a:noFill/>
+        </p:spPr>
+        <p:txBody>
+          <a:bodyPr wrap="square" rtlCol="0">
+            <a:spAutoFit/>
+          </a:bodyPr>
+          <a:lstStyle/>
+          <a:p>
+            <a:pPr algn="ctr"/>
+            <a:r>
+              <a:rPr lang="en-US" sz="1200" dirty="0">
+                <a:latin typeface="Ink Free" panose="03080402000500000000" pitchFamily="66" charset="0"/>
+                <a:ea typeface="Cambria Math" panose="02040503050406030204" pitchFamily="18" charset="0"/>
+              </a:rPr>
+              <a:t>1</a:t>
+            </a:r>
+          </a:p>
+        </p:txBody>
+      </p:sp>
+      <p:cxnSp>
+        <p:nvCxnSpPr>
+          <p:cNvPr id="96" name="Straight Connector 95">
+            <a:extLst>
+              <a:ext uri="{FF2B5EF4-FFF2-40B4-BE49-F238E27FC236}">
+                <a16:creationId xmlns:a16="http://schemas.microsoft.com/office/drawing/2014/main" id="{62034618-B417-BD98-D4D4-A20BA3A3CA62}"/>
+              </a:ext>
+            </a:extLst>
+          </p:cNvPr>
+          <p:cNvCxnSpPr>
+            <a:cxnSpLocks/>
+          </p:cNvCxnSpPr>
+          <p:nvPr/>
+        </p:nvCxnSpPr>
+        <p:spPr>
+          <a:xfrm>
+            <a:off x="5766424" y="9286"/>
+            <a:ext cx="0" cy="4598760"/>
+          </a:xfrm>
+          <a:prstGeom prst="line">
+            <a:avLst/>
+          </a:prstGeom>
+          <a:ln w="38100"/>
+        </p:spPr>
+        <p:style>
+          <a:lnRef idx="2">
+            <a:schemeClr val="accent1"/>
+          </a:lnRef>
+          <a:fillRef idx="0">
+            <a:schemeClr val="accent1"/>
+          </a:fillRef>
+          <a:effectRef idx="1">
+            <a:schemeClr val="accent1"/>
+          </a:effectRef>
+          <a:fontRef idx="minor">
+            <a:schemeClr val="tx1"/>
+          </a:fontRef>
+        </p:style>
+      </p:cxnSp>
+      <p:cxnSp>
+        <p:nvCxnSpPr>
+          <p:cNvPr id="97" name="Straight Connector 96">
+            <a:extLst>
+              <a:ext uri="{FF2B5EF4-FFF2-40B4-BE49-F238E27FC236}">
+                <a16:creationId xmlns:a16="http://schemas.microsoft.com/office/drawing/2014/main" id="{C82D93AF-E7F9-182F-CD74-22351FDCE59A}"/>
+              </a:ext>
+            </a:extLst>
+          </p:cNvPr>
+          <p:cNvCxnSpPr>
+            <a:cxnSpLocks/>
+          </p:cNvCxnSpPr>
+          <p:nvPr/>
+        </p:nvCxnSpPr>
+        <p:spPr>
+          <a:xfrm flipH="1">
+            <a:off x="670984" y="4608046"/>
+            <a:ext cx="11218336" cy="0"/>
+          </a:xfrm>
+          <a:prstGeom prst="line">
+            <a:avLst/>
+          </a:prstGeom>
+          <a:ln w="38100"/>
+        </p:spPr>
+        <p:style>
+          <a:lnRef idx="2">
+            <a:schemeClr val="accent1"/>
+          </a:lnRef>
+          <a:fillRef idx="0">
+            <a:schemeClr val="accent1"/>
+          </a:fillRef>
+          <a:effectRef idx="1">
+            <a:schemeClr val="accent1"/>
+          </a:effectRef>
+          <a:fontRef idx="minor">
+            <a:schemeClr val="tx1"/>
+          </a:fontRef>
+        </p:style>
+      </p:cxnSp>
+      <p:cxnSp>
+        <p:nvCxnSpPr>
+          <p:cNvPr id="101" name="Straight Connector 100">
+            <a:extLst>
+              <a:ext uri="{FF2B5EF4-FFF2-40B4-BE49-F238E27FC236}">
+                <a16:creationId xmlns:a16="http://schemas.microsoft.com/office/drawing/2014/main" id="{EA7F81C9-0BF9-DF65-D657-81712750110F}"/>
+              </a:ext>
+            </a:extLst>
+          </p:cNvPr>
+          <p:cNvCxnSpPr>
+            <a:cxnSpLocks/>
+          </p:cNvCxnSpPr>
+          <p:nvPr/>
+        </p:nvCxnSpPr>
+        <p:spPr>
+          <a:xfrm flipH="1">
+            <a:off x="486832" y="6626"/>
+            <a:ext cx="11218336" cy="0"/>
+          </a:xfrm>
+          <a:prstGeom prst="line">
+            <a:avLst/>
+          </a:prstGeom>
+          <a:ln w="38100"/>
+        </p:spPr>
+        <p:style>
+          <a:lnRef idx="2">
+            <a:schemeClr val="accent1"/>
+          </a:lnRef>
+          <a:fillRef idx="0">
+            <a:schemeClr val="accent1"/>
+          </a:fillRef>
+          <a:effectRef idx="1">
+            <a:schemeClr val="accent1"/>
+          </a:effectRef>
+          <a:fontRef idx="minor">
+            <a:schemeClr val="tx1"/>
+          </a:fontRef>
+        </p:style>
+      </p:cxnSp>
+      <p:sp>
+        <p:nvSpPr>
+          <p:cNvPr id="10" name="TextBox 9">
+            <a:extLst>
+              <a:ext uri="{FF2B5EF4-FFF2-40B4-BE49-F238E27FC236}">
+                <a16:creationId xmlns:a16="http://schemas.microsoft.com/office/drawing/2014/main" id="{448E174F-0E33-805B-9116-E41F5C72BCF3}"/>
+              </a:ext>
+            </a:extLst>
+          </p:cNvPr>
+          <p:cNvSpPr txBox="1"/>
+          <p:nvPr/>
+        </p:nvSpPr>
+        <p:spPr>
+          <a:xfrm>
+            <a:off x="8598933" y="1705121"/>
+            <a:ext cx="326607" cy="369332"/>
+          </a:xfrm>
+          <a:prstGeom prst="rect">
+            <a:avLst/>
+          </a:prstGeom>
+        </p:spPr>
+        <p:style>
+          <a:lnRef idx="1">
+            <a:schemeClr val="accent1"/>
+          </a:lnRef>
+          <a:fillRef idx="3">
+            <a:schemeClr val="accent1"/>
+          </a:fillRef>
+          <a:effectRef idx="2">
+            <a:schemeClr val="accent1"/>
+          </a:effectRef>
+          <a:fontRef idx="minor">
+            <a:schemeClr val="lt1"/>
+          </a:fontRef>
+        </p:style>
+        <p:txBody>
+          <a:bodyPr wrap="square" rtlCol="0">
+            <a:spAutoFit/>
+          </a:bodyPr>
+          <a:lstStyle/>
+          <a:p>
+            <a:r>
+              <a:rPr lang="en-US" i="1" dirty="0"/>
+              <a:t>b</a:t>
+            </a:r>
+          </a:p>
+        </p:txBody>
+      </p:sp>
+      <p:cxnSp>
+        <p:nvCxnSpPr>
+          <p:cNvPr id="12" name="Straight Arrow Connector 11">
+            <a:extLst>
+              <a:ext uri="{FF2B5EF4-FFF2-40B4-BE49-F238E27FC236}">
+                <a16:creationId xmlns:a16="http://schemas.microsoft.com/office/drawing/2014/main" id="{FF45FB44-A4BF-ABF4-3141-765E2EEF32FD}"/>
+              </a:ext>
+            </a:extLst>
+          </p:cNvPr>
+          <p:cNvCxnSpPr>
+            <a:cxnSpLocks/>
+          </p:cNvCxnSpPr>
+          <p:nvPr/>
+        </p:nvCxnSpPr>
+        <p:spPr>
+          <a:xfrm>
+            <a:off x="7787363" y="1955506"/>
+            <a:ext cx="741465" cy="9274"/>
+          </a:xfrm>
+          <a:prstGeom prst="straightConnector1">
+            <a:avLst/>
+          </a:prstGeom>
+          <a:ln>
+            <a:tailEnd type="triangle"/>
+          </a:ln>
+        </p:spPr>
+        <p:style>
+          <a:lnRef idx="3">
+            <a:schemeClr val="accent4"/>
+          </a:lnRef>
+          <a:fillRef idx="0">
+            <a:schemeClr val="accent4"/>
+          </a:fillRef>
+          <a:effectRef idx="2">
+            <a:schemeClr val="accent4"/>
+          </a:effectRef>
+          <a:fontRef idx="minor">
+            <a:schemeClr val="tx1"/>
+          </a:fontRef>
+        </p:style>
+      </p:cxnSp>
+      <p:sp>
+        <p:nvSpPr>
+          <p:cNvPr id="14" name="TextBox 13">
+            <a:extLst>
+              <a:ext uri="{FF2B5EF4-FFF2-40B4-BE49-F238E27FC236}">
+                <a16:creationId xmlns:a16="http://schemas.microsoft.com/office/drawing/2014/main" id="{B49DB9DC-E51E-4953-FAC7-02DA97356897}"/>
+              </a:ext>
+            </a:extLst>
+          </p:cNvPr>
+          <p:cNvSpPr txBox="1"/>
+          <p:nvPr/>
+        </p:nvSpPr>
+        <p:spPr>
+          <a:xfrm>
+            <a:off x="7893208" y="1938774"/>
+            <a:ext cx="689113" cy="276999"/>
+          </a:xfrm>
+          <a:prstGeom prst="rect">
+            <a:avLst/>
+          </a:prstGeom>
+          <a:noFill/>
+        </p:spPr>
+        <p:txBody>
+          <a:bodyPr wrap="square" rtlCol="0">
+            <a:spAutoFit/>
+          </a:bodyPr>
+          <a:lstStyle/>
+          <a:p>
+            <a:pPr algn="ctr"/>
+            <a:r>
+              <a:rPr lang="en-US" sz="1200" dirty="0">
+                <a:latin typeface="Ink Free" panose="03080402000500000000" pitchFamily="66" charset="0"/>
+                <a:ea typeface="Cambria Math" panose="02040503050406030204" pitchFamily="18" charset="0"/>
+              </a:rPr>
+              <a:t>1</a:t>
+            </a:r>
+          </a:p>
+        </p:txBody>
+      </p:sp>
+      <p:sp>
+        <p:nvSpPr>
+          <p:cNvPr id="18" name="TextBox 17">
+            <a:extLst>
+              <a:ext uri="{FF2B5EF4-FFF2-40B4-BE49-F238E27FC236}">
+                <a16:creationId xmlns:a16="http://schemas.microsoft.com/office/drawing/2014/main" id="{3C5CF8C7-9568-245A-5542-42A5FC378A9E}"/>
+              </a:ext>
+            </a:extLst>
+          </p:cNvPr>
+          <p:cNvSpPr txBox="1"/>
+          <p:nvPr/>
+        </p:nvSpPr>
+        <p:spPr>
+          <a:xfrm>
+            <a:off x="10038716" y="3068799"/>
+            <a:ext cx="324330" cy="369323"/>
+          </a:xfrm>
+          <a:prstGeom prst="rect">
+            <a:avLst/>
+          </a:prstGeom>
+        </p:spPr>
+        <p:style>
+          <a:lnRef idx="1">
+            <a:schemeClr val="accent1"/>
+          </a:lnRef>
+          <a:fillRef idx="3">
+            <a:schemeClr val="accent1"/>
+          </a:fillRef>
+          <a:effectRef idx="2">
+            <a:schemeClr val="accent1"/>
+          </a:effectRef>
+          <a:fontRef idx="minor">
+            <a:schemeClr val="lt1"/>
+          </a:fontRef>
+        </p:style>
+        <p:txBody>
+          <a:bodyPr wrap="square" rtlCol="0">
+            <a:spAutoFit/>
+          </a:bodyPr>
+          <a:lstStyle/>
+          <a:p>
+            <a:r>
+              <a:rPr lang="en-US" i="1" dirty="0"/>
+              <a:t>g</a:t>
+            </a:r>
+          </a:p>
+        </p:txBody>
+      </p:sp>
+      <p:cxnSp>
+        <p:nvCxnSpPr>
+          <p:cNvPr id="19" name="Straight Arrow Connector 18">
+            <a:extLst>
+              <a:ext uri="{FF2B5EF4-FFF2-40B4-BE49-F238E27FC236}">
+                <a16:creationId xmlns:a16="http://schemas.microsoft.com/office/drawing/2014/main" id="{A5542924-F23E-68AC-6439-BE449C927211}"/>
+              </a:ext>
+            </a:extLst>
+          </p:cNvPr>
+          <p:cNvCxnSpPr>
+            <a:cxnSpLocks/>
+          </p:cNvCxnSpPr>
+          <p:nvPr/>
+        </p:nvCxnSpPr>
+        <p:spPr>
+          <a:xfrm>
+            <a:off x="8959912" y="2609411"/>
+            <a:ext cx="1030969" cy="674947"/>
+          </a:xfrm>
+          <a:prstGeom prst="straightConnector1">
+            <a:avLst/>
+          </a:prstGeom>
+          <a:ln>
+            <a:tailEnd type="triangle"/>
+          </a:ln>
+        </p:spPr>
+        <p:style>
+          <a:lnRef idx="3">
+            <a:schemeClr val="accent4"/>
+          </a:lnRef>
+          <a:fillRef idx="0">
+            <a:schemeClr val="accent4"/>
+          </a:fillRef>
+          <a:effectRef idx="2">
+            <a:schemeClr val="accent4"/>
+          </a:effectRef>
+          <a:fontRef idx="minor">
+            <a:schemeClr val="tx1"/>
+          </a:fontRef>
+        </p:style>
+      </p:cxnSp>
+      <p:cxnSp>
+        <p:nvCxnSpPr>
+          <p:cNvPr id="20" name="Straight Arrow Connector 19">
+            <a:extLst>
+              <a:ext uri="{FF2B5EF4-FFF2-40B4-BE49-F238E27FC236}">
+                <a16:creationId xmlns:a16="http://schemas.microsoft.com/office/drawing/2014/main" id="{923D3407-3F86-C61D-BCD2-0B9FF85269A1}"/>
+              </a:ext>
+            </a:extLst>
+          </p:cNvPr>
+          <p:cNvCxnSpPr>
+            <a:cxnSpLocks/>
+          </p:cNvCxnSpPr>
+          <p:nvPr/>
+        </p:nvCxnSpPr>
+        <p:spPr>
+          <a:xfrm>
+            <a:off x="8972559" y="2116720"/>
+            <a:ext cx="1007136" cy="982849"/>
+          </a:xfrm>
+          <a:prstGeom prst="straightConnector1">
+            <a:avLst/>
+          </a:prstGeom>
+          <a:ln>
+            <a:tailEnd type="triangle"/>
+          </a:ln>
+        </p:spPr>
+        <p:style>
+          <a:lnRef idx="3">
+            <a:schemeClr val="accent4"/>
+          </a:lnRef>
+          <a:fillRef idx="0">
+            <a:schemeClr val="accent4"/>
+          </a:fillRef>
+          <a:effectRef idx="2">
+            <a:schemeClr val="accent4"/>
+          </a:effectRef>
+          <a:fontRef idx="minor">
+            <a:schemeClr val="tx1"/>
+          </a:fontRef>
+        </p:style>
+      </p:cxnSp>
+      <p:sp>
+        <p:nvSpPr>
+          <p:cNvPr id="23" name="TextBox 22">
+            <a:extLst>
+              <a:ext uri="{FF2B5EF4-FFF2-40B4-BE49-F238E27FC236}">
+                <a16:creationId xmlns:a16="http://schemas.microsoft.com/office/drawing/2014/main" id="{8296EC74-D072-3293-BCF6-B1902747F041}"/>
+              </a:ext>
+            </a:extLst>
+          </p:cNvPr>
+          <p:cNvSpPr txBox="1"/>
+          <p:nvPr/>
+        </p:nvSpPr>
+        <p:spPr>
+          <a:xfrm rot="2041178">
+            <a:off x="9095923" y="2953995"/>
+            <a:ext cx="689113" cy="276999"/>
+          </a:xfrm>
+          <a:prstGeom prst="rect">
+            <a:avLst/>
+          </a:prstGeom>
+          <a:noFill/>
+        </p:spPr>
+        <p:txBody>
+          <a:bodyPr wrap="square" rtlCol="0">
+            <a:spAutoFit/>
+          </a:bodyPr>
+          <a:lstStyle/>
+          <a:p>
+            <a:pPr algn="ctr"/>
+            <a:r>
+              <a:rPr lang="en-US" sz="1200" dirty="0">
+                <a:latin typeface="Ink Free" panose="03080402000500000000" pitchFamily="66" charset="0"/>
+                <a:ea typeface="Cambria Math" panose="02040503050406030204" pitchFamily="18" charset="0"/>
+              </a:rPr>
+              <a:t>3.75</a:t>
+            </a:r>
+          </a:p>
+        </p:txBody>
+      </p:sp>
+      <p:sp>
+        <p:nvSpPr>
+          <p:cNvPr id="32" name="TextBox 31">
+            <a:extLst>
+              <a:ext uri="{FF2B5EF4-FFF2-40B4-BE49-F238E27FC236}">
+                <a16:creationId xmlns:a16="http://schemas.microsoft.com/office/drawing/2014/main" id="{689929C5-7092-A6B9-F003-AC7BC55B9A44}"/>
+              </a:ext>
+            </a:extLst>
+          </p:cNvPr>
+          <p:cNvSpPr txBox="1"/>
+          <p:nvPr/>
+        </p:nvSpPr>
+        <p:spPr>
+          <a:xfrm rot="2652772">
+            <a:off x="9508894" y="2687673"/>
+            <a:ext cx="689113" cy="276999"/>
+          </a:xfrm>
+          <a:prstGeom prst="rect">
+            <a:avLst/>
+          </a:prstGeom>
+          <a:noFill/>
+        </p:spPr>
+        <p:txBody>
+          <a:bodyPr wrap="square" rtlCol="0">
+            <a:spAutoFit/>
+          </a:bodyPr>
+          <a:lstStyle/>
+          <a:p>
+            <a:pPr algn="ctr"/>
+            <a:r>
+              <a:rPr lang="en-US" sz="1200" dirty="0">
+                <a:latin typeface="Ink Free" panose="03080402000500000000" pitchFamily="66" charset="0"/>
+                <a:ea typeface="Cambria Math" panose="02040503050406030204" pitchFamily="18" charset="0"/>
+              </a:rPr>
+              <a:t>1.25</a:t>
+            </a:r>
+          </a:p>
+        </p:txBody>
+      </p:sp>
+      <p:sp>
+        <p:nvSpPr>
+          <p:cNvPr id="3" name="TextBox 2">
+            <a:extLst>
+              <a:ext uri="{FF2B5EF4-FFF2-40B4-BE49-F238E27FC236}">
+                <a16:creationId xmlns:a16="http://schemas.microsoft.com/office/drawing/2014/main" id="{CB1B381F-EC3F-D66E-6921-3971E9067738}"/>
+              </a:ext>
+            </a:extLst>
+          </p:cNvPr>
+          <p:cNvSpPr txBox="1"/>
+          <p:nvPr/>
+        </p:nvSpPr>
+        <p:spPr>
+          <a:xfrm rot="1970635">
+            <a:off x="8877127" y="1253396"/>
+            <a:ext cx="852714" cy="276999"/>
+          </a:xfrm>
+          <a:prstGeom prst="rect">
+            <a:avLst/>
+          </a:prstGeom>
+          <a:noFill/>
+        </p:spPr>
+        <p:txBody>
+          <a:bodyPr wrap="square" rtlCol="0">
+            <a:spAutoFit/>
+          </a:bodyPr>
+          <a:lstStyle/>
+          <a:p>
+            <a:pPr algn="ctr"/>
+            <a:r>
+              <a:rPr lang="en-US" sz="1200" dirty="0">
+                <a:latin typeface="Ink Free" panose="03080402000500000000" pitchFamily="66" charset="0"/>
+                <a:ea typeface="Cambria Math" panose="02040503050406030204" pitchFamily="18" charset="0"/>
+              </a:rPr>
+              <a:t>1.00</a:t>
+            </a:r>
+          </a:p>
+        </p:txBody>
+      </p:sp>
+      <p:graphicFrame>
+        <p:nvGraphicFramePr>
+          <p:cNvPr id="16" name="Table 15">
+            <a:extLst>
+              <a:ext uri="{FF2B5EF4-FFF2-40B4-BE49-F238E27FC236}">
+                <a16:creationId xmlns:a16="http://schemas.microsoft.com/office/drawing/2014/main" id="{3BE9031B-8276-9761-1F85-2DD0F7C42E84}"/>
+              </a:ext>
+            </a:extLst>
+          </p:cNvPr>
+          <p:cNvGraphicFramePr>
+            <a:graphicFrameLocks noGrp="1"/>
+          </p:cNvGraphicFramePr>
+          <p:nvPr>
+            <p:extLst>
+              <p:ext uri="{D42A27DB-BD31-4B8C-83A1-F6EECF244321}">
+                <p14:modId xmlns:p14="http://schemas.microsoft.com/office/powerpoint/2010/main" val="3367582924"/>
+              </p:ext>
+            </p:extLst>
+          </p:nvPr>
+        </p:nvGraphicFramePr>
+        <p:xfrm>
+          <a:off x="369566" y="305515"/>
+          <a:ext cx="5151264" cy="1371600"/>
+        </p:xfrm>
+        <a:graphic>
+          <a:graphicData uri="http://schemas.openxmlformats.org/drawingml/2006/table">
+            <a:tbl>
+              <a:tblPr firstRow="1" bandRow="1">
+                <a:tableStyleId>{5C22544A-7EE6-4342-B048-85BDC9FD1C3A}</a:tableStyleId>
+              </a:tblPr>
+              <a:tblGrid>
+                <a:gridCol w="1717088">
+                  <a:extLst>
+                    <a:ext uri="{9D8B030D-6E8A-4147-A177-3AD203B41FA5}">
+                      <a16:colId xmlns:a16="http://schemas.microsoft.com/office/drawing/2014/main" val="9969200"/>
+                    </a:ext>
+                  </a:extLst>
+                </a:gridCol>
+                <a:gridCol w="1717088">
+                  <a:extLst>
+                    <a:ext uri="{9D8B030D-6E8A-4147-A177-3AD203B41FA5}">
+                      <a16:colId xmlns:a16="http://schemas.microsoft.com/office/drawing/2014/main" val="2363718372"/>
+                    </a:ext>
+                  </a:extLst>
+                </a:gridCol>
+                <a:gridCol w="1717088">
+                  <a:extLst>
+                    <a:ext uri="{9D8B030D-6E8A-4147-A177-3AD203B41FA5}">
+                      <a16:colId xmlns:a16="http://schemas.microsoft.com/office/drawing/2014/main" val="1819051342"/>
+                    </a:ext>
+                  </a:extLst>
+                </a:gridCol>
+              </a:tblGrid>
+              <a:tr h="318173">
+                <a:tc gridSpan="3">
+                  <a:txBody>
+                    <a:bodyPr/>
+                    <a:lstStyle/>
+                    <a:p>
+                      <a:pPr algn="ctr"/>
+                      <a:r>
+                        <a:rPr lang="en-US" dirty="0"/>
+                        <a:t>r: Raphael’s Shopping List</a:t>
+                      </a:r>
+                    </a:p>
+                  </a:txBody>
+                  <a:tcPr/>
+                </a:tc>
+                <a:tc hMerge="1">
+                  <a:txBody>
+                    <a:bodyPr/>
+                    <a:lstStyle/>
+                    <a:p>
+                      <a:endParaRPr lang="en-US"/>
+                    </a:p>
+                  </a:txBody>
+                  <a:tcPr/>
+                </a:tc>
+                <a:tc hMerge="1">
+                  <a:txBody>
+                    <a:bodyPr/>
+                    <a:lstStyle/>
+                    <a:p>
+                      <a:endParaRPr lang="en-US" dirty="0"/>
+                    </a:p>
+                  </a:txBody>
+                  <a:tcPr/>
+                </a:tc>
+                <a:extLst>
+                  <a:ext uri="{0D108BD9-81ED-4DB2-BD59-A6C34878D82A}">
+                    <a16:rowId xmlns:a16="http://schemas.microsoft.com/office/drawing/2014/main" val="3315482171"/>
+                  </a:ext>
+                </a:extLst>
+              </a:tr>
+              <a:tr h="318173">
+                <a:tc>
+                  <a:txBody>
+                    <a:bodyPr/>
+                    <a:lstStyle/>
+                    <a:p>
+                      <a:pPr algn="ctr"/>
+                      <a:r>
+                        <a:rPr lang="en-US" dirty="0"/>
+                        <a:t>(a) Apples</a:t>
+                      </a:r>
+                    </a:p>
+                  </a:txBody>
+                  <a:tcPr/>
+                </a:tc>
+                <a:tc>
+                  <a:txBody>
+                    <a:bodyPr/>
+                    <a:lstStyle/>
+                    <a:p>
+                      <a:pPr algn="ctr"/>
+                      <a:r>
+                        <a:rPr lang="en-US" dirty="0"/>
+                        <a:t>(b) Brown sugar (small bag)</a:t>
+                      </a:r>
+                    </a:p>
+                  </a:txBody>
+                  <a:tcPr/>
+                </a:tc>
+                <a:tc>
+                  <a:txBody>
+                    <a:bodyPr/>
+                    <a:lstStyle/>
+                    <a:p>
+                      <a:pPr algn="ctr"/>
+                      <a:r>
+                        <a:rPr lang="en-US" dirty="0"/>
+                        <a:t>(c) Choc chips (12 oz bag)</a:t>
+                      </a:r>
+                    </a:p>
+                  </a:txBody>
+                  <a:tcPr/>
+                </a:tc>
+                <a:extLst>
+                  <a:ext uri="{0D108BD9-81ED-4DB2-BD59-A6C34878D82A}">
+                    <a16:rowId xmlns:a16="http://schemas.microsoft.com/office/drawing/2014/main" val="2467173763"/>
+                  </a:ext>
+                </a:extLst>
+              </a:tr>
+              <a:tr h="318173">
+                <a:tc>
+                  <a:txBody>
+                    <a:bodyPr/>
+                    <a:lstStyle/>
+                    <a:p>
+                      <a:pPr algn="ctr"/>
+                      <a:r>
+                        <a:rPr lang="en-US" i="1" dirty="0"/>
+                        <a:t>0</a:t>
+                      </a:r>
+                    </a:p>
+                  </a:txBody>
+                  <a:tcPr/>
+                </a:tc>
+                <a:tc>
+                  <a:txBody>
+                    <a:bodyPr/>
+                    <a:lstStyle/>
+                    <a:p>
+                      <a:pPr algn="ctr"/>
+                      <a:r>
+                        <a:rPr lang="en-US" i="1" dirty="0"/>
+                        <a:t>2</a:t>
+                      </a:r>
+                    </a:p>
+                  </a:txBody>
+                  <a:tcPr/>
+                </a:tc>
+                <a:tc>
+                  <a:txBody>
+                    <a:bodyPr/>
+                    <a:lstStyle/>
+                    <a:p>
+                      <a:pPr algn="ctr"/>
+                      <a:r>
+                        <a:rPr lang="en-US" i="1" dirty="0"/>
+                        <a:t>2</a:t>
+                      </a:r>
+                    </a:p>
+                  </a:txBody>
+                  <a:tcPr/>
+                </a:tc>
+                <a:extLst>
+                  <a:ext uri="{0D108BD9-81ED-4DB2-BD59-A6C34878D82A}">
+                    <a16:rowId xmlns:a16="http://schemas.microsoft.com/office/drawing/2014/main" val="449121122"/>
+                  </a:ext>
+                </a:extLst>
+              </a:tr>
+            </a:tbl>
+          </a:graphicData>
+        </a:graphic>
+      </p:graphicFrame>
+      <p:graphicFrame>
+        <p:nvGraphicFramePr>
+          <p:cNvPr id="17" name="Table 16">
+            <a:extLst>
+              <a:ext uri="{FF2B5EF4-FFF2-40B4-BE49-F238E27FC236}">
+                <a16:creationId xmlns:a16="http://schemas.microsoft.com/office/drawing/2014/main" id="{A278E5FD-FAD4-A92A-4BC3-64E920E6E65D}"/>
+              </a:ext>
+            </a:extLst>
+          </p:cNvPr>
+          <p:cNvGraphicFramePr>
+            <a:graphicFrameLocks noGrp="1"/>
+          </p:cNvGraphicFramePr>
+          <p:nvPr/>
         </p:nvGraphicFramePr>
         <p:xfrm>
           <a:off x="382606" y="1914198"/>
@@ -8237,7 +9994,7 @@
           <p:cNvPr id="22" name="Straight Arrow Connector 21">
             <a:extLst>
               <a:ext uri="{FF2B5EF4-FFF2-40B4-BE49-F238E27FC236}">
-                <a16:creationId xmlns:a16="http://schemas.microsoft.com/office/drawing/2014/main" id="{0BF20185-E255-8F6F-7B7C-1D7609201166}"/>
+                <a16:creationId xmlns:a16="http://schemas.microsoft.com/office/drawing/2014/main" id="{5E427DB1-3733-74E8-4322-874A759E6581}"/>
               </a:ext>
             </a:extLst>
           </p:cNvPr>
@@ -8278,7 +10035,7 @@
           <p:cNvPr id="34" name="Straight Arrow Connector 33">
             <a:extLst>
               <a:ext uri="{FF2B5EF4-FFF2-40B4-BE49-F238E27FC236}">
-                <a16:creationId xmlns:a16="http://schemas.microsoft.com/office/drawing/2014/main" id="{73EA744D-51DD-D9E1-72B8-937F4A2491E2}"/>
+                <a16:creationId xmlns:a16="http://schemas.microsoft.com/office/drawing/2014/main" id="{070D32EE-F366-D50F-1BAB-E98F5DC8BE92}"/>
               </a:ext>
             </a:extLst>
           </p:cNvPr>
@@ -8319,7 +10076,7 @@
           <p:cNvPr id="35" name="TextBox 34">
             <a:extLst>
               <a:ext uri="{FF2B5EF4-FFF2-40B4-BE49-F238E27FC236}">
-                <a16:creationId xmlns:a16="http://schemas.microsoft.com/office/drawing/2014/main" id="{D49269E6-D810-9F5B-C21B-2E4838D5BAB4}"/>
+                <a16:creationId xmlns:a16="http://schemas.microsoft.com/office/drawing/2014/main" id="{0578D565-B782-9CA8-0499-46C6CC479565}"/>
               </a:ext>
             </a:extLst>
           </p:cNvPr>
@@ -8358,7 +10115,7 @@
           <p:cNvPr id="36" name="Straight Arrow Connector 35">
             <a:extLst>
               <a:ext uri="{FF2B5EF4-FFF2-40B4-BE49-F238E27FC236}">
-                <a16:creationId xmlns:a16="http://schemas.microsoft.com/office/drawing/2014/main" id="{1B824965-92BF-8B1B-87C0-E59EDBE0AB5A}"/>
+                <a16:creationId xmlns:a16="http://schemas.microsoft.com/office/drawing/2014/main" id="{DD3EEB8F-B741-3A08-B943-0C6148BDB14A}"/>
               </a:ext>
             </a:extLst>
           </p:cNvPr>
@@ -8399,7 +10156,7 @@
           <p:cNvPr id="2" name="TextBox 1">
             <a:extLst>
               <a:ext uri="{FF2B5EF4-FFF2-40B4-BE49-F238E27FC236}">
-                <a16:creationId xmlns:a16="http://schemas.microsoft.com/office/drawing/2014/main" id="{595661E3-0DA1-FB58-5688-A57EC41F6F75}"/>
+                <a16:creationId xmlns:a16="http://schemas.microsoft.com/office/drawing/2014/main" id="{5ED4E1C9-0B84-2629-2B5C-1083996BA394}"/>
               </a:ext>
             </a:extLst>
           </p:cNvPr>
@@ -8455,7 +10212,7 @@
           <p:cNvPr id="4" name="TextBox 3">
             <a:extLst>
               <a:ext uri="{FF2B5EF4-FFF2-40B4-BE49-F238E27FC236}">
-                <a16:creationId xmlns:a16="http://schemas.microsoft.com/office/drawing/2014/main" id="{A72AED21-DF76-CB4B-15B2-951AB9A0EF2A}"/>
+                <a16:creationId xmlns:a16="http://schemas.microsoft.com/office/drawing/2014/main" id="{4E5A2F10-B480-DEC0-1DF3-F1F7EC3601BB}"/>
               </a:ext>
             </a:extLst>
           </p:cNvPr>
@@ -8520,10 +10277,3040 @@
           </a:p>
         </p:txBody>
       </p:sp>
+      <p:sp>
+        <p:nvSpPr>
+          <p:cNvPr id="5" name="Oval Callout 4">
+            <a:extLst>
+              <a:ext uri="{FF2B5EF4-FFF2-40B4-BE49-F238E27FC236}">
+                <a16:creationId xmlns:a16="http://schemas.microsoft.com/office/drawing/2014/main" id="{2A8C2D2B-33EB-1A54-2A7C-8C6B8E793CF1}"/>
+              </a:ext>
+            </a:extLst>
+          </p:cNvPr>
+          <p:cNvSpPr/>
+          <p:nvPr/>
+        </p:nvSpPr>
+        <p:spPr>
+          <a:xfrm>
+            <a:off x="6044094" y="321520"/>
+            <a:ext cx="1696779" cy="690767"/>
+          </a:xfrm>
+          <a:prstGeom prst="wedgeEllipseCallout">
+            <a:avLst>
+              <a:gd name="adj1" fmla="val 54429"/>
+              <a:gd name="adj2" fmla="val 120367"/>
+            </a:avLst>
+          </a:prstGeom>
+          <a:noFill/>
+          <a:ln w="9525" cap="flat" cmpd="sng" algn="ctr">
+            <a:solidFill>
+              <a:schemeClr val="dk1"/>
+            </a:solidFill>
+            <a:prstDash val="dash"/>
+            <a:round/>
+            <a:headEnd type="none" w="med" len="med"/>
+            <a:tailEnd type="none" w="med" len="med"/>
+          </a:ln>
+        </p:spPr>
+        <p:style>
+          <a:lnRef idx="0">
+            <a:scrgbClr r="0" g="0" b="0"/>
+          </a:lnRef>
+          <a:fillRef idx="0">
+            <a:scrgbClr r="0" g="0" b="0"/>
+          </a:fillRef>
+          <a:effectRef idx="0">
+            <a:scrgbClr r="0" g="0" b="0"/>
+          </a:effectRef>
+          <a:fontRef idx="minor">
+            <a:schemeClr val="dk1"/>
+          </a:fontRef>
+        </p:style>
+        <p:txBody>
+          <a:bodyPr rtlCol="0" anchor="ctr"/>
+          <a:lstStyle/>
+          <a:p>
+            <a:pPr algn="ctr"/>
+            <a:r>
+              <a:rPr lang="en-US" dirty="0">
+                <a:latin typeface="Ink Free" panose="03080402000500000000" pitchFamily="66" charset="0"/>
+              </a:rPr>
+              <a:t>quantity needed</a:t>
+            </a:r>
+          </a:p>
+        </p:txBody>
+      </p:sp>
+      <p:sp>
+        <p:nvSpPr>
+          <p:cNvPr id="8" name="Oval Callout 7">
+            <a:extLst>
+              <a:ext uri="{FF2B5EF4-FFF2-40B4-BE49-F238E27FC236}">
+                <a16:creationId xmlns:a16="http://schemas.microsoft.com/office/drawing/2014/main" id="{C8CF1502-3C1B-75C7-3BA5-2AB696D076F3}"/>
+              </a:ext>
+            </a:extLst>
+          </p:cNvPr>
+          <p:cNvSpPr/>
+          <p:nvPr/>
+        </p:nvSpPr>
+        <p:spPr>
+          <a:xfrm>
+            <a:off x="7814617" y="3499423"/>
+            <a:ext cx="1887351" cy="508066"/>
+          </a:xfrm>
+          <a:prstGeom prst="wedgeEllipseCallout">
+            <a:avLst>
+              <a:gd name="adj1" fmla="val 35453"/>
+              <a:gd name="adj2" fmla="val -102787"/>
+            </a:avLst>
+          </a:prstGeom>
+          <a:noFill/>
+          <a:ln w="9525" cap="flat" cmpd="sng" algn="ctr">
+            <a:solidFill>
+              <a:schemeClr val="dk1"/>
+            </a:solidFill>
+            <a:prstDash val="dash"/>
+            <a:round/>
+            <a:headEnd type="none" w="med" len="med"/>
+            <a:tailEnd type="none" w="med" len="med"/>
+          </a:ln>
+        </p:spPr>
+        <p:style>
+          <a:lnRef idx="0">
+            <a:scrgbClr r="0" g="0" b="0"/>
+          </a:lnRef>
+          <a:fillRef idx="0">
+            <a:scrgbClr r="0" g="0" b="0"/>
+          </a:fillRef>
+          <a:effectRef idx="0">
+            <a:scrgbClr r="0" g="0" b="0"/>
+          </a:effectRef>
+          <a:fontRef idx="minor">
+            <a:schemeClr val="dk1"/>
+          </a:fontRef>
+        </p:style>
+        <p:txBody>
+          <a:bodyPr rtlCol="0" anchor="ctr"/>
+          <a:lstStyle/>
+          <a:p>
+            <a:pPr algn="ctr"/>
+            <a:r>
+              <a:rPr lang="en-US" dirty="0">
+                <a:latin typeface="Ink Free" panose="03080402000500000000" pitchFamily="66" charset="0"/>
+              </a:rPr>
+              <a:t>price at (g)</a:t>
+            </a:r>
+          </a:p>
+        </p:txBody>
+      </p:sp>
+      <p:sp>
+        <p:nvSpPr>
+          <p:cNvPr id="9" name="Oval Callout 8">
+            <a:extLst>
+              <a:ext uri="{FF2B5EF4-FFF2-40B4-BE49-F238E27FC236}">
+                <a16:creationId xmlns:a16="http://schemas.microsoft.com/office/drawing/2014/main" id="{AE519A2E-C2E7-2902-F341-0B7F3BDAC940}"/>
+              </a:ext>
+            </a:extLst>
+          </p:cNvPr>
+          <p:cNvSpPr/>
+          <p:nvPr/>
+        </p:nvSpPr>
+        <p:spPr>
+          <a:xfrm>
+            <a:off x="9653773" y="334647"/>
+            <a:ext cx="2538227" cy="987320"/>
+          </a:xfrm>
+          <a:prstGeom prst="wedgeEllipseCallout">
+            <a:avLst>
+              <a:gd name="adj1" fmla="val -26264"/>
+              <a:gd name="adj2" fmla="val 82751"/>
+            </a:avLst>
+          </a:prstGeom>
+          <a:noFill/>
+          <a:ln w="9525" cap="flat" cmpd="sng" algn="ctr">
+            <a:solidFill>
+              <a:schemeClr val="dk1"/>
+            </a:solidFill>
+            <a:prstDash val="dash"/>
+            <a:round/>
+            <a:headEnd type="none" w="med" len="med"/>
+            <a:tailEnd type="none" w="med" len="med"/>
+          </a:ln>
+        </p:spPr>
+        <p:style>
+          <a:lnRef idx="0">
+            <a:scrgbClr r="0" g="0" b="0"/>
+          </a:lnRef>
+          <a:fillRef idx="0">
+            <a:scrgbClr r="0" g="0" b="0"/>
+          </a:fillRef>
+          <a:effectRef idx="0">
+            <a:scrgbClr r="0" g="0" b="0"/>
+          </a:effectRef>
+          <a:fontRef idx="minor">
+            <a:schemeClr val="dk1"/>
+          </a:fontRef>
+        </p:style>
+        <p:txBody>
+          <a:bodyPr rtlCol="0" anchor="ctr"/>
+          <a:lstStyle/>
+          <a:p>
+            <a:pPr algn="ctr"/>
+            <a:r>
+              <a:rPr lang="en-US" sz="1600" dirty="0" err="1">
+                <a:latin typeface="Ink Free" panose="03080402000500000000" pitchFamily="66" charset="0"/>
+                <a:ea typeface="Cambria Math" panose="02040503050406030204" pitchFamily="18" charset="0"/>
+              </a:rPr>
+              <a:t>r</a:t>
+            </a:r>
+            <a:r>
+              <a:rPr lang="en-US" sz="1600" baseline="-25000" dirty="0" err="1">
+                <a:latin typeface="Ink Free" panose="03080402000500000000" pitchFamily="66" charset="0"/>
+                <a:ea typeface="Cambria Math" panose="02040503050406030204" pitchFamily="18" charset="0"/>
+              </a:rPr>
+              <a:t>a</a:t>
+            </a:r>
+            <a:r>
+              <a:rPr lang="en-US" sz="1600" baseline="-25000" dirty="0">
+                <a:latin typeface="Ink Free" panose="03080402000500000000" pitchFamily="66" charset="0"/>
+                <a:ea typeface="Cambria Math" panose="02040503050406030204" pitchFamily="18" charset="0"/>
+              </a:rPr>
+              <a:t> </a:t>
+            </a:r>
+            <a:r>
+              <a:rPr lang="en-US" sz="1600" dirty="0">
+                <a:latin typeface="Ink Free" panose="03080402000500000000" pitchFamily="66" charset="0"/>
+                <a:ea typeface="Cambria Math" panose="02040503050406030204" pitchFamily="18" charset="0"/>
+              </a:rPr>
+              <a:t>p</a:t>
+            </a:r>
+            <a:r>
+              <a:rPr lang="en-US" sz="1600" baseline="-25000" dirty="0">
+                <a:latin typeface="Ink Free" panose="03080402000500000000" pitchFamily="66" charset="0"/>
+                <a:ea typeface="Cambria Math" panose="02040503050406030204" pitchFamily="18" charset="0"/>
+              </a:rPr>
+              <a:t>a</a:t>
+            </a:r>
+            <a:r>
+              <a:rPr lang="en-US" sz="1600" dirty="0">
+                <a:latin typeface="Ink Free" panose="03080402000500000000" pitchFamily="66" charset="0"/>
+                <a:ea typeface="Cambria Math" panose="02040503050406030204" pitchFamily="18" charset="0"/>
+              </a:rPr>
+              <a:t>+ </a:t>
+            </a:r>
+            <a:r>
+              <a:rPr lang="en-US" sz="1600" dirty="0" err="1">
+                <a:latin typeface="Ink Free" panose="03080402000500000000" pitchFamily="66" charset="0"/>
+                <a:ea typeface="Cambria Math" panose="02040503050406030204" pitchFamily="18" charset="0"/>
+              </a:rPr>
+              <a:t>r</a:t>
+            </a:r>
+            <a:r>
+              <a:rPr lang="en-US" sz="1600" baseline="-25000" dirty="0" err="1">
+                <a:latin typeface="Ink Free" panose="03080402000500000000" pitchFamily="66" charset="0"/>
+                <a:ea typeface="Cambria Math" panose="02040503050406030204" pitchFamily="18" charset="0"/>
+              </a:rPr>
+              <a:t>b</a:t>
+            </a:r>
+            <a:r>
+              <a:rPr lang="en-US" sz="1600" baseline="-25000" dirty="0">
+                <a:latin typeface="Ink Free" panose="03080402000500000000" pitchFamily="66" charset="0"/>
+                <a:ea typeface="Cambria Math" panose="02040503050406030204" pitchFamily="18" charset="0"/>
+              </a:rPr>
+              <a:t> </a:t>
+            </a:r>
+            <a:r>
+              <a:rPr lang="en-US" sz="1600" dirty="0">
+                <a:latin typeface="Ink Free" panose="03080402000500000000" pitchFamily="66" charset="0"/>
+                <a:ea typeface="Cambria Math" panose="02040503050406030204" pitchFamily="18" charset="0"/>
+              </a:rPr>
+              <a:t>p</a:t>
+            </a:r>
+            <a:r>
+              <a:rPr lang="en-US" sz="1600" baseline="-25000" dirty="0">
+                <a:latin typeface="Ink Free" panose="03080402000500000000" pitchFamily="66" charset="0"/>
+                <a:ea typeface="Cambria Math" panose="02040503050406030204" pitchFamily="18" charset="0"/>
+              </a:rPr>
+              <a:t>b</a:t>
+            </a:r>
+            <a:r>
+              <a:rPr lang="en-US" sz="1600" dirty="0">
+                <a:latin typeface="Ink Free" panose="03080402000500000000" pitchFamily="66" charset="0"/>
+                <a:ea typeface="Cambria Math" panose="02040503050406030204" pitchFamily="18" charset="0"/>
+              </a:rPr>
+              <a:t>+ </a:t>
+            </a:r>
+            <a:r>
+              <a:rPr lang="en-US" sz="1600" dirty="0" err="1">
+                <a:latin typeface="Ink Free" panose="03080402000500000000" pitchFamily="66" charset="0"/>
+                <a:ea typeface="Cambria Math" panose="02040503050406030204" pitchFamily="18" charset="0"/>
+              </a:rPr>
+              <a:t>r</a:t>
+            </a:r>
+            <a:r>
+              <a:rPr lang="en-US" sz="1600" baseline="-25000" dirty="0" err="1">
+                <a:latin typeface="Ink Free" panose="03080402000500000000" pitchFamily="66" charset="0"/>
+                <a:ea typeface="Cambria Math" panose="02040503050406030204" pitchFamily="18" charset="0"/>
+              </a:rPr>
+              <a:t>c</a:t>
+            </a:r>
+            <a:r>
+              <a:rPr lang="en-US" sz="1600" baseline="-25000" dirty="0">
+                <a:latin typeface="Ink Free" panose="03080402000500000000" pitchFamily="66" charset="0"/>
+                <a:ea typeface="Cambria Math" panose="02040503050406030204" pitchFamily="18" charset="0"/>
+              </a:rPr>
+              <a:t> </a:t>
+            </a:r>
+            <a:r>
+              <a:rPr lang="en-US" sz="1600" dirty="0">
+                <a:latin typeface="Ink Free" panose="03080402000500000000" pitchFamily="66" charset="0"/>
+                <a:ea typeface="Cambria Math" panose="02040503050406030204" pitchFamily="18" charset="0"/>
+              </a:rPr>
+              <a:t>p</a:t>
+            </a:r>
+            <a:r>
+              <a:rPr lang="en-US" sz="1600" baseline="-25000" dirty="0">
+                <a:latin typeface="Ink Free" panose="03080402000500000000" pitchFamily="66" charset="0"/>
+                <a:ea typeface="Cambria Math" panose="02040503050406030204" pitchFamily="18" charset="0"/>
+              </a:rPr>
+              <a:t>c </a:t>
+            </a:r>
+          </a:p>
+          <a:p>
+            <a:pPr algn="ctr"/>
+            <a:r>
+              <a:rPr lang="en-US" sz="1600" dirty="0">
+                <a:latin typeface="Ink Free" panose="03080402000500000000" pitchFamily="66" charset="0"/>
+                <a:ea typeface="Cambria Math" panose="02040503050406030204" pitchFamily="18" charset="0"/>
+              </a:rPr>
+              <a:t>= </a:t>
+            </a:r>
+            <a:r>
+              <a:rPr lang="en-US" sz="1600" b="1" dirty="0" err="1">
+                <a:latin typeface="Ink Free" panose="03080402000500000000" pitchFamily="66" charset="0"/>
+                <a:ea typeface="Cambria Math" panose="02040503050406030204" pitchFamily="18" charset="0"/>
+              </a:rPr>
+              <a:t>r</a:t>
+            </a:r>
+            <a:r>
+              <a:rPr lang="en-US" sz="1600" dirty="0" err="1">
+                <a:latin typeface="Ink Free" panose="03080402000500000000" pitchFamily="66" charset="0"/>
+                <a:ea typeface="Cambria Math" panose="02040503050406030204" pitchFamily="18" charset="0"/>
+              </a:rPr>
+              <a:t>.dot</a:t>
+            </a:r>
+            <a:r>
+              <a:rPr lang="en-US" sz="1600" dirty="0">
+                <a:latin typeface="Ink Free" panose="03080402000500000000" pitchFamily="66" charset="0"/>
+                <a:ea typeface="Cambria Math" panose="02040503050406030204" pitchFamily="18" charset="0"/>
+              </a:rPr>
+              <a:t>(</a:t>
+            </a:r>
+            <a:r>
+              <a:rPr lang="en-US" sz="1600" b="1" dirty="0">
+                <a:latin typeface="Ink Free" panose="03080402000500000000" pitchFamily="66" charset="0"/>
+                <a:ea typeface="Cambria Math" panose="02040503050406030204" pitchFamily="18" charset="0"/>
+              </a:rPr>
+              <a:t>g</a:t>
+            </a:r>
+            <a:r>
+              <a:rPr lang="en-US" sz="1600" dirty="0">
+                <a:latin typeface="Ink Free" panose="03080402000500000000" pitchFamily="66" charset="0"/>
+                <a:ea typeface="Cambria Math" panose="02040503050406030204" pitchFamily="18" charset="0"/>
+              </a:rPr>
+              <a:t>)</a:t>
+            </a:r>
+            <a:endParaRPr lang="en-US" sz="1600" dirty="0">
+              <a:latin typeface="Ink Free" panose="03080402000500000000" pitchFamily="66" charset="0"/>
+            </a:endParaRPr>
+          </a:p>
+        </p:txBody>
+      </p:sp>
+      <p:sp>
+        <p:nvSpPr>
+          <p:cNvPr id="11" name="Oval Callout 10">
+            <a:extLst>
+              <a:ext uri="{FF2B5EF4-FFF2-40B4-BE49-F238E27FC236}">
+                <a16:creationId xmlns:a16="http://schemas.microsoft.com/office/drawing/2014/main" id="{9572EC9F-F2F4-3053-13F6-CE43E4C18003}"/>
+              </a:ext>
+            </a:extLst>
+          </p:cNvPr>
+          <p:cNvSpPr/>
+          <p:nvPr/>
+        </p:nvSpPr>
+        <p:spPr>
+          <a:xfrm>
+            <a:off x="10497922" y="1906439"/>
+            <a:ext cx="1571527" cy="609128"/>
+          </a:xfrm>
+          <a:prstGeom prst="wedgeEllipseCallout">
+            <a:avLst>
+              <a:gd name="adj1" fmla="val -55016"/>
+              <a:gd name="adj2" fmla="val 47085"/>
+            </a:avLst>
+          </a:prstGeom>
+          <a:noFill/>
+          <a:ln w="9525" cap="flat" cmpd="sng" algn="ctr">
+            <a:solidFill>
+              <a:schemeClr val="dk1"/>
+            </a:solidFill>
+            <a:prstDash val="dash"/>
+            <a:round/>
+            <a:headEnd type="none" w="med" len="med"/>
+            <a:tailEnd type="none" w="med" len="med"/>
+          </a:ln>
+        </p:spPr>
+        <p:style>
+          <a:lnRef idx="0">
+            <a:scrgbClr r="0" g="0" b="0"/>
+          </a:lnRef>
+          <a:fillRef idx="0">
+            <a:scrgbClr r="0" g="0" b="0"/>
+          </a:fillRef>
+          <a:effectRef idx="0">
+            <a:scrgbClr r="0" g="0" b="0"/>
+          </a:effectRef>
+          <a:fontRef idx="minor">
+            <a:schemeClr val="dk1"/>
+          </a:fontRef>
+        </p:style>
+        <p:txBody>
+          <a:bodyPr rtlCol="0" anchor="ctr"/>
+          <a:lstStyle/>
+          <a:p>
+            <a:pPr algn="ctr"/>
+            <a:r>
+              <a:rPr lang="en-US" sz="1600" b="1" dirty="0" err="1">
+                <a:latin typeface="Ink Free" panose="03080402000500000000" pitchFamily="66" charset="0"/>
+                <a:ea typeface="Cambria Math" panose="02040503050406030204" pitchFamily="18" charset="0"/>
+              </a:rPr>
+              <a:t>r</a:t>
+            </a:r>
+            <a:r>
+              <a:rPr lang="en-US" sz="1600" dirty="0" err="1">
+                <a:latin typeface="Ink Free" panose="03080402000500000000" pitchFamily="66" charset="0"/>
+                <a:ea typeface="Cambria Math" panose="02040503050406030204" pitchFamily="18" charset="0"/>
+              </a:rPr>
+              <a:t>.dot</a:t>
+            </a:r>
+            <a:r>
+              <a:rPr lang="en-US" sz="1600" dirty="0">
+                <a:latin typeface="Ink Free" panose="03080402000500000000" pitchFamily="66" charset="0"/>
+                <a:ea typeface="Cambria Math" panose="02040503050406030204" pitchFamily="18" charset="0"/>
+              </a:rPr>
+              <a:t>(</a:t>
+            </a:r>
+            <a:r>
+              <a:rPr lang="en-US" sz="1600" b="1" dirty="0">
+                <a:latin typeface="Ink Free" panose="03080402000500000000" pitchFamily="66" charset="0"/>
+                <a:ea typeface="Cambria Math" panose="02040503050406030204" pitchFamily="18" charset="0"/>
+              </a:rPr>
+              <a:t>f</a:t>
+            </a:r>
+            <a:r>
+              <a:rPr lang="en-US" sz="1600" dirty="0">
+                <a:latin typeface="Ink Free" panose="03080402000500000000" pitchFamily="66" charset="0"/>
+                <a:ea typeface="Cambria Math" panose="02040503050406030204" pitchFamily="18" charset="0"/>
+              </a:rPr>
+              <a:t>)</a:t>
+            </a:r>
+            <a:endParaRPr lang="en-US" sz="1600" dirty="0">
+              <a:latin typeface="Ink Free" panose="03080402000500000000" pitchFamily="66" charset="0"/>
+            </a:endParaRPr>
+          </a:p>
+        </p:txBody>
+      </p:sp>
+      <p:sp>
+        <p:nvSpPr>
+          <p:cNvPr id="13" name="Oval Callout 12">
+            <a:extLst>
+              <a:ext uri="{FF2B5EF4-FFF2-40B4-BE49-F238E27FC236}">
+                <a16:creationId xmlns:a16="http://schemas.microsoft.com/office/drawing/2014/main" id="{86CF639B-14D8-7BF6-384F-48954CA5C44C}"/>
+              </a:ext>
+            </a:extLst>
+          </p:cNvPr>
+          <p:cNvSpPr/>
+          <p:nvPr/>
+        </p:nvSpPr>
+        <p:spPr>
+          <a:xfrm>
+            <a:off x="10598210" y="3133558"/>
+            <a:ext cx="1571527" cy="609128"/>
+          </a:xfrm>
+          <a:prstGeom prst="wedgeEllipseCallout">
+            <a:avLst>
+              <a:gd name="adj1" fmla="val -57546"/>
+              <a:gd name="adj2" fmla="val -26885"/>
+            </a:avLst>
+          </a:prstGeom>
+          <a:noFill/>
+          <a:ln w="9525" cap="flat" cmpd="sng" algn="ctr">
+            <a:solidFill>
+              <a:schemeClr val="dk1"/>
+            </a:solidFill>
+            <a:prstDash val="dash"/>
+            <a:round/>
+            <a:headEnd type="none" w="med" len="med"/>
+            <a:tailEnd type="none" w="med" len="med"/>
+          </a:ln>
+        </p:spPr>
+        <p:style>
+          <a:lnRef idx="0">
+            <a:scrgbClr r="0" g="0" b="0"/>
+          </a:lnRef>
+          <a:fillRef idx="0">
+            <a:scrgbClr r="0" g="0" b="0"/>
+          </a:fillRef>
+          <a:effectRef idx="0">
+            <a:scrgbClr r="0" g="0" b="0"/>
+          </a:effectRef>
+          <a:fontRef idx="minor">
+            <a:schemeClr val="dk1"/>
+          </a:fontRef>
+        </p:style>
+        <p:txBody>
+          <a:bodyPr rtlCol="0" anchor="ctr"/>
+          <a:lstStyle/>
+          <a:p>
+            <a:pPr algn="ctr"/>
+            <a:r>
+              <a:rPr lang="en-US" sz="1600" b="1" dirty="0" err="1">
+                <a:latin typeface="Ink Free" panose="03080402000500000000" pitchFamily="66" charset="0"/>
+                <a:ea typeface="Cambria Math" panose="02040503050406030204" pitchFamily="18" charset="0"/>
+              </a:rPr>
+              <a:t>r</a:t>
+            </a:r>
+            <a:r>
+              <a:rPr lang="en-US" sz="1600" dirty="0" err="1">
+                <a:latin typeface="Ink Free" panose="03080402000500000000" pitchFamily="66" charset="0"/>
+                <a:ea typeface="Cambria Math" panose="02040503050406030204" pitchFamily="18" charset="0"/>
+              </a:rPr>
+              <a:t>.dot</a:t>
+            </a:r>
+            <a:r>
+              <a:rPr lang="en-US" sz="1600" dirty="0">
+                <a:latin typeface="Ink Free" panose="03080402000500000000" pitchFamily="66" charset="0"/>
+                <a:ea typeface="Cambria Math" panose="02040503050406030204" pitchFamily="18" charset="0"/>
+              </a:rPr>
+              <a:t>(</a:t>
+            </a:r>
+            <a:r>
+              <a:rPr lang="en-US" sz="1600" b="1" dirty="0">
+                <a:latin typeface="Ink Free" panose="03080402000500000000" pitchFamily="66" charset="0"/>
+                <a:ea typeface="Cambria Math" panose="02040503050406030204" pitchFamily="18" charset="0"/>
+              </a:rPr>
+              <a:t>g</a:t>
+            </a:r>
+            <a:r>
+              <a:rPr lang="en-US" sz="1600" dirty="0">
+                <a:latin typeface="Ink Free" panose="03080402000500000000" pitchFamily="66" charset="0"/>
+                <a:ea typeface="Cambria Math" panose="02040503050406030204" pitchFamily="18" charset="0"/>
+              </a:rPr>
+              <a:t>)</a:t>
+            </a:r>
+            <a:endParaRPr lang="en-US" sz="1600" dirty="0">
+              <a:latin typeface="Ink Free" panose="03080402000500000000" pitchFamily="66" charset="0"/>
+            </a:endParaRPr>
+          </a:p>
+        </p:txBody>
+      </p:sp>
+      <p:sp>
+        <p:nvSpPr>
+          <p:cNvPr id="15" name="Oval Callout 14">
+            <a:extLst>
+              <a:ext uri="{FF2B5EF4-FFF2-40B4-BE49-F238E27FC236}">
+                <a16:creationId xmlns:a16="http://schemas.microsoft.com/office/drawing/2014/main" id="{B5F0AF1D-3D60-138A-7DCE-52F4EA87AF34}"/>
+              </a:ext>
+            </a:extLst>
+          </p:cNvPr>
+          <p:cNvSpPr/>
+          <p:nvPr/>
+        </p:nvSpPr>
+        <p:spPr>
+          <a:xfrm>
+            <a:off x="7837412" y="143248"/>
+            <a:ext cx="1899392" cy="690767"/>
+          </a:xfrm>
+          <a:prstGeom prst="wedgeEllipseCallout">
+            <a:avLst>
+              <a:gd name="adj1" fmla="val 17325"/>
+              <a:gd name="adj2" fmla="val 105019"/>
+            </a:avLst>
+          </a:prstGeom>
+          <a:noFill/>
+          <a:ln w="9525" cap="flat" cmpd="sng" algn="ctr">
+            <a:solidFill>
+              <a:schemeClr val="dk1"/>
+            </a:solidFill>
+            <a:prstDash val="dash"/>
+            <a:round/>
+            <a:headEnd type="none" w="med" len="med"/>
+            <a:tailEnd type="none" w="med" len="med"/>
+          </a:ln>
+        </p:spPr>
+        <p:style>
+          <a:lnRef idx="0">
+            <a:scrgbClr r="0" g="0" b="0"/>
+          </a:lnRef>
+          <a:fillRef idx="0">
+            <a:scrgbClr r="0" g="0" b="0"/>
+          </a:fillRef>
+          <a:effectRef idx="0">
+            <a:scrgbClr r="0" g="0" b="0"/>
+          </a:effectRef>
+          <a:fontRef idx="minor">
+            <a:schemeClr val="dk1"/>
+          </a:fontRef>
+        </p:style>
+        <p:txBody>
+          <a:bodyPr rtlCol="0" anchor="ctr"/>
+          <a:lstStyle/>
+          <a:p>
+            <a:pPr algn="ctr"/>
+            <a:r>
+              <a:rPr lang="en-US" dirty="0">
+                <a:latin typeface="Ink Free" panose="03080402000500000000" pitchFamily="66" charset="0"/>
+              </a:rPr>
+              <a:t>price at (e)</a:t>
+            </a:r>
+          </a:p>
+        </p:txBody>
+      </p:sp>
     </p:spTree>
     <p:extLst>
       <p:ext uri="{BB962C8B-B14F-4D97-AF65-F5344CB8AC3E}">
-        <p14:creationId xmlns:p14="http://schemas.microsoft.com/office/powerpoint/2010/main" val="3099770671"/>
+        <p14:creationId xmlns:p14="http://schemas.microsoft.com/office/powerpoint/2010/main" val="2722133496"/>
+      </p:ext>
+    </p:extLst>
+  </p:cSld>
+  <p:clrMapOvr>
+    <a:masterClrMapping/>
+  </p:clrMapOvr>
+</p:sld>
+</file>
+
+<file path=ppt/slides/slide4.xml><?xml version="1.0" encoding="utf-8"?>
+<p:sld xmlns:a="http://schemas.openxmlformats.org/drawingml/2006/main" xmlns:r="http://schemas.openxmlformats.org/officeDocument/2006/relationships" xmlns:p="http://schemas.openxmlformats.org/presentationml/2006/main">
+  <p:cSld>
+    <p:spTree>
+      <p:nvGrpSpPr>
+        <p:cNvPr id="1" name="">
+          <a:extLst>
+            <a:ext uri="{FF2B5EF4-FFF2-40B4-BE49-F238E27FC236}">
+              <a16:creationId xmlns:a16="http://schemas.microsoft.com/office/drawing/2014/main" id="{843CC6B2-E328-15B3-CE71-198D7F8AC280}"/>
+            </a:ext>
+          </a:extLst>
+        </p:cNvPr>
+        <p:cNvGrpSpPr/>
+        <p:nvPr/>
+      </p:nvGrpSpPr>
+      <p:grpSpPr>
+        <a:xfrm>
+          <a:off x="0" y="0"/>
+          <a:ext cx="0" cy="0"/>
+          <a:chOff x="0" y="0"/>
+          <a:chExt cx="0" cy="0"/>
+        </a:xfrm>
+      </p:grpSpPr>
+      <p:graphicFrame>
+        <p:nvGraphicFramePr>
+          <p:cNvPr id="16" name="Table 15">
+            <a:extLst>
+              <a:ext uri="{FF2B5EF4-FFF2-40B4-BE49-F238E27FC236}">
+                <a16:creationId xmlns:a16="http://schemas.microsoft.com/office/drawing/2014/main" id="{E6EDA322-9D27-4268-DC48-E8C45E536D1D}"/>
+              </a:ext>
+            </a:extLst>
+          </p:cNvPr>
+          <p:cNvGraphicFramePr>
+            <a:graphicFrameLocks noGrp="1"/>
+          </p:cNvGraphicFramePr>
+          <p:nvPr>
+            <p:extLst>
+              <p:ext uri="{D42A27DB-BD31-4B8C-83A1-F6EECF244321}">
+                <p14:modId xmlns:p14="http://schemas.microsoft.com/office/powerpoint/2010/main" val="2688569407"/>
+              </p:ext>
+            </p:extLst>
+          </p:nvPr>
+        </p:nvGraphicFramePr>
+        <p:xfrm>
+          <a:off x="384313" y="869630"/>
+          <a:ext cx="5580872" cy="1371600"/>
+        </p:xfrm>
+        <a:graphic>
+          <a:graphicData uri="http://schemas.openxmlformats.org/drawingml/2006/table">
+            <a:tbl>
+              <a:tblPr firstRow="1" bandRow="1">
+                <a:tableStyleId>{5C22544A-7EE6-4342-B048-85BDC9FD1C3A}</a:tableStyleId>
+              </a:tblPr>
+              <a:tblGrid>
+                <a:gridCol w="1395218">
+                  <a:extLst>
+                    <a:ext uri="{9D8B030D-6E8A-4147-A177-3AD203B41FA5}">
+                      <a16:colId xmlns:a16="http://schemas.microsoft.com/office/drawing/2014/main" val="2250874918"/>
+                    </a:ext>
+                  </a:extLst>
+                </a:gridCol>
+                <a:gridCol w="1395218">
+                  <a:extLst>
+                    <a:ext uri="{9D8B030D-6E8A-4147-A177-3AD203B41FA5}">
+                      <a16:colId xmlns:a16="http://schemas.microsoft.com/office/drawing/2014/main" val="9969200"/>
+                    </a:ext>
+                  </a:extLst>
+                </a:gridCol>
+                <a:gridCol w="1395218">
+                  <a:extLst>
+                    <a:ext uri="{9D8B030D-6E8A-4147-A177-3AD203B41FA5}">
+                      <a16:colId xmlns:a16="http://schemas.microsoft.com/office/drawing/2014/main" val="2363718372"/>
+                    </a:ext>
+                  </a:extLst>
+                </a:gridCol>
+                <a:gridCol w="1395218">
+                  <a:extLst>
+                    <a:ext uri="{9D8B030D-6E8A-4147-A177-3AD203B41FA5}">
+                      <a16:colId xmlns:a16="http://schemas.microsoft.com/office/drawing/2014/main" val="1819051342"/>
+                    </a:ext>
+                  </a:extLst>
+                </a:gridCol>
+              </a:tblGrid>
+              <a:tr h="318173">
+                <a:tc>
+                  <a:txBody>
+                    <a:bodyPr/>
+                    <a:lstStyle/>
+                    <a:p>
+                      <a:pPr algn="ctr"/>
+                      <a:r>
+                        <a:rPr lang="en-US" dirty="0">
+                          <a:solidFill>
+                            <a:schemeClr val="tx1"/>
+                          </a:solidFill>
+                        </a:rPr>
+                        <a:t>Q: quantity</a:t>
+                      </a:r>
+                    </a:p>
+                  </a:txBody>
+                  <a:tcPr>
+                    <a:noFill/>
+                  </a:tcPr>
+                </a:tc>
+                <a:tc>
+                  <a:txBody>
+                    <a:bodyPr/>
+                    <a:lstStyle/>
+                    <a:p>
+                      <a:pPr algn="ctr"/>
+                      <a:r>
+                        <a:rPr lang="en-US" b="0" dirty="0">
+                          <a:solidFill>
+                            <a:schemeClr val="tx1"/>
+                          </a:solidFill>
+                        </a:rPr>
+                        <a:t>(a) Apples</a:t>
+                      </a:r>
+                    </a:p>
+                  </a:txBody>
+                  <a:tcPr>
+                    <a:noFill/>
+                  </a:tcPr>
+                </a:tc>
+                <a:tc>
+                  <a:txBody>
+                    <a:bodyPr/>
+                    <a:lstStyle/>
+                    <a:p>
+                      <a:pPr algn="ctr"/>
+                      <a:r>
+                        <a:rPr lang="en-US" b="0" dirty="0">
+                          <a:solidFill>
+                            <a:schemeClr val="tx1"/>
+                          </a:solidFill>
+                        </a:rPr>
+                        <a:t>(b) Brown sugar</a:t>
+                      </a:r>
+                    </a:p>
+                  </a:txBody>
+                  <a:tcPr>
+                    <a:noFill/>
+                  </a:tcPr>
+                </a:tc>
+                <a:tc>
+                  <a:txBody>
+                    <a:bodyPr/>
+                    <a:lstStyle/>
+                    <a:p>
+                      <a:pPr algn="ctr"/>
+                      <a:r>
+                        <a:rPr lang="en-US" b="0" dirty="0">
+                          <a:solidFill>
+                            <a:schemeClr val="tx1"/>
+                          </a:solidFill>
+                        </a:rPr>
+                        <a:t>(c) Choc chips</a:t>
+                      </a:r>
+                    </a:p>
+                  </a:txBody>
+                  <a:tcPr>
+                    <a:noFill/>
+                  </a:tcPr>
+                </a:tc>
+                <a:extLst>
+                  <a:ext uri="{0D108BD9-81ED-4DB2-BD59-A6C34878D82A}">
+                    <a16:rowId xmlns:a16="http://schemas.microsoft.com/office/drawing/2014/main" val="3315482171"/>
+                  </a:ext>
+                </a:extLst>
+              </a:tr>
+              <a:tr h="318173">
+                <a:tc>
+                  <a:txBody>
+                    <a:bodyPr/>
+                    <a:lstStyle/>
+                    <a:p>
+                      <a:pPr marL="0" marR="0" lvl="0" indent="0" algn="ctr" defTabSz="914400" rtl="0" eaLnBrk="1" fontAlgn="auto" latinLnBrk="0" hangingPunct="1">
+                        <a:lnSpc>
+                          <a:spcPct val="100000"/>
+                        </a:lnSpc>
+                        <a:spcBef>
+                          <a:spcPts val="0"/>
+                        </a:spcBef>
+                        <a:spcAft>
+                          <a:spcPts val="0"/>
+                        </a:spcAft>
+                        <a:buClrTx/>
+                        <a:buSzTx/>
+                        <a:buFontTx/>
+                        <a:buNone/>
+                        <a:tabLst/>
+                        <a:defRPr/>
+                      </a:pPr>
+                      <a:r>
+                        <a:rPr lang="en-US" dirty="0"/>
+                        <a:t>Raphael (r)</a:t>
+                      </a:r>
+                    </a:p>
+                  </a:txBody>
+                  <a:tcPr>
+                    <a:noFill/>
+                  </a:tcPr>
+                </a:tc>
+                <a:tc>
+                  <a:txBody>
+                    <a:bodyPr/>
+                    <a:lstStyle/>
+                    <a:p>
+                      <a:pPr algn="ctr"/>
+                      <a:r>
+                        <a:rPr lang="en-US" i="1" dirty="0"/>
+                        <a:t>0</a:t>
+                      </a:r>
+                    </a:p>
+                  </a:txBody>
+                  <a:tcPr>
+                    <a:solidFill>
+                      <a:schemeClr val="accent6">
+                        <a:lumMod val="40000"/>
+                        <a:lumOff val="60000"/>
+                      </a:schemeClr>
+                    </a:solidFill>
+                  </a:tcPr>
+                </a:tc>
+                <a:tc>
+                  <a:txBody>
+                    <a:bodyPr/>
+                    <a:lstStyle/>
+                    <a:p>
+                      <a:pPr algn="ctr"/>
+                      <a:r>
+                        <a:rPr lang="en-US" i="1" dirty="0"/>
+                        <a:t>2</a:t>
+                      </a:r>
+                    </a:p>
+                  </a:txBody>
+                  <a:tcPr>
+                    <a:solidFill>
+                      <a:schemeClr val="accent6">
+                        <a:lumMod val="40000"/>
+                        <a:lumOff val="60000"/>
+                      </a:schemeClr>
+                    </a:solidFill>
+                  </a:tcPr>
+                </a:tc>
+                <a:tc>
+                  <a:txBody>
+                    <a:bodyPr/>
+                    <a:lstStyle/>
+                    <a:p>
+                      <a:pPr algn="ctr"/>
+                      <a:r>
+                        <a:rPr lang="en-US" i="1" dirty="0"/>
+                        <a:t>2</a:t>
+                      </a:r>
+                    </a:p>
+                  </a:txBody>
+                  <a:tcPr>
+                    <a:solidFill>
+                      <a:schemeClr val="accent6">
+                        <a:lumMod val="40000"/>
+                        <a:lumOff val="60000"/>
+                      </a:schemeClr>
+                    </a:solidFill>
+                  </a:tcPr>
+                </a:tc>
+                <a:extLst>
+                  <a:ext uri="{0D108BD9-81ED-4DB2-BD59-A6C34878D82A}">
+                    <a16:rowId xmlns:a16="http://schemas.microsoft.com/office/drawing/2014/main" val="449121122"/>
+                  </a:ext>
+                </a:extLst>
+              </a:tr>
+              <a:tr h="318173">
+                <a:tc>
+                  <a:txBody>
+                    <a:bodyPr/>
+                    <a:lstStyle/>
+                    <a:p>
+                      <a:pPr algn="ctr"/>
+                      <a:r>
+                        <a:rPr lang="en-US" i="0" dirty="0"/>
+                        <a:t>Shane (s)</a:t>
+                      </a:r>
+                    </a:p>
+                  </a:txBody>
+                  <a:tcPr>
+                    <a:noFill/>
+                  </a:tcPr>
+                </a:tc>
+                <a:tc>
+                  <a:txBody>
+                    <a:bodyPr/>
+                    <a:lstStyle/>
+                    <a:p>
+                      <a:pPr algn="ctr"/>
+                      <a:r>
+                        <a:rPr lang="en-US" i="1" dirty="0"/>
+                        <a:t>6</a:t>
+                      </a:r>
+                    </a:p>
+                  </a:txBody>
+                  <a:tcPr>
+                    <a:solidFill>
+                      <a:srgbClr val="FFFF00"/>
+                    </a:solidFill>
+                  </a:tcPr>
+                </a:tc>
+                <a:tc>
+                  <a:txBody>
+                    <a:bodyPr/>
+                    <a:lstStyle/>
+                    <a:p>
+                      <a:pPr algn="ctr"/>
+                      <a:r>
+                        <a:rPr lang="en-US" i="1" dirty="0"/>
+                        <a:t>1</a:t>
+                      </a:r>
+                    </a:p>
+                  </a:txBody>
+                  <a:tcPr>
+                    <a:solidFill>
+                      <a:srgbClr val="FFFF00"/>
+                    </a:solidFill>
+                  </a:tcPr>
+                </a:tc>
+                <a:tc>
+                  <a:txBody>
+                    <a:bodyPr/>
+                    <a:lstStyle/>
+                    <a:p>
+                      <a:pPr algn="ctr"/>
+                      <a:r>
+                        <a:rPr lang="en-US" i="1" dirty="0"/>
+                        <a:t>0</a:t>
+                      </a:r>
+                    </a:p>
+                  </a:txBody>
+                  <a:tcPr>
+                    <a:solidFill>
+                      <a:srgbClr val="FFFF00"/>
+                    </a:solidFill>
+                  </a:tcPr>
+                </a:tc>
+                <a:extLst>
+                  <a:ext uri="{0D108BD9-81ED-4DB2-BD59-A6C34878D82A}">
+                    <a16:rowId xmlns:a16="http://schemas.microsoft.com/office/drawing/2014/main" val="1515958394"/>
+                  </a:ext>
+                </a:extLst>
+              </a:tr>
+            </a:tbl>
+          </a:graphicData>
+        </a:graphic>
+      </p:graphicFrame>
+      <p:graphicFrame>
+        <p:nvGraphicFramePr>
+          <p:cNvPr id="17" name="Table 16">
+            <a:extLst>
+              <a:ext uri="{FF2B5EF4-FFF2-40B4-BE49-F238E27FC236}">
+                <a16:creationId xmlns:a16="http://schemas.microsoft.com/office/drawing/2014/main" id="{7DF0A372-27C4-704A-FAD5-253886BF938B}"/>
+              </a:ext>
+            </a:extLst>
+          </p:cNvPr>
+          <p:cNvGraphicFramePr>
+            <a:graphicFrameLocks noGrp="1"/>
+          </p:cNvGraphicFramePr>
+          <p:nvPr>
+            <p:extLst>
+              <p:ext uri="{D42A27DB-BD31-4B8C-83A1-F6EECF244321}">
+                <p14:modId xmlns:p14="http://schemas.microsoft.com/office/powerpoint/2010/main" val="3011521311"/>
+              </p:ext>
+            </p:extLst>
+          </p:nvPr>
+        </p:nvGraphicFramePr>
+        <p:xfrm>
+          <a:off x="6226815" y="305515"/>
+          <a:ext cx="5151264" cy="2499831"/>
+        </p:xfrm>
+        <a:graphic>
+          <a:graphicData uri="http://schemas.openxmlformats.org/drawingml/2006/table">
+            <a:tbl>
+              <a:tblPr firstRow="1" bandRow="1">
+                <a:tableStyleId>{5C22544A-7EE6-4342-B048-85BDC9FD1C3A}</a:tableStyleId>
+              </a:tblPr>
+              <a:tblGrid>
+                <a:gridCol w="1287816">
+                  <a:extLst>
+                    <a:ext uri="{9D8B030D-6E8A-4147-A177-3AD203B41FA5}">
+                      <a16:colId xmlns:a16="http://schemas.microsoft.com/office/drawing/2014/main" val="4092026021"/>
+                    </a:ext>
+                  </a:extLst>
+                </a:gridCol>
+                <a:gridCol w="1287816">
+                  <a:extLst>
+                    <a:ext uri="{9D8B030D-6E8A-4147-A177-3AD203B41FA5}">
+                      <a16:colId xmlns:a16="http://schemas.microsoft.com/office/drawing/2014/main" val="3995195705"/>
+                    </a:ext>
+                  </a:extLst>
+                </a:gridCol>
+                <a:gridCol w="1287816">
+                  <a:extLst>
+                    <a:ext uri="{9D8B030D-6E8A-4147-A177-3AD203B41FA5}">
+                      <a16:colId xmlns:a16="http://schemas.microsoft.com/office/drawing/2014/main" val="2796921869"/>
+                    </a:ext>
+                  </a:extLst>
+                </a:gridCol>
+                <a:gridCol w="1287816">
+                  <a:extLst>
+                    <a:ext uri="{9D8B030D-6E8A-4147-A177-3AD203B41FA5}">
+                      <a16:colId xmlns:a16="http://schemas.microsoft.com/office/drawing/2014/main" val="2340109040"/>
+                    </a:ext>
+                  </a:extLst>
+                </a:gridCol>
+              </a:tblGrid>
+              <a:tr h="579591">
+                <a:tc>
+                  <a:txBody>
+                    <a:bodyPr/>
+                    <a:lstStyle/>
+                    <a:p>
+                      <a:pPr algn="ctr"/>
+                      <a:r>
+                        <a:rPr lang="en-US" i="0" dirty="0">
+                          <a:solidFill>
+                            <a:schemeClr val="tx1"/>
+                          </a:solidFill>
+                        </a:rPr>
+                        <a:t>P: prices</a:t>
+                      </a:r>
+                    </a:p>
+                  </a:txBody>
+                  <a:tcPr anchor="ctr">
+                    <a:noFill/>
+                  </a:tcPr>
+                </a:tc>
+                <a:tc>
+                  <a:txBody>
+                    <a:bodyPr/>
+                    <a:lstStyle/>
+                    <a:p>
+                      <a:pPr algn="ctr"/>
+                      <a:r>
+                        <a:rPr lang="en-US" b="0" dirty="0">
+                          <a:solidFill>
+                            <a:schemeClr val="tx1"/>
+                          </a:solidFill>
+                        </a:rPr>
+                        <a:t>(e) East End </a:t>
+                      </a:r>
+                      <a:r>
+                        <a:rPr lang="en-US" b="0" dirty="0" err="1">
+                          <a:solidFill>
+                            <a:schemeClr val="tx1"/>
+                          </a:solidFill>
+                        </a:rPr>
+                        <a:t>CoOp</a:t>
+                      </a:r>
+                      <a:endParaRPr lang="en-US" b="0" dirty="0">
+                        <a:solidFill>
+                          <a:schemeClr val="tx1"/>
+                        </a:solidFill>
+                      </a:endParaRPr>
+                    </a:p>
+                  </a:txBody>
+                  <a:tcPr>
+                    <a:noFill/>
+                  </a:tcPr>
+                </a:tc>
+                <a:tc>
+                  <a:txBody>
+                    <a:bodyPr/>
+                    <a:lstStyle/>
+                    <a:p>
+                      <a:pPr algn="ctr"/>
+                      <a:r>
+                        <a:rPr lang="en-US" b="0" dirty="0">
+                          <a:solidFill>
+                            <a:schemeClr val="tx1"/>
+                          </a:solidFill>
+                        </a:rPr>
+                        <a:t>(f) Food Lion</a:t>
+                      </a:r>
+                    </a:p>
+                  </a:txBody>
+                  <a:tcPr>
+                    <a:noFill/>
+                  </a:tcPr>
+                </a:tc>
+                <a:tc>
+                  <a:txBody>
+                    <a:bodyPr/>
+                    <a:lstStyle/>
+                    <a:p>
+                      <a:pPr algn="ctr"/>
+                      <a:r>
+                        <a:rPr lang="en-US" b="0" dirty="0">
+                          <a:solidFill>
+                            <a:schemeClr val="tx1"/>
+                          </a:solidFill>
+                        </a:rPr>
+                        <a:t>(g) Giant Eagle</a:t>
+                      </a:r>
+                    </a:p>
+                  </a:txBody>
+                  <a:tcPr>
+                    <a:noFill/>
+                  </a:tcPr>
+                </a:tc>
+                <a:extLst>
+                  <a:ext uri="{0D108BD9-81ED-4DB2-BD59-A6C34878D82A}">
+                    <a16:rowId xmlns:a16="http://schemas.microsoft.com/office/drawing/2014/main" val="3832701466"/>
+                  </a:ext>
+                </a:extLst>
+              </a:tr>
+              <a:tr h="579591">
+                <a:tc>
+                  <a:txBody>
+                    <a:bodyPr/>
+                    <a:lstStyle/>
+                    <a:p>
+                      <a:pPr marL="0" marR="0" lvl="0" indent="0" algn="ctr" defTabSz="914400" rtl="0" eaLnBrk="1" fontAlgn="auto" latinLnBrk="0" hangingPunct="1">
+                        <a:lnSpc>
+                          <a:spcPct val="100000"/>
+                        </a:lnSpc>
+                        <a:spcBef>
+                          <a:spcPts val="0"/>
+                        </a:spcBef>
+                        <a:spcAft>
+                          <a:spcPts val="0"/>
+                        </a:spcAft>
+                        <a:buClrTx/>
+                        <a:buSzTx/>
+                        <a:buFontTx/>
+                        <a:buNone/>
+                        <a:tabLst/>
+                        <a:defRPr/>
+                      </a:pPr>
+                      <a:r>
+                        <a:rPr lang="en-US" dirty="0"/>
+                        <a:t>(a) Apples</a:t>
+                      </a:r>
+                    </a:p>
+                  </a:txBody>
+                  <a:tcPr>
+                    <a:noFill/>
+                  </a:tcPr>
+                </a:tc>
+                <a:tc>
+                  <a:txBody>
+                    <a:bodyPr/>
+                    <a:lstStyle/>
+                    <a:p>
+                      <a:pPr algn="r"/>
+                      <a:r>
+                        <a:rPr lang="en-US" dirty="0"/>
+                        <a:t>1.00</a:t>
+                      </a:r>
+                    </a:p>
+                  </a:txBody>
+                  <a:tcPr>
+                    <a:solidFill>
+                      <a:schemeClr val="accent5">
+                        <a:lumMod val="20000"/>
+                        <a:lumOff val="80000"/>
+                      </a:schemeClr>
+                    </a:solidFill>
+                  </a:tcPr>
+                </a:tc>
+                <a:tc>
+                  <a:txBody>
+                    <a:bodyPr/>
+                    <a:lstStyle/>
+                    <a:p>
+                      <a:pPr algn="r"/>
+                      <a:r>
+                        <a:rPr lang="en-US" dirty="0"/>
+                        <a:t>0.80</a:t>
+                      </a:r>
+                    </a:p>
+                  </a:txBody>
+                  <a:tcPr>
+                    <a:solidFill>
+                      <a:schemeClr val="accent2">
+                        <a:lumMod val="40000"/>
+                        <a:lumOff val="60000"/>
+                      </a:schemeClr>
+                    </a:solidFill>
+                  </a:tcPr>
+                </a:tc>
+                <a:tc>
+                  <a:txBody>
+                    <a:bodyPr/>
+                    <a:lstStyle/>
+                    <a:p>
+                      <a:pPr algn="r"/>
+                      <a:r>
+                        <a:rPr lang="en-US" dirty="0"/>
+                        <a:t>1.20</a:t>
+                      </a:r>
+                    </a:p>
+                  </a:txBody>
+                  <a:tcPr>
+                    <a:solidFill>
+                      <a:schemeClr val="tx2">
+                        <a:lumMod val="10000"/>
+                        <a:lumOff val="90000"/>
+                      </a:schemeClr>
+                    </a:solidFill>
+                  </a:tcPr>
+                </a:tc>
+                <a:extLst>
+                  <a:ext uri="{0D108BD9-81ED-4DB2-BD59-A6C34878D82A}">
+                    <a16:rowId xmlns:a16="http://schemas.microsoft.com/office/drawing/2014/main" val="2897390408"/>
+                  </a:ext>
+                </a:extLst>
+              </a:tr>
+              <a:tr h="579591">
+                <a:tc>
+                  <a:txBody>
+                    <a:bodyPr/>
+                    <a:lstStyle/>
+                    <a:p>
+                      <a:pPr marL="0" marR="0" lvl="0" indent="0" algn="ctr" defTabSz="914400" rtl="0" eaLnBrk="1" fontAlgn="auto" latinLnBrk="0" hangingPunct="1">
+                        <a:lnSpc>
+                          <a:spcPct val="100000"/>
+                        </a:lnSpc>
+                        <a:spcBef>
+                          <a:spcPts val="0"/>
+                        </a:spcBef>
+                        <a:spcAft>
+                          <a:spcPts val="0"/>
+                        </a:spcAft>
+                        <a:buClrTx/>
+                        <a:buSzTx/>
+                        <a:buFontTx/>
+                        <a:buNone/>
+                        <a:tabLst/>
+                        <a:defRPr/>
+                      </a:pPr>
+                      <a:r>
+                        <a:rPr lang="en-US" dirty="0"/>
+                        <a:t>(b) Brown sugar</a:t>
+                      </a:r>
+                    </a:p>
+                  </a:txBody>
+                  <a:tcPr>
+                    <a:noFill/>
+                  </a:tcPr>
+                </a:tc>
+                <a:tc>
+                  <a:txBody>
+                    <a:bodyPr/>
+                    <a:lstStyle/>
+                    <a:p>
+                      <a:pPr algn="r"/>
+                      <a:r>
+                        <a:rPr lang="en-US" dirty="0"/>
+                        <a:t>1.50</a:t>
+                      </a:r>
+                    </a:p>
+                  </a:txBody>
+                  <a:tcPr>
+                    <a:solidFill>
+                      <a:schemeClr val="accent5">
+                        <a:lumMod val="20000"/>
+                        <a:lumOff val="80000"/>
+                      </a:schemeClr>
+                    </a:solidFill>
+                  </a:tcPr>
+                </a:tc>
+                <a:tc>
+                  <a:txBody>
+                    <a:bodyPr/>
+                    <a:lstStyle/>
+                    <a:p>
+                      <a:pPr algn="r"/>
+                      <a:r>
+                        <a:rPr lang="en-US" dirty="0"/>
+                        <a:t>1.00</a:t>
+                      </a:r>
+                    </a:p>
+                  </a:txBody>
+                  <a:tcPr>
+                    <a:solidFill>
+                      <a:schemeClr val="accent2">
+                        <a:lumMod val="40000"/>
+                        <a:lumOff val="60000"/>
+                      </a:schemeClr>
+                    </a:solidFill>
+                  </a:tcPr>
+                </a:tc>
+                <a:tc>
+                  <a:txBody>
+                    <a:bodyPr/>
+                    <a:lstStyle/>
+                    <a:p>
+                      <a:pPr algn="r"/>
+                      <a:r>
+                        <a:rPr lang="en-US" dirty="0"/>
+                        <a:t>1.25</a:t>
+                      </a:r>
+                    </a:p>
+                  </a:txBody>
+                  <a:tcPr>
+                    <a:solidFill>
+                      <a:schemeClr val="accent4">
+                        <a:lumMod val="20000"/>
+                        <a:lumOff val="80000"/>
+                      </a:schemeClr>
+                    </a:solidFill>
+                  </a:tcPr>
+                </a:tc>
+                <a:extLst>
+                  <a:ext uri="{0D108BD9-81ED-4DB2-BD59-A6C34878D82A}">
+                    <a16:rowId xmlns:a16="http://schemas.microsoft.com/office/drawing/2014/main" val="303163573"/>
+                  </a:ext>
+                </a:extLst>
+              </a:tr>
+              <a:tr h="579591">
+                <a:tc>
+                  <a:txBody>
+                    <a:bodyPr/>
+                    <a:lstStyle/>
+                    <a:p>
+                      <a:pPr marL="0" marR="0" lvl="0" indent="0" algn="ctr" defTabSz="914400" rtl="0" eaLnBrk="1" fontAlgn="auto" latinLnBrk="0" hangingPunct="1">
+                        <a:lnSpc>
+                          <a:spcPct val="100000"/>
+                        </a:lnSpc>
+                        <a:spcBef>
+                          <a:spcPts val="0"/>
+                        </a:spcBef>
+                        <a:spcAft>
+                          <a:spcPts val="0"/>
+                        </a:spcAft>
+                        <a:buClrTx/>
+                        <a:buSzTx/>
+                        <a:buFontTx/>
+                        <a:buNone/>
+                        <a:tabLst/>
+                        <a:defRPr/>
+                      </a:pPr>
+                      <a:r>
+                        <a:rPr lang="en-US" dirty="0"/>
+                        <a:t>(c) Choc chips</a:t>
+                      </a:r>
+                    </a:p>
+                  </a:txBody>
+                  <a:tcPr>
+                    <a:noFill/>
+                  </a:tcPr>
+                </a:tc>
+                <a:tc>
+                  <a:txBody>
+                    <a:bodyPr/>
+                    <a:lstStyle/>
+                    <a:p>
+                      <a:pPr algn="r"/>
+                      <a:r>
+                        <a:rPr lang="en-US" dirty="0"/>
+                        <a:t>4.00</a:t>
+                      </a:r>
+                    </a:p>
+                  </a:txBody>
+                  <a:tcPr>
+                    <a:solidFill>
+                      <a:schemeClr val="accent5">
+                        <a:lumMod val="20000"/>
+                        <a:lumOff val="80000"/>
+                      </a:schemeClr>
+                    </a:solidFill>
+                  </a:tcPr>
+                </a:tc>
+                <a:tc>
+                  <a:txBody>
+                    <a:bodyPr/>
+                    <a:lstStyle/>
+                    <a:p>
+                      <a:pPr algn="r"/>
+                      <a:r>
+                        <a:rPr lang="en-US" dirty="0"/>
+                        <a:t>4.50</a:t>
+                      </a:r>
+                    </a:p>
+                  </a:txBody>
+                  <a:tcPr>
+                    <a:solidFill>
+                      <a:schemeClr val="accent2">
+                        <a:lumMod val="40000"/>
+                        <a:lumOff val="60000"/>
+                      </a:schemeClr>
+                    </a:solidFill>
+                  </a:tcPr>
+                </a:tc>
+                <a:tc>
+                  <a:txBody>
+                    <a:bodyPr/>
+                    <a:lstStyle/>
+                    <a:p>
+                      <a:pPr algn="r"/>
+                      <a:r>
+                        <a:rPr lang="en-US" dirty="0"/>
+                        <a:t>3.75</a:t>
+                      </a:r>
+                    </a:p>
+                    <a:p>
+                      <a:pPr algn="r"/>
+                      <a:endParaRPr lang="en-US" dirty="0"/>
+                    </a:p>
+                  </a:txBody>
+                  <a:tcPr>
+                    <a:solidFill>
+                      <a:schemeClr val="accent4">
+                        <a:lumMod val="20000"/>
+                        <a:lumOff val="80000"/>
+                      </a:schemeClr>
+                    </a:solidFill>
+                  </a:tcPr>
+                </a:tc>
+                <a:extLst>
+                  <a:ext uri="{0D108BD9-81ED-4DB2-BD59-A6C34878D82A}">
+                    <a16:rowId xmlns:a16="http://schemas.microsoft.com/office/drawing/2014/main" val="3834278958"/>
+                  </a:ext>
+                </a:extLst>
+              </a:tr>
+            </a:tbl>
+          </a:graphicData>
+        </a:graphic>
+      </p:graphicFrame>
+      <p:graphicFrame>
+        <p:nvGraphicFramePr>
+          <p:cNvPr id="30" name="Table 29">
+            <a:extLst>
+              <a:ext uri="{FF2B5EF4-FFF2-40B4-BE49-F238E27FC236}">
+                <a16:creationId xmlns:a16="http://schemas.microsoft.com/office/drawing/2014/main" id="{CEC106C4-6E35-8240-F9F2-B750E1FBCB32}"/>
+              </a:ext>
+            </a:extLst>
+          </p:cNvPr>
+          <p:cNvGraphicFramePr>
+            <a:graphicFrameLocks noGrp="1"/>
+          </p:cNvGraphicFramePr>
+          <p:nvPr>
+            <p:extLst>
+              <p:ext uri="{D42A27DB-BD31-4B8C-83A1-F6EECF244321}">
+                <p14:modId xmlns:p14="http://schemas.microsoft.com/office/powerpoint/2010/main" val="3478326706"/>
+              </p:ext>
+            </p:extLst>
+          </p:nvPr>
+        </p:nvGraphicFramePr>
+        <p:xfrm>
+          <a:off x="1418570" y="3953434"/>
+          <a:ext cx="1056858" cy="274320"/>
+        </p:xfrm>
+        <a:graphic>
+          <a:graphicData uri="http://schemas.openxmlformats.org/drawingml/2006/table">
+            <a:tbl>
+              <a:tblPr firstRow="1" bandRow="1">
+                <a:tableStyleId>{5C22544A-7EE6-4342-B048-85BDC9FD1C3A}</a:tableStyleId>
+              </a:tblPr>
+              <a:tblGrid>
+                <a:gridCol w="352286">
+                  <a:extLst>
+                    <a:ext uri="{9D8B030D-6E8A-4147-A177-3AD203B41FA5}">
+                      <a16:colId xmlns:a16="http://schemas.microsoft.com/office/drawing/2014/main" val="2433547157"/>
+                    </a:ext>
+                  </a:extLst>
+                </a:gridCol>
+                <a:gridCol w="352286">
+                  <a:extLst>
+                    <a:ext uri="{9D8B030D-6E8A-4147-A177-3AD203B41FA5}">
+                      <a16:colId xmlns:a16="http://schemas.microsoft.com/office/drawing/2014/main" val="3534594198"/>
+                    </a:ext>
+                  </a:extLst>
+                </a:gridCol>
+                <a:gridCol w="352286">
+                  <a:extLst>
+                    <a:ext uri="{9D8B030D-6E8A-4147-A177-3AD203B41FA5}">
+                      <a16:colId xmlns:a16="http://schemas.microsoft.com/office/drawing/2014/main" val="1410062937"/>
+                    </a:ext>
+                  </a:extLst>
+                </a:gridCol>
+              </a:tblGrid>
+              <a:tr h="201957">
+                <a:tc>
+                  <a:txBody>
+                    <a:bodyPr/>
+                    <a:lstStyle/>
+                    <a:p>
+                      <a:pPr algn="ctr"/>
+                      <a:r>
+                        <a:rPr lang="en-US" sz="1200" b="0" i="1" dirty="0">
+                          <a:solidFill>
+                            <a:schemeClr val="tx1"/>
+                          </a:solidFill>
+                        </a:rPr>
+                        <a:t>0</a:t>
+                      </a:r>
+                    </a:p>
+                  </a:txBody>
+                  <a:tcPr>
+                    <a:solidFill>
+                      <a:schemeClr val="accent6">
+                        <a:lumMod val="40000"/>
+                        <a:lumOff val="60000"/>
+                      </a:schemeClr>
+                    </a:solidFill>
+                  </a:tcPr>
+                </a:tc>
+                <a:tc>
+                  <a:txBody>
+                    <a:bodyPr/>
+                    <a:lstStyle/>
+                    <a:p>
+                      <a:pPr algn="ctr"/>
+                      <a:r>
+                        <a:rPr lang="en-US" sz="1200" b="0" i="1" dirty="0">
+                          <a:solidFill>
+                            <a:schemeClr val="tx1"/>
+                          </a:solidFill>
+                        </a:rPr>
+                        <a:t>2</a:t>
+                      </a:r>
+                    </a:p>
+                  </a:txBody>
+                  <a:tcPr>
+                    <a:solidFill>
+                      <a:schemeClr val="accent6">
+                        <a:lumMod val="40000"/>
+                        <a:lumOff val="60000"/>
+                      </a:schemeClr>
+                    </a:solidFill>
+                  </a:tcPr>
+                </a:tc>
+                <a:tc>
+                  <a:txBody>
+                    <a:bodyPr/>
+                    <a:lstStyle/>
+                    <a:p>
+                      <a:pPr algn="ctr"/>
+                      <a:r>
+                        <a:rPr lang="en-US" sz="1200" b="0" i="1" dirty="0">
+                          <a:solidFill>
+                            <a:schemeClr val="tx1"/>
+                          </a:solidFill>
+                        </a:rPr>
+                        <a:t>2</a:t>
+                      </a:r>
+                    </a:p>
+                  </a:txBody>
+                  <a:tcPr>
+                    <a:solidFill>
+                      <a:schemeClr val="accent6">
+                        <a:lumMod val="40000"/>
+                        <a:lumOff val="60000"/>
+                      </a:schemeClr>
+                    </a:solidFill>
+                  </a:tcPr>
+                </a:tc>
+                <a:extLst>
+                  <a:ext uri="{0D108BD9-81ED-4DB2-BD59-A6C34878D82A}">
+                    <a16:rowId xmlns:a16="http://schemas.microsoft.com/office/drawing/2014/main" val="1646657682"/>
+                  </a:ext>
+                </a:extLst>
+              </a:tr>
+            </a:tbl>
+          </a:graphicData>
+        </a:graphic>
+      </p:graphicFrame>
+      <p:graphicFrame>
+        <p:nvGraphicFramePr>
+          <p:cNvPr id="31" name="Table 30">
+            <a:extLst>
+              <a:ext uri="{FF2B5EF4-FFF2-40B4-BE49-F238E27FC236}">
+                <a16:creationId xmlns:a16="http://schemas.microsoft.com/office/drawing/2014/main" id="{25876700-AE59-76A7-F40A-819C19F808C2}"/>
+              </a:ext>
+            </a:extLst>
+          </p:cNvPr>
+          <p:cNvGraphicFramePr>
+            <a:graphicFrameLocks noGrp="1"/>
+          </p:cNvGraphicFramePr>
+          <p:nvPr>
+            <p:extLst>
+              <p:ext uri="{D42A27DB-BD31-4B8C-83A1-F6EECF244321}">
+                <p14:modId xmlns:p14="http://schemas.microsoft.com/office/powerpoint/2010/main" val="68452860"/>
+              </p:ext>
+            </p:extLst>
+          </p:nvPr>
+        </p:nvGraphicFramePr>
+        <p:xfrm>
+          <a:off x="2475428" y="3953436"/>
+          <a:ext cx="649356" cy="838200"/>
+        </p:xfrm>
+        <a:graphic>
+          <a:graphicData uri="http://schemas.openxmlformats.org/drawingml/2006/table">
+            <a:tbl>
+              <a:tblPr>
+                <a:tableStyleId>{5C22544A-7EE6-4342-B048-85BDC9FD1C3A}</a:tableStyleId>
+              </a:tblPr>
+              <a:tblGrid>
+                <a:gridCol w="649356">
+                  <a:extLst>
+                    <a:ext uri="{9D8B030D-6E8A-4147-A177-3AD203B41FA5}">
+                      <a16:colId xmlns:a16="http://schemas.microsoft.com/office/drawing/2014/main" val="133326191"/>
+                    </a:ext>
+                  </a:extLst>
+                </a:gridCol>
+              </a:tblGrid>
+              <a:tr h="279400">
+                <a:tc>
+                  <a:txBody>
+                    <a:bodyPr/>
+                    <a:lstStyle/>
+                    <a:p>
+                      <a:pPr algn="r"/>
+                      <a:r>
+                        <a:rPr lang="en-US" sz="1200" b="0" dirty="0">
+                          <a:solidFill>
+                            <a:schemeClr val="tx1"/>
+                          </a:solidFill>
+                        </a:rPr>
+                        <a:t>1.00</a:t>
+                      </a:r>
+                    </a:p>
+                  </a:txBody>
+                  <a:tcPr>
+                    <a:solidFill>
+                      <a:schemeClr val="accent5">
+                        <a:lumMod val="20000"/>
+                        <a:lumOff val="80000"/>
+                      </a:schemeClr>
+                    </a:solidFill>
+                  </a:tcPr>
+                </a:tc>
+                <a:extLst>
+                  <a:ext uri="{0D108BD9-81ED-4DB2-BD59-A6C34878D82A}">
+                    <a16:rowId xmlns:a16="http://schemas.microsoft.com/office/drawing/2014/main" val="2821976943"/>
+                  </a:ext>
+                </a:extLst>
+              </a:tr>
+              <a:tr h="279400">
+                <a:tc>
+                  <a:txBody>
+                    <a:bodyPr/>
+                    <a:lstStyle/>
+                    <a:p>
+                      <a:pPr algn="r"/>
+                      <a:r>
+                        <a:rPr lang="en-US" sz="1200" dirty="0">
+                          <a:solidFill>
+                            <a:schemeClr val="tx1"/>
+                          </a:solidFill>
+                        </a:rPr>
+                        <a:t>1.50</a:t>
+                      </a:r>
+                    </a:p>
+                  </a:txBody>
+                  <a:tcPr>
+                    <a:solidFill>
+                      <a:schemeClr val="accent5">
+                        <a:lumMod val="20000"/>
+                        <a:lumOff val="80000"/>
+                      </a:schemeClr>
+                    </a:solidFill>
+                  </a:tcPr>
+                </a:tc>
+                <a:extLst>
+                  <a:ext uri="{0D108BD9-81ED-4DB2-BD59-A6C34878D82A}">
+                    <a16:rowId xmlns:a16="http://schemas.microsoft.com/office/drawing/2014/main" val="2084588645"/>
+                  </a:ext>
+                </a:extLst>
+              </a:tr>
+              <a:tr h="279400">
+                <a:tc>
+                  <a:txBody>
+                    <a:bodyPr/>
+                    <a:lstStyle/>
+                    <a:p>
+                      <a:pPr algn="r"/>
+                      <a:r>
+                        <a:rPr lang="en-US" sz="1200" dirty="0">
+                          <a:solidFill>
+                            <a:schemeClr val="tx1"/>
+                          </a:solidFill>
+                        </a:rPr>
+                        <a:t>4.00</a:t>
+                      </a:r>
+                    </a:p>
+                  </a:txBody>
+                  <a:tcPr>
+                    <a:solidFill>
+                      <a:schemeClr val="accent5">
+                        <a:lumMod val="20000"/>
+                        <a:lumOff val="80000"/>
+                      </a:schemeClr>
+                    </a:solidFill>
+                  </a:tcPr>
+                </a:tc>
+                <a:extLst>
+                  <a:ext uri="{0D108BD9-81ED-4DB2-BD59-A6C34878D82A}">
+                    <a16:rowId xmlns:a16="http://schemas.microsoft.com/office/drawing/2014/main" val="4130161207"/>
+                  </a:ext>
+                </a:extLst>
+              </a:tr>
+            </a:tbl>
+          </a:graphicData>
+        </a:graphic>
+      </p:graphicFrame>
+      <p:graphicFrame>
+        <p:nvGraphicFramePr>
+          <p:cNvPr id="33" name="Table 32">
+            <a:extLst>
+              <a:ext uri="{FF2B5EF4-FFF2-40B4-BE49-F238E27FC236}">
+                <a16:creationId xmlns:a16="http://schemas.microsoft.com/office/drawing/2014/main" id="{8FEE7395-48B8-295F-1BE0-D098F9C4DC52}"/>
+              </a:ext>
+            </a:extLst>
+          </p:cNvPr>
+          <p:cNvGraphicFramePr>
+            <a:graphicFrameLocks noGrp="1"/>
+          </p:cNvGraphicFramePr>
+          <p:nvPr>
+            <p:extLst>
+              <p:ext uri="{D42A27DB-BD31-4B8C-83A1-F6EECF244321}">
+                <p14:modId xmlns:p14="http://schemas.microsoft.com/office/powerpoint/2010/main" val="1940561039"/>
+              </p:ext>
+            </p:extLst>
+          </p:nvPr>
+        </p:nvGraphicFramePr>
+        <p:xfrm>
+          <a:off x="3598546" y="3953434"/>
+          <a:ext cx="1056858" cy="274320"/>
+        </p:xfrm>
+        <a:graphic>
+          <a:graphicData uri="http://schemas.openxmlformats.org/drawingml/2006/table">
+            <a:tbl>
+              <a:tblPr firstRow="1" bandRow="1">
+                <a:tableStyleId>{5C22544A-7EE6-4342-B048-85BDC9FD1C3A}</a:tableStyleId>
+              </a:tblPr>
+              <a:tblGrid>
+                <a:gridCol w="352286">
+                  <a:extLst>
+                    <a:ext uri="{9D8B030D-6E8A-4147-A177-3AD203B41FA5}">
+                      <a16:colId xmlns:a16="http://schemas.microsoft.com/office/drawing/2014/main" val="2433547157"/>
+                    </a:ext>
+                  </a:extLst>
+                </a:gridCol>
+                <a:gridCol w="352286">
+                  <a:extLst>
+                    <a:ext uri="{9D8B030D-6E8A-4147-A177-3AD203B41FA5}">
+                      <a16:colId xmlns:a16="http://schemas.microsoft.com/office/drawing/2014/main" val="3534594198"/>
+                    </a:ext>
+                  </a:extLst>
+                </a:gridCol>
+                <a:gridCol w="352286">
+                  <a:extLst>
+                    <a:ext uri="{9D8B030D-6E8A-4147-A177-3AD203B41FA5}">
+                      <a16:colId xmlns:a16="http://schemas.microsoft.com/office/drawing/2014/main" val="1410062937"/>
+                    </a:ext>
+                  </a:extLst>
+                </a:gridCol>
+              </a:tblGrid>
+              <a:tr h="201957">
+                <a:tc>
+                  <a:txBody>
+                    <a:bodyPr/>
+                    <a:lstStyle/>
+                    <a:p>
+                      <a:pPr algn="ctr"/>
+                      <a:r>
+                        <a:rPr lang="en-US" sz="1200" b="0" i="1" dirty="0">
+                          <a:solidFill>
+                            <a:schemeClr val="tx1"/>
+                          </a:solidFill>
+                        </a:rPr>
+                        <a:t>0</a:t>
+                      </a:r>
+                    </a:p>
+                  </a:txBody>
+                  <a:tcPr>
+                    <a:solidFill>
+                      <a:schemeClr val="accent6">
+                        <a:lumMod val="40000"/>
+                        <a:lumOff val="60000"/>
+                      </a:schemeClr>
+                    </a:solidFill>
+                  </a:tcPr>
+                </a:tc>
+                <a:tc>
+                  <a:txBody>
+                    <a:bodyPr/>
+                    <a:lstStyle/>
+                    <a:p>
+                      <a:pPr algn="ctr"/>
+                      <a:r>
+                        <a:rPr lang="en-US" sz="1200" b="0" i="1" dirty="0">
+                          <a:solidFill>
+                            <a:schemeClr val="tx1"/>
+                          </a:solidFill>
+                        </a:rPr>
+                        <a:t>2</a:t>
+                      </a:r>
+                    </a:p>
+                  </a:txBody>
+                  <a:tcPr>
+                    <a:solidFill>
+                      <a:schemeClr val="accent6">
+                        <a:lumMod val="40000"/>
+                        <a:lumOff val="60000"/>
+                      </a:schemeClr>
+                    </a:solidFill>
+                  </a:tcPr>
+                </a:tc>
+                <a:tc>
+                  <a:txBody>
+                    <a:bodyPr/>
+                    <a:lstStyle/>
+                    <a:p>
+                      <a:pPr algn="ctr"/>
+                      <a:r>
+                        <a:rPr lang="en-US" sz="1200" b="0" i="1" dirty="0">
+                          <a:solidFill>
+                            <a:schemeClr val="tx1"/>
+                          </a:solidFill>
+                        </a:rPr>
+                        <a:t>2</a:t>
+                      </a:r>
+                    </a:p>
+                  </a:txBody>
+                  <a:tcPr>
+                    <a:solidFill>
+                      <a:schemeClr val="accent6">
+                        <a:lumMod val="40000"/>
+                        <a:lumOff val="60000"/>
+                      </a:schemeClr>
+                    </a:solidFill>
+                  </a:tcPr>
+                </a:tc>
+                <a:extLst>
+                  <a:ext uri="{0D108BD9-81ED-4DB2-BD59-A6C34878D82A}">
+                    <a16:rowId xmlns:a16="http://schemas.microsoft.com/office/drawing/2014/main" val="1646657682"/>
+                  </a:ext>
+                </a:extLst>
+              </a:tr>
+            </a:tbl>
+          </a:graphicData>
+        </a:graphic>
+      </p:graphicFrame>
+      <p:graphicFrame>
+        <p:nvGraphicFramePr>
+          <p:cNvPr id="37" name="Table 36">
+            <a:extLst>
+              <a:ext uri="{FF2B5EF4-FFF2-40B4-BE49-F238E27FC236}">
+                <a16:creationId xmlns:a16="http://schemas.microsoft.com/office/drawing/2014/main" id="{08893FFA-ABEC-45D9-EA4C-64CF97AF03D5}"/>
+              </a:ext>
+            </a:extLst>
+          </p:cNvPr>
+          <p:cNvGraphicFramePr>
+            <a:graphicFrameLocks noGrp="1"/>
+          </p:cNvGraphicFramePr>
+          <p:nvPr>
+            <p:extLst>
+              <p:ext uri="{D42A27DB-BD31-4B8C-83A1-F6EECF244321}">
+                <p14:modId xmlns:p14="http://schemas.microsoft.com/office/powerpoint/2010/main" val="1509508782"/>
+              </p:ext>
+            </p:extLst>
+          </p:nvPr>
+        </p:nvGraphicFramePr>
+        <p:xfrm>
+          <a:off x="4655404" y="3953436"/>
+          <a:ext cx="649356" cy="838200"/>
+        </p:xfrm>
+        <a:graphic>
+          <a:graphicData uri="http://schemas.openxmlformats.org/drawingml/2006/table">
+            <a:tbl>
+              <a:tblPr>
+                <a:tableStyleId>{5C22544A-7EE6-4342-B048-85BDC9FD1C3A}</a:tableStyleId>
+              </a:tblPr>
+              <a:tblGrid>
+                <a:gridCol w="649356">
+                  <a:extLst>
+                    <a:ext uri="{9D8B030D-6E8A-4147-A177-3AD203B41FA5}">
+                      <a16:colId xmlns:a16="http://schemas.microsoft.com/office/drawing/2014/main" val="133326191"/>
+                    </a:ext>
+                  </a:extLst>
+                </a:gridCol>
+              </a:tblGrid>
+              <a:tr h="279400">
+                <a:tc>
+                  <a:txBody>
+                    <a:bodyPr/>
+                    <a:lstStyle/>
+                    <a:p>
+                      <a:pPr algn="r"/>
+                      <a:r>
+                        <a:rPr lang="en-US" sz="1200" dirty="0"/>
+                        <a:t>0.80</a:t>
+                      </a:r>
+                    </a:p>
+                  </a:txBody>
+                  <a:tcPr>
+                    <a:solidFill>
+                      <a:schemeClr val="accent2">
+                        <a:lumMod val="40000"/>
+                        <a:lumOff val="60000"/>
+                      </a:schemeClr>
+                    </a:solidFill>
+                  </a:tcPr>
+                </a:tc>
+                <a:extLst>
+                  <a:ext uri="{0D108BD9-81ED-4DB2-BD59-A6C34878D82A}">
+                    <a16:rowId xmlns:a16="http://schemas.microsoft.com/office/drawing/2014/main" val="2821976943"/>
+                  </a:ext>
+                </a:extLst>
+              </a:tr>
+              <a:tr h="279400">
+                <a:tc>
+                  <a:txBody>
+                    <a:bodyPr/>
+                    <a:lstStyle/>
+                    <a:p>
+                      <a:pPr algn="r"/>
+                      <a:r>
+                        <a:rPr lang="en-US" sz="1200" dirty="0"/>
+                        <a:t>1.00</a:t>
+                      </a:r>
+                    </a:p>
+                  </a:txBody>
+                  <a:tcPr>
+                    <a:solidFill>
+                      <a:schemeClr val="accent2">
+                        <a:lumMod val="40000"/>
+                        <a:lumOff val="60000"/>
+                      </a:schemeClr>
+                    </a:solidFill>
+                  </a:tcPr>
+                </a:tc>
+                <a:extLst>
+                  <a:ext uri="{0D108BD9-81ED-4DB2-BD59-A6C34878D82A}">
+                    <a16:rowId xmlns:a16="http://schemas.microsoft.com/office/drawing/2014/main" val="2084588645"/>
+                  </a:ext>
+                </a:extLst>
+              </a:tr>
+              <a:tr h="279400">
+                <a:tc>
+                  <a:txBody>
+                    <a:bodyPr/>
+                    <a:lstStyle/>
+                    <a:p>
+                      <a:pPr algn="r"/>
+                      <a:r>
+                        <a:rPr lang="en-US" sz="1200" dirty="0"/>
+                        <a:t>4.50</a:t>
+                      </a:r>
+                    </a:p>
+                  </a:txBody>
+                  <a:tcPr>
+                    <a:solidFill>
+                      <a:schemeClr val="accent2">
+                        <a:lumMod val="40000"/>
+                        <a:lumOff val="60000"/>
+                      </a:schemeClr>
+                    </a:solidFill>
+                  </a:tcPr>
+                </a:tc>
+                <a:extLst>
+                  <a:ext uri="{0D108BD9-81ED-4DB2-BD59-A6C34878D82A}">
+                    <a16:rowId xmlns:a16="http://schemas.microsoft.com/office/drawing/2014/main" val="4130161207"/>
+                  </a:ext>
+                </a:extLst>
+              </a:tr>
+            </a:tbl>
+          </a:graphicData>
+        </a:graphic>
+      </p:graphicFrame>
+      <p:graphicFrame>
+        <p:nvGraphicFramePr>
+          <p:cNvPr id="38" name="Table 37">
+            <a:extLst>
+              <a:ext uri="{FF2B5EF4-FFF2-40B4-BE49-F238E27FC236}">
+                <a16:creationId xmlns:a16="http://schemas.microsoft.com/office/drawing/2014/main" id="{15BA0A26-080A-6B1E-40A9-C5D84FEF9D67}"/>
+              </a:ext>
+            </a:extLst>
+          </p:cNvPr>
+          <p:cNvGraphicFramePr>
+            <a:graphicFrameLocks noGrp="1"/>
+          </p:cNvGraphicFramePr>
+          <p:nvPr>
+            <p:extLst>
+              <p:ext uri="{D42A27DB-BD31-4B8C-83A1-F6EECF244321}">
+                <p14:modId xmlns:p14="http://schemas.microsoft.com/office/powerpoint/2010/main" val="329307758"/>
+              </p:ext>
+            </p:extLst>
+          </p:nvPr>
+        </p:nvGraphicFramePr>
+        <p:xfrm>
+          <a:off x="5765283" y="3953434"/>
+          <a:ext cx="1056858" cy="274320"/>
+        </p:xfrm>
+        <a:graphic>
+          <a:graphicData uri="http://schemas.openxmlformats.org/drawingml/2006/table">
+            <a:tbl>
+              <a:tblPr firstRow="1" bandRow="1">
+                <a:tableStyleId>{5C22544A-7EE6-4342-B048-85BDC9FD1C3A}</a:tableStyleId>
+              </a:tblPr>
+              <a:tblGrid>
+                <a:gridCol w="352286">
+                  <a:extLst>
+                    <a:ext uri="{9D8B030D-6E8A-4147-A177-3AD203B41FA5}">
+                      <a16:colId xmlns:a16="http://schemas.microsoft.com/office/drawing/2014/main" val="2433547157"/>
+                    </a:ext>
+                  </a:extLst>
+                </a:gridCol>
+                <a:gridCol w="352286">
+                  <a:extLst>
+                    <a:ext uri="{9D8B030D-6E8A-4147-A177-3AD203B41FA5}">
+                      <a16:colId xmlns:a16="http://schemas.microsoft.com/office/drawing/2014/main" val="3534594198"/>
+                    </a:ext>
+                  </a:extLst>
+                </a:gridCol>
+                <a:gridCol w="352286">
+                  <a:extLst>
+                    <a:ext uri="{9D8B030D-6E8A-4147-A177-3AD203B41FA5}">
+                      <a16:colId xmlns:a16="http://schemas.microsoft.com/office/drawing/2014/main" val="1410062937"/>
+                    </a:ext>
+                  </a:extLst>
+                </a:gridCol>
+              </a:tblGrid>
+              <a:tr h="201957">
+                <a:tc>
+                  <a:txBody>
+                    <a:bodyPr/>
+                    <a:lstStyle/>
+                    <a:p>
+                      <a:pPr algn="ctr"/>
+                      <a:r>
+                        <a:rPr lang="en-US" sz="1200" b="0" i="1" dirty="0">
+                          <a:solidFill>
+                            <a:schemeClr val="tx1"/>
+                          </a:solidFill>
+                        </a:rPr>
+                        <a:t>0</a:t>
+                      </a:r>
+                    </a:p>
+                  </a:txBody>
+                  <a:tcPr>
+                    <a:solidFill>
+                      <a:schemeClr val="accent6">
+                        <a:lumMod val="40000"/>
+                        <a:lumOff val="60000"/>
+                      </a:schemeClr>
+                    </a:solidFill>
+                  </a:tcPr>
+                </a:tc>
+                <a:tc>
+                  <a:txBody>
+                    <a:bodyPr/>
+                    <a:lstStyle/>
+                    <a:p>
+                      <a:pPr algn="ctr"/>
+                      <a:r>
+                        <a:rPr lang="en-US" sz="1200" b="0" i="1" dirty="0">
+                          <a:solidFill>
+                            <a:schemeClr val="tx1"/>
+                          </a:solidFill>
+                        </a:rPr>
+                        <a:t>2</a:t>
+                      </a:r>
+                    </a:p>
+                  </a:txBody>
+                  <a:tcPr>
+                    <a:solidFill>
+                      <a:schemeClr val="accent6">
+                        <a:lumMod val="40000"/>
+                        <a:lumOff val="60000"/>
+                      </a:schemeClr>
+                    </a:solidFill>
+                  </a:tcPr>
+                </a:tc>
+                <a:tc>
+                  <a:txBody>
+                    <a:bodyPr/>
+                    <a:lstStyle/>
+                    <a:p>
+                      <a:pPr algn="ctr"/>
+                      <a:r>
+                        <a:rPr lang="en-US" sz="1200" b="0" i="1" dirty="0">
+                          <a:solidFill>
+                            <a:schemeClr val="tx1"/>
+                          </a:solidFill>
+                        </a:rPr>
+                        <a:t>2</a:t>
+                      </a:r>
+                    </a:p>
+                  </a:txBody>
+                  <a:tcPr>
+                    <a:solidFill>
+                      <a:schemeClr val="accent6">
+                        <a:lumMod val="40000"/>
+                        <a:lumOff val="60000"/>
+                      </a:schemeClr>
+                    </a:solidFill>
+                  </a:tcPr>
+                </a:tc>
+                <a:extLst>
+                  <a:ext uri="{0D108BD9-81ED-4DB2-BD59-A6C34878D82A}">
+                    <a16:rowId xmlns:a16="http://schemas.microsoft.com/office/drawing/2014/main" val="1646657682"/>
+                  </a:ext>
+                </a:extLst>
+              </a:tr>
+            </a:tbl>
+          </a:graphicData>
+        </a:graphic>
+      </p:graphicFrame>
+      <p:graphicFrame>
+        <p:nvGraphicFramePr>
+          <p:cNvPr id="39" name="Table 38">
+            <a:extLst>
+              <a:ext uri="{FF2B5EF4-FFF2-40B4-BE49-F238E27FC236}">
+                <a16:creationId xmlns:a16="http://schemas.microsoft.com/office/drawing/2014/main" id="{4335088B-0E77-1303-44FF-D23877510A33}"/>
+              </a:ext>
+            </a:extLst>
+          </p:cNvPr>
+          <p:cNvGraphicFramePr>
+            <a:graphicFrameLocks noGrp="1"/>
+          </p:cNvGraphicFramePr>
+          <p:nvPr>
+            <p:extLst>
+              <p:ext uri="{D42A27DB-BD31-4B8C-83A1-F6EECF244321}">
+                <p14:modId xmlns:p14="http://schemas.microsoft.com/office/powerpoint/2010/main" val="2501195592"/>
+              </p:ext>
+            </p:extLst>
+          </p:nvPr>
+        </p:nvGraphicFramePr>
+        <p:xfrm>
+          <a:off x="6822141" y="3953436"/>
+          <a:ext cx="649356" cy="838200"/>
+        </p:xfrm>
+        <a:graphic>
+          <a:graphicData uri="http://schemas.openxmlformats.org/drawingml/2006/table">
+            <a:tbl>
+              <a:tblPr>
+                <a:tableStyleId>{5C22544A-7EE6-4342-B048-85BDC9FD1C3A}</a:tableStyleId>
+              </a:tblPr>
+              <a:tblGrid>
+                <a:gridCol w="649356">
+                  <a:extLst>
+                    <a:ext uri="{9D8B030D-6E8A-4147-A177-3AD203B41FA5}">
+                      <a16:colId xmlns:a16="http://schemas.microsoft.com/office/drawing/2014/main" val="133326191"/>
+                    </a:ext>
+                  </a:extLst>
+                </a:gridCol>
+              </a:tblGrid>
+              <a:tr h="279400">
+                <a:tc>
+                  <a:txBody>
+                    <a:bodyPr/>
+                    <a:lstStyle/>
+                    <a:p>
+                      <a:pPr algn="r"/>
+                      <a:r>
+                        <a:rPr lang="en-US" sz="1200" dirty="0"/>
+                        <a:t>1.20</a:t>
+                      </a:r>
+                    </a:p>
+                  </a:txBody>
+                  <a:tcPr>
+                    <a:solidFill>
+                      <a:schemeClr val="tx2">
+                        <a:lumMod val="10000"/>
+                        <a:lumOff val="90000"/>
+                      </a:schemeClr>
+                    </a:solidFill>
+                  </a:tcPr>
+                </a:tc>
+                <a:extLst>
+                  <a:ext uri="{0D108BD9-81ED-4DB2-BD59-A6C34878D82A}">
+                    <a16:rowId xmlns:a16="http://schemas.microsoft.com/office/drawing/2014/main" val="2821976943"/>
+                  </a:ext>
+                </a:extLst>
+              </a:tr>
+              <a:tr h="279400">
+                <a:tc>
+                  <a:txBody>
+                    <a:bodyPr/>
+                    <a:lstStyle/>
+                    <a:p>
+                      <a:pPr algn="r"/>
+                      <a:r>
+                        <a:rPr lang="en-US" sz="1200" dirty="0"/>
+                        <a:t>1.25</a:t>
+                      </a:r>
+                    </a:p>
+                  </a:txBody>
+                  <a:tcPr>
+                    <a:solidFill>
+                      <a:schemeClr val="tx2">
+                        <a:lumMod val="10000"/>
+                        <a:lumOff val="90000"/>
+                      </a:schemeClr>
+                    </a:solidFill>
+                  </a:tcPr>
+                </a:tc>
+                <a:extLst>
+                  <a:ext uri="{0D108BD9-81ED-4DB2-BD59-A6C34878D82A}">
+                    <a16:rowId xmlns:a16="http://schemas.microsoft.com/office/drawing/2014/main" val="2084588645"/>
+                  </a:ext>
+                </a:extLst>
+              </a:tr>
+              <a:tr h="279400">
+                <a:tc>
+                  <a:txBody>
+                    <a:bodyPr/>
+                    <a:lstStyle/>
+                    <a:p>
+                      <a:pPr algn="r"/>
+                      <a:r>
+                        <a:rPr lang="en-US" sz="1200" dirty="0"/>
+                        <a:t>3.75</a:t>
+                      </a:r>
+                    </a:p>
+                  </a:txBody>
+                  <a:tcPr>
+                    <a:solidFill>
+                      <a:schemeClr val="tx2">
+                        <a:lumMod val="10000"/>
+                        <a:lumOff val="90000"/>
+                      </a:schemeClr>
+                    </a:solidFill>
+                  </a:tcPr>
+                </a:tc>
+                <a:extLst>
+                  <a:ext uri="{0D108BD9-81ED-4DB2-BD59-A6C34878D82A}">
+                    <a16:rowId xmlns:a16="http://schemas.microsoft.com/office/drawing/2014/main" val="4130161207"/>
+                  </a:ext>
+                </a:extLst>
+              </a:tr>
+            </a:tbl>
+          </a:graphicData>
+        </a:graphic>
+      </p:graphicFrame>
+      <p:graphicFrame>
+        <p:nvGraphicFramePr>
+          <p:cNvPr id="40" name="Table 39">
+            <a:extLst>
+              <a:ext uri="{FF2B5EF4-FFF2-40B4-BE49-F238E27FC236}">
+                <a16:creationId xmlns:a16="http://schemas.microsoft.com/office/drawing/2014/main" id="{EFC64399-6D61-BE2C-EDFD-08F960B186CC}"/>
+              </a:ext>
+            </a:extLst>
+          </p:cNvPr>
+          <p:cNvGraphicFramePr>
+            <a:graphicFrameLocks noGrp="1"/>
+          </p:cNvGraphicFramePr>
+          <p:nvPr>
+            <p:extLst>
+              <p:ext uri="{D42A27DB-BD31-4B8C-83A1-F6EECF244321}">
+                <p14:modId xmlns:p14="http://schemas.microsoft.com/office/powerpoint/2010/main" val="2460950894"/>
+              </p:ext>
+            </p:extLst>
+          </p:nvPr>
+        </p:nvGraphicFramePr>
+        <p:xfrm>
+          <a:off x="1418570" y="5311782"/>
+          <a:ext cx="1056858" cy="274320"/>
+        </p:xfrm>
+        <a:graphic>
+          <a:graphicData uri="http://schemas.openxmlformats.org/drawingml/2006/table">
+            <a:tbl>
+              <a:tblPr firstRow="1" bandRow="1">
+                <a:tableStyleId>{5C22544A-7EE6-4342-B048-85BDC9FD1C3A}</a:tableStyleId>
+              </a:tblPr>
+              <a:tblGrid>
+                <a:gridCol w="352286">
+                  <a:extLst>
+                    <a:ext uri="{9D8B030D-6E8A-4147-A177-3AD203B41FA5}">
+                      <a16:colId xmlns:a16="http://schemas.microsoft.com/office/drawing/2014/main" val="2433547157"/>
+                    </a:ext>
+                  </a:extLst>
+                </a:gridCol>
+                <a:gridCol w="352286">
+                  <a:extLst>
+                    <a:ext uri="{9D8B030D-6E8A-4147-A177-3AD203B41FA5}">
+                      <a16:colId xmlns:a16="http://schemas.microsoft.com/office/drawing/2014/main" val="3534594198"/>
+                    </a:ext>
+                  </a:extLst>
+                </a:gridCol>
+                <a:gridCol w="352286">
+                  <a:extLst>
+                    <a:ext uri="{9D8B030D-6E8A-4147-A177-3AD203B41FA5}">
+                      <a16:colId xmlns:a16="http://schemas.microsoft.com/office/drawing/2014/main" val="1410062937"/>
+                    </a:ext>
+                  </a:extLst>
+                </a:gridCol>
+              </a:tblGrid>
+              <a:tr h="201957">
+                <a:tc>
+                  <a:txBody>
+                    <a:bodyPr/>
+                    <a:lstStyle/>
+                    <a:p>
+                      <a:pPr algn="ctr"/>
+                      <a:r>
+                        <a:rPr lang="en-US" sz="1200" b="0" i="1" dirty="0">
+                          <a:solidFill>
+                            <a:schemeClr val="tx1"/>
+                          </a:solidFill>
+                        </a:rPr>
+                        <a:t>6</a:t>
+                      </a:r>
+                    </a:p>
+                  </a:txBody>
+                  <a:tcPr>
+                    <a:solidFill>
+                      <a:srgbClr val="FFFF00"/>
+                    </a:solidFill>
+                  </a:tcPr>
+                </a:tc>
+                <a:tc>
+                  <a:txBody>
+                    <a:bodyPr/>
+                    <a:lstStyle/>
+                    <a:p>
+                      <a:pPr algn="ctr"/>
+                      <a:r>
+                        <a:rPr lang="en-US" sz="1200" b="0" i="1" dirty="0">
+                          <a:solidFill>
+                            <a:schemeClr val="tx1"/>
+                          </a:solidFill>
+                        </a:rPr>
+                        <a:t>1</a:t>
+                      </a:r>
+                    </a:p>
+                  </a:txBody>
+                  <a:tcPr>
+                    <a:solidFill>
+                      <a:srgbClr val="FFFF00"/>
+                    </a:solidFill>
+                  </a:tcPr>
+                </a:tc>
+                <a:tc>
+                  <a:txBody>
+                    <a:bodyPr/>
+                    <a:lstStyle/>
+                    <a:p>
+                      <a:pPr algn="ctr"/>
+                      <a:r>
+                        <a:rPr lang="en-US" sz="1200" b="0" i="1" dirty="0">
+                          <a:solidFill>
+                            <a:schemeClr val="tx1"/>
+                          </a:solidFill>
+                        </a:rPr>
+                        <a:t>0</a:t>
+                      </a:r>
+                    </a:p>
+                  </a:txBody>
+                  <a:tcPr>
+                    <a:solidFill>
+                      <a:srgbClr val="FFFF00"/>
+                    </a:solidFill>
+                  </a:tcPr>
+                </a:tc>
+                <a:extLst>
+                  <a:ext uri="{0D108BD9-81ED-4DB2-BD59-A6C34878D82A}">
+                    <a16:rowId xmlns:a16="http://schemas.microsoft.com/office/drawing/2014/main" val="1646657682"/>
+                  </a:ext>
+                </a:extLst>
+              </a:tr>
+            </a:tbl>
+          </a:graphicData>
+        </a:graphic>
+      </p:graphicFrame>
+      <p:graphicFrame>
+        <p:nvGraphicFramePr>
+          <p:cNvPr id="41" name="Table 40">
+            <a:extLst>
+              <a:ext uri="{FF2B5EF4-FFF2-40B4-BE49-F238E27FC236}">
+                <a16:creationId xmlns:a16="http://schemas.microsoft.com/office/drawing/2014/main" id="{B32B7EA1-09C1-3B46-9E13-F44FC52F600C}"/>
+              </a:ext>
+            </a:extLst>
+          </p:cNvPr>
+          <p:cNvGraphicFramePr>
+            <a:graphicFrameLocks noGrp="1"/>
+          </p:cNvGraphicFramePr>
+          <p:nvPr>
+            <p:extLst>
+              <p:ext uri="{D42A27DB-BD31-4B8C-83A1-F6EECF244321}">
+                <p14:modId xmlns:p14="http://schemas.microsoft.com/office/powerpoint/2010/main" val="4289955238"/>
+              </p:ext>
+            </p:extLst>
+          </p:nvPr>
+        </p:nvGraphicFramePr>
+        <p:xfrm>
+          <a:off x="2475428" y="5311784"/>
+          <a:ext cx="649356" cy="838200"/>
+        </p:xfrm>
+        <a:graphic>
+          <a:graphicData uri="http://schemas.openxmlformats.org/drawingml/2006/table">
+            <a:tbl>
+              <a:tblPr>
+                <a:tableStyleId>{5C22544A-7EE6-4342-B048-85BDC9FD1C3A}</a:tableStyleId>
+              </a:tblPr>
+              <a:tblGrid>
+                <a:gridCol w="649356">
+                  <a:extLst>
+                    <a:ext uri="{9D8B030D-6E8A-4147-A177-3AD203B41FA5}">
+                      <a16:colId xmlns:a16="http://schemas.microsoft.com/office/drawing/2014/main" val="133326191"/>
+                    </a:ext>
+                  </a:extLst>
+                </a:gridCol>
+              </a:tblGrid>
+              <a:tr h="279400">
+                <a:tc>
+                  <a:txBody>
+                    <a:bodyPr/>
+                    <a:lstStyle/>
+                    <a:p>
+                      <a:pPr algn="r"/>
+                      <a:r>
+                        <a:rPr lang="en-US" sz="1200" b="0" dirty="0">
+                          <a:solidFill>
+                            <a:schemeClr val="tx1"/>
+                          </a:solidFill>
+                        </a:rPr>
+                        <a:t>1.00</a:t>
+                      </a:r>
+                    </a:p>
+                  </a:txBody>
+                  <a:tcPr>
+                    <a:solidFill>
+                      <a:schemeClr val="accent5">
+                        <a:lumMod val="20000"/>
+                        <a:lumOff val="80000"/>
+                      </a:schemeClr>
+                    </a:solidFill>
+                  </a:tcPr>
+                </a:tc>
+                <a:extLst>
+                  <a:ext uri="{0D108BD9-81ED-4DB2-BD59-A6C34878D82A}">
+                    <a16:rowId xmlns:a16="http://schemas.microsoft.com/office/drawing/2014/main" val="2821976943"/>
+                  </a:ext>
+                </a:extLst>
+              </a:tr>
+              <a:tr h="279400">
+                <a:tc>
+                  <a:txBody>
+                    <a:bodyPr/>
+                    <a:lstStyle/>
+                    <a:p>
+                      <a:pPr algn="r"/>
+                      <a:r>
+                        <a:rPr lang="en-US" sz="1200" dirty="0">
+                          <a:solidFill>
+                            <a:schemeClr val="tx1"/>
+                          </a:solidFill>
+                        </a:rPr>
+                        <a:t>1.50</a:t>
+                      </a:r>
+                    </a:p>
+                  </a:txBody>
+                  <a:tcPr>
+                    <a:solidFill>
+                      <a:schemeClr val="accent5">
+                        <a:lumMod val="20000"/>
+                        <a:lumOff val="80000"/>
+                      </a:schemeClr>
+                    </a:solidFill>
+                  </a:tcPr>
+                </a:tc>
+                <a:extLst>
+                  <a:ext uri="{0D108BD9-81ED-4DB2-BD59-A6C34878D82A}">
+                    <a16:rowId xmlns:a16="http://schemas.microsoft.com/office/drawing/2014/main" val="2084588645"/>
+                  </a:ext>
+                </a:extLst>
+              </a:tr>
+              <a:tr h="279400">
+                <a:tc>
+                  <a:txBody>
+                    <a:bodyPr/>
+                    <a:lstStyle/>
+                    <a:p>
+                      <a:pPr algn="r"/>
+                      <a:r>
+                        <a:rPr lang="en-US" sz="1200" dirty="0">
+                          <a:solidFill>
+                            <a:schemeClr val="tx1"/>
+                          </a:solidFill>
+                        </a:rPr>
+                        <a:t>4.00</a:t>
+                      </a:r>
+                    </a:p>
+                  </a:txBody>
+                  <a:tcPr>
+                    <a:solidFill>
+                      <a:schemeClr val="accent5">
+                        <a:lumMod val="20000"/>
+                        <a:lumOff val="80000"/>
+                      </a:schemeClr>
+                    </a:solidFill>
+                  </a:tcPr>
+                </a:tc>
+                <a:extLst>
+                  <a:ext uri="{0D108BD9-81ED-4DB2-BD59-A6C34878D82A}">
+                    <a16:rowId xmlns:a16="http://schemas.microsoft.com/office/drawing/2014/main" val="4130161207"/>
+                  </a:ext>
+                </a:extLst>
+              </a:tr>
+            </a:tbl>
+          </a:graphicData>
+        </a:graphic>
+      </p:graphicFrame>
+      <p:graphicFrame>
+        <p:nvGraphicFramePr>
+          <p:cNvPr id="43" name="Table 42">
+            <a:extLst>
+              <a:ext uri="{FF2B5EF4-FFF2-40B4-BE49-F238E27FC236}">
+                <a16:creationId xmlns:a16="http://schemas.microsoft.com/office/drawing/2014/main" id="{BA5B0EB5-047A-D47D-30D2-FA10A1C95F5F}"/>
+              </a:ext>
+            </a:extLst>
+          </p:cNvPr>
+          <p:cNvGraphicFramePr>
+            <a:graphicFrameLocks noGrp="1"/>
+          </p:cNvGraphicFramePr>
+          <p:nvPr>
+            <p:extLst>
+              <p:ext uri="{D42A27DB-BD31-4B8C-83A1-F6EECF244321}">
+                <p14:modId xmlns:p14="http://schemas.microsoft.com/office/powerpoint/2010/main" val="3880319649"/>
+              </p:ext>
+            </p:extLst>
+          </p:nvPr>
+        </p:nvGraphicFramePr>
+        <p:xfrm>
+          <a:off x="4655404" y="5311784"/>
+          <a:ext cx="649356" cy="838200"/>
+        </p:xfrm>
+        <a:graphic>
+          <a:graphicData uri="http://schemas.openxmlformats.org/drawingml/2006/table">
+            <a:tbl>
+              <a:tblPr>
+                <a:tableStyleId>{5C22544A-7EE6-4342-B048-85BDC9FD1C3A}</a:tableStyleId>
+              </a:tblPr>
+              <a:tblGrid>
+                <a:gridCol w="649356">
+                  <a:extLst>
+                    <a:ext uri="{9D8B030D-6E8A-4147-A177-3AD203B41FA5}">
+                      <a16:colId xmlns:a16="http://schemas.microsoft.com/office/drawing/2014/main" val="133326191"/>
+                    </a:ext>
+                  </a:extLst>
+                </a:gridCol>
+              </a:tblGrid>
+              <a:tr h="279400">
+                <a:tc>
+                  <a:txBody>
+                    <a:bodyPr/>
+                    <a:lstStyle/>
+                    <a:p>
+                      <a:pPr algn="r"/>
+                      <a:r>
+                        <a:rPr lang="en-US" sz="1200" dirty="0"/>
+                        <a:t>0.80</a:t>
+                      </a:r>
+                    </a:p>
+                  </a:txBody>
+                  <a:tcPr>
+                    <a:solidFill>
+                      <a:schemeClr val="accent2">
+                        <a:lumMod val="40000"/>
+                        <a:lumOff val="60000"/>
+                      </a:schemeClr>
+                    </a:solidFill>
+                  </a:tcPr>
+                </a:tc>
+                <a:extLst>
+                  <a:ext uri="{0D108BD9-81ED-4DB2-BD59-A6C34878D82A}">
+                    <a16:rowId xmlns:a16="http://schemas.microsoft.com/office/drawing/2014/main" val="2821976943"/>
+                  </a:ext>
+                </a:extLst>
+              </a:tr>
+              <a:tr h="279400">
+                <a:tc>
+                  <a:txBody>
+                    <a:bodyPr/>
+                    <a:lstStyle/>
+                    <a:p>
+                      <a:pPr algn="r"/>
+                      <a:r>
+                        <a:rPr lang="en-US" sz="1200" dirty="0"/>
+                        <a:t>1.00</a:t>
+                      </a:r>
+                    </a:p>
+                  </a:txBody>
+                  <a:tcPr>
+                    <a:solidFill>
+                      <a:schemeClr val="accent2">
+                        <a:lumMod val="40000"/>
+                        <a:lumOff val="60000"/>
+                      </a:schemeClr>
+                    </a:solidFill>
+                  </a:tcPr>
+                </a:tc>
+                <a:extLst>
+                  <a:ext uri="{0D108BD9-81ED-4DB2-BD59-A6C34878D82A}">
+                    <a16:rowId xmlns:a16="http://schemas.microsoft.com/office/drawing/2014/main" val="2084588645"/>
+                  </a:ext>
+                </a:extLst>
+              </a:tr>
+              <a:tr h="279400">
+                <a:tc>
+                  <a:txBody>
+                    <a:bodyPr/>
+                    <a:lstStyle/>
+                    <a:p>
+                      <a:pPr algn="r"/>
+                      <a:r>
+                        <a:rPr lang="en-US" sz="1200" dirty="0"/>
+                        <a:t>4.50</a:t>
+                      </a:r>
+                    </a:p>
+                  </a:txBody>
+                  <a:tcPr>
+                    <a:solidFill>
+                      <a:schemeClr val="accent2">
+                        <a:lumMod val="40000"/>
+                        <a:lumOff val="60000"/>
+                      </a:schemeClr>
+                    </a:solidFill>
+                  </a:tcPr>
+                </a:tc>
+                <a:extLst>
+                  <a:ext uri="{0D108BD9-81ED-4DB2-BD59-A6C34878D82A}">
+                    <a16:rowId xmlns:a16="http://schemas.microsoft.com/office/drawing/2014/main" val="4130161207"/>
+                  </a:ext>
+                </a:extLst>
+              </a:tr>
+            </a:tbl>
+          </a:graphicData>
+        </a:graphic>
+      </p:graphicFrame>
+      <p:graphicFrame>
+        <p:nvGraphicFramePr>
+          <p:cNvPr id="45" name="Table 44">
+            <a:extLst>
+              <a:ext uri="{FF2B5EF4-FFF2-40B4-BE49-F238E27FC236}">
+                <a16:creationId xmlns:a16="http://schemas.microsoft.com/office/drawing/2014/main" id="{821FB603-4E79-2F9B-9BCD-EE4B69DE0C62}"/>
+              </a:ext>
+            </a:extLst>
+          </p:cNvPr>
+          <p:cNvGraphicFramePr>
+            <a:graphicFrameLocks noGrp="1"/>
+          </p:cNvGraphicFramePr>
+          <p:nvPr>
+            <p:extLst>
+              <p:ext uri="{D42A27DB-BD31-4B8C-83A1-F6EECF244321}">
+                <p14:modId xmlns:p14="http://schemas.microsoft.com/office/powerpoint/2010/main" val="420792848"/>
+              </p:ext>
+            </p:extLst>
+          </p:nvPr>
+        </p:nvGraphicFramePr>
+        <p:xfrm>
+          <a:off x="6822141" y="5311784"/>
+          <a:ext cx="649356" cy="838200"/>
+        </p:xfrm>
+        <a:graphic>
+          <a:graphicData uri="http://schemas.openxmlformats.org/drawingml/2006/table">
+            <a:tbl>
+              <a:tblPr>
+                <a:tableStyleId>{5C22544A-7EE6-4342-B048-85BDC9FD1C3A}</a:tableStyleId>
+              </a:tblPr>
+              <a:tblGrid>
+                <a:gridCol w="649356">
+                  <a:extLst>
+                    <a:ext uri="{9D8B030D-6E8A-4147-A177-3AD203B41FA5}">
+                      <a16:colId xmlns:a16="http://schemas.microsoft.com/office/drawing/2014/main" val="133326191"/>
+                    </a:ext>
+                  </a:extLst>
+                </a:gridCol>
+              </a:tblGrid>
+              <a:tr h="279400">
+                <a:tc>
+                  <a:txBody>
+                    <a:bodyPr/>
+                    <a:lstStyle/>
+                    <a:p>
+                      <a:pPr algn="r"/>
+                      <a:r>
+                        <a:rPr lang="en-US" sz="1200" dirty="0"/>
+                        <a:t>1.20</a:t>
+                      </a:r>
+                    </a:p>
+                  </a:txBody>
+                  <a:tcPr>
+                    <a:solidFill>
+                      <a:schemeClr val="tx2">
+                        <a:lumMod val="10000"/>
+                        <a:lumOff val="90000"/>
+                      </a:schemeClr>
+                    </a:solidFill>
+                  </a:tcPr>
+                </a:tc>
+                <a:extLst>
+                  <a:ext uri="{0D108BD9-81ED-4DB2-BD59-A6C34878D82A}">
+                    <a16:rowId xmlns:a16="http://schemas.microsoft.com/office/drawing/2014/main" val="2821976943"/>
+                  </a:ext>
+                </a:extLst>
+              </a:tr>
+              <a:tr h="279400">
+                <a:tc>
+                  <a:txBody>
+                    <a:bodyPr/>
+                    <a:lstStyle/>
+                    <a:p>
+                      <a:pPr algn="r"/>
+                      <a:r>
+                        <a:rPr lang="en-US" sz="1200" dirty="0"/>
+                        <a:t>1.25</a:t>
+                      </a:r>
+                    </a:p>
+                  </a:txBody>
+                  <a:tcPr>
+                    <a:solidFill>
+                      <a:schemeClr val="tx2">
+                        <a:lumMod val="10000"/>
+                        <a:lumOff val="90000"/>
+                      </a:schemeClr>
+                    </a:solidFill>
+                  </a:tcPr>
+                </a:tc>
+                <a:extLst>
+                  <a:ext uri="{0D108BD9-81ED-4DB2-BD59-A6C34878D82A}">
+                    <a16:rowId xmlns:a16="http://schemas.microsoft.com/office/drawing/2014/main" val="2084588645"/>
+                  </a:ext>
+                </a:extLst>
+              </a:tr>
+              <a:tr h="279400">
+                <a:tc>
+                  <a:txBody>
+                    <a:bodyPr/>
+                    <a:lstStyle/>
+                    <a:p>
+                      <a:pPr algn="r"/>
+                      <a:r>
+                        <a:rPr lang="en-US" sz="1200" dirty="0"/>
+                        <a:t>3.75</a:t>
+                      </a:r>
+                    </a:p>
+                  </a:txBody>
+                  <a:tcPr>
+                    <a:solidFill>
+                      <a:schemeClr val="tx2">
+                        <a:lumMod val="10000"/>
+                        <a:lumOff val="90000"/>
+                      </a:schemeClr>
+                    </a:solidFill>
+                  </a:tcPr>
+                </a:tc>
+                <a:extLst>
+                  <a:ext uri="{0D108BD9-81ED-4DB2-BD59-A6C34878D82A}">
+                    <a16:rowId xmlns:a16="http://schemas.microsoft.com/office/drawing/2014/main" val="4130161207"/>
+                  </a:ext>
+                </a:extLst>
+              </a:tr>
+            </a:tbl>
+          </a:graphicData>
+        </a:graphic>
+      </p:graphicFrame>
+      <p:graphicFrame>
+        <p:nvGraphicFramePr>
+          <p:cNvPr id="46" name="Table 45">
+            <a:extLst>
+              <a:ext uri="{FF2B5EF4-FFF2-40B4-BE49-F238E27FC236}">
+                <a16:creationId xmlns:a16="http://schemas.microsoft.com/office/drawing/2014/main" id="{AA70B930-FA0F-6252-2C21-33F0D420BB45}"/>
+              </a:ext>
+            </a:extLst>
+          </p:cNvPr>
+          <p:cNvGraphicFramePr>
+            <a:graphicFrameLocks noGrp="1"/>
+          </p:cNvGraphicFramePr>
+          <p:nvPr>
+            <p:extLst>
+              <p:ext uri="{D42A27DB-BD31-4B8C-83A1-F6EECF244321}">
+                <p14:modId xmlns:p14="http://schemas.microsoft.com/office/powerpoint/2010/main" val="1187511147"/>
+              </p:ext>
+            </p:extLst>
+          </p:nvPr>
+        </p:nvGraphicFramePr>
+        <p:xfrm>
+          <a:off x="5758820" y="5311782"/>
+          <a:ext cx="1056858" cy="274320"/>
+        </p:xfrm>
+        <a:graphic>
+          <a:graphicData uri="http://schemas.openxmlformats.org/drawingml/2006/table">
+            <a:tbl>
+              <a:tblPr firstRow="1" bandRow="1">
+                <a:tableStyleId>{5C22544A-7EE6-4342-B048-85BDC9FD1C3A}</a:tableStyleId>
+              </a:tblPr>
+              <a:tblGrid>
+                <a:gridCol w="352286">
+                  <a:extLst>
+                    <a:ext uri="{9D8B030D-6E8A-4147-A177-3AD203B41FA5}">
+                      <a16:colId xmlns:a16="http://schemas.microsoft.com/office/drawing/2014/main" val="1364302646"/>
+                    </a:ext>
+                  </a:extLst>
+                </a:gridCol>
+                <a:gridCol w="352286">
+                  <a:extLst>
+                    <a:ext uri="{9D8B030D-6E8A-4147-A177-3AD203B41FA5}">
+                      <a16:colId xmlns:a16="http://schemas.microsoft.com/office/drawing/2014/main" val="897129219"/>
+                    </a:ext>
+                  </a:extLst>
+                </a:gridCol>
+                <a:gridCol w="352286">
+                  <a:extLst>
+                    <a:ext uri="{9D8B030D-6E8A-4147-A177-3AD203B41FA5}">
+                      <a16:colId xmlns:a16="http://schemas.microsoft.com/office/drawing/2014/main" val="3174369069"/>
+                    </a:ext>
+                  </a:extLst>
+                </a:gridCol>
+              </a:tblGrid>
+              <a:tr h="224354">
+                <a:tc>
+                  <a:txBody>
+                    <a:bodyPr/>
+                    <a:lstStyle/>
+                    <a:p>
+                      <a:pPr algn="ctr"/>
+                      <a:r>
+                        <a:rPr lang="en-US" sz="1200" b="0" i="1" dirty="0">
+                          <a:solidFill>
+                            <a:schemeClr val="tx1"/>
+                          </a:solidFill>
+                        </a:rPr>
+                        <a:t>6</a:t>
+                      </a:r>
+                    </a:p>
+                  </a:txBody>
+                  <a:tcPr>
+                    <a:solidFill>
+                      <a:srgbClr val="FFFF00"/>
+                    </a:solidFill>
+                  </a:tcPr>
+                </a:tc>
+                <a:tc>
+                  <a:txBody>
+                    <a:bodyPr/>
+                    <a:lstStyle/>
+                    <a:p>
+                      <a:pPr algn="ctr"/>
+                      <a:r>
+                        <a:rPr lang="en-US" sz="1200" b="0" i="1" dirty="0">
+                          <a:solidFill>
+                            <a:schemeClr val="tx1"/>
+                          </a:solidFill>
+                        </a:rPr>
+                        <a:t>1</a:t>
+                      </a:r>
+                    </a:p>
+                  </a:txBody>
+                  <a:tcPr>
+                    <a:solidFill>
+                      <a:srgbClr val="FFFF00"/>
+                    </a:solidFill>
+                  </a:tcPr>
+                </a:tc>
+                <a:tc>
+                  <a:txBody>
+                    <a:bodyPr/>
+                    <a:lstStyle/>
+                    <a:p>
+                      <a:pPr algn="ctr"/>
+                      <a:r>
+                        <a:rPr lang="en-US" sz="1200" b="0" i="1" dirty="0">
+                          <a:solidFill>
+                            <a:schemeClr val="tx1"/>
+                          </a:solidFill>
+                        </a:rPr>
+                        <a:t>0</a:t>
+                      </a:r>
+                    </a:p>
+                  </a:txBody>
+                  <a:tcPr>
+                    <a:solidFill>
+                      <a:srgbClr val="FFFF00"/>
+                    </a:solidFill>
+                  </a:tcPr>
+                </a:tc>
+                <a:extLst>
+                  <a:ext uri="{0D108BD9-81ED-4DB2-BD59-A6C34878D82A}">
+                    <a16:rowId xmlns:a16="http://schemas.microsoft.com/office/drawing/2014/main" val="2637410703"/>
+                  </a:ext>
+                </a:extLst>
+              </a:tr>
+            </a:tbl>
+          </a:graphicData>
+        </a:graphic>
+      </p:graphicFrame>
+      <p:graphicFrame>
+        <p:nvGraphicFramePr>
+          <p:cNvPr id="47" name="Table 46">
+            <a:extLst>
+              <a:ext uri="{FF2B5EF4-FFF2-40B4-BE49-F238E27FC236}">
+                <a16:creationId xmlns:a16="http://schemas.microsoft.com/office/drawing/2014/main" id="{6794A30D-9935-F21D-556F-4C8B3944FB50}"/>
+              </a:ext>
+            </a:extLst>
+          </p:cNvPr>
+          <p:cNvGraphicFramePr>
+            <a:graphicFrameLocks noGrp="1"/>
+          </p:cNvGraphicFramePr>
+          <p:nvPr>
+            <p:extLst>
+              <p:ext uri="{D42A27DB-BD31-4B8C-83A1-F6EECF244321}">
+                <p14:modId xmlns:p14="http://schemas.microsoft.com/office/powerpoint/2010/main" val="1661791465"/>
+              </p:ext>
+            </p:extLst>
+          </p:nvPr>
+        </p:nvGraphicFramePr>
+        <p:xfrm>
+          <a:off x="3588695" y="5311782"/>
+          <a:ext cx="1056858" cy="274320"/>
+        </p:xfrm>
+        <a:graphic>
+          <a:graphicData uri="http://schemas.openxmlformats.org/drawingml/2006/table">
+            <a:tbl>
+              <a:tblPr firstRow="1" bandRow="1">
+                <a:tableStyleId>{5C22544A-7EE6-4342-B048-85BDC9FD1C3A}</a:tableStyleId>
+              </a:tblPr>
+              <a:tblGrid>
+                <a:gridCol w="352286">
+                  <a:extLst>
+                    <a:ext uri="{9D8B030D-6E8A-4147-A177-3AD203B41FA5}">
+                      <a16:colId xmlns:a16="http://schemas.microsoft.com/office/drawing/2014/main" val="1364302646"/>
+                    </a:ext>
+                  </a:extLst>
+                </a:gridCol>
+                <a:gridCol w="352286">
+                  <a:extLst>
+                    <a:ext uri="{9D8B030D-6E8A-4147-A177-3AD203B41FA5}">
+                      <a16:colId xmlns:a16="http://schemas.microsoft.com/office/drawing/2014/main" val="897129219"/>
+                    </a:ext>
+                  </a:extLst>
+                </a:gridCol>
+                <a:gridCol w="352286">
+                  <a:extLst>
+                    <a:ext uri="{9D8B030D-6E8A-4147-A177-3AD203B41FA5}">
+                      <a16:colId xmlns:a16="http://schemas.microsoft.com/office/drawing/2014/main" val="3174369069"/>
+                    </a:ext>
+                  </a:extLst>
+                </a:gridCol>
+              </a:tblGrid>
+              <a:tr h="201957">
+                <a:tc>
+                  <a:txBody>
+                    <a:bodyPr/>
+                    <a:lstStyle/>
+                    <a:p>
+                      <a:pPr algn="ctr"/>
+                      <a:r>
+                        <a:rPr lang="en-US" sz="1200" b="0" i="1" dirty="0">
+                          <a:solidFill>
+                            <a:schemeClr val="tx1"/>
+                          </a:solidFill>
+                        </a:rPr>
+                        <a:t>6</a:t>
+                      </a:r>
+                    </a:p>
+                  </a:txBody>
+                  <a:tcPr>
+                    <a:solidFill>
+                      <a:srgbClr val="FFFF00"/>
+                    </a:solidFill>
+                  </a:tcPr>
+                </a:tc>
+                <a:tc>
+                  <a:txBody>
+                    <a:bodyPr/>
+                    <a:lstStyle/>
+                    <a:p>
+                      <a:pPr algn="ctr"/>
+                      <a:r>
+                        <a:rPr lang="en-US" sz="1200" b="0" i="1" dirty="0">
+                          <a:solidFill>
+                            <a:schemeClr val="tx1"/>
+                          </a:solidFill>
+                        </a:rPr>
+                        <a:t>1</a:t>
+                      </a:r>
+                    </a:p>
+                  </a:txBody>
+                  <a:tcPr>
+                    <a:solidFill>
+                      <a:srgbClr val="FFFF00"/>
+                    </a:solidFill>
+                  </a:tcPr>
+                </a:tc>
+                <a:tc>
+                  <a:txBody>
+                    <a:bodyPr/>
+                    <a:lstStyle/>
+                    <a:p>
+                      <a:pPr algn="ctr"/>
+                      <a:r>
+                        <a:rPr lang="en-US" sz="1200" b="0" i="1" dirty="0">
+                          <a:solidFill>
+                            <a:schemeClr val="tx1"/>
+                          </a:solidFill>
+                        </a:rPr>
+                        <a:t>0</a:t>
+                      </a:r>
+                    </a:p>
+                  </a:txBody>
+                  <a:tcPr>
+                    <a:solidFill>
+                      <a:srgbClr val="FFFF00"/>
+                    </a:solidFill>
+                  </a:tcPr>
+                </a:tc>
+                <a:extLst>
+                  <a:ext uri="{0D108BD9-81ED-4DB2-BD59-A6C34878D82A}">
+                    <a16:rowId xmlns:a16="http://schemas.microsoft.com/office/drawing/2014/main" val="2637410703"/>
+                  </a:ext>
+                </a:extLst>
+              </a:tr>
+            </a:tbl>
+          </a:graphicData>
+        </a:graphic>
+      </p:graphicFrame>
+    </p:spTree>
+    <p:extLst>
+      <p:ext uri="{BB962C8B-B14F-4D97-AF65-F5344CB8AC3E}">
+        <p14:creationId xmlns:p14="http://schemas.microsoft.com/office/powerpoint/2010/main" val="4123240815"/>
       </p:ext>
     </p:extLst>
   </p:cSld>
